--- a/CURSO DEV FULL STACK AULA 06.pptx
+++ b/CURSO DEV FULL STACK AULA 06.pptx
@@ -24,6 +24,31 @@
     <p:sldId id="265" r:id="rId18"/>
     <p:sldId id="274" r:id="rId19"/>
     <p:sldId id="266" r:id="rId20"/>
+    <p:sldId id="280" r:id="rId21"/>
+    <p:sldId id="281" r:id="rId22"/>
+    <p:sldId id="282" r:id="rId23"/>
+    <p:sldId id="296" r:id="rId24"/>
+    <p:sldId id="297" r:id="rId25"/>
+    <p:sldId id="298" r:id="rId26"/>
+    <p:sldId id="299" r:id="rId27"/>
+    <p:sldId id="300" r:id="rId28"/>
+    <p:sldId id="302" r:id="rId29"/>
+    <p:sldId id="301" r:id="rId30"/>
+    <p:sldId id="275" r:id="rId31"/>
+    <p:sldId id="276" r:id="rId32"/>
+    <p:sldId id="277" r:id="rId33"/>
+    <p:sldId id="290" r:id="rId34"/>
+    <p:sldId id="292" r:id="rId35"/>
+    <p:sldId id="287" r:id="rId36"/>
+    <p:sldId id="288" r:id="rId37"/>
+    <p:sldId id="284" r:id="rId38"/>
+    <p:sldId id="285" r:id="rId39"/>
+    <p:sldId id="294" r:id="rId40"/>
+    <p:sldId id="303" r:id="rId41"/>
+    <p:sldId id="295" r:id="rId42"/>
+    <p:sldId id="286" r:id="rId43"/>
+    <p:sldId id="304" r:id="rId44"/>
+    <p:sldId id="293" r:id="rId45"/>
   </p:sldIdLst>
   <p:sldSz cx="12192000" cy="6858000"/>
   <p:notesSz cx="6858000" cy="9144000"/>
@@ -122,6 +147,11 @@
       </a:defRPr>
     </a:lvl9pPr>
   </p:defaultTextStyle>
+  <p:extLst>
+    <p:ext uri="{EFAFB233-063F-42B5-8137-9DF3F51BA10A}">
+      <p15:sldGuideLst xmlns:p15="http://schemas.microsoft.com/office/powerpoint/2012/main"/>
+    </p:ext>
+  </p:extLst>
 </p:presentation>
 </file>
 
@@ -272,7 +302,7 @@
           <a:p>
             <a:fld id="{C82E32A8-92A8-4ED4-AFA3-E65C447017C7}" type="datetimeFigureOut">
               <a:rPr lang="pt-BR" smtClean="0"/>
-              <a:t>14/12/2022</a:t>
+              <a:t>19/12/2022</a:t>
             </a:fld>
             <a:endParaRPr lang="pt-BR"/>
           </a:p>
@@ -470,7 +500,7 @@
           <a:p>
             <a:fld id="{C82E32A8-92A8-4ED4-AFA3-E65C447017C7}" type="datetimeFigureOut">
               <a:rPr lang="pt-BR" smtClean="0"/>
-              <a:t>14/12/2022</a:t>
+              <a:t>19/12/2022</a:t>
             </a:fld>
             <a:endParaRPr lang="pt-BR"/>
           </a:p>
@@ -678,7 +708,7 @@
           <a:p>
             <a:fld id="{C82E32A8-92A8-4ED4-AFA3-E65C447017C7}" type="datetimeFigureOut">
               <a:rPr lang="pt-BR" smtClean="0"/>
-              <a:t>14/12/2022</a:t>
+              <a:t>19/12/2022</a:t>
             </a:fld>
             <a:endParaRPr lang="pt-BR"/>
           </a:p>
@@ -876,7 +906,7 @@
           <a:p>
             <a:fld id="{C82E32A8-92A8-4ED4-AFA3-E65C447017C7}" type="datetimeFigureOut">
               <a:rPr lang="pt-BR" smtClean="0"/>
-              <a:t>14/12/2022</a:t>
+              <a:t>19/12/2022</a:t>
             </a:fld>
             <a:endParaRPr lang="pt-BR"/>
           </a:p>
@@ -1151,7 +1181,7 @@
           <a:p>
             <a:fld id="{C82E32A8-92A8-4ED4-AFA3-E65C447017C7}" type="datetimeFigureOut">
               <a:rPr lang="pt-BR" smtClean="0"/>
-              <a:t>14/12/2022</a:t>
+              <a:t>19/12/2022</a:t>
             </a:fld>
             <a:endParaRPr lang="pt-BR"/>
           </a:p>
@@ -1416,7 +1446,7 @@
           <a:p>
             <a:fld id="{C82E32A8-92A8-4ED4-AFA3-E65C447017C7}" type="datetimeFigureOut">
               <a:rPr lang="pt-BR" smtClean="0"/>
-              <a:t>14/12/2022</a:t>
+              <a:t>19/12/2022</a:t>
             </a:fld>
             <a:endParaRPr lang="pt-BR"/>
           </a:p>
@@ -1828,7 +1858,7 @@
           <a:p>
             <a:fld id="{C82E32A8-92A8-4ED4-AFA3-E65C447017C7}" type="datetimeFigureOut">
               <a:rPr lang="pt-BR" smtClean="0"/>
-              <a:t>14/12/2022</a:t>
+              <a:t>19/12/2022</a:t>
             </a:fld>
             <a:endParaRPr lang="pt-BR"/>
           </a:p>
@@ -1969,7 +1999,7 @@
           <a:p>
             <a:fld id="{C82E32A8-92A8-4ED4-AFA3-E65C447017C7}" type="datetimeFigureOut">
               <a:rPr lang="pt-BR" smtClean="0"/>
-              <a:t>14/12/2022</a:t>
+              <a:t>19/12/2022</a:t>
             </a:fld>
             <a:endParaRPr lang="pt-BR"/>
           </a:p>
@@ -2082,7 +2112,7 @@
           <a:p>
             <a:fld id="{C82E32A8-92A8-4ED4-AFA3-E65C447017C7}" type="datetimeFigureOut">
               <a:rPr lang="pt-BR" smtClean="0"/>
-              <a:t>14/12/2022</a:t>
+              <a:t>19/12/2022</a:t>
             </a:fld>
             <a:endParaRPr lang="pt-BR"/>
           </a:p>
@@ -2393,7 +2423,7 @@
           <a:p>
             <a:fld id="{C82E32A8-92A8-4ED4-AFA3-E65C447017C7}" type="datetimeFigureOut">
               <a:rPr lang="pt-BR" smtClean="0"/>
-              <a:t>14/12/2022</a:t>
+              <a:t>19/12/2022</a:t>
             </a:fld>
             <a:endParaRPr lang="pt-BR"/>
           </a:p>
@@ -2681,7 +2711,7 @@
           <a:p>
             <a:fld id="{C82E32A8-92A8-4ED4-AFA3-E65C447017C7}" type="datetimeFigureOut">
               <a:rPr lang="pt-BR" smtClean="0"/>
-              <a:t>14/12/2022</a:t>
+              <a:t>19/12/2022</a:t>
             </a:fld>
             <a:endParaRPr lang="pt-BR"/>
           </a:p>
@@ -2922,7 +2952,7 @@
           <a:p>
             <a:fld id="{C82E32A8-92A8-4ED4-AFA3-E65C447017C7}" type="datetimeFigureOut">
               <a:rPr lang="pt-BR" smtClean="0"/>
-              <a:t>14/12/2022</a:t>
+              <a:t>19/12/2022</a:t>
             </a:fld>
             <a:endParaRPr lang="pt-BR"/>
           </a:p>
@@ -4430,16 +4460,16 @@
             </a:r>
             <a:r>
               <a:rPr lang="pt-BR" dirty="0"/>
-              <a:t>): </a:t>
-            </a:r>
-          </a:p>
-          <a:p>
-            <a:pPr marL="0" indent="0">
-              <a:buNone/>
-            </a:pPr>
-            <a:r>
-              <a:rPr lang="pt-BR" dirty="0"/>
-              <a:t>  print(</a:t>
+              <a:t>):</a:t>
+            </a:r>
+          </a:p>
+          <a:p>
+            <a:pPr marL="0" indent="0">
+              <a:buNone/>
+            </a:pPr>
+            <a:r>
+              <a:rPr lang="pt-BR" dirty="0"/>
+              <a:t>    print(</a:t>
             </a:r>
             <a:r>
               <a:rPr lang="pt-BR" dirty="0" err="1"/>
@@ -4447,16 +4477,52 @@
             </a:r>
             <a:r>
               <a:rPr lang="pt-BR" dirty="0"/>
-              <a:t>) </a:t>
-            </a:r>
-          </a:p>
-          <a:p>
-            <a:pPr marL="0" indent="0">
-              <a:buNone/>
-            </a:pPr>
-            <a:r>
-              <a:rPr lang="pt-BR" dirty="0"/>
-              <a:t>  </a:t>
+              <a:t>)</a:t>
+            </a:r>
+          </a:p>
+          <a:p>
+            <a:pPr marL="0" indent="0">
+              <a:buNone/>
+            </a:pPr>
+            <a:r>
+              <a:rPr lang="pt-BR" dirty="0"/>
+              <a:t>    media=sum(</a:t>
+            </a:r>
+            <a:r>
+              <a:rPr lang="pt-BR" dirty="0" err="1"/>
+              <a:t>args</a:t>
+            </a:r>
+            <a:r>
+              <a:rPr lang="pt-BR" dirty="0"/>
+              <a:t>) / </a:t>
+            </a:r>
+            <a:r>
+              <a:rPr lang="pt-BR" dirty="0" err="1"/>
+              <a:t>len</a:t>
+            </a:r>
+            <a:r>
+              <a:rPr lang="pt-BR" dirty="0"/>
+              <a:t>(</a:t>
+            </a:r>
+            <a:r>
+              <a:rPr lang="pt-BR" dirty="0" err="1"/>
+              <a:t>args</a:t>
+            </a:r>
+            <a:r>
+              <a:rPr lang="pt-BR" dirty="0"/>
+              <a:t>)</a:t>
+            </a:r>
+          </a:p>
+          <a:p>
+            <a:pPr marL="0" indent="0">
+              <a:buNone/>
+            </a:pPr>
+            <a:br>
+              <a:rPr lang="pt-BR" dirty="0"/>
+            </a:br>
+            <a:r>
+              <a:rPr lang="pt-BR" dirty="0"/>
+              <a:t>    </a:t>
             </a:r>
             <a:r>
               <a:rPr lang="pt-BR" dirty="0" err="1"/>
@@ -4464,57 +4530,20 @@
             </a:r>
             <a:r>
               <a:rPr lang="pt-BR" dirty="0"/>
-              <a:t> sum(</a:t>
-            </a:r>
-            <a:r>
-              <a:rPr lang="pt-BR" dirty="0" err="1"/>
-              <a:t>args</a:t>
-            </a:r>
-            <a:r>
-              <a:rPr lang="pt-BR" dirty="0"/>
-              <a:t>) / </a:t>
-            </a:r>
-            <a:r>
-              <a:rPr lang="pt-BR" dirty="0" err="1"/>
-              <a:t>len</a:t>
-            </a:r>
-            <a:r>
-              <a:rPr lang="pt-BR" dirty="0"/>
-              <a:t>(</a:t>
-            </a:r>
-            <a:r>
-              <a:rPr lang="pt-BR" dirty="0" err="1"/>
-              <a:t>args</a:t>
-            </a:r>
-            <a:r>
-              <a:rPr lang="pt-BR" dirty="0"/>
-              <a:t>) </a:t>
-            </a:r>
-          </a:p>
-          <a:p>
-            <a:pPr marL="0" indent="0">
-              <a:buNone/>
-            </a:pPr>
-            <a:r>
-              <a:rPr lang="pt-BR" dirty="0"/>
-              <a:t>media = </a:t>
-            </a:r>
+              <a:t> print(media)</a:t>
+            </a:r>
+          </a:p>
+          <a:p>
+            <a:pPr marL="0" indent="0">
+              <a:buNone/>
+            </a:pPr>
             <a:r>
               <a:rPr lang="pt-BR" dirty="0" err="1"/>
               <a:t>calcularMedia</a:t>
             </a:r>
             <a:r>
               <a:rPr lang="pt-BR" dirty="0"/>
-              <a:t>(7.0, 7.5, 9.5, 5) </a:t>
-            </a:r>
-          </a:p>
-          <a:p>
-            <a:pPr marL="0" indent="0">
-              <a:buNone/>
-            </a:pPr>
-            <a:r>
-              <a:rPr lang="pt-BR" dirty="0"/>
-              <a:t>print(media)</a:t>
+              <a:t>(7.0, 7.5, 9.5, 5)</a:t>
             </a:r>
           </a:p>
         </p:txBody>
@@ -5050,16 +5079,16 @@
             </a:r>
             <a:r>
               <a:rPr lang="pt-BR" dirty="0"/>
-              <a:t>): </a:t>
-            </a:r>
-          </a:p>
-          <a:p>
-            <a:pPr marL="0" indent="0">
-              <a:buNone/>
-            </a:pPr>
-            <a:r>
-              <a:rPr lang="pt-BR" dirty="0"/>
-              <a:t>print(</a:t>
+              <a:t>):</a:t>
+            </a:r>
+          </a:p>
+          <a:p>
+            <a:pPr marL="0" indent="0">
+              <a:buNone/>
+            </a:pPr>
+            <a:r>
+              <a:rPr lang="pt-BR" dirty="0"/>
+              <a:t>    print(</a:t>
             </a:r>
             <a:r>
               <a:rPr lang="pt-BR" dirty="0" err="1"/>
@@ -5067,61 +5096,76 @@
             </a:r>
             <a:r>
               <a:rPr lang="pt-BR" dirty="0"/>
-              <a:t>) </a:t>
-            </a:r>
-          </a:p>
-          <a:p>
-            <a:pPr marL="0" indent="0">
-              <a:buNone/>
-            </a:pPr>
+              <a:t>)</a:t>
+            </a:r>
+          </a:p>
+          <a:p>
+            <a:pPr marL="0" indent="0">
+              <a:buNone/>
+            </a:pPr>
+            <a:r>
+              <a:rPr lang="pt-BR" dirty="0"/>
+              <a:t>    media=sum(</a:t>
+            </a:r>
+            <a:r>
+              <a:rPr lang="pt-BR" dirty="0" err="1"/>
+              <a:t>kwargs.values</a:t>
+            </a:r>
+            <a:r>
+              <a:rPr lang="pt-BR" dirty="0"/>
+              <a:t>()) / </a:t>
+            </a:r>
+            <a:r>
+              <a:rPr lang="pt-BR" dirty="0" err="1"/>
+              <a:t>len</a:t>
+            </a:r>
+            <a:r>
+              <a:rPr lang="pt-BR" dirty="0"/>
+              <a:t>(</a:t>
+            </a:r>
+            <a:r>
+              <a:rPr lang="pt-BR" dirty="0" err="1"/>
+              <a:t>kwargs</a:t>
+            </a:r>
+            <a:r>
+              <a:rPr lang="pt-BR" dirty="0"/>
+              <a:t>)</a:t>
+            </a:r>
+          </a:p>
+          <a:p>
+            <a:pPr marL="0" indent="0">
+              <a:buNone/>
+            </a:pPr>
+            <a:br>
+              <a:rPr lang="pt-BR" dirty="0"/>
+            </a:br>
+            <a:r>
+              <a:rPr lang="pt-BR" dirty="0"/>
+              <a:t>    </a:t>
+            </a:r>
             <a:r>
               <a:rPr lang="pt-BR" dirty="0" err="1"/>
               <a:t>return</a:t>
             </a:r>
             <a:r>
               <a:rPr lang="pt-BR" dirty="0"/>
-              <a:t> sum(</a:t>
-            </a:r>
-            <a:r>
-              <a:rPr lang="pt-BR" dirty="0" err="1"/>
-              <a:t>kwargs.values</a:t>
-            </a:r>
-            <a:r>
-              <a:rPr lang="pt-BR" dirty="0"/>
-              <a:t>()) / </a:t>
-            </a:r>
-            <a:r>
-              <a:rPr lang="pt-BR" dirty="0" err="1"/>
-              <a:t>len</a:t>
-            </a:r>
-            <a:r>
-              <a:rPr lang="pt-BR" dirty="0"/>
-              <a:t>(</a:t>
-            </a:r>
-            <a:r>
-              <a:rPr lang="pt-BR" dirty="0" err="1"/>
-              <a:t>kwargs</a:t>
-            </a:r>
-            <a:r>
-              <a:rPr lang="pt-BR" dirty="0"/>
-              <a:t>) </a:t>
-            </a:r>
-          </a:p>
-          <a:p>
-            <a:pPr marL="0" indent="0">
-              <a:buNone/>
-            </a:pPr>
-            <a:r>
-              <a:rPr lang="pt-BR" dirty="0"/>
-              <a:t>media = </a:t>
-            </a:r>
+              <a:t> print(media)</a:t>
+            </a:r>
+          </a:p>
+          <a:p>
+            <a:pPr marL="0" indent="0">
+              <a:buNone/>
+            </a:pPr>
+            <a:br>
+              <a:rPr lang="pt-BR" dirty="0"/>
+            </a:br>
             <a:r>
               <a:rPr lang="pt-BR" dirty="0" err="1"/>
               <a:t>calcularMedia</a:t>
             </a:r>
             <a:r>
               <a:rPr lang="pt-BR" dirty="0"/>
-              <a:t>(nota1 = 6.5, nota2 = 6, nota3 = 5.5) print(media)</a:t>
+              <a:t>(nota1 = 7.0, nota2 = 7.5, nota3 = 9.5,nota4=5)</a:t>
             </a:r>
           </a:p>
         </p:txBody>
@@ -5179,7 +5223,7 @@
           <a:p>
             <a:r>
               <a:rPr lang="pt-BR" dirty="0"/>
-              <a:t>EXERCÍCIOS:</a:t>
+              <a:t>EXERCÍCIO 01:</a:t>
             </a:r>
           </a:p>
         </p:txBody>
@@ -5205,7 +5249,65 @@
           <a:bodyPr/>
           <a:lstStyle/>
           <a:p>
+            <a:r>
+              <a:rPr lang="pt-BR" dirty="0"/>
+              <a:t>Fazer um script que calcule o salário final de um programador da seguinte maneira:</a:t>
+            </a:r>
+          </a:p>
+          <a:p>
+            <a:r>
+              <a:rPr lang="pt-BR" dirty="0"/>
+              <a:t>Defina o valor da hora-programação=50, salário-base=1000 e quantidade-horas-trabalhadas=?</a:t>
+            </a:r>
+          </a:p>
+          <a:p>
+            <a:r>
+              <a:rPr lang="pt-BR" dirty="0"/>
+              <a:t>Se a quantidade-</a:t>
+            </a:r>
+            <a:r>
+              <a:rPr lang="pt-BR" dirty="0" err="1"/>
+              <a:t>horas_trabalhadas</a:t>
+            </a:r>
+            <a:r>
+              <a:rPr lang="pt-BR" dirty="0"/>
+              <a:t> for igual a 40hs, então o </a:t>
+            </a:r>
+            <a:r>
+              <a:rPr lang="pt-BR" dirty="0" err="1"/>
+              <a:t>salário_total</a:t>
+            </a:r>
+            <a:r>
+              <a:rPr lang="pt-BR" dirty="0"/>
+              <a:t>=</a:t>
+            </a:r>
+            <a:r>
+              <a:rPr lang="pt-BR" dirty="0" err="1"/>
+              <a:t>salario_base+hora-programação</a:t>
+            </a:r>
+            <a:r>
+              <a:rPr lang="pt-BR" dirty="0"/>
+              <a:t> x quantidade-</a:t>
+            </a:r>
+            <a:r>
+              <a:rPr lang="pt-BR" dirty="0" err="1"/>
+              <a:t>horas_trabalhadas</a:t>
+            </a:r>
             <a:endParaRPr lang="pt-BR" dirty="0"/>
+          </a:p>
+          <a:p>
+            <a:r>
+              <a:rPr lang="pt-BR" dirty="0"/>
+              <a:t>Se a quantidade-</a:t>
+            </a:r>
+            <a:r>
+              <a:rPr lang="pt-BR" dirty="0" err="1"/>
+              <a:t>horas_trabalhadas</a:t>
+            </a:r>
+            <a:r>
+              <a:rPr lang="pt-BR" dirty="0"/>
+              <a:t> for entre 40hs e 50hs então entra um adicional de horas-extra=25.</a:t>
+            </a:r>
           </a:p>
         </p:txBody>
       </p:sp>
@@ -5324,6 +5426,2016 @@
     <p:extLst>
       <p:ext uri="{BB962C8B-B14F-4D97-AF65-F5344CB8AC3E}">
         <p14:creationId xmlns:p14="http://schemas.microsoft.com/office/powerpoint/2010/main" val="3551921714"/>
+      </p:ext>
+    </p:extLst>
+  </p:cSld>
+  <p:clrMapOvr>
+    <a:masterClrMapping/>
+  </p:clrMapOvr>
+</p:sld>
+</file>
+
+<file path=ppt/slides/slide20.xml><?xml version="1.0" encoding="utf-8"?>
+<p:sld xmlns:a="http://schemas.openxmlformats.org/drawingml/2006/main" xmlns:r="http://schemas.openxmlformats.org/officeDocument/2006/relationships" xmlns:p="http://schemas.openxmlformats.org/presentationml/2006/main">
+  <p:cSld>
+    <p:spTree>
+      <p:nvGrpSpPr>
+        <p:cNvPr id="1" name=""/>
+        <p:cNvGrpSpPr/>
+        <p:nvPr/>
+      </p:nvGrpSpPr>
+      <p:grpSpPr>
+        <a:xfrm>
+          <a:off x="0" y="0"/>
+          <a:ext cx="0" cy="0"/>
+          <a:chOff x="0" y="0"/>
+          <a:chExt cx="0" cy="0"/>
+        </a:xfrm>
+      </p:grpSpPr>
+      <p:sp>
+        <p:nvSpPr>
+          <p:cNvPr id="2" name="Título 1">
+            <a:extLst>
+              <a:ext uri="{FF2B5EF4-FFF2-40B4-BE49-F238E27FC236}">
+                <a16:creationId xmlns:a16="http://schemas.microsoft.com/office/drawing/2014/main" id="{23AC53A7-DDD8-9E97-08C3-7BC73DC62D71}"/>
+              </a:ext>
+            </a:extLst>
+          </p:cNvPr>
+          <p:cNvSpPr>
+            <a:spLocks noGrp="1"/>
+          </p:cNvSpPr>
+          <p:nvPr>
+            <p:ph type="title"/>
+          </p:nvPr>
+        </p:nvSpPr>
+        <p:spPr/>
+        <p:txBody>
+          <a:bodyPr/>
+          <a:lstStyle/>
+          <a:p>
+            <a:r>
+              <a:rPr lang="pt-BR" dirty="0"/>
+              <a:t>Exercícios 02:</a:t>
+            </a:r>
+          </a:p>
+        </p:txBody>
+      </p:sp>
+      <p:sp>
+        <p:nvSpPr>
+          <p:cNvPr id="3" name="Espaço Reservado para Conteúdo 2">
+            <a:extLst>
+              <a:ext uri="{FF2B5EF4-FFF2-40B4-BE49-F238E27FC236}">
+                <a16:creationId xmlns:a16="http://schemas.microsoft.com/office/drawing/2014/main" id="{FA36AF00-184A-4905-B056-51BA110DC562}"/>
+              </a:ext>
+            </a:extLst>
+          </p:cNvPr>
+          <p:cNvSpPr>
+            <a:spLocks noGrp="1"/>
+          </p:cNvSpPr>
+          <p:nvPr>
+            <p:ph idx="1"/>
+          </p:nvPr>
+        </p:nvSpPr>
+        <p:spPr/>
+        <p:txBody>
+          <a:bodyPr/>
+          <a:lstStyle/>
+          <a:p>
+            <a:r>
+              <a:rPr lang="pt-BR" dirty="0"/>
+              <a:t>Dado o conjunto (1,2,3,4,5,6,7,8,9,10) fazer um script usando função com retorno de todos os números menores que 5 e um outro retorno com todos os números maiores ou igual a 5. </a:t>
+            </a:r>
+          </a:p>
+        </p:txBody>
+      </p:sp>
+    </p:spTree>
+    <p:extLst>
+      <p:ext uri="{BB962C8B-B14F-4D97-AF65-F5344CB8AC3E}">
+        <p14:creationId xmlns:p14="http://schemas.microsoft.com/office/powerpoint/2010/main" val="3886856192"/>
+      </p:ext>
+    </p:extLst>
+  </p:cSld>
+  <p:clrMapOvr>
+    <a:masterClrMapping/>
+  </p:clrMapOvr>
+</p:sld>
+</file>
+
+<file path=ppt/slides/slide21.xml><?xml version="1.0" encoding="utf-8"?>
+<p:sld xmlns:a="http://schemas.openxmlformats.org/drawingml/2006/main" xmlns:r="http://schemas.openxmlformats.org/officeDocument/2006/relationships" xmlns:p="http://schemas.openxmlformats.org/presentationml/2006/main">
+  <p:cSld>
+    <p:spTree>
+      <p:nvGrpSpPr>
+        <p:cNvPr id="1" name=""/>
+        <p:cNvGrpSpPr/>
+        <p:nvPr/>
+      </p:nvGrpSpPr>
+      <p:grpSpPr>
+        <a:xfrm>
+          <a:off x="0" y="0"/>
+          <a:ext cx="0" cy="0"/>
+          <a:chOff x="0" y="0"/>
+          <a:chExt cx="0" cy="0"/>
+        </a:xfrm>
+      </p:grpSpPr>
+      <p:sp>
+        <p:nvSpPr>
+          <p:cNvPr id="2" name="Título 1">
+            <a:extLst>
+              <a:ext uri="{FF2B5EF4-FFF2-40B4-BE49-F238E27FC236}">
+                <a16:creationId xmlns:a16="http://schemas.microsoft.com/office/drawing/2014/main" id="{1AD1F5C1-4B44-A454-19E4-D181DE2E16C9}"/>
+              </a:ext>
+            </a:extLst>
+          </p:cNvPr>
+          <p:cNvSpPr>
+            <a:spLocks noGrp="1"/>
+          </p:cNvSpPr>
+          <p:nvPr>
+            <p:ph type="title"/>
+          </p:nvPr>
+        </p:nvSpPr>
+        <p:spPr/>
+        <p:txBody>
+          <a:bodyPr/>
+          <a:lstStyle/>
+          <a:p>
+            <a:r>
+              <a:rPr lang="pt-BR" dirty="0"/>
+              <a:t>Exercícios 3:</a:t>
+            </a:r>
+          </a:p>
+        </p:txBody>
+      </p:sp>
+      <p:sp>
+        <p:nvSpPr>
+          <p:cNvPr id="3" name="Espaço Reservado para Conteúdo 2">
+            <a:extLst>
+              <a:ext uri="{FF2B5EF4-FFF2-40B4-BE49-F238E27FC236}">
+                <a16:creationId xmlns:a16="http://schemas.microsoft.com/office/drawing/2014/main" id="{09AEB0E3-3ECE-4918-8F2B-9F6EFEB6DAF9}"/>
+              </a:ext>
+            </a:extLst>
+          </p:cNvPr>
+          <p:cNvSpPr>
+            <a:spLocks noGrp="1"/>
+          </p:cNvSpPr>
+          <p:nvPr>
+            <p:ph idx="1"/>
+          </p:nvPr>
+        </p:nvSpPr>
+        <p:spPr/>
+        <p:txBody>
+          <a:bodyPr/>
+          <a:lstStyle/>
+          <a:p>
+            <a:r>
+              <a:rPr lang="pt-BR" dirty="0"/>
+              <a:t>Dado dois números x e y (por exemplo x=9, y=4) elabore um script que determine o quociente e o resto da divisão de x por y.</a:t>
+            </a:r>
+          </a:p>
+          <a:p>
+            <a:pPr marL="0" indent="0">
+              <a:buNone/>
+            </a:pPr>
+            <a:endParaRPr lang="pt-BR" dirty="0"/>
+          </a:p>
+        </p:txBody>
+      </p:sp>
+    </p:spTree>
+    <p:extLst>
+      <p:ext uri="{BB962C8B-B14F-4D97-AF65-F5344CB8AC3E}">
+        <p14:creationId xmlns:p14="http://schemas.microsoft.com/office/powerpoint/2010/main" val="539290330"/>
+      </p:ext>
+    </p:extLst>
+  </p:cSld>
+  <p:clrMapOvr>
+    <a:masterClrMapping/>
+  </p:clrMapOvr>
+</p:sld>
+</file>
+
+<file path=ppt/slides/slide22.xml><?xml version="1.0" encoding="utf-8"?>
+<p:sld xmlns:a="http://schemas.openxmlformats.org/drawingml/2006/main" xmlns:r="http://schemas.openxmlformats.org/officeDocument/2006/relationships" xmlns:p="http://schemas.openxmlformats.org/presentationml/2006/main">
+  <p:cSld>
+    <p:spTree>
+      <p:nvGrpSpPr>
+        <p:cNvPr id="1" name=""/>
+        <p:cNvGrpSpPr/>
+        <p:nvPr/>
+      </p:nvGrpSpPr>
+      <p:grpSpPr>
+        <a:xfrm>
+          <a:off x="0" y="0"/>
+          <a:ext cx="0" cy="0"/>
+          <a:chOff x="0" y="0"/>
+          <a:chExt cx="0" cy="0"/>
+        </a:xfrm>
+      </p:grpSpPr>
+      <p:sp>
+        <p:nvSpPr>
+          <p:cNvPr id="2" name="Título 1">
+            <a:extLst>
+              <a:ext uri="{FF2B5EF4-FFF2-40B4-BE49-F238E27FC236}">
+                <a16:creationId xmlns:a16="http://schemas.microsoft.com/office/drawing/2014/main" id="{B5A04046-15F1-29A6-C30E-140283B81912}"/>
+              </a:ext>
+            </a:extLst>
+          </p:cNvPr>
+          <p:cNvSpPr>
+            <a:spLocks noGrp="1"/>
+          </p:cNvSpPr>
+          <p:nvPr>
+            <p:ph type="title"/>
+          </p:nvPr>
+        </p:nvSpPr>
+        <p:spPr/>
+        <p:txBody>
+          <a:bodyPr/>
+          <a:lstStyle/>
+          <a:p>
+            <a:r>
+              <a:rPr lang="pt-BR" dirty="0"/>
+              <a:t>Script:</a:t>
+            </a:r>
+          </a:p>
+        </p:txBody>
+      </p:sp>
+      <p:sp>
+        <p:nvSpPr>
+          <p:cNvPr id="3" name="Espaço Reservado para Conteúdo 2">
+            <a:extLst>
+              <a:ext uri="{FF2B5EF4-FFF2-40B4-BE49-F238E27FC236}">
+                <a16:creationId xmlns:a16="http://schemas.microsoft.com/office/drawing/2014/main" id="{CA591ECA-E0CD-0A82-6003-9DC218E15CFB}"/>
+              </a:ext>
+            </a:extLst>
+          </p:cNvPr>
+          <p:cNvSpPr>
+            <a:spLocks noGrp="1"/>
+          </p:cNvSpPr>
+          <p:nvPr>
+            <p:ph idx="1"/>
+          </p:nvPr>
+        </p:nvSpPr>
+        <p:spPr/>
+        <p:txBody>
+          <a:bodyPr/>
+          <a:lstStyle/>
+          <a:p>
+            <a:pPr marL="0" indent="0">
+              <a:buNone/>
+            </a:pPr>
+            <a:r>
+              <a:rPr lang="es-ES" dirty="0" err="1"/>
+              <a:t>def</a:t>
+            </a:r>
+            <a:r>
+              <a:rPr lang="es-ES" dirty="0"/>
+              <a:t> </a:t>
+            </a:r>
+            <a:r>
+              <a:rPr lang="es-ES" dirty="0" err="1"/>
+              <a:t>quociente_resto</a:t>
+            </a:r>
+            <a:r>
+              <a:rPr lang="es-ES" dirty="0"/>
+              <a:t>(x, y):</a:t>
+            </a:r>
+          </a:p>
+          <a:p>
+            <a:pPr marL="0" indent="0">
+              <a:buNone/>
+            </a:pPr>
+            <a:r>
+              <a:rPr lang="es-ES" dirty="0"/>
+              <a:t>    </a:t>
+            </a:r>
+            <a:r>
+              <a:rPr lang="es-ES" dirty="0" err="1"/>
+              <a:t>quociente</a:t>
+            </a:r>
+            <a:r>
+              <a:rPr lang="es-ES" dirty="0"/>
+              <a:t> = x // y</a:t>
+            </a:r>
+          </a:p>
+          <a:p>
+            <a:pPr marL="0" indent="0">
+              <a:buNone/>
+            </a:pPr>
+            <a:r>
+              <a:rPr lang="es-ES" dirty="0"/>
+              <a:t>    resto = x % y</a:t>
+            </a:r>
+          </a:p>
+          <a:p>
+            <a:pPr marL="0" indent="0">
+              <a:buNone/>
+            </a:pPr>
+            <a:r>
+              <a:rPr lang="es-ES" dirty="0"/>
+              <a:t>    </a:t>
+            </a:r>
+            <a:r>
+              <a:rPr lang="es-ES" dirty="0" err="1"/>
+              <a:t>return</a:t>
+            </a:r>
+            <a:r>
+              <a:rPr lang="es-ES" dirty="0"/>
+              <a:t> (</a:t>
+            </a:r>
+            <a:r>
+              <a:rPr lang="es-ES" dirty="0" err="1"/>
+              <a:t>quociente</a:t>
+            </a:r>
+            <a:r>
+              <a:rPr lang="es-ES" dirty="0"/>
+              <a:t>, resto)</a:t>
+            </a:r>
+          </a:p>
+          <a:p>
+            <a:pPr marL="0" indent="0">
+              <a:buNone/>
+            </a:pPr>
+            <a:r>
+              <a:rPr lang="es-ES" dirty="0" err="1"/>
+              <a:t>print</a:t>
+            </a:r>
+            <a:r>
+              <a:rPr lang="es-ES" dirty="0"/>
+              <a:t>("</a:t>
+            </a:r>
+            <a:r>
+              <a:rPr lang="es-ES" dirty="0" err="1"/>
+              <a:t>Quociente</a:t>
+            </a:r>
+            <a:r>
+              <a:rPr lang="es-ES" dirty="0"/>
+              <a:t> e resto: ", </a:t>
+            </a:r>
+            <a:r>
+              <a:rPr lang="es-ES" dirty="0" err="1"/>
+              <a:t>quociente_resto</a:t>
+            </a:r>
+            <a:r>
+              <a:rPr lang="es-ES" dirty="0"/>
+              <a:t>(9, 4))</a:t>
+            </a:r>
+          </a:p>
+          <a:p>
+            <a:endParaRPr lang="pt-BR" dirty="0"/>
+          </a:p>
+        </p:txBody>
+      </p:sp>
+    </p:spTree>
+    <p:extLst>
+      <p:ext uri="{BB962C8B-B14F-4D97-AF65-F5344CB8AC3E}">
+        <p14:creationId xmlns:p14="http://schemas.microsoft.com/office/powerpoint/2010/main" val="38748012"/>
+      </p:ext>
+    </p:extLst>
+  </p:cSld>
+  <p:clrMapOvr>
+    <a:masterClrMapping/>
+  </p:clrMapOvr>
+</p:sld>
+</file>
+
+<file path=ppt/slides/slide23.xml><?xml version="1.0" encoding="utf-8"?>
+<p:sld xmlns:a="http://schemas.openxmlformats.org/drawingml/2006/main" xmlns:r="http://schemas.openxmlformats.org/officeDocument/2006/relationships" xmlns:p="http://schemas.openxmlformats.org/presentationml/2006/main">
+  <p:cSld>
+    <p:spTree>
+      <p:nvGrpSpPr>
+        <p:cNvPr id="1" name=""/>
+        <p:cNvGrpSpPr/>
+        <p:nvPr/>
+      </p:nvGrpSpPr>
+      <p:grpSpPr>
+        <a:xfrm>
+          <a:off x="0" y="0"/>
+          <a:ext cx="0" cy="0"/>
+          <a:chOff x="0" y="0"/>
+          <a:chExt cx="0" cy="0"/>
+        </a:xfrm>
+      </p:grpSpPr>
+      <p:sp>
+        <p:nvSpPr>
+          <p:cNvPr id="2" name="Título 1">
+            <a:extLst>
+              <a:ext uri="{FF2B5EF4-FFF2-40B4-BE49-F238E27FC236}">
+                <a16:creationId xmlns:a16="http://schemas.microsoft.com/office/drawing/2014/main" id="{D1D6620D-E991-41F2-1A6A-2011765F748E}"/>
+              </a:ext>
+            </a:extLst>
+          </p:cNvPr>
+          <p:cNvSpPr>
+            <a:spLocks noGrp="1"/>
+          </p:cNvSpPr>
+          <p:nvPr>
+            <p:ph type="title"/>
+          </p:nvPr>
+        </p:nvSpPr>
+        <p:spPr/>
+        <p:txBody>
+          <a:bodyPr/>
+          <a:lstStyle/>
+          <a:p>
+            <a:r>
+              <a:rPr lang="pt-BR" dirty="0"/>
+              <a:t>Exercício 04:</a:t>
+            </a:r>
+          </a:p>
+        </p:txBody>
+      </p:sp>
+      <p:sp>
+        <p:nvSpPr>
+          <p:cNvPr id="3" name="Espaço Reservado para Conteúdo 2">
+            <a:extLst>
+              <a:ext uri="{FF2B5EF4-FFF2-40B4-BE49-F238E27FC236}">
+                <a16:creationId xmlns:a16="http://schemas.microsoft.com/office/drawing/2014/main" id="{3C47E6EF-BAEC-FC75-5970-32F23CB4118D}"/>
+              </a:ext>
+            </a:extLst>
+          </p:cNvPr>
+          <p:cNvSpPr>
+            <a:spLocks noGrp="1"/>
+          </p:cNvSpPr>
+          <p:nvPr>
+            <p:ph idx="1"/>
+          </p:nvPr>
+        </p:nvSpPr>
+        <p:spPr/>
+        <p:txBody>
+          <a:bodyPr/>
+          <a:lstStyle/>
+          <a:p>
+            <a:pPr marL="0" indent="0">
+              <a:buNone/>
+            </a:pPr>
+            <a:r>
+              <a:rPr lang="pt-BR" b="0" i="0" dirty="0">
+                <a:solidFill>
+                  <a:srgbClr val="212529"/>
+                </a:solidFill>
+                <a:effectLst/>
+                <a:latin typeface="inherit"/>
+              </a:rPr>
+              <a:t>Escreva uma função que recebe dois parâmetros e imprime o menor dos dois. Se eles forem iguais, imprima que eles são iguais.</a:t>
+            </a:r>
+          </a:p>
+          <a:p>
+            <a:endParaRPr lang="pt-BR" dirty="0"/>
+          </a:p>
+        </p:txBody>
+      </p:sp>
+    </p:spTree>
+    <p:extLst>
+      <p:ext uri="{BB962C8B-B14F-4D97-AF65-F5344CB8AC3E}">
+        <p14:creationId xmlns:p14="http://schemas.microsoft.com/office/powerpoint/2010/main" val="543830865"/>
+      </p:ext>
+    </p:extLst>
+  </p:cSld>
+  <p:clrMapOvr>
+    <a:masterClrMapping/>
+  </p:clrMapOvr>
+</p:sld>
+</file>
+
+<file path=ppt/slides/slide24.xml><?xml version="1.0" encoding="utf-8"?>
+<p:sld xmlns:a="http://schemas.openxmlformats.org/drawingml/2006/main" xmlns:r="http://schemas.openxmlformats.org/officeDocument/2006/relationships" xmlns:p="http://schemas.openxmlformats.org/presentationml/2006/main">
+  <p:cSld>
+    <p:spTree>
+      <p:nvGrpSpPr>
+        <p:cNvPr id="1" name=""/>
+        <p:cNvGrpSpPr/>
+        <p:nvPr/>
+      </p:nvGrpSpPr>
+      <p:grpSpPr>
+        <a:xfrm>
+          <a:off x="0" y="0"/>
+          <a:ext cx="0" cy="0"/>
+          <a:chOff x="0" y="0"/>
+          <a:chExt cx="0" cy="0"/>
+        </a:xfrm>
+      </p:grpSpPr>
+      <p:sp>
+        <p:nvSpPr>
+          <p:cNvPr id="2" name="Título 1">
+            <a:extLst>
+              <a:ext uri="{FF2B5EF4-FFF2-40B4-BE49-F238E27FC236}">
+                <a16:creationId xmlns:a16="http://schemas.microsoft.com/office/drawing/2014/main" id="{18BE7F6D-207A-3924-5FD1-2031A3049553}"/>
+              </a:ext>
+            </a:extLst>
+          </p:cNvPr>
+          <p:cNvSpPr>
+            <a:spLocks noGrp="1"/>
+          </p:cNvSpPr>
+          <p:nvPr>
+            <p:ph type="title"/>
+          </p:nvPr>
+        </p:nvSpPr>
+        <p:spPr/>
+        <p:txBody>
+          <a:bodyPr/>
+          <a:lstStyle/>
+          <a:p>
+            <a:r>
+              <a:rPr lang="pt-BR" dirty="0"/>
+              <a:t>Script:</a:t>
+            </a:r>
+          </a:p>
+        </p:txBody>
+      </p:sp>
+      <p:sp>
+        <p:nvSpPr>
+          <p:cNvPr id="3" name="Espaço Reservado para Conteúdo 2">
+            <a:extLst>
+              <a:ext uri="{FF2B5EF4-FFF2-40B4-BE49-F238E27FC236}">
+                <a16:creationId xmlns:a16="http://schemas.microsoft.com/office/drawing/2014/main" id="{386D4A0C-F821-2C2D-F9AB-0F503BDA5844}"/>
+              </a:ext>
+            </a:extLst>
+          </p:cNvPr>
+          <p:cNvSpPr>
+            <a:spLocks noGrp="1"/>
+          </p:cNvSpPr>
+          <p:nvPr>
+            <p:ph idx="1"/>
+          </p:nvPr>
+        </p:nvSpPr>
+        <p:spPr/>
+        <p:txBody>
+          <a:bodyPr/>
+          <a:lstStyle/>
+          <a:p>
+            <a:pPr marL="0" indent="0">
+              <a:buNone/>
+            </a:pPr>
+            <a:r>
+              <a:rPr lang="pt-BR" dirty="0" err="1"/>
+              <a:t>def</a:t>
+            </a:r>
+            <a:r>
+              <a:rPr lang="pt-BR" dirty="0"/>
+              <a:t> </a:t>
+            </a:r>
+            <a:r>
+              <a:rPr lang="pt-BR" dirty="0" err="1"/>
+              <a:t>imprime_menor</a:t>
+            </a:r>
+            <a:r>
+              <a:rPr lang="pt-BR" dirty="0"/>
+              <a:t>(a, b): </a:t>
+            </a:r>
+          </a:p>
+          <a:p>
+            <a:pPr marL="0" indent="0">
+              <a:buNone/>
+            </a:pPr>
+            <a:r>
+              <a:rPr lang="pt-BR" dirty="0"/>
+              <a:t>  </a:t>
+            </a:r>
+            <a:r>
+              <a:rPr lang="pt-BR" dirty="0" err="1"/>
+              <a:t>if</a:t>
+            </a:r>
+            <a:r>
+              <a:rPr lang="pt-BR" dirty="0"/>
+              <a:t> a &lt; b: print(a) </a:t>
+            </a:r>
+          </a:p>
+          <a:p>
+            <a:pPr marL="0" indent="0">
+              <a:buNone/>
+            </a:pPr>
+            <a:r>
+              <a:rPr lang="pt-BR" dirty="0"/>
+              <a:t>  </a:t>
+            </a:r>
+            <a:r>
+              <a:rPr lang="pt-BR" dirty="0" err="1"/>
+              <a:t>elif</a:t>
+            </a:r>
+            <a:r>
+              <a:rPr lang="pt-BR" dirty="0"/>
+              <a:t> a &gt; b: print(b) </a:t>
+            </a:r>
+          </a:p>
+          <a:p>
+            <a:pPr marL="0" indent="0">
+              <a:buNone/>
+            </a:pPr>
+            <a:r>
+              <a:rPr lang="pt-BR" dirty="0"/>
+              <a:t>  </a:t>
+            </a:r>
+            <a:r>
+              <a:rPr lang="pt-BR" dirty="0" err="1"/>
+              <a:t>else</a:t>
+            </a:r>
+            <a:r>
+              <a:rPr lang="pt-BR" dirty="0"/>
+              <a:t>: print("Os números são iguais.") </a:t>
+            </a:r>
+          </a:p>
+          <a:p>
+            <a:pPr marL="0" indent="0">
+              <a:buNone/>
+            </a:pPr>
+            <a:r>
+              <a:rPr lang="pt-BR" dirty="0" err="1"/>
+              <a:t>imprime_menor</a:t>
+            </a:r>
+            <a:r>
+              <a:rPr lang="pt-BR" dirty="0"/>
+              <a:t>(0, 5) </a:t>
+            </a:r>
+          </a:p>
+          <a:p>
+            <a:pPr marL="0" indent="0">
+              <a:buNone/>
+            </a:pPr>
+            <a:r>
+              <a:rPr lang="pt-BR" dirty="0" err="1"/>
+              <a:t>imprime_menor</a:t>
+            </a:r>
+            <a:r>
+              <a:rPr lang="pt-BR" dirty="0"/>
+              <a:t>(10, 3) </a:t>
+            </a:r>
+          </a:p>
+          <a:p>
+            <a:pPr marL="0" indent="0">
+              <a:buNone/>
+            </a:pPr>
+            <a:r>
+              <a:rPr lang="pt-BR" dirty="0" err="1"/>
+              <a:t>imprime_menor</a:t>
+            </a:r>
+            <a:r>
+              <a:rPr lang="pt-BR" dirty="0"/>
+              <a:t>(42, 42)</a:t>
+            </a:r>
+          </a:p>
+        </p:txBody>
+      </p:sp>
+    </p:spTree>
+    <p:extLst>
+      <p:ext uri="{BB962C8B-B14F-4D97-AF65-F5344CB8AC3E}">
+        <p14:creationId xmlns:p14="http://schemas.microsoft.com/office/powerpoint/2010/main" val="1816953359"/>
+      </p:ext>
+    </p:extLst>
+  </p:cSld>
+  <p:clrMapOvr>
+    <a:masterClrMapping/>
+  </p:clrMapOvr>
+</p:sld>
+</file>
+
+<file path=ppt/slides/slide25.xml><?xml version="1.0" encoding="utf-8"?>
+<p:sld xmlns:a="http://schemas.openxmlformats.org/drawingml/2006/main" xmlns:r="http://schemas.openxmlformats.org/officeDocument/2006/relationships" xmlns:p="http://schemas.openxmlformats.org/presentationml/2006/main">
+  <p:cSld>
+    <p:spTree>
+      <p:nvGrpSpPr>
+        <p:cNvPr id="1" name=""/>
+        <p:cNvGrpSpPr/>
+        <p:nvPr/>
+      </p:nvGrpSpPr>
+      <p:grpSpPr>
+        <a:xfrm>
+          <a:off x="0" y="0"/>
+          <a:ext cx="0" cy="0"/>
+          <a:chOff x="0" y="0"/>
+          <a:chExt cx="0" cy="0"/>
+        </a:xfrm>
+      </p:grpSpPr>
+      <p:sp>
+        <p:nvSpPr>
+          <p:cNvPr id="2" name="Título 1">
+            <a:extLst>
+              <a:ext uri="{FF2B5EF4-FFF2-40B4-BE49-F238E27FC236}">
+                <a16:creationId xmlns:a16="http://schemas.microsoft.com/office/drawing/2014/main" id="{7BF1DC3F-636E-50A4-E1C8-602C1763FE66}"/>
+              </a:ext>
+            </a:extLst>
+          </p:cNvPr>
+          <p:cNvSpPr>
+            <a:spLocks noGrp="1"/>
+          </p:cNvSpPr>
+          <p:nvPr>
+            <p:ph type="title"/>
+          </p:nvPr>
+        </p:nvSpPr>
+        <p:spPr/>
+        <p:txBody>
+          <a:bodyPr/>
+          <a:lstStyle/>
+          <a:p>
+            <a:r>
+              <a:rPr lang="pt-BR" dirty="0"/>
+              <a:t>Exercício 5:</a:t>
+            </a:r>
+          </a:p>
+        </p:txBody>
+      </p:sp>
+      <p:sp>
+        <p:nvSpPr>
+          <p:cNvPr id="4" name="Rectangle 1">
+            <a:extLst>
+              <a:ext uri="{FF2B5EF4-FFF2-40B4-BE49-F238E27FC236}">
+                <a16:creationId xmlns:a16="http://schemas.microsoft.com/office/drawing/2014/main" id="{9DC75467-76A3-EEE5-966B-B149A5E16541}"/>
+              </a:ext>
+            </a:extLst>
+          </p:cNvPr>
+          <p:cNvSpPr>
+            <a:spLocks noGrp="1" noChangeArrowheads="1"/>
+          </p:cNvSpPr>
+          <p:nvPr>
+            <p:ph idx="1"/>
+          </p:nvPr>
+        </p:nvSpPr>
+        <p:spPr bwMode="auto">
+          <a:xfrm>
+            <a:off x="838200" y="2044005"/>
+            <a:ext cx="9004388" cy="1384995"/>
+          </a:xfrm>
+          <a:prstGeom prst="rect">
+            <a:avLst/>
+          </a:prstGeom>
+          <a:solidFill>
+            <a:srgbClr val="F7F7F8"/>
+          </a:solidFill>
+          <a:ln>
+            <a:noFill/>
+          </a:ln>
+          <a:effectLst/>
+          <a:extLst>
+            <a:ext uri="{91240B29-F687-4F45-9708-019B960494DF}">
+              <a14:hiddenLine xmlns:a14="http://schemas.microsoft.com/office/drawing/2010/main" w="9525">
+                <a:solidFill>
+                  <a:schemeClr val="tx1"/>
+                </a:solidFill>
+                <a:miter lim="800000"/>
+                <a:headEnd/>
+                <a:tailEnd/>
+              </a14:hiddenLine>
+            </a:ext>
+            <a:ext uri="{AF507438-7753-43E0-B8FC-AC1667EBCBE1}">
+              <a14:hiddenEffects xmlns:a14="http://schemas.microsoft.com/office/drawing/2010/main">
+                <a:effectLst>
+                  <a:outerShdw dist="35921" dir="2700000" algn="ctr" rotWithShape="0">
+                    <a:schemeClr val="bg2"/>
+                  </a:outerShdw>
+                </a:effectLst>
+              </a14:hiddenEffects>
+            </a:ext>
+          </a:extLst>
+        </p:spPr>
+        <p:txBody>
+          <a:bodyPr vert="horz" wrap="none" lIns="91440" tIns="45720" rIns="91440" bIns="45720" numCol="1" anchor="ctr" anchorCtr="0" compatLnSpc="1">
+            <a:prstTxWarp prst="textNoShape">
+              <a:avLst/>
+            </a:prstTxWarp>
+            <a:spAutoFit/>
+          </a:bodyPr>
+          <a:lstStyle>
+            <a:lvl1pPr eaLnBrk="0" fontAlgn="base" hangingPunct="0">
+              <a:spcBef>
+                <a:spcPct val="0"/>
+              </a:spcBef>
+              <a:spcAft>
+                <a:spcPct val="0"/>
+              </a:spcAft>
+              <a:defRPr>
+                <a:solidFill>
+                  <a:schemeClr val="tx1"/>
+                </a:solidFill>
+                <a:latin typeface="Arial" panose="020B0604020202020204" pitchFamily="34" charset="0"/>
+              </a:defRPr>
+            </a:lvl1pPr>
+            <a:lvl2pPr eaLnBrk="0" fontAlgn="base" hangingPunct="0">
+              <a:spcBef>
+                <a:spcPct val="0"/>
+              </a:spcBef>
+              <a:spcAft>
+                <a:spcPct val="0"/>
+              </a:spcAft>
+              <a:defRPr>
+                <a:solidFill>
+                  <a:schemeClr val="tx1"/>
+                </a:solidFill>
+                <a:latin typeface="Arial" panose="020B0604020202020204" pitchFamily="34" charset="0"/>
+              </a:defRPr>
+            </a:lvl2pPr>
+            <a:lvl3pPr eaLnBrk="0" fontAlgn="base" hangingPunct="0">
+              <a:spcBef>
+                <a:spcPct val="0"/>
+              </a:spcBef>
+              <a:spcAft>
+                <a:spcPct val="0"/>
+              </a:spcAft>
+              <a:defRPr>
+                <a:solidFill>
+                  <a:schemeClr val="tx1"/>
+                </a:solidFill>
+                <a:latin typeface="Arial" panose="020B0604020202020204" pitchFamily="34" charset="0"/>
+              </a:defRPr>
+            </a:lvl3pPr>
+            <a:lvl4pPr eaLnBrk="0" fontAlgn="base" hangingPunct="0">
+              <a:spcBef>
+                <a:spcPct val="0"/>
+              </a:spcBef>
+              <a:spcAft>
+                <a:spcPct val="0"/>
+              </a:spcAft>
+              <a:defRPr>
+                <a:solidFill>
+                  <a:schemeClr val="tx1"/>
+                </a:solidFill>
+                <a:latin typeface="Arial" panose="020B0604020202020204" pitchFamily="34" charset="0"/>
+              </a:defRPr>
+            </a:lvl4pPr>
+            <a:lvl5pPr eaLnBrk="0" fontAlgn="base" hangingPunct="0">
+              <a:spcBef>
+                <a:spcPct val="0"/>
+              </a:spcBef>
+              <a:spcAft>
+                <a:spcPct val="0"/>
+              </a:spcAft>
+              <a:defRPr>
+                <a:solidFill>
+                  <a:schemeClr val="tx1"/>
+                </a:solidFill>
+                <a:latin typeface="Arial" panose="020B0604020202020204" pitchFamily="34" charset="0"/>
+              </a:defRPr>
+            </a:lvl5pPr>
+            <a:lvl6pPr eaLnBrk="0" fontAlgn="base" hangingPunct="0">
+              <a:spcBef>
+                <a:spcPct val="0"/>
+              </a:spcBef>
+              <a:spcAft>
+                <a:spcPct val="0"/>
+              </a:spcAft>
+              <a:defRPr>
+                <a:solidFill>
+                  <a:schemeClr val="tx1"/>
+                </a:solidFill>
+                <a:latin typeface="Arial" panose="020B0604020202020204" pitchFamily="34" charset="0"/>
+              </a:defRPr>
+            </a:lvl6pPr>
+            <a:lvl7pPr eaLnBrk="0" fontAlgn="base" hangingPunct="0">
+              <a:spcBef>
+                <a:spcPct val="0"/>
+              </a:spcBef>
+              <a:spcAft>
+                <a:spcPct val="0"/>
+              </a:spcAft>
+              <a:defRPr>
+                <a:solidFill>
+                  <a:schemeClr val="tx1"/>
+                </a:solidFill>
+                <a:latin typeface="Arial" panose="020B0604020202020204" pitchFamily="34" charset="0"/>
+              </a:defRPr>
+            </a:lvl7pPr>
+            <a:lvl8pPr eaLnBrk="0" fontAlgn="base" hangingPunct="0">
+              <a:spcBef>
+                <a:spcPct val="0"/>
+              </a:spcBef>
+              <a:spcAft>
+                <a:spcPct val="0"/>
+              </a:spcAft>
+              <a:defRPr>
+                <a:solidFill>
+                  <a:schemeClr val="tx1"/>
+                </a:solidFill>
+                <a:latin typeface="Arial" panose="020B0604020202020204" pitchFamily="34" charset="0"/>
+              </a:defRPr>
+            </a:lvl8pPr>
+            <a:lvl9pPr eaLnBrk="0" fontAlgn="base" hangingPunct="0">
+              <a:spcBef>
+                <a:spcPct val="0"/>
+              </a:spcBef>
+              <a:spcAft>
+                <a:spcPct val="0"/>
+              </a:spcAft>
+              <a:defRPr>
+                <a:solidFill>
+                  <a:schemeClr val="tx1"/>
+                </a:solidFill>
+                <a:latin typeface="Arial" panose="020B0604020202020204" pitchFamily="34" charset="0"/>
+              </a:defRPr>
+            </a:lvl9pPr>
+          </a:lstStyle>
+          <a:p>
+            <a:pPr marL="0" marR="0" lvl="0" indent="0" algn="l" defTabSz="914400" rtl="0" eaLnBrk="0" fontAlgn="base" latinLnBrk="0" hangingPunct="0">
+              <a:lnSpc>
+                <a:spcPct val="100000"/>
+              </a:lnSpc>
+              <a:spcBef>
+                <a:spcPct val="0"/>
+              </a:spcBef>
+              <a:spcAft>
+                <a:spcPct val="0"/>
+              </a:spcAft>
+              <a:buClrTx/>
+              <a:buSzTx/>
+              <a:buFontTx/>
+              <a:buNone/>
+              <a:tabLst/>
+            </a:pPr>
+            <a:r>
+              <a:rPr lang="pt-BR" altLang="pt-BR" dirty="0"/>
+              <a:t>Escreva uma função que recebe dois números (a e b) </a:t>
+            </a:r>
+          </a:p>
+          <a:p>
+            <a:pPr marL="0" marR="0" lvl="0" indent="0" algn="l" defTabSz="914400" rtl="0" eaLnBrk="0" fontAlgn="base" latinLnBrk="0" hangingPunct="0">
+              <a:lnSpc>
+                <a:spcPct val="100000"/>
+              </a:lnSpc>
+              <a:spcBef>
+                <a:spcPct val="0"/>
+              </a:spcBef>
+              <a:spcAft>
+                <a:spcPct val="0"/>
+              </a:spcAft>
+              <a:buClrTx/>
+              <a:buSzTx/>
+              <a:buFontTx/>
+              <a:buNone/>
+              <a:tabLst/>
+            </a:pPr>
+            <a:r>
+              <a:rPr lang="pt-BR" altLang="pt-BR" dirty="0"/>
+              <a:t>como parâmetro e retorna </a:t>
+            </a:r>
+            <a:r>
+              <a:rPr lang="pt-BR" altLang="pt-BR" dirty="0" err="1"/>
+              <a:t>True</a:t>
+            </a:r>
+            <a:r>
+              <a:rPr lang="pt-BR" altLang="pt-BR" dirty="0"/>
+              <a:t> caso a soma dos dois </a:t>
+            </a:r>
+          </a:p>
+          <a:p>
+            <a:pPr marL="0" marR="0" lvl="0" indent="0" algn="l" defTabSz="914400" rtl="0" eaLnBrk="0" fontAlgn="base" latinLnBrk="0" hangingPunct="0">
+              <a:lnSpc>
+                <a:spcPct val="100000"/>
+              </a:lnSpc>
+              <a:spcBef>
+                <a:spcPct val="0"/>
+              </a:spcBef>
+              <a:spcAft>
+                <a:spcPct val="0"/>
+              </a:spcAft>
+              <a:buClrTx/>
+              <a:buSzTx/>
+              <a:buFontTx/>
+              <a:buNone/>
+              <a:tabLst/>
+            </a:pPr>
+            <a:r>
+              <a:rPr lang="pt-BR" altLang="pt-BR" dirty="0"/>
+              <a:t>seja maior que um terceiro parâmetro, chamado limite. </a:t>
+            </a:r>
+          </a:p>
+        </p:txBody>
+      </p:sp>
+    </p:spTree>
+    <p:extLst>
+      <p:ext uri="{BB962C8B-B14F-4D97-AF65-F5344CB8AC3E}">
+        <p14:creationId xmlns:p14="http://schemas.microsoft.com/office/powerpoint/2010/main" val="4127989128"/>
+      </p:ext>
+    </p:extLst>
+  </p:cSld>
+  <p:clrMapOvr>
+    <a:masterClrMapping/>
+  </p:clrMapOvr>
+</p:sld>
+</file>
+
+<file path=ppt/slides/slide26.xml><?xml version="1.0" encoding="utf-8"?>
+<p:sld xmlns:a="http://schemas.openxmlformats.org/drawingml/2006/main" xmlns:r="http://schemas.openxmlformats.org/officeDocument/2006/relationships" xmlns:p="http://schemas.openxmlformats.org/presentationml/2006/main">
+  <p:cSld>
+    <p:spTree>
+      <p:nvGrpSpPr>
+        <p:cNvPr id="1" name=""/>
+        <p:cNvGrpSpPr/>
+        <p:nvPr/>
+      </p:nvGrpSpPr>
+      <p:grpSpPr>
+        <a:xfrm>
+          <a:off x="0" y="0"/>
+          <a:ext cx="0" cy="0"/>
+          <a:chOff x="0" y="0"/>
+          <a:chExt cx="0" cy="0"/>
+        </a:xfrm>
+      </p:grpSpPr>
+      <p:sp>
+        <p:nvSpPr>
+          <p:cNvPr id="2" name="Título 1">
+            <a:extLst>
+              <a:ext uri="{FF2B5EF4-FFF2-40B4-BE49-F238E27FC236}">
+                <a16:creationId xmlns:a16="http://schemas.microsoft.com/office/drawing/2014/main" id="{D0FD82C8-BDA6-BD52-BA49-524B1D65261E}"/>
+              </a:ext>
+            </a:extLst>
+          </p:cNvPr>
+          <p:cNvSpPr>
+            <a:spLocks noGrp="1"/>
+          </p:cNvSpPr>
+          <p:nvPr>
+            <p:ph type="title"/>
+          </p:nvPr>
+        </p:nvSpPr>
+        <p:spPr/>
+        <p:txBody>
+          <a:bodyPr/>
+          <a:lstStyle/>
+          <a:p>
+            <a:r>
+              <a:rPr lang="pt-BR" dirty="0"/>
+              <a:t>Script:</a:t>
+            </a:r>
+          </a:p>
+        </p:txBody>
+      </p:sp>
+      <p:sp>
+        <p:nvSpPr>
+          <p:cNvPr id="3" name="Espaço Reservado para Conteúdo 2">
+            <a:extLst>
+              <a:ext uri="{FF2B5EF4-FFF2-40B4-BE49-F238E27FC236}">
+                <a16:creationId xmlns:a16="http://schemas.microsoft.com/office/drawing/2014/main" id="{6BE5EE8F-2C3D-990E-66F9-C8A75A68D75C}"/>
+              </a:ext>
+            </a:extLst>
+          </p:cNvPr>
+          <p:cNvSpPr>
+            <a:spLocks noGrp="1"/>
+          </p:cNvSpPr>
+          <p:nvPr>
+            <p:ph idx="1"/>
+          </p:nvPr>
+        </p:nvSpPr>
+        <p:spPr/>
+        <p:txBody>
+          <a:bodyPr/>
+          <a:lstStyle/>
+          <a:p>
+            <a:pPr marL="0" indent="0">
+              <a:buNone/>
+            </a:pPr>
+            <a:r>
+              <a:rPr lang="pt-BR" dirty="0" err="1"/>
+              <a:t>def</a:t>
+            </a:r>
+            <a:r>
+              <a:rPr lang="pt-BR" dirty="0"/>
+              <a:t> </a:t>
+            </a:r>
+            <a:r>
+              <a:rPr lang="pt-BR" dirty="0" err="1"/>
+              <a:t>soma_maior_que_limite</a:t>
+            </a:r>
+            <a:r>
+              <a:rPr lang="pt-BR" dirty="0"/>
+              <a:t>(a, b, limite): </a:t>
+            </a:r>
+          </a:p>
+          <a:p>
+            <a:pPr marL="0" indent="0">
+              <a:buNone/>
+            </a:pPr>
+            <a:r>
+              <a:rPr lang="pt-BR" dirty="0"/>
+              <a:t>  </a:t>
+            </a:r>
+            <a:r>
+              <a:rPr lang="pt-BR" dirty="0" err="1"/>
+              <a:t>if</a:t>
+            </a:r>
+            <a:r>
+              <a:rPr lang="pt-BR" dirty="0"/>
+              <a:t> a + b &gt; limite: </a:t>
+            </a:r>
+          </a:p>
+          <a:p>
+            <a:pPr marL="0" indent="0">
+              <a:buNone/>
+            </a:pPr>
+            <a:r>
+              <a:rPr lang="pt-BR" dirty="0"/>
+              <a:t>    </a:t>
+            </a:r>
+            <a:r>
+              <a:rPr lang="pt-BR" dirty="0" err="1"/>
+              <a:t>return</a:t>
+            </a:r>
+            <a:r>
+              <a:rPr lang="pt-BR" dirty="0"/>
+              <a:t> </a:t>
+            </a:r>
+            <a:r>
+              <a:rPr lang="pt-BR" dirty="0" err="1"/>
+              <a:t>True</a:t>
+            </a:r>
+            <a:r>
+              <a:rPr lang="pt-BR" dirty="0"/>
+              <a:t> </a:t>
+            </a:r>
+          </a:p>
+          <a:p>
+            <a:pPr marL="0" indent="0">
+              <a:buNone/>
+            </a:pPr>
+            <a:r>
+              <a:rPr lang="pt-BR" dirty="0"/>
+              <a:t>  </a:t>
+            </a:r>
+            <a:r>
+              <a:rPr lang="pt-BR" dirty="0" err="1"/>
+              <a:t>else</a:t>
+            </a:r>
+            <a:r>
+              <a:rPr lang="pt-BR" dirty="0"/>
+              <a:t>: </a:t>
+            </a:r>
+          </a:p>
+          <a:p>
+            <a:pPr marL="0" indent="0">
+              <a:buNone/>
+            </a:pPr>
+            <a:r>
+              <a:rPr lang="pt-BR" dirty="0"/>
+              <a:t>    </a:t>
+            </a:r>
+            <a:r>
+              <a:rPr lang="pt-BR" dirty="0" err="1"/>
+              <a:t>return</a:t>
+            </a:r>
+            <a:r>
+              <a:rPr lang="pt-BR" dirty="0"/>
+              <a:t> False </a:t>
+            </a:r>
+          </a:p>
+          <a:p>
+            <a:pPr marL="0" indent="0">
+              <a:buNone/>
+            </a:pPr>
+            <a:r>
+              <a:rPr lang="pt-BR" dirty="0"/>
+              <a:t>print(</a:t>
+            </a:r>
+            <a:r>
+              <a:rPr lang="pt-BR" dirty="0" err="1"/>
+              <a:t>soma_maior_que_limite</a:t>
+            </a:r>
+            <a:r>
+              <a:rPr lang="pt-BR" dirty="0"/>
+              <a:t>(10, 5, 15))</a:t>
+            </a:r>
+          </a:p>
+        </p:txBody>
+      </p:sp>
+    </p:spTree>
+    <p:extLst>
+      <p:ext uri="{BB962C8B-B14F-4D97-AF65-F5344CB8AC3E}">
+        <p14:creationId xmlns:p14="http://schemas.microsoft.com/office/powerpoint/2010/main" val="3122065451"/>
+      </p:ext>
+    </p:extLst>
+  </p:cSld>
+  <p:clrMapOvr>
+    <a:masterClrMapping/>
+  </p:clrMapOvr>
+</p:sld>
+</file>
+
+<file path=ppt/slides/slide27.xml><?xml version="1.0" encoding="utf-8"?>
+<p:sld xmlns:a="http://schemas.openxmlformats.org/drawingml/2006/main" xmlns:r="http://schemas.openxmlformats.org/officeDocument/2006/relationships" xmlns:p="http://schemas.openxmlformats.org/presentationml/2006/main">
+  <p:cSld>
+    <p:spTree>
+      <p:nvGrpSpPr>
+        <p:cNvPr id="1" name=""/>
+        <p:cNvGrpSpPr/>
+        <p:nvPr/>
+      </p:nvGrpSpPr>
+      <p:grpSpPr>
+        <a:xfrm>
+          <a:off x="0" y="0"/>
+          <a:ext cx="0" cy="0"/>
+          <a:chOff x="0" y="0"/>
+          <a:chExt cx="0" cy="0"/>
+        </a:xfrm>
+      </p:grpSpPr>
+      <p:sp>
+        <p:nvSpPr>
+          <p:cNvPr id="2" name="Título 1">
+            <a:extLst>
+              <a:ext uri="{FF2B5EF4-FFF2-40B4-BE49-F238E27FC236}">
+                <a16:creationId xmlns:a16="http://schemas.microsoft.com/office/drawing/2014/main" id="{9296955D-8469-F597-A95B-C4481E167AC7}"/>
+              </a:ext>
+            </a:extLst>
+          </p:cNvPr>
+          <p:cNvSpPr>
+            <a:spLocks noGrp="1"/>
+          </p:cNvSpPr>
+          <p:nvPr>
+            <p:ph type="title"/>
+          </p:nvPr>
+        </p:nvSpPr>
+        <p:spPr/>
+        <p:txBody>
+          <a:bodyPr/>
+          <a:lstStyle/>
+          <a:p>
+            <a:r>
+              <a:rPr lang="pt-BR" dirty="0"/>
+              <a:t>Exercício 6:</a:t>
+            </a:r>
+          </a:p>
+        </p:txBody>
+      </p:sp>
+      <p:sp>
+        <p:nvSpPr>
+          <p:cNvPr id="4" name="Rectangle 1">
+            <a:extLst>
+              <a:ext uri="{FF2B5EF4-FFF2-40B4-BE49-F238E27FC236}">
+                <a16:creationId xmlns:a16="http://schemas.microsoft.com/office/drawing/2014/main" id="{D7C46123-0D45-3412-C3B1-C9B2F0F5859A}"/>
+              </a:ext>
+            </a:extLst>
+          </p:cNvPr>
+          <p:cNvSpPr>
+            <a:spLocks noGrp="1" noChangeArrowheads="1"/>
+          </p:cNvSpPr>
+          <p:nvPr>
+            <p:ph idx="1"/>
+          </p:nvPr>
+        </p:nvSpPr>
+        <p:spPr bwMode="auto">
+          <a:xfrm>
+            <a:off x="506896" y="-174517"/>
+            <a:ext cx="9735037" cy="6204776"/>
+          </a:xfrm>
+          <a:prstGeom prst="rect">
+            <a:avLst/>
+          </a:prstGeom>
+          <a:solidFill>
+            <a:srgbClr val="F7F7F8"/>
+          </a:solidFill>
+          <a:ln>
+            <a:noFill/>
+          </a:ln>
+          <a:effectLst/>
+          <a:extLst>
+            <a:ext uri="{91240B29-F687-4F45-9708-019B960494DF}">
+              <a14:hiddenLine xmlns:a14="http://schemas.microsoft.com/office/drawing/2010/main" w="9525">
+                <a:solidFill>
+                  <a:schemeClr val="tx1"/>
+                </a:solidFill>
+                <a:miter lim="800000"/>
+                <a:headEnd/>
+                <a:tailEnd/>
+              </a14:hiddenLine>
+            </a:ext>
+            <a:ext uri="{AF507438-7753-43E0-B8FC-AC1667EBCBE1}">
+              <a14:hiddenEffects xmlns:a14="http://schemas.microsoft.com/office/drawing/2010/main">
+                <a:effectLst>
+                  <a:outerShdw dist="35921" dir="2700000" algn="ctr" rotWithShape="0">
+                    <a:schemeClr val="bg2"/>
+                  </a:outerShdw>
+                </a:effectLst>
+              </a14:hiddenEffects>
+            </a:ext>
+          </a:extLst>
+        </p:spPr>
+        <p:txBody>
+          <a:bodyPr vert="horz" wrap="none" lIns="91440" tIns="45720" rIns="91440" bIns="45720" numCol="1" anchor="ctr" anchorCtr="0" compatLnSpc="1">
+            <a:prstTxWarp prst="textNoShape">
+              <a:avLst/>
+            </a:prstTxWarp>
+            <a:spAutoFit/>
+          </a:bodyPr>
+          <a:lstStyle/>
+          <a:p>
+            <a:pPr marL="0" marR="0" lvl="0" indent="0" algn="l" defTabSz="914400" rtl="0" eaLnBrk="0" fontAlgn="base" latinLnBrk="0" hangingPunct="0">
+              <a:lnSpc>
+                <a:spcPct val="100000"/>
+              </a:lnSpc>
+              <a:spcBef>
+                <a:spcPct val="0"/>
+              </a:spcBef>
+              <a:spcAft>
+                <a:spcPct val="0"/>
+              </a:spcAft>
+              <a:buClrTx/>
+              <a:buSzTx/>
+              <a:buFontTx/>
+              <a:buNone/>
+              <a:tabLst/>
+            </a:pPr>
+            <a:endParaRPr lang="pt-BR" altLang="pt-BR" dirty="0"/>
+          </a:p>
+          <a:p>
+            <a:pPr marL="0" marR="0" lvl="0" indent="0" algn="l" defTabSz="914400" rtl="0" eaLnBrk="0" fontAlgn="base" latinLnBrk="0" hangingPunct="0">
+              <a:lnSpc>
+                <a:spcPct val="100000"/>
+              </a:lnSpc>
+              <a:spcBef>
+                <a:spcPct val="0"/>
+              </a:spcBef>
+              <a:spcAft>
+                <a:spcPct val="0"/>
+              </a:spcAft>
+              <a:buClrTx/>
+              <a:buSzTx/>
+              <a:buNone/>
+              <a:tabLst/>
+            </a:pPr>
+            <a:r>
+              <a:rPr lang="pt-BR" altLang="pt-BR" dirty="0"/>
+              <a:t>Escreva uma função que, dado um número nota representando a </a:t>
+            </a:r>
+          </a:p>
+          <a:p>
+            <a:pPr marL="0" marR="0" lvl="0" indent="0" algn="l" defTabSz="914400" rtl="0" eaLnBrk="0" fontAlgn="base" latinLnBrk="0" hangingPunct="0">
+              <a:lnSpc>
+                <a:spcPct val="100000"/>
+              </a:lnSpc>
+              <a:spcBef>
+                <a:spcPct val="0"/>
+              </a:spcBef>
+              <a:spcAft>
+                <a:spcPct val="0"/>
+              </a:spcAft>
+              <a:buClrTx/>
+              <a:buSzTx/>
+              <a:buNone/>
+              <a:tabLst/>
+            </a:pPr>
+            <a:r>
+              <a:rPr lang="pt-BR" altLang="pt-BR" dirty="0"/>
+              <a:t>nota de um estudante, converte o valor de nota </a:t>
+            </a:r>
+          </a:p>
+          <a:p>
+            <a:pPr marL="0" marR="0" lvl="0" indent="0" algn="l" defTabSz="914400" rtl="0" eaLnBrk="0" fontAlgn="base" latinLnBrk="0" hangingPunct="0">
+              <a:lnSpc>
+                <a:spcPct val="100000"/>
+              </a:lnSpc>
+              <a:spcBef>
+                <a:spcPct val="0"/>
+              </a:spcBef>
+              <a:spcAft>
+                <a:spcPct val="0"/>
+              </a:spcAft>
+              <a:buClrTx/>
+              <a:buSzTx/>
+              <a:buNone/>
+              <a:tabLst/>
+            </a:pPr>
+            <a:r>
+              <a:rPr lang="pt-BR" altLang="pt-BR" dirty="0"/>
+              <a:t>para um conceito (A, B, C, D, E </a:t>
+            </a:r>
+            <a:r>
+              <a:rPr lang="pt-BR" altLang="pt-BR" dirty="0" err="1"/>
+              <a:t>e</a:t>
+            </a:r>
+            <a:r>
+              <a:rPr lang="pt-BR" altLang="pt-BR" dirty="0"/>
+              <a:t> F).</a:t>
+            </a:r>
+          </a:p>
+          <a:p>
+            <a:pPr marL="0" indent="0">
+              <a:buNone/>
+            </a:pPr>
+            <a:r>
+              <a:rPr lang="pt-BR" dirty="0"/>
+              <a:t>nota &gt;= 90 "A" </a:t>
+            </a:r>
+          </a:p>
+          <a:p>
+            <a:pPr marL="0" indent="0">
+              <a:buNone/>
+            </a:pPr>
+            <a:r>
+              <a:rPr lang="pt-BR" dirty="0"/>
+              <a:t>nota &gt;= 80 e &lt;90 "B" </a:t>
+            </a:r>
+          </a:p>
+          <a:p>
+            <a:pPr marL="0" indent="0">
+              <a:buNone/>
+            </a:pPr>
+            <a:r>
+              <a:rPr lang="pt-BR" dirty="0"/>
+              <a:t>nota &gt;= 70 e &lt;80 "C" </a:t>
+            </a:r>
+          </a:p>
+          <a:p>
+            <a:pPr marL="0" indent="0">
+              <a:buNone/>
+            </a:pPr>
+            <a:r>
+              <a:rPr lang="pt-BR" dirty="0"/>
+              <a:t>nota &gt;= 60 e &lt;70 "D" </a:t>
+            </a:r>
+          </a:p>
+          <a:p>
+            <a:pPr marL="0" indent="0">
+              <a:buNone/>
+            </a:pPr>
+            <a:r>
+              <a:rPr lang="pt-BR" dirty="0"/>
+              <a:t>nota &gt;= 50  e &lt;60 "E“</a:t>
+            </a:r>
+          </a:p>
+          <a:p>
+            <a:pPr marL="0" indent="0">
+              <a:buNone/>
+            </a:pPr>
+            <a:r>
+              <a:rPr lang="pt-BR" dirty="0"/>
+              <a:t>nota &lt;=60 “F”</a:t>
+            </a:r>
+          </a:p>
+          <a:p>
+            <a:pPr marL="0" marR="0" lvl="0" indent="0" algn="l" defTabSz="914400" rtl="0" eaLnBrk="0" fontAlgn="base" latinLnBrk="0" hangingPunct="0">
+              <a:lnSpc>
+                <a:spcPct val="100000"/>
+              </a:lnSpc>
+              <a:spcBef>
+                <a:spcPct val="0"/>
+              </a:spcBef>
+              <a:spcAft>
+                <a:spcPct val="0"/>
+              </a:spcAft>
+              <a:buClrTx/>
+              <a:buSzTx/>
+              <a:buNone/>
+              <a:tabLst/>
+            </a:pPr>
+            <a:endParaRPr lang="pt-BR" altLang="pt-BR" dirty="0"/>
+          </a:p>
+          <a:p>
+            <a:pPr marL="0" marR="0" lvl="0" indent="0" algn="l" defTabSz="914400" rtl="0" eaLnBrk="0" fontAlgn="base" latinLnBrk="0" hangingPunct="0">
+              <a:lnSpc>
+                <a:spcPct val="100000"/>
+              </a:lnSpc>
+              <a:spcBef>
+                <a:spcPct val="0"/>
+              </a:spcBef>
+              <a:spcAft>
+                <a:spcPct val="0"/>
+              </a:spcAft>
+              <a:buClrTx/>
+              <a:buSzTx/>
+              <a:buNone/>
+              <a:tabLst/>
+            </a:pPr>
+            <a:endParaRPr lang="pt-BR" altLang="pt-BR" dirty="0"/>
+          </a:p>
+          <a:p>
+            <a:pPr marL="0" marR="0" lvl="0" indent="0" algn="l" defTabSz="914400" rtl="0" eaLnBrk="0" fontAlgn="base" latinLnBrk="0" hangingPunct="0">
+              <a:lnSpc>
+                <a:spcPct val="100000"/>
+              </a:lnSpc>
+              <a:spcBef>
+                <a:spcPct val="0"/>
+              </a:spcBef>
+              <a:spcAft>
+                <a:spcPct val="0"/>
+              </a:spcAft>
+              <a:buClrTx/>
+              <a:buSzTx/>
+              <a:buFontTx/>
+              <a:buNone/>
+              <a:tabLst/>
+            </a:pPr>
+            <a:endParaRPr lang="pt-BR" altLang="pt-BR" dirty="0"/>
+          </a:p>
+        </p:txBody>
+      </p:sp>
+    </p:spTree>
+    <p:extLst>
+      <p:ext uri="{BB962C8B-B14F-4D97-AF65-F5344CB8AC3E}">
+        <p14:creationId xmlns:p14="http://schemas.microsoft.com/office/powerpoint/2010/main" val="643382271"/>
+      </p:ext>
+    </p:extLst>
+  </p:cSld>
+  <p:clrMapOvr>
+    <a:masterClrMapping/>
+  </p:clrMapOvr>
+</p:sld>
+</file>
+
+<file path=ppt/slides/slide28.xml><?xml version="1.0" encoding="utf-8"?>
+<p:sld xmlns:a="http://schemas.openxmlformats.org/drawingml/2006/main" xmlns:r="http://schemas.openxmlformats.org/officeDocument/2006/relationships" xmlns:p="http://schemas.openxmlformats.org/presentationml/2006/main">
+  <p:cSld>
+    <p:spTree>
+      <p:nvGrpSpPr>
+        <p:cNvPr id="1" name=""/>
+        <p:cNvGrpSpPr/>
+        <p:nvPr/>
+      </p:nvGrpSpPr>
+      <p:grpSpPr>
+        <a:xfrm>
+          <a:off x="0" y="0"/>
+          <a:ext cx="0" cy="0"/>
+          <a:chOff x="0" y="0"/>
+          <a:chExt cx="0" cy="0"/>
+        </a:xfrm>
+      </p:grpSpPr>
+      <p:sp>
+        <p:nvSpPr>
+          <p:cNvPr id="2" name="Título 1">
+            <a:extLst>
+              <a:ext uri="{FF2B5EF4-FFF2-40B4-BE49-F238E27FC236}">
+                <a16:creationId xmlns:a16="http://schemas.microsoft.com/office/drawing/2014/main" id="{B35B7775-F36B-26DC-1CF8-788D33C4C280}"/>
+              </a:ext>
+            </a:extLst>
+          </p:cNvPr>
+          <p:cNvSpPr>
+            <a:spLocks noGrp="1"/>
+          </p:cNvSpPr>
+          <p:nvPr>
+            <p:ph type="title"/>
+          </p:nvPr>
+        </p:nvSpPr>
+        <p:spPr/>
+        <p:txBody>
+          <a:bodyPr/>
+          <a:lstStyle/>
+          <a:p>
+            <a:r>
+              <a:rPr lang="pt-BR" dirty="0"/>
+              <a:t>Script:</a:t>
+            </a:r>
+          </a:p>
+        </p:txBody>
+      </p:sp>
+      <p:sp>
+        <p:nvSpPr>
+          <p:cNvPr id="3" name="Espaço Reservado para Conteúdo 2">
+            <a:extLst>
+              <a:ext uri="{FF2B5EF4-FFF2-40B4-BE49-F238E27FC236}">
+                <a16:creationId xmlns:a16="http://schemas.microsoft.com/office/drawing/2014/main" id="{7729CDD3-4894-5E76-421B-96D3F3DC174D}"/>
+              </a:ext>
+            </a:extLst>
+          </p:cNvPr>
+          <p:cNvSpPr>
+            <a:spLocks noGrp="1"/>
+          </p:cNvSpPr>
+          <p:nvPr>
+            <p:ph idx="1"/>
+          </p:nvPr>
+        </p:nvSpPr>
+        <p:spPr/>
+        <p:txBody>
+          <a:bodyPr>
+            <a:normAutofit fontScale="55000" lnSpcReduction="20000"/>
+          </a:bodyPr>
+          <a:lstStyle/>
+          <a:p>
+            <a:r>
+              <a:rPr lang="pt-BR" dirty="0" err="1"/>
+              <a:t>def</a:t>
+            </a:r>
+            <a:r>
+              <a:rPr lang="pt-BR" dirty="0"/>
+              <a:t> </a:t>
+            </a:r>
+            <a:r>
+              <a:rPr lang="pt-BR" dirty="0" err="1"/>
+              <a:t>converte_nota_em_conceito</a:t>
+            </a:r>
+            <a:r>
+              <a:rPr lang="pt-BR" dirty="0"/>
+              <a:t>(nota):</a:t>
+            </a:r>
+          </a:p>
+          <a:p>
+            <a:r>
+              <a:rPr lang="pt-BR" dirty="0"/>
+              <a:t>    </a:t>
+            </a:r>
+            <a:r>
+              <a:rPr lang="pt-BR" dirty="0" err="1"/>
+              <a:t>if</a:t>
+            </a:r>
+            <a:r>
+              <a:rPr lang="pt-BR" dirty="0"/>
+              <a:t> nota &gt;= 90:</a:t>
+            </a:r>
+          </a:p>
+          <a:p>
+            <a:r>
+              <a:rPr lang="pt-BR" dirty="0"/>
+              <a:t>      </a:t>
+            </a:r>
+            <a:r>
+              <a:rPr lang="pt-BR" dirty="0" err="1"/>
+              <a:t>return</a:t>
+            </a:r>
+            <a:r>
+              <a:rPr lang="pt-BR" dirty="0"/>
+              <a:t> "A"</a:t>
+            </a:r>
+          </a:p>
+          <a:p>
+            <a:r>
+              <a:rPr lang="pt-BR" dirty="0"/>
+              <a:t>    </a:t>
+            </a:r>
+            <a:r>
+              <a:rPr lang="pt-BR" dirty="0" err="1"/>
+              <a:t>elif</a:t>
+            </a:r>
+            <a:r>
+              <a:rPr lang="pt-BR" dirty="0"/>
+              <a:t> nota &gt;= 80:</a:t>
+            </a:r>
+          </a:p>
+          <a:p>
+            <a:r>
+              <a:rPr lang="pt-BR" dirty="0"/>
+              <a:t>      </a:t>
+            </a:r>
+            <a:r>
+              <a:rPr lang="pt-BR" dirty="0" err="1"/>
+              <a:t>return</a:t>
+            </a:r>
+            <a:r>
+              <a:rPr lang="pt-BR" dirty="0"/>
+              <a:t> "B"</a:t>
+            </a:r>
+          </a:p>
+          <a:p>
+            <a:r>
+              <a:rPr lang="pt-BR" dirty="0"/>
+              <a:t>    </a:t>
+            </a:r>
+            <a:r>
+              <a:rPr lang="pt-BR" dirty="0" err="1"/>
+              <a:t>elif</a:t>
+            </a:r>
+            <a:r>
+              <a:rPr lang="pt-BR" dirty="0"/>
+              <a:t> nota &gt;= 70:</a:t>
+            </a:r>
+          </a:p>
+          <a:p>
+            <a:r>
+              <a:rPr lang="pt-BR" dirty="0"/>
+              <a:t>      </a:t>
+            </a:r>
+            <a:r>
+              <a:rPr lang="pt-BR" dirty="0" err="1"/>
+              <a:t>return</a:t>
+            </a:r>
+            <a:r>
+              <a:rPr lang="pt-BR" dirty="0"/>
+              <a:t> "C"</a:t>
+            </a:r>
+          </a:p>
+          <a:p>
+            <a:r>
+              <a:rPr lang="pt-BR" dirty="0"/>
+              <a:t>    </a:t>
+            </a:r>
+            <a:r>
+              <a:rPr lang="pt-BR" dirty="0" err="1"/>
+              <a:t>elif</a:t>
+            </a:r>
+            <a:r>
+              <a:rPr lang="pt-BR" dirty="0"/>
+              <a:t> nota &gt;= 60:</a:t>
+            </a:r>
+          </a:p>
+          <a:p>
+            <a:r>
+              <a:rPr lang="pt-BR" dirty="0"/>
+              <a:t>      </a:t>
+            </a:r>
+            <a:r>
+              <a:rPr lang="pt-BR" dirty="0" err="1"/>
+              <a:t>return</a:t>
+            </a:r>
+            <a:r>
+              <a:rPr lang="pt-BR" dirty="0"/>
+              <a:t> "D"</a:t>
+            </a:r>
+          </a:p>
+          <a:p>
+            <a:r>
+              <a:rPr lang="pt-BR" dirty="0"/>
+              <a:t>    </a:t>
+            </a:r>
+            <a:r>
+              <a:rPr lang="pt-BR" dirty="0" err="1"/>
+              <a:t>elif</a:t>
+            </a:r>
+            <a:r>
+              <a:rPr lang="pt-BR" dirty="0"/>
+              <a:t> nota &gt;= 40:</a:t>
+            </a:r>
+          </a:p>
+          <a:p>
+            <a:r>
+              <a:rPr lang="pt-BR" dirty="0"/>
+              <a:t>      </a:t>
+            </a:r>
+            <a:r>
+              <a:rPr lang="pt-BR" dirty="0" err="1"/>
+              <a:t>return</a:t>
+            </a:r>
+            <a:r>
+              <a:rPr lang="pt-BR" dirty="0"/>
+              <a:t> "E"</a:t>
+            </a:r>
+          </a:p>
+          <a:p>
+            <a:r>
+              <a:rPr lang="pt-BR" dirty="0"/>
+              <a:t>    </a:t>
+            </a:r>
+            <a:r>
+              <a:rPr lang="pt-BR" dirty="0" err="1"/>
+              <a:t>else</a:t>
+            </a:r>
+            <a:r>
+              <a:rPr lang="pt-BR" dirty="0"/>
+              <a:t>:</a:t>
+            </a:r>
+          </a:p>
+          <a:p>
+            <a:r>
+              <a:rPr lang="pt-BR" dirty="0"/>
+              <a:t>      </a:t>
+            </a:r>
+            <a:r>
+              <a:rPr lang="pt-BR" dirty="0" err="1"/>
+              <a:t>return</a:t>
+            </a:r>
+            <a:r>
+              <a:rPr lang="pt-BR" dirty="0"/>
+              <a:t> "F"</a:t>
+            </a:r>
+          </a:p>
+          <a:p>
+            <a:br>
+              <a:rPr lang="pt-BR" dirty="0"/>
+            </a:br>
+            <a:r>
+              <a:rPr lang="pt-BR" dirty="0"/>
+              <a:t>print(</a:t>
+            </a:r>
+            <a:r>
+              <a:rPr lang="pt-BR" dirty="0" err="1"/>
+              <a:t>converte_nota_em_conceito</a:t>
+            </a:r>
+            <a:r>
+              <a:rPr lang="pt-BR" dirty="0"/>
+              <a:t>(65))</a:t>
+            </a:r>
+          </a:p>
+          <a:p>
+            <a:endParaRPr lang="pt-BR" dirty="0"/>
+          </a:p>
+        </p:txBody>
+      </p:sp>
+    </p:spTree>
+    <p:extLst>
+      <p:ext uri="{BB962C8B-B14F-4D97-AF65-F5344CB8AC3E}">
+        <p14:creationId xmlns:p14="http://schemas.microsoft.com/office/powerpoint/2010/main" val="1500002535"/>
+      </p:ext>
+    </p:extLst>
+  </p:cSld>
+  <p:clrMapOvr>
+    <a:masterClrMapping/>
+  </p:clrMapOvr>
+</p:sld>
+</file>
+
+<file path=ppt/slides/slide29.xml><?xml version="1.0" encoding="utf-8"?>
+<p:sld xmlns:a="http://schemas.openxmlformats.org/drawingml/2006/main" xmlns:r="http://schemas.openxmlformats.org/officeDocument/2006/relationships" xmlns:p="http://schemas.openxmlformats.org/presentationml/2006/main">
+  <p:cSld>
+    <p:spTree>
+      <p:nvGrpSpPr>
+        <p:cNvPr id="1" name=""/>
+        <p:cNvGrpSpPr/>
+        <p:nvPr/>
+      </p:nvGrpSpPr>
+      <p:grpSpPr>
+        <a:xfrm>
+          <a:off x="0" y="0"/>
+          <a:ext cx="0" cy="0"/>
+          <a:chOff x="0" y="0"/>
+          <a:chExt cx="0" cy="0"/>
+        </a:xfrm>
+      </p:grpSpPr>
+      <p:sp>
+        <p:nvSpPr>
+          <p:cNvPr id="2" name="Título 1">
+            <a:extLst>
+              <a:ext uri="{FF2B5EF4-FFF2-40B4-BE49-F238E27FC236}">
+                <a16:creationId xmlns:a16="http://schemas.microsoft.com/office/drawing/2014/main" id="{05AECF29-7462-F01E-2FE5-F03BF48B6EA9}"/>
+              </a:ext>
+            </a:extLst>
+          </p:cNvPr>
+          <p:cNvSpPr>
+            <a:spLocks noGrp="1"/>
+          </p:cNvSpPr>
+          <p:nvPr>
+            <p:ph type="title"/>
+          </p:nvPr>
+        </p:nvSpPr>
+        <p:spPr/>
+        <p:txBody>
+          <a:bodyPr/>
+          <a:lstStyle/>
+          <a:p>
+            <a:r>
+              <a:rPr lang="pt-BR" dirty="0"/>
+              <a:t>Script:</a:t>
+            </a:r>
+          </a:p>
+        </p:txBody>
+      </p:sp>
+      <p:sp>
+        <p:nvSpPr>
+          <p:cNvPr id="3" name="Espaço Reservado para Conteúdo 2">
+            <a:extLst>
+              <a:ext uri="{FF2B5EF4-FFF2-40B4-BE49-F238E27FC236}">
+                <a16:creationId xmlns:a16="http://schemas.microsoft.com/office/drawing/2014/main" id="{0FA7E1FA-949A-95CA-AE51-F9BBE4538AE4}"/>
+              </a:ext>
+            </a:extLst>
+          </p:cNvPr>
+          <p:cNvSpPr>
+            <a:spLocks noGrp="1"/>
+          </p:cNvSpPr>
+          <p:nvPr>
+            <p:ph idx="1"/>
+          </p:nvPr>
+        </p:nvSpPr>
+        <p:spPr/>
+        <p:txBody>
+          <a:bodyPr/>
+          <a:lstStyle/>
+          <a:p>
+            <a:pPr marL="0" indent="0">
+              <a:buNone/>
+            </a:pPr>
+            <a:r>
+              <a:rPr lang="pt-BR" dirty="0" err="1"/>
+              <a:t>def</a:t>
+            </a:r>
+            <a:r>
+              <a:rPr lang="pt-BR" dirty="0"/>
+              <a:t> </a:t>
+            </a:r>
+            <a:r>
+              <a:rPr lang="pt-BR" dirty="0" err="1"/>
+              <a:t>converte_nota_em_conceito</a:t>
+            </a:r>
+            <a:r>
+              <a:rPr lang="pt-BR" dirty="0"/>
+              <a:t>(nota): </a:t>
+            </a:r>
+          </a:p>
+          <a:p>
+            <a:pPr marL="0" indent="0">
+              <a:buNone/>
+            </a:pPr>
+            <a:r>
+              <a:rPr lang="pt-BR" dirty="0" err="1"/>
+              <a:t>if</a:t>
+            </a:r>
+            <a:r>
+              <a:rPr lang="pt-BR" dirty="0"/>
+              <a:t> nota &gt;= 90: </a:t>
+            </a:r>
+            <a:r>
+              <a:rPr lang="pt-BR" dirty="0" err="1"/>
+              <a:t>return</a:t>
+            </a:r>
+            <a:r>
+              <a:rPr lang="pt-BR" dirty="0"/>
+              <a:t> "A" </a:t>
+            </a:r>
+          </a:p>
+          <a:p>
+            <a:pPr marL="0" indent="0">
+              <a:buNone/>
+            </a:pPr>
+            <a:r>
+              <a:rPr lang="pt-BR" dirty="0" err="1"/>
+              <a:t>elif</a:t>
+            </a:r>
+            <a:r>
+              <a:rPr lang="pt-BR" dirty="0"/>
+              <a:t> nota &gt;= 80: </a:t>
+            </a:r>
+            <a:r>
+              <a:rPr lang="pt-BR" dirty="0" err="1"/>
+              <a:t>return</a:t>
+            </a:r>
+            <a:r>
+              <a:rPr lang="pt-BR" dirty="0"/>
+              <a:t> "B" </a:t>
+            </a:r>
+          </a:p>
+          <a:p>
+            <a:pPr marL="0" indent="0">
+              <a:buNone/>
+            </a:pPr>
+            <a:r>
+              <a:rPr lang="pt-BR" dirty="0" err="1"/>
+              <a:t>elif</a:t>
+            </a:r>
+            <a:r>
+              <a:rPr lang="pt-BR" dirty="0"/>
+              <a:t> nota &gt;= 70: </a:t>
+            </a:r>
+            <a:r>
+              <a:rPr lang="pt-BR" dirty="0" err="1"/>
+              <a:t>return</a:t>
+            </a:r>
+            <a:r>
+              <a:rPr lang="pt-BR" dirty="0"/>
+              <a:t> "C" </a:t>
+            </a:r>
+          </a:p>
+          <a:p>
+            <a:pPr marL="0" indent="0">
+              <a:buNone/>
+            </a:pPr>
+            <a:r>
+              <a:rPr lang="pt-BR" dirty="0" err="1"/>
+              <a:t>elif</a:t>
+            </a:r>
+            <a:r>
+              <a:rPr lang="pt-BR" dirty="0"/>
+              <a:t> nota &gt;= 60: </a:t>
+            </a:r>
+            <a:r>
+              <a:rPr lang="pt-BR" dirty="0" err="1"/>
+              <a:t>return</a:t>
+            </a:r>
+            <a:r>
+              <a:rPr lang="pt-BR" dirty="0"/>
+              <a:t> "D" </a:t>
+            </a:r>
+          </a:p>
+          <a:p>
+            <a:pPr marL="0" indent="0">
+              <a:buNone/>
+            </a:pPr>
+            <a:r>
+              <a:rPr lang="pt-BR" dirty="0" err="1"/>
+              <a:t>elif</a:t>
+            </a:r>
+            <a:r>
+              <a:rPr lang="pt-BR" dirty="0"/>
+              <a:t> nota &gt;= 40: </a:t>
+            </a:r>
+            <a:r>
+              <a:rPr lang="pt-BR" dirty="0" err="1"/>
+              <a:t>return</a:t>
+            </a:r>
+            <a:r>
+              <a:rPr lang="pt-BR" dirty="0"/>
+              <a:t> "E" </a:t>
+            </a:r>
+            <a:r>
+              <a:rPr lang="pt-BR" dirty="0" err="1"/>
+              <a:t>else</a:t>
+            </a:r>
+            <a:r>
+              <a:rPr lang="pt-BR" dirty="0"/>
+              <a:t>: </a:t>
+            </a:r>
+          </a:p>
+          <a:p>
+            <a:pPr marL="0" indent="0">
+              <a:buNone/>
+            </a:pPr>
+            <a:r>
+              <a:rPr lang="pt-BR" dirty="0" err="1"/>
+              <a:t>return</a:t>
+            </a:r>
+            <a:r>
+              <a:rPr lang="pt-BR" dirty="0"/>
+              <a:t> "F" print(</a:t>
+            </a:r>
+            <a:r>
+              <a:rPr lang="pt-BR" dirty="0" err="1"/>
+              <a:t>converte_nota_em_conceito</a:t>
+            </a:r>
+            <a:r>
+              <a:rPr lang="pt-BR" dirty="0"/>
+              <a:t>(65))</a:t>
+            </a:r>
+          </a:p>
+        </p:txBody>
+      </p:sp>
+    </p:spTree>
+    <p:extLst>
+      <p:ext uri="{BB962C8B-B14F-4D97-AF65-F5344CB8AC3E}">
+        <p14:creationId xmlns:p14="http://schemas.microsoft.com/office/powerpoint/2010/main" val="4102773270"/>
       </p:ext>
     </p:extLst>
   </p:cSld>
@@ -5460,6 +7572,1657 @@
 </p:sld>
 </file>
 
+<file path=ppt/slides/slide30.xml><?xml version="1.0" encoding="utf-8"?>
+<p:sld xmlns:a="http://schemas.openxmlformats.org/drawingml/2006/main" xmlns:r="http://schemas.openxmlformats.org/officeDocument/2006/relationships" xmlns:p="http://schemas.openxmlformats.org/presentationml/2006/main">
+  <p:cSld>
+    <p:spTree>
+      <p:nvGrpSpPr>
+        <p:cNvPr id="1" name=""/>
+        <p:cNvGrpSpPr/>
+        <p:nvPr/>
+      </p:nvGrpSpPr>
+      <p:grpSpPr>
+        <a:xfrm>
+          <a:off x="0" y="0"/>
+          <a:ext cx="0" cy="0"/>
+          <a:chOff x="0" y="0"/>
+          <a:chExt cx="0" cy="0"/>
+        </a:xfrm>
+      </p:grpSpPr>
+      <p:sp>
+        <p:nvSpPr>
+          <p:cNvPr id="2" name="Título 1">
+            <a:extLst>
+              <a:ext uri="{FF2B5EF4-FFF2-40B4-BE49-F238E27FC236}">
+                <a16:creationId xmlns:a16="http://schemas.microsoft.com/office/drawing/2014/main" id="{446CBB68-65C4-B4A4-463A-35349A01ED56}"/>
+              </a:ext>
+            </a:extLst>
+          </p:cNvPr>
+          <p:cNvSpPr>
+            <a:spLocks noGrp="1"/>
+          </p:cNvSpPr>
+          <p:nvPr>
+            <p:ph type="title"/>
+          </p:nvPr>
+        </p:nvSpPr>
+        <p:spPr/>
+        <p:txBody>
+          <a:bodyPr/>
+          <a:lstStyle/>
+          <a:p>
+            <a:r>
+              <a:rPr lang="pt-BR" dirty="0"/>
+              <a:t>Variável local e variável global:</a:t>
+            </a:r>
+          </a:p>
+        </p:txBody>
+      </p:sp>
+      <p:sp>
+        <p:nvSpPr>
+          <p:cNvPr id="3" name="Espaço Reservado para Conteúdo 2">
+            <a:extLst>
+              <a:ext uri="{FF2B5EF4-FFF2-40B4-BE49-F238E27FC236}">
+                <a16:creationId xmlns:a16="http://schemas.microsoft.com/office/drawing/2014/main" id="{C8DA66E0-E769-7066-347B-3B9EAAEFED05}"/>
+              </a:ext>
+            </a:extLst>
+          </p:cNvPr>
+          <p:cNvSpPr>
+            <a:spLocks noGrp="1"/>
+          </p:cNvSpPr>
+          <p:nvPr>
+            <p:ph idx="1"/>
+          </p:nvPr>
+        </p:nvSpPr>
+        <p:spPr/>
+        <p:txBody>
+          <a:bodyPr>
+            <a:normAutofit lnSpcReduction="10000"/>
+          </a:bodyPr>
+          <a:lstStyle/>
+          <a:p>
+            <a:pPr algn="l"/>
+            <a:r>
+              <a:rPr lang="pt-BR" b="1" i="0" dirty="0">
+                <a:solidFill>
+                  <a:srgbClr val="000000"/>
+                </a:solidFill>
+                <a:effectLst/>
+                <a:latin typeface="Arial" panose="020B0604020202020204" pitchFamily="34" charset="0"/>
+              </a:rPr>
+              <a:t>Variável Local em Python</a:t>
+            </a:r>
+          </a:p>
+          <a:p>
+            <a:pPr marL="0" indent="0">
+              <a:buNone/>
+            </a:pPr>
+            <a:r>
+              <a:rPr lang="pt-BR" b="0" i="0" dirty="0">
+                <a:solidFill>
+                  <a:srgbClr val="000000"/>
+                </a:solidFill>
+                <a:effectLst/>
+                <a:latin typeface="Arial" panose="020B0604020202020204" pitchFamily="34" charset="0"/>
+              </a:rPr>
+              <a:t>As variáveis dentro de uma função, não são visíveis fora da função.</a:t>
+            </a:r>
+          </a:p>
+          <a:p>
+            <a:pPr marL="0" indent="0">
+              <a:buNone/>
+            </a:pPr>
+            <a:r>
+              <a:rPr lang="pt-BR" dirty="0">
+                <a:solidFill>
+                  <a:srgbClr val="000000"/>
+                </a:solidFill>
+                <a:latin typeface="Arial" panose="020B0604020202020204" pitchFamily="34" charset="0"/>
+              </a:rPr>
+              <a:t>Exemplo:</a:t>
+            </a:r>
+          </a:p>
+          <a:p>
+            <a:pPr marL="0" indent="0">
+              <a:buNone/>
+            </a:pPr>
+            <a:r>
+              <a:rPr lang="pt-BR" altLang="pt-BR" dirty="0" err="1"/>
+              <a:t>def</a:t>
+            </a:r>
+            <a:r>
+              <a:rPr lang="pt-BR" altLang="pt-BR" dirty="0"/>
+              <a:t> teste(): </a:t>
+            </a:r>
+          </a:p>
+          <a:p>
+            <a:pPr marL="0" indent="0">
+              <a:buNone/>
+            </a:pPr>
+            <a:r>
+              <a:rPr lang="pt-BR" altLang="pt-BR" dirty="0"/>
+              <a:t>  print(“variável local, ou seja dentro da função!") </a:t>
+            </a:r>
+          </a:p>
+          <a:p>
+            <a:pPr marL="0" indent="0">
+              <a:buNone/>
+            </a:pPr>
+            <a:r>
+              <a:rPr lang="pt-BR" altLang="pt-BR" dirty="0"/>
+              <a:t>  var=2112 </a:t>
+            </a:r>
+          </a:p>
+          <a:p>
+            <a:pPr marL="0" indent="0">
+              <a:buNone/>
+            </a:pPr>
+            <a:r>
+              <a:rPr lang="pt-BR" altLang="pt-BR" dirty="0"/>
+              <a:t>  </a:t>
+            </a:r>
+            <a:r>
+              <a:rPr lang="pt-BR" altLang="pt-BR" dirty="0" err="1"/>
+              <a:t>return</a:t>
+            </a:r>
+            <a:r>
+              <a:rPr lang="pt-BR" altLang="pt-BR" dirty="0"/>
+              <a:t> print("Valor de </a:t>
+            </a:r>
+            <a:r>
+              <a:rPr lang="pt-BR" altLang="pt-BR" dirty="0" err="1"/>
+              <a:t>var:",var</a:t>
+            </a:r>
+            <a:r>
+              <a:rPr lang="pt-BR" altLang="pt-BR" dirty="0"/>
+              <a:t>)</a:t>
+            </a:r>
+          </a:p>
+          <a:p>
+            <a:pPr marL="0" indent="0">
+              <a:buNone/>
+            </a:pPr>
+            <a:r>
+              <a:rPr lang="pt-BR" altLang="pt-BR" dirty="0"/>
+              <a:t>teste()</a:t>
+            </a:r>
+          </a:p>
+          <a:p>
+            <a:pPr marL="0" indent="0">
+              <a:buNone/>
+            </a:pPr>
+            <a:endParaRPr lang="pt-BR" dirty="0"/>
+          </a:p>
+        </p:txBody>
+      </p:sp>
+    </p:spTree>
+    <p:extLst>
+      <p:ext uri="{BB962C8B-B14F-4D97-AF65-F5344CB8AC3E}">
+        <p14:creationId xmlns:p14="http://schemas.microsoft.com/office/powerpoint/2010/main" val="3842448341"/>
+      </p:ext>
+    </p:extLst>
+  </p:cSld>
+  <p:clrMapOvr>
+    <a:masterClrMapping/>
+  </p:clrMapOvr>
+</p:sld>
+</file>
+
+<file path=ppt/slides/slide31.xml><?xml version="1.0" encoding="utf-8"?>
+<p:sld xmlns:a="http://schemas.openxmlformats.org/drawingml/2006/main" xmlns:r="http://schemas.openxmlformats.org/officeDocument/2006/relationships" xmlns:p="http://schemas.openxmlformats.org/presentationml/2006/main">
+  <p:cSld>
+    <p:spTree>
+      <p:nvGrpSpPr>
+        <p:cNvPr id="1" name=""/>
+        <p:cNvGrpSpPr/>
+        <p:nvPr/>
+      </p:nvGrpSpPr>
+      <p:grpSpPr>
+        <a:xfrm>
+          <a:off x="0" y="0"/>
+          <a:ext cx="0" cy="0"/>
+          <a:chOff x="0" y="0"/>
+          <a:chExt cx="0" cy="0"/>
+        </a:xfrm>
+      </p:grpSpPr>
+      <p:sp>
+        <p:nvSpPr>
+          <p:cNvPr id="2" name="Título 1">
+            <a:extLst>
+              <a:ext uri="{FF2B5EF4-FFF2-40B4-BE49-F238E27FC236}">
+                <a16:creationId xmlns:a16="http://schemas.microsoft.com/office/drawing/2014/main" id="{CF80D16F-CF21-E90D-FEE7-35E12026FBDA}"/>
+              </a:ext>
+            </a:extLst>
+          </p:cNvPr>
+          <p:cNvSpPr>
+            <a:spLocks noGrp="1"/>
+          </p:cNvSpPr>
+          <p:nvPr>
+            <p:ph type="title"/>
+          </p:nvPr>
+        </p:nvSpPr>
+        <p:spPr/>
+        <p:txBody>
+          <a:bodyPr/>
+          <a:lstStyle/>
+          <a:p>
+            <a:r>
+              <a:rPr lang="pt-BR" dirty="0"/>
+              <a:t>Variável global.</a:t>
+            </a:r>
+          </a:p>
+        </p:txBody>
+      </p:sp>
+      <p:sp>
+        <p:nvSpPr>
+          <p:cNvPr id="3" name="Espaço Reservado para Conteúdo 2">
+            <a:extLst>
+              <a:ext uri="{FF2B5EF4-FFF2-40B4-BE49-F238E27FC236}">
+                <a16:creationId xmlns:a16="http://schemas.microsoft.com/office/drawing/2014/main" id="{58CDAA14-D602-4EC0-5EEB-DF847A31BFD5}"/>
+              </a:ext>
+            </a:extLst>
+          </p:cNvPr>
+          <p:cNvSpPr>
+            <a:spLocks noGrp="1"/>
+          </p:cNvSpPr>
+          <p:nvPr>
+            <p:ph idx="1"/>
+          </p:nvPr>
+        </p:nvSpPr>
+        <p:spPr/>
+        <p:txBody>
+          <a:bodyPr>
+            <a:normAutofit/>
+          </a:bodyPr>
+          <a:lstStyle/>
+          <a:p>
+            <a:pPr marL="0" indent="0">
+              <a:buNone/>
+            </a:pPr>
+            <a:r>
+              <a:rPr lang="pt-BR" altLang="pt-BR" dirty="0" err="1"/>
+              <a:t>def</a:t>
+            </a:r>
+            <a:r>
+              <a:rPr lang="pt-BR" altLang="pt-BR" dirty="0"/>
+              <a:t> teste(): </a:t>
+            </a:r>
+          </a:p>
+          <a:p>
+            <a:pPr marL="0" indent="0">
+              <a:buNone/>
+            </a:pPr>
+            <a:r>
+              <a:rPr lang="pt-BR" altLang="pt-BR" dirty="0"/>
+              <a:t>  print(“variável local, ou seja dentro da função!") </a:t>
+            </a:r>
+          </a:p>
+          <a:p>
+            <a:pPr marL="0" indent="0">
+              <a:buNone/>
+            </a:pPr>
+            <a:r>
+              <a:rPr lang="pt-BR" altLang="pt-BR" dirty="0"/>
+              <a:t>  var=2112 </a:t>
+            </a:r>
+          </a:p>
+          <a:p>
+            <a:pPr marL="0" indent="0">
+              <a:buNone/>
+            </a:pPr>
+            <a:r>
+              <a:rPr lang="pt-BR" altLang="pt-BR" dirty="0"/>
+              <a:t>  </a:t>
+            </a:r>
+            <a:r>
+              <a:rPr lang="pt-BR" altLang="pt-BR" dirty="0" err="1"/>
+              <a:t>return</a:t>
+            </a:r>
+            <a:r>
+              <a:rPr lang="pt-BR" altLang="pt-BR" dirty="0"/>
+              <a:t> print("Valor de </a:t>
+            </a:r>
+            <a:r>
+              <a:rPr lang="pt-BR" altLang="pt-BR" dirty="0" err="1"/>
+              <a:t>var:",var</a:t>
+            </a:r>
+            <a:r>
+              <a:rPr lang="pt-BR" altLang="pt-BR" dirty="0"/>
+              <a:t>)</a:t>
+            </a:r>
+          </a:p>
+          <a:p>
+            <a:pPr marL="0" indent="0">
+              <a:buNone/>
+            </a:pPr>
+            <a:r>
+              <a:rPr lang="pt-BR" altLang="pt-BR" dirty="0"/>
+              <a:t>teste()</a:t>
+            </a:r>
+          </a:p>
+          <a:p>
+            <a:pPr marL="0" indent="0">
+              <a:buNone/>
+            </a:pPr>
+            <a:r>
+              <a:rPr lang="pt-BR" altLang="pt-BR" dirty="0"/>
+              <a:t>print(“variável global, ou seja fora da função!") </a:t>
+            </a:r>
+          </a:p>
+          <a:p>
+            <a:pPr marL="0" indent="0">
+              <a:buNone/>
+            </a:pPr>
+            <a:r>
+              <a:rPr lang="pt-BR" altLang="pt-BR" dirty="0"/>
+              <a:t>print("Valor de </a:t>
+            </a:r>
+            <a:r>
+              <a:rPr lang="pt-BR" altLang="pt-BR" dirty="0" err="1"/>
+              <a:t>var:",var</a:t>
+            </a:r>
+            <a:r>
+              <a:rPr lang="pt-BR" altLang="pt-BR" dirty="0"/>
+              <a:t>)</a:t>
+            </a:r>
+            <a:endParaRPr lang="pt-BR" dirty="0"/>
+          </a:p>
+        </p:txBody>
+      </p:sp>
+    </p:spTree>
+    <p:extLst>
+      <p:ext uri="{BB962C8B-B14F-4D97-AF65-F5344CB8AC3E}">
+        <p14:creationId xmlns:p14="http://schemas.microsoft.com/office/powerpoint/2010/main" val="2136175628"/>
+      </p:ext>
+    </p:extLst>
+  </p:cSld>
+  <p:clrMapOvr>
+    <a:masterClrMapping/>
+  </p:clrMapOvr>
+</p:sld>
+</file>
+
+<file path=ppt/slides/slide32.xml><?xml version="1.0" encoding="utf-8"?>
+<p:sld xmlns:a="http://schemas.openxmlformats.org/drawingml/2006/main" xmlns:r="http://schemas.openxmlformats.org/officeDocument/2006/relationships" xmlns:p="http://schemas.openxmlformats.org/presentationml/2006/main">
+  <p:cSld>
+    <p:spTree>
+      <p:nvGrpSpPr>
+        <p:cNvPr id="1" name=""/>
+        <p:cNvGrpSpPr/>
+        <p:nvPr/>
+      </p:nvGrpSpPr>
+      <p:grpSpPr>
+        <a:xfrm>
+          <a:off x="0" y="0"/>
+          <a:ext cx="0" cy="0"/>
+          <a:chOff x="0" y="0"/>
+          <a:chExt cx="0" cy="0"/>
+        </a:xfrm>
+      </p:grpSpPr>
+      <p:sp>
+        <p:nvSpPr>
+          <p:cNvPr id="2" name="Título 1">
+            <a:extLst>
+              <a:ext uri="{FF2B5EF4-FFF2-40B4-BE49-F238E27FC236}">
+                <a16:creationId xmlns:a16="http://schemas.microsoft.com/office/drawing/2014/main" id="{F2230972-F801-AC2A-83A7-8DD96FE28AA9}"/>
+              </a:ext>
+            </a:extLst>
+          </p:cNvPr>
+          <p:cNvSpPr>
+            <a:spLocks noGrp="1"/>
+          </p:cNvSpPr>
+          <p:nvPr>
+            <p:ph type="title"/>
+          </p:nvPr>
+        </p:nvSpPr>
+        <p:spPr/>
+        <p:txBody>
+          <a:bodyPr/>
+          <a:lstStyle/>
+          <a:p>
+            <a:r>
+              <a:rPr lang="pt-BR" dirty="0"/>
+              <a:t>Variável global:</a:t>
+            </a:r>
+          </a:p>
+        </p:txBody>
+      </p:sp>
+      <p:sp>
+        <p:nvSpPr>
+          <p:cNvPr id="3" name="Espaço Reservado para Conteúdo 2">
+            <a:extLst>
+              <a:ext uri="{FF2B5EF4-FFF2-40B4-BE49-F238E27FC236}">
+                <a16:creationId xmlns:a16="http://schemas.microsoft.com/office/drawing/2014/main" id="{ED2D4A3C-C38D-98DA-0B56-ECA64BD2E5E1}"/>
+              </a:ext>
+            </a:extLst>
+          </p:cNvPr>
+          <p:cNvSpPr>
+            <a:spLocks noGrp="1"/>
+          </p:cNvSpPr>
+          <p:nvPr>
+            <p:ph idx="1"/>
+          </p:nvPr>
+        </p:nvSpPr>
+        <p:spPr/>
+        <p:txBody>
+          <a:bodyPr/>
+          <a:lstStyle/>
+          <a:p>
+            <a:pPr marL="0" indent="0">
+              <a:buNone/>
+            </a:pPr>
+            <a:r>
+              <a:rPr lang="pt-BR" dirty="0"/>
+              <a:t>var=33</a:t>
+            </a:r>
+          </a:p>
+          <a:p>
+            <a:pPr marL="0" indent="0">
+              <a:buNone/>
+            </a:pPr>
+            <a:r>
+              <a:rPr lang="pt-BR" altLang="pt-BR" dirty="0" err="1"/>
+              <a:t>def</a:t>
+            </a:r>
+            <a:r>
+              <a:rPr lang="pt-BR" altLang="pt-BR" dirty="0"/>
+              <a:t> teste(): </a:t>
+            </a:r>
+          </a:p>
+          <a:p>
+            <a:pPr marL="0" indent="0">
+              <a:buNone/>
+            </a:pPr>
+            <a:r>
+              <a:rPr lang="pt-BR" altLang="pt-BR" dirty="0"/>
+              <a:t>  print(“variável local, ou seja dentro da função!") </a:t>
+            </a:r>
+          </a:p>
+          <a:p>
+            <a:pPr marL="0" indent="0">
+              <a:buNone/>
+            </a:pPr>
+            <a:r>
+              <a:rPr lang="pt-BR" altLang="pt-BR" dirty="0"/>
+              <a:t>  var=2112 </a:t>
+            </a:r>
+          </a:p>
+          <a:p>
+            <a:pPr marL="0" indent="0">
+              <a:buNone/>
+            </a:pPr>
+            <a:r>
+              <a:rPr lang="pt-BR" altLang="pt-BR" dirty="0"/>
+              <a:t>  </a:t>
+            </a:r>
+            <a:r>
+              <a:rPr lang="pt-BR" altLang="pt-BR" dirty="0" err="1"/>
+              <a:t>return</a:t>
+            </a:r>
+            <a:r>
+              <a:rPr lang="pt-BR" altLang="pt-BR" dirty="0"/>
+              <a:t> print("Valor de </a:t>
+            </a:r>
+            <a:r>
+              <a:rPr lang="pt-BR" altLang="pt-BR" dirty="0" err="1"/>
+              <a:t>var:",var</a:t>
+            </a:r>
+            <a:r>
+              <a:rPr lang="pt-BR" altLang="pt-BR" dirty="0"/>
+              <a:t>)</a:t>
+            </a:r>
+          </a:p>
+          <a:p>
+            <a:pPr marL="0" indent="0">
+              <a:buNone/>
+            </a:pPr>
+            <a:r>
+              <a:rPr lang="pt-BR" altLang="pt-BR" dirty="0"/>
+              <a:t>teste()</a:t>
+            </a:r>
+          </a:p>
+          <a:p>
+            <a:pPr marL="0" indent="0">
+              <a:buNone/>
+            </a:pPr>
+            <a:r>
+              <a:rPr lang="pt-BR" altLang="pt-BR" dirty="0"/>
+              <a:t>print(“variável global, ou seja fora da função!") </a:t>
+            </a:r>
+          </a:p>
+          <a:p>
+            <a:pPr marL="0" indent="0">
+              <a:buNone/>
+            </a:pPr>
+            <a:r>
+              <a:rPr lang="pt-BR" altLang="pt-BR" dirty="0"/>
+              <a:t>print("Valor de </a:t>
+            </a:r>
+            <a:r>
+              <a:rPr lang="pt-BR" altLang="pt-BR" dirty="0" err="1"/>
+              <a:t>var:",var</a:t>
+            </a:r>
+            <a:r>
+              <a:rPr lang="pt-BR" altLang="pt-BR" dirty="0"/>
+              <a:t>)</a:t>
+            </a:r>
+            <a:endParaRPr lang="pt-BR" dirty="0"/>
+          </a:p>
+          <a:p>
+            <a:endParaRPr lang="pt-BR" dirty="0"/>
+          </a:p>
+        </p:txBody>
+      </p:sp>
+    </p:spTree>
+    <p:extLst>
+      <p:ext uri="{BB962C8B-B14F-4D97-AF65-F5344CB8AC3E}">
+        <p14:creationId xmlns:p14="http://schemas.microsoft.com/office/powerpoint/2010/main" val="1707665601"/>
+      </p:ext>
+    </p:extLst>
+  </p:cSld>
+  <p:clrMapOvr>
+    <a:masterClrMapping/>
+  </p:clrMapOvr>
+</p:sld>
+</file>
+
+<file path=ppt/slides/slide33.xml><?xml version="1.0" encoding="utf-8"?>
+<p:sld xmlns:a="http://schemas.openxmlformats.org/drawingml/2006/main" xmlns:r="http://schemas.openxmlformats.org/officeDocument/2006/relationships" xmlns:p="http://schemas.openxmlformats.org/presentationml/2006/main">
+  <p:cSld>
+    <p:spTree>
+      <p:nvGrpSpPr>
+        <p:cNvPr id="1" name=""/>
+        <p:cNvGrpSpPr/>
+        <p:nvPr/>
+      </p:nvGrpSpPr>
+      <p:grpSpPr>
+        <a:xfrm>
+          <a:off x="0" y="0"/>
+          <a:ext cx="0" cy="0"/>
+          <a:chOff x="0" y="0"/>
+          <a:chExt cx="0" cy="0"/>
+        </a:xfrm>
+      </p:grpSpPr>
+      <p:sp>
+        <p:nvSpPr>
+          <p:cNvPr id="2" name="Título 1">
+            <a:extLst>
+              <a:ext uri="{FF2B5EF4-FFF2-40B4-BE49-F238E27FC236}">
+                <a16:creationId xmlns:a16="http://schemas.microsoft.com/office/drawing/2014/main" id="{CAA97E1C-2EED-E1D1-2B09-9B34D0761A22}"/>
+              </a:ext>
+            </a:extLst>
+          </p:cNvPr>
+          <p:cNvSpPr>
+            <a:spLocks noGrp="1"/>
+          </p:cNvSpPr>
+          <p:nvPr>
+            <p:ph type="title"/>
+          </p:nvPr>
+        </p:nvSpPr>
+        <p:spPr/>
+        <p:txBody>
+          <a:bodyPr/>
+          <a:lstStyle/>
+          <a:p>
+            <a:r>
+              <a:rPr lang="pt-BR" dirty="0"/>
+              <a:t>Função Lambda:</a:t>
+            </a:r>
+          </a:p>
+        </p:txBody>
+      </p:sp>
+      <p:sp>
+        <p:nvSpPr>
+          <p:cNvPr id="3" name="Espaço Reservado para Conteúdo 2">
+            <a:extLst>
+              <a:ext uri="{FF2B5EF4-FFF2-40B4-BE49-F238E27FC236}">
+                <a16:creationId xmlns:a16="http://schemas.microsoft.com/office/drawing/2014/main" id="{7D3D0E6A-0EE4-433C-86D7-C39E23D848D1}"/>
+              </a:ext>
+            </a:extLst>
+          </p:cNvPr>
+          <p:cNvSpPr>
+            <a:spLocks noGrp="1"/>
+          </p:cNvSpPr>
+          <p:nvPr>
+            <p:ph idx="1"/>
+          </p:nvPr>
+        </p:nvSpPr>
+        <p:spPr/>
+        <p:txBody>
+          <a:bodyPr/>
+          <a:lstStyle/>
+          <a:p>
+            <a:pPr marL="0" indent="0">
+              <a:buNone/>
+            </a:pPr>
+            <a:r>
+              <a:rPr lang="pt-BR" dirty="0"/>
+              <a:t>Definindo uma função imposto:</a:t>
+            </a:r>
+          </a:p>
+          <a:p>
+            <a:pPr marL="0" indent="0">
+              <a:buNone/>
+            </a:pPr>
+            <a:endParaRPr lang="pt-BR" dirty="0"/>
+          </a:p>
+          <a:p>
+            <a:pPr marL="0" indent="0">
+              <a:buNone/>
+            </a:pPr>
+            <a:r>
+              <a:rPr lang="pt-BR" dirty="0" err="1"/>
+              <a:t>def</a:t>
+            </a:r>
+            <a:r>
+              <a:rPr lang="pt-BR" dirty="0"/>
+              <a:t> </a:t>
+            </a:r>
+            <a:r>
+              <a:rPr lang="pt-BR" dirty="0" err="1"/>
+              <a:t>função_calcula_imposto</a:t>
+            </a:r>
+            <a:r>
+              <a:rPr lang="pt-BR" dirty="0"/>
+              <a:t>(</a:t>
+            </a:r>
+            <a:r>
+              <a:rPr lang="pt-BR" dirty="0" err="1"/>
+              <a:t>preco</a:t>
+            </a:r>
+            <a:r>
+              <a:rPr lang="pt-BR" dirty="0"/>
+              <a:t>):</a:t>
+            </a:r>
+          </a:p>
+          <a:p>
+            <a:pPr marL="0" indent="0">
+              <a:buNone/>
+            </a:pPr>
+            <a:r>
+              <a:rPr lang="pt-BR" dirty="0"/>
+              <a:t>    imposto=</a:t>
+            </a:r>
+            <a:r>
+              <a:rPr lang="pt-BR" dirty="0" err="1"/>
+              <a:t>preco</a:t>
+            </a:r>
+            <a:r>
+              <a:rPr lang="pt-BR" dirty="0"/>
+              <a:t>*0.05</a:t>
+            </a:r>
+          </a:p>
+          <a:p>
+            <a:pPr marL="0" indent="0">
+              <a:buNone/>
+            </a:pPr>
+            <a:r>
+              <a:rPr lang="pt-BR" dirty="0"/>
+              <a:t>    </a:t>
+            </a:r>
+            <a:r>
+              <a:rPr lang="pt-BR" dirty="0" err="1"/>
+              <a:t>return</a:t>
+            </a:r>
+            <a:r>
+              <a:rPr lang="pt-BR" dirty="0"/>
+              <a:t> print(imposto)</a:t>
+            </a:r>
+          </a:p>
+          <a:p>
+            <a:pPr marL="0" indent="0">
+              <a:buNone/>
+            </a:pPr>
+            <a:r>
+              <a:rPr lang="pt-BR" dirty="0" err="1"/>
+              <a:t>função_calcula_imposto</a:t>
+            </a:r>
+            <a:r>
+              <a:rPr lang="pt-BR" dirty="0"/>
+              <a:t>(100):</a:t>
+            </a:r>
+          </a:p>
+        </p:txBody>
+      </p:sp>
+    </p:spTree>
+    <p:extLst>
+      <p:ext uri="{BB962C8B-B14F-4D97-AF65-F5344CB8AC3E}">
+        <p14:creationId xmlns:p14="http://schemas.microsoft.com/office/powerpoint/2010/main" val="2071394974"/>
+      </p:ext>
+    </p:extLst>
+  </p:cSld>
+  <p:clrMapOvr>
+    <a:masterClrMapping/>
+  </p:clrMapOvr>
+</p:sld>
+</file>
+
+<file path=ppt/slides/slide34.xml><?xml version="1.0" encoding="utf-8"?>
+<p:sld xmlns:a="http://schemas.openxmlformats.org/drawingml/2006/main" xmlns:r="http://schemas.openxmlformats.org/officeDocument/2006/relationships" xmlns:p="http://schemas.openxmlformats.org/presentationml/2006/main">
+  <p:cSld>
+    <p:spTree>
+      <p:nvGrpSpPr>
+        <p:cNvPr id="1" name=""/>
+        <p:cNvGrpSpPr/>
+        <p:nvPr/>
+      </p:nvGrpSpPr>
+      <p:grpSpPr>
+        <a:xfrm>
+          <a:off x="0" y="0"/>
+          <a:ext cx="0" cy="0"/>
+          <a:chOff x="0" y="0"/>
+          <a:chExt cx="0" cy="0"/>
+        </a:xfrm>
+      </p:grpSpPr>
+      <p:sp>
+        <p:nvSpPr>
+          <p:cNvPr id="2" name="Título 1">
+            <a:extLst>
+              <a:ext uri="{FF2B5EF4-FFF2-40B4-BE49-F238E27FC236}">
+                <a16:creationId xmlns:a16="http://schemas.microsoft.com/office/drawing/2014/main" id="{AA9E9102-940A-19C5-67AE-A1D3CD72C97E}"/>
+              </a:ext>
+            </a:extLst>
+          </p:cNvPr>
+          <p:cNvSpPr>
+            <a:spLocks noGrp="1"/>
+          </p:cNvSpPr>
+          <p:nvPr>
+            <p:ph type="title"/>
+          </p:nvPr>
+        </p:nvSpPr>
+        <p:spPr/>
+        <p:txBody>
+          <a:bodyPr/>
+          <a:lstStyle/>
+          <a:p>
+            <a:r>
+              <a:rPr lang="pt-BR" dirty="0"/>
+              <a:t>Usando o função lambda:</a:t>
+            </a:r>
+          </a:p>
+        </p:txBody>
+      </p:sp>
+      <p:sp>
+        <p:nvSpPr>
+          <p:cNvPr id="3" name="Espaço Reservado para Conteúdo 2">
+            <a:extLst>
+              <a:ext uri="{FF2B5EF4-FFF2-40B4-BE49-F238E27FC236}">
+                <a16:creationId xmlns:a16="http://schemas.microsoft.com/office/drawing/2014/main" id="{29C2510C-152F-D849-F657-C90F33EB8423}"/>
+              </a:ext>
+            </a:extLst>
+          </p:cNvPr>
+          <p:cNvSpPr>
+            <a:spLocks noGrp="1"/>
+          </p:cNvSpPr>
+          <p:nvPr>
+            <p:ph idx="1"/>
+          </p:nvPr>
+        </p:nvSpPr>
+        <p:spPr/>
+        <p:txBody>
+          <a:bodyPr/>
+          <a:lstStyle/>
+          <a:p>
+            <a:pPr marL="0" indent="0">
+              <a:buNone/>
+            </a:pPr>
+            <a:r>
+              <a:rPr lang="pt-BR" dirty="0" err="1"/>
+              <a:t>preco</a:t>
+            </a:r>
+            <a:r>
+              <a:rPr lang="pt-BR" dirty="0"/>
+              <a:t>=100</a:t>
+            </a:r>
+          </a:p>
+          <a:p>
+            <a:pPr marL="0" indent="0">
+              <a:buNone/>
+            </a:pPr>
+            <a:r>
+              <a:rPr lang="pt-BR" dirty="0"/>
+              <a:t>imposto=lambda </a:t>
+            </a:r>
+            <a:r>
+              <a:rPr lang="pt-BR" dirty="0" err="1"/>
+              <a:t>preco</a:t>
+            </a:r>
+            <a:r>
+              <a:rPr lang="pt-BR" dirty="0"/>
+              <a:t>: </a:t>
+            </a:r>
+            <a:r>
+              <a:rPr lang="pt-BR" dirty="0" err="1"/>
+              <a:t>preco</a:t>
+            </a:r>
+            <a:r>
+              <a:rPr lang="pt-BR" dirty="0"/>
+              <a:t>*0.05</a:t>
+            </a:r>
+          </a:p>
+          <a:p>
+            <a:pPr marL="0" indent="0">
+              <a:buNone/>
+            </a:pPr>
+            <a:r>
+              <a:rPr lang="pt-BR" dirty="0"/>
+              <a:t>print(imposto)</a:t>
+            </a:r>
+          </a:p>
+        </p:txBody>
+      </p:sp>
+    </p:spTree>
+    <p:extLst>
+      <p:ext uri="{BB962C8B-B14F-4D97-AF65-F5344CB8AC3E}">
+        <p14:creationId xmlns:p14="http://schemas.microsoft.com/office/powerpoint/2010/main" val="2911022618"/>
+      </p:ext>
+    </p:extLst>
+  </p:cSld>
+  <p:clrMapOvr>
+    <a:masterClrMapping/>
+  </p:clrMapOvr>
+</p:sld>
+</file>
+
+<file path=ppt/slides/slide35.xml><?xml version="1.0" encoding="utf-8"?>
+<p:sld xmlns:a="http://schemas.openxmlformats.org/drawingml/2006/main" xmlns:r="http://schemas.openxmlformats.org/officeDocument/2006/relationships" xmlns:p="http://schemas.openxmlformats.org/presentationml/2006/main">
+  <p:cSld>
+    <p:spTree>
+      <p:nvGrpSpPr>
+        <p:cNvPr id="1" name=""/>
+        <p:cNvGrpSpPr/>
+        <p:nvPr/>
+      </p:nvGrpSpPr>
+      <p:grpSpPr>
+        <a:xfrm>
+          <a:off x="0" y="0"/>
+          <a:ext cx="0" cy="0"/>
+          <a:chOff x="0" y="0"/>
+          <a:chExt cx="0" cy="0"/>
+        </a:xfrm>
+      </p:grpSpPr>
+      <p:sp>
+        <p:nvSpPr>
+          <p:cNvPr id="2" name="Título 1">
+            <a:extLst>
+              <a:ext uri="{FF2B5EF4-FFF2-40B4-BE49-F238E27FC236}">
+                <a16:creationId xmlns:a16="http://schemas.microsoft.com/office/drawing/2014/main" id="{17590DA6-FE90-E7D8-2CC8-77AD8C04DDDC}"/>
+              </a:ext>
+            </a:extLst>
+          </p:cNvPr>
+          <p:cNvSpPr>
+            <a:spLocks noGrp="1"/>
+          </p:cNvSpPr>
+          <p:nvPr>
+            <p:ph type="title"/>
+          </p:nvPr>
+        </p:nvSpPr>
+        <p:spPr/>
+        <p:txBody>
+          <a:bodyPr/>
+          <a:lstStyle/>
+          <a:p>
+            <a:r>
+              <a:rPr lang="pt-BR" dirty="0"/>
+              <a:t>Função lambda:</a:t>
+            </a:r>
+          </a:p>
+        </p:txBody>
+      </p:sp>
+      <p:sp>
+        <p:nvSpPr>
+          <p:cNvPr id="3" name="Espaço Reservado para Conteúdo 2">
+            <a:extLst>
+              <a:ext uri="{FF2B5EF4-FFF2-40B4-BE49-F238E27FC236}">
+                <a16:creationId xmlns:a16="http://schemas.microsoft.com/office/drawing/2014/main" id="{8441D9BD-0F79-FB95-607E-3CFF2272D814}"/>
+              </a:ext>
+            </a:extLst>
+          </p:cNvPr>
+          <p:cNvSpPr>
+            <a:spLocks noGrp="1"/>
+          </p:cNvSpPr>
+          <p:nvPr>
+            <p:ph idx="1"/>
+          </p:nvPr>
+        </p:nvSpPr>
+        <p:spPr/>
+        <p:txBody>
+          <a:bodyPr/>
+          <a:lstStyle/>
+          <a:p>
+            <a:pPr marL="0" indent="0">
+              <a:buNone/>
+            </a:pPr>
+            <a:r>
+              <a:rPr lang="es-ES" dirty="0" err="1"/>
+              <a:t>somaxy</a:t>
+            </a:r>
+            <a:r>
+              <a:rPr lang="es-ES" dirty="0"/>
+              <a:t>=(lambda x, y: x + y) (x=1,y=2)</a:t>
+            </a:r>
+          </a:p>
+          <a:p>
+            <a:pPr marL="0" indent="0">
+              <a:buNone/>
+            </a:pPr>
+            <a:r>
+              <a:rPr lang="es-ES" dirty="0" err="1"/>
+              <a:t>print</a:t>
+            </a:r>
+            <a:r>
+              <a:rPr lang="es-ES" dirty="0"/>
+              <a:t>(</a:t>
+            </a:r>
+            <a:r>
+              <a:rPr lang="es-ES" dirty="0" err="1"/>
+              <a:t>somaxy</a:t>
+            </a:r>
+            <a:r>
+              <a:rPr lang="es-ES" dirty="0"/>
+              <a:t>)</a:t>
+            </a:r>
+          </a:p>
+          <a:p>
+            <a:pPr marL="0" indent="0">
+              <a:buNone/>
+            </a:pPr>
+            <a:endParaRPr lang="es-ES" dirty="0"/>
+          </a:p>
+          <a:p>
+            <a:pPr marL="0" indent="0">
+              <a:buNone/>
+            </a:pPr>
+            <a:r>
+              <a:rPr lang="es-ES" dirty="0" err="1"/>
+              <a:t>funcao_somaxy</a:t>
+            </a:r>
+            <a:r>
+              <a:rPr lang="es-ES" dirty="0"/>
+              <a:t> = lambda x, y: x + y </a:t>
+            </a:r>
+          </a:p>
+          <a:p>
+            <a:pPr marL="0" indent="0">
+              <a:buNone/>
+            </a:pPr>
+            <a:r>
+              <a:rPr lang="es-ES" dirty="0" err="1"/>
+              <a:t>print</a:t>
+            </a:r>
+            <a:r>
+              <a:rPr lang="es-ES" dirty="0"/>
+              <a:t>(</a:t>
+            </a:r>
+            <a:r>
+              <a:rPr lang="es-ES" dirty="0" err="1"/>
+              <a:t>funcao_somaxy</a:t>
+            </a:r>
+            <a:r>
+              <a:rPr lang="es-ES" dirty="0"/>
+              <a:t>(1, 2))</a:t>
+            </a:r>
+          </a:p>
+        </p:txBody>
+      </p:sp>
+    </p:spTree>
+    <p:extLst>
+      <p:ext uri="{BB962C8B-B14F-4D97-AF65-F5344CB8AC3E}">
+        <p14:creationId xmlns:p14="http://schemas.microsoft.com/office/powerpoint/2010/main" val="3896754359"/>
+      </p:ext>
+    </p:extLst>
+  </p:cSld>
+  <p:clrMapOvr>
+    <a:masterClrMapping/>
+  </p:clrMapOvr>
+</p:sld>
+</file>
+
+<file path=ppt/slides/slide36.xml><?xml version="1.0" encoding="utf-8"?>
+<p:sld xmlns:a="http://schemas.openxmlformats.org/drawingml/2006/main" xmlns:r="http://schemas.openxmlformats.org/officeDocument/2006/relationships" xmlns:p="http://schemas.openxmlformats.org/presentationml/2006/main">
+  <p:cSld>
+    <p:spTree>
+      <p:nvGrpSpPr>
+        <p:cNvPr id="1" name=""/>
+        <p:cNvGrpSpPr/>
+        <p:nvPr/>
+      </p:nvGrpSpPr>
+      <p:grpSpPr>
+        <a:xfrm>
+          <a:off x="0" y="0"/>
+          <a:ext cx="0" cy="0"/>
+          <a:chOff x="0" y="0"/>
+          <a:chExt cx="0" cy="0"/>
+        </a:xfrm>
+      </p:grpSpPr>
+      <p:sp>
+        <p:nvSpPr>
+          <p:cNvPr id="2" name="Título 1">
+            <a:extLst>
+              <a:ext uri="{FF2B5EF4-FFF2-40B4-BE49-F238E27FC236}">
+                <a16:creationId xmlns:a16="http://schemas.microsoft.com/office/drawing/2014/main" id="{3E45F850-E7E3-8B48-19CE-8740C24638E6}"/>
+              </a:ext>
+            </a:extLst>
+          </p:cNvPr>
+          <p:cNvSpPr>
+            <a:spLocks noGrp="1"/>
+          </p:cNvSpPr>
+          <p:nvPr>
+            <p:ph type="title"/>
+          </p:nvPr>
+        </p:nvSpPr>
+        <p:spPr/>
+        <p:txBody>
+          <a:bodyPr/>
+          <a:lstStyle/>
+          <a:p>
+            <a:r>
+              <a:rPr lang="pt-BR" dirty="0"/>
+              <a:t>Função lambda:</a:t>
+            </a:r>
+          </a:p>
+        </p:txBody>
+      </p:sp>
+      <p:sp>
+        <p:nvSpPr>
+          <p:cNvPr id="3" name="Espaço Reservado para Conteúdo 2">
+            <a:extLst>
+              <a:ext uri="{FF2B5EF4-FFF2-40B4-BE49-F238E27FC236}">
+                <a16:creationId xmlns:a16="http://schemas.microsoft.com/office/drawing/2014/main" id="{C37E6448-DAEB-0EF3-AA43-CFA0636D080F}"/>
+              </a:ext>
+            </a:extLst>
+          </p:cNvPr>
+          <p:cNvSpPr>
+            <a:spLocks noGrp="1"/>
+          </p:cNvSpPr>
+          <p:nvPr>
+            <p:ph idx="1"/>
+          </p:nvPr>
+        </p:nvSpPr>
+        <p:spPr/>
+        <p:txBody>
+          <a:bodyPr/>
+          <a:lstStyle/>
+          <a:p>
+            <a:pPr marL="0" indent="0">
+              <a:buNone/>
+            </a:pPr>
+            <a:r>
+              <a:rPr lang="pt-BR" dirty="0" err="1"/>
+              <a:t>funcao_soma</a:t>
+            </a:r>
+            <a:r>
+              <a:rPr lang="pt-BR" dirty="0"/>
+              <a:t> = (lambda *</a:t>
+            </a:r>
+            <a:r>
+              <a:rPr lang="pt-BR" dirty="0" err="1"/>
+              <a:t>args</a:t>
+            </a:r>
+            <a:r>
+              <a:rPr lang="pt-BR" dirty="0"/>
+              <a:t>: sum(</a:t>
+            </a:r>
+            <a:r>
+              <a:rPr lang="pt-BR" dirty="0" err="1"/>
+              <a:t>args</a:t>
+            </a:r>
+            <a:r>
+              <a:rPr lang="pt-BR" dirty="0"/>
+              <a:t>)) </a:t>
+            </a:r>
+          </a:p>
+          <a:p>
+            <a:pPr marL="0" indent="0">
+              <a:buNone/>
+            </a:pPr>
+            <a:r>
+              <a:rPr lang="pt-BR" dirty="0"/>
+              <a:t>print(</a:t>
+            </a:r>
+            <a:r>
+              <a:rPr lang="pt-BR" dirty="0" err="1"/>
+              <a:t>funcao_soma</a:t>
+            </a:r>
+            <a:r>
+              <a:rPr lang="pt-BR" dirty="0"/>
+              <a:t>(1, 2, 3, 4, 5))</a:t>
+            </a:r>
+          </a:p>
+          <a:p>
+            <a:pPr marL="0" indent="0">
+              <a:buNone/>
+            </a:pPr>
+            <a:br>
+              <a:rPr lang="pt-BR" dirty="0"/>
+            </a:br>
+            <a:r>
+              <a:rPr lang="pt-BR" dirty="0" err="1"/>
+              <a:t>funcao_soma</a:t>
+            </a:r>
+            <a:r>
+              <a:rPr lang="pt-BR" dirty="0"/>
+              <a:t> = (lambda **</a:t>
+            </a:r>
+            <a:r>
+              <a:rPr lang="pt-BR" dirty="0" err="1"/>
+              <a:t>kwargs</a:t>
+            </a:r>
+            <a:r>
+              <a:rPr lang="pt-BR" dirty="0"/>
+              <a:t>: sum(</a:t>
+            </a:r>
+            <a:r>
+              <a:rPr lang="pt-BR" dirty="0" err="1"/>
+              <a:t>kwargs.values</a:t>
+            </a:r>
+            <a:r>
+              <a:rPr lang="pt-BR" dirty="0"/>
+              <a:t>()))</a:t>
+            </a:r>
+            <a:br>
+              <a:rPr lang="pt-BR" dirty="0"/>
+            </a:br>
+            <a:r>
+              <a:rPr lang="pt-BR" dirty="0"/>
+              <a:t>print(</a:t>
+            </a:r>
+            <a:r>
+              <a:rPr lang="pt-BR" dirty="0" err="1"/>
+              <a:t>funcao_soma</a:t>
+            </a:r>
+            <a:r>
+              <a:rPr lang="pt-BR" dirty="0"/>
+              <a:t>(a=1, b=2, c=3, d=4, e=5))</a:t>
+            </a:r>
+          </a:p>
+        </p:txBody>
+      </p:sp>
+    </p:spTree>
+    <p:extLst>
+      <p:ext uri="{BB962C8B-B14F-4D97-AF65-F5344CB8AC3E}">
+        <p14:creationId xmlns:p14="http://schemas.microsoft.com/office/powerpoint/2010/main" val="2374378592"/>
+      </p:ext>
+    </p:extLst>
+  </p:cSld>
+  <p:clrMapOvr>
+    <a:masterClrMapping/>
+  </p:clrMapOvr>
+</p:sld>
+</file>
+
+<file path=ppt/slides/slide37.xml><?xml version="1.0" encoding="utf-8"?>
+<p:sld xmlns:a="http://schemas.openxmlformats.org/drawingml/2006/main" xmlns:r="http://schemas.openxmlformats.org/officeDocument/2006/relationships" xmlns:p="http://schemas.openxmlformats.org/presentationml/2006/main">
+  <p:cSld>
+    <p:spTree>
+      <p:nvGrpSpPr>
+        <p:cNvPr id="1" name=""/>
+        <p:cNvGrpSpPr/>
+        <p:nvPr/>
+      </p:nvGrpSpPr>
+      <p:grpSpPr>
+        <a:xfrm>
+          <a:off x="0" y="0"/>
+          <a:ext cx="0" cy="0"/>
+          <a:chOff x="0" y="0"/>
+          <a:chExt cx="0" cy="0"/>
+        </a:xfrm>
+      </p:grpSpPr>
+      <p:sp>
+        <p:nvSpPr>
+          <p:cNvPr id="2" name="Título 1">
+            <a:extLst>
+              <a:ext uri="{FF2B5EF4-FFF2-40B4-BE49-F238E27FC236}">
+                <a16:creationId xmlns:a16="http://schemas.microsoft.com/office/drawing/2014/main" id="{AA9E9102-940A-19C5-67AE-A1D3CD72C97E}"/>
+              </a:ext>
+            </a:extLst>
+          </p:cNvPr>
+          <p:cNvSpPr>
+            <a:spLocks noGrp="1"/>
+          </p:cNvSpPr>
+          <p:nvPr>
+            <p:ph type="title"/>
+          </p:nvPr>
+        </p:nvSpPr>
+        <p:spPr/>
+        <p:txBody>
+          <a:bodyPr/>
+          <a:lstStyle/>
+          <a:p>
+            <a:r>
+              <a:rPr lang="pt-BR" dirty="0"/>
+              <a:t>Usando o função lambda:</a:t>
+            </a:r>
+          </a:p>
+        </p:txBody>
+      </p:sp>
+      <p:sp>
+        <p:nvSpPr>
+          <p:cNvPr id="3" name="Espaço Reservado para Conteúdo 2">
+            <a:extLst>
+              <a:ext uri="{FF2B5EF4-FFF2-40B4-BE49-F238E27FC236}">
+                <a16:creationId xmlns:a16="http://schemas.microsoft.com/office/drawing/2014/main" id="{29C2510C-152F-D849-F657-C90F33EB8423}"/>
+              </a:ext>
+            </a:extLst>
+          </p:cNvPr>
+          <p:cNvSpPr>
+            <a:spLocks noGrp="1"/>
+          </p:cNvSpPr>
+          <p:nvPr>
+            <p:ph idx="1"/>
+          </p:nvPr>
+        </p:nvSpPr>
+        <p:spPr/>
+        <p:txBody>
+          <a:bodyPr/>
+          <a:lstStyle/>
+          <a:p>
+            <a:pPr marL="0" indent="0">
+              <a:buNone/>
+            </a:pPr>
+            <a:r>
+              <a:rPr lang="pt-BR" dirty="0" err="1"/>
+              <a:t>preco</a:t>
+            </a:r>
+            <a:r>
+              <a:rPr lang="pt-BR" dirty="0"/>
+              <a:t>=100</a:t>
+            </a:r>
+          </a:p>
+          <a:p>
+            <a:pPr marL="0" indent="0">
+              <a:buNone/>
+            </a:pPr>
+            <a:r>
+              <a:rPr lang="pt-BR" dirty="0"/>
+              <a:t>imposto=lambda </a:t>
+            </a:r>
+            <a:r>
+              <a:rPr lang="pt-BR" dirty="0" err="1"/>
+              <a:t>preco</a:t>
+            </a:r>
+            <a:r>
+              <a:rPr lang="pt-BR" dirty="0"/>
+              <a:t>: </a:t>
+            </a:r>
+            <a:r>
+              <a:rPr lang="pt-BR" dirty="0" err="1"/>
+              <a:t>preco</a:t>
+            </a:r>
+            <a:r>
+              <a:rPr lang="pt-BR" dirty="0"/>
+              <a:t>*0.05</a:t>
+            </a:r>
+          </a:p>
+          <a:p>
+            <a:pPr marL="0" indent="0">
+              <a:buNone/>
+            </a:pPr>
+            <a:r>
+              <a:rPr lang="pt-BR" dirty="0"/>
+              <a:t>print(imposto)</a:t>
+            </a:r>
+          </a:p>
+        </p:txBody>
+      </p:sp>
+    </p:spTree>
+    <p:extLst>
+      <p:ext uri="{BB962C8B-B14F-4D97-AF65-F5344CB8AC3E}">
+        <p14:creationId xmlns:p14="http://schemas.microsoft.com/office/powerpoint/2010/main" val="3453095838"/>
+      </p:ext>
+    </p:extLst>
+  </p:cSld>
+  <p:clrMapOvr>
+    <a:masterClrMapping/>
+  </p:clrMapOvr>
+</p:sld>
+</file>
+
+<file path=ppt/slides/slide38.xml><?xml version="1.0" encoding="utf-8"?>
+<p:sld xmlns:a="http://schemas.openxmlformats.org/drawingml/2006/main" xmlns:r="http://schemas.openxmlformats.org/officeDocument/2006/relationships" xmlns:p="http://schemas.openxmlformats.org/presentationml/2006/main">
+  <p:cSld>
+    <p:spTree>
+      <p:nvGrpSpPr>
+        <p:cNvPr id="1" name=""/>
+        <p:cNvGrpSpPr/>
+        <p:nvPr/>
+      </p:nvGrpSpPr>
+      <p:grpSpPr>
+        <a:xfrm>
+          <a:off x="0" y="0"/>
+          <a:ext cx="0" cy="0"/>
+          <a:chOff x="0" y="0"/>
+          <a:chExt cx="0" cy="0"/>
+        </a:xfrm>
+      </p:grpSpPr>
+      <p:sp>
+        <p:nvSpPr>
+          <p:cNvPr id="2" name="Título 1">
+            <a:extLst>
+              <a:ext uri="{FF2B5EF4-FFF2-40B4-BE49-F238E27FC236}">
+                <a16:creationId xmlns:a16="http://schemas.microsoft.com/office/drawing/2014/main" id="{714E25C3-24D7-3A44-5AD5-E67BFE0C4303}"/>
+              </a:ext>
+            </a:extLst>
+          </p:cNvPr>
+          <p:cNvSpPr>
+            <a:spLocks noGrp="1"/>
+          </p:cNvSpPr>
+          <p:nvPr>
+            <p:ph type="title"/>
+          </p:nvPr>
+        </p:nvSpPr>
+        <p:spPr/>
+        <p:txBody>
+          <a:bodyPr/>
+          <a:lstStyle/>
+          <a:p>
+            <a:r>
+              <a:rPr lang="pt-BR" dirty="0"/>
+              <a:t>Função </a:t>
+            </a:r>
+            <a:r>
+              <a:rPr lang="pt-BR" dirty="0" err="1"/>
+              <a:t>map</a:t>
+            </a:r>
+            <a:r>
+              <a:rPr lang="pt-BR" dirty="0"/>
+              <a:t>:</a:t>
+            </a:r>
+          </a:p>
+        </p:txBody>
+      </p:sp>
+      <p:sp>
+        <p:nvSpPr>
+          <p:cNvPr id="3" name="Espaço Reservado para Conteúdo 2">
+            <a:extLst>
+              <a:ext uri="{FF2B5EF4-FFF2-40B4-BE49-F238E27FC236}">
+                <a16:creationId xmlns:a16="http://schemas.microsoft.com/office/drawing/2014/main" id="{51396354-CC72-DFB2-1DC8-A6212B777365}"/>
+              </a:ext>
+            </a:extLst>
+          </p:cNvPr>
+          <p:cNvSpPr>
+            <a:spLocks noGrp="1"/>
+          </p:cNvSpPr>
+          <p:nvPr>
+            <p:ph idx="1"/>
+          </p:nvPr>
+        </p:nvSpPr>
+        <p:spPr/>
+        <p:txBody>
+          <a:bodyPr/>
+          <a:lstStyle/>
+          <a:p>
+            <a:pPr marL="0" indent="0">
+              <a:buNone/>
+            </a:pPr>
+            <a:r>
+              <a:rPr lang="pt-BR" dirty="0"/>
+              <a:t>Pega uma lista de informações e aplica, sobre cada um dos valores dessa lista de informações, uma função. </a:t>
+            </a:r>
+          </a:p>
+          <a:p>
+            <a:pPr marL="0" indent="0">
+              <a:buNone/>
+            </a:pPr>
+            <a:endParaRPr lang="pt-BR" dirty="0"/>
+          </a:p>
+          <a:p>
+            <a:pPr marL="0" indent="0">
+              <a:buNone/>
+            </a:pPr>
+            <a:r>
+              <a:rPr lang="pt-BR" dirty="0"/>
+              <a:t>Exemplo: Usando a função lambada dentro do </a:t>
+            </a:r>
+            <a:r>
+              <a:rPr lang="pt-BR" dirty="0" err="1"/>
+              <a:t>map</a:t>
+            </a:r>
+            <a:endParaRPr lang="pt-BR" dirty="0"/>
+          </a:p>
+          <a:p>
+            <a:pPr marL="0" indent="0">
+              <a:buNone/>
+            </a:pPr>
+            <a:br>
+              <a:rPr lang="pt-BR" dirty="0"/>
+            </a:br>
+            <a:r>
+              <a:rPr lang="pt-BR" dirty="0" err="1"/>
+              <a:t>numeros</a:t>
+            </a:r>
+            <a:r>
+              <a:rPr lang="pt-BR" dirty="0"/>
+              <a:t> = [1, 2, 3, 4, 5]</a:t>
+            </a:r>
+          </a:p>
+          <a:p>
+            <a:pPr marL="0" indent="0">
+              <a:buNone/>
+            </a:pPr>
+            <a:r>
+              <a:rPr lang="pt-BR" dirty="0"/>
+              <a:t>quadrado = </a:t>
+            </a:r>
+            <a:r>
+              <a:rPr lang="pt-BR" dirty="0" err="1"/>
+              <a:t>list</a:t>
+            </a:r>
+            <a:r>
+              <a:rPr lang="pt-BR" dirty="0"/>
+              <a:t>(</a:t>
+            </a:r>
+            <a:r>
+              <a:rPr lang="pt-BR" dirty="0" err="1"/>
+              <a:t>map</a:t>
+            </a:r>
+            <a:r>
+              <a:rPr lang="pt-BR" dirty="0"/>
+              <a:t>(lambda x: x * x, </a:t>
+            </a:r>
+            <a:r>
+              <a:rPr lang="pt-BR" dirty="0" err="1"/>
+              <a:t>numeros</a:t>
+            </a:r>
+            <a:r>
+              <a:rPr lang="pt-BR" dirty="0"/>
+              <a:t>))</a:t>
+            </a:r>
+          </a:p>
+          <a:p>
+            <a:pPr marL="0" indent="0">
+              <a:buNone/>
+            </a:pPr>
+            <a:r>
+              <a:rPr lang="pt-BR" dirty="0"/>
+              <a:t>print(quadrado)</a:t>
+            </a:r>
+          </a:p>
+        </p:txBody>
+      </p:sp>
+    </p:spTree>
+    <p:extLst>
+      <p:ext uri="{BB962C8B-B14F-4D97-AF65-F5344CB8AC3E}">
+        <p14:creationId xmlns:p14="http://schemas.microsoft.com/office/powerpoint/2010/main" val="1997283093"/>
+      </p:ext>
+    </p:extLst>
+  </p:cSld>
+  <p:clrMapOvr>
+    <a:masterClrMapping/>
+  </p:clrMapOvr>
+</p:sld>
+</file>
+
+<file path=ppt/slides/slide39.xml><?xml version="1.0" encoding="utf-8"?>
+<p:sld xmlns:a="http://schemas.openxmlformats.org/drawingml/2006/main" xmlns:r="http://schemas.openxmlformats.org/officeDocument/2006/relationships" xmlns:p="http://schemas.openxmlformats.org/presentationml/2006/main">
+  <p:cSld>
+    <p:spTree>
+      <p:nvGrpSpPr>
+        <p:cNvPr id="1" name=""/>
+        <p:cNvGrpSpPr/>
+        <p:nvPr/>
+      </p:nvGrpSpPr>
+      <p:grpSpPr>
+        <a:xfrm>
+          <a:off x="0" y="0"/>
+          <a:ext cx="0" cy="0"/>
+          <a:chOff x="0" y="0"/>
+          <a:chExt cx="0" cy="0"/>
+        </a:xfrm>
+      </p:grpSpPr>
+      <p:sp>
+        <p:nvSpPr>
+          <p:cNvPr id="2" name="Título 1">
+            <a:extLst>
+              <a:ext uri="{FF2B5EF4-FFF2-40B4-BE49-F238E27FC236}">
+                <a16:creationId xmlns:a16="http://schemas.microsoft.com/office/drawing/2014/main" id="{D60B68A7-CE9C-EAE1-2669-4658B1A078B9}"/>
+              </a:ext>
+            </a:extLst>
+          </p:cNvPr>
+          <p:cNvSpPr>
+            <a:spLocks noGrp="1"/>
+          </p:cNvSpPr>
+          <p:nvPr>
+            <p:ph type="title"/>
+          </p:nvPr>
+        </p:nvSpPr>
+        <p:spPr/>
+        <p:txBody>
+          <a:bodyPr/>
+          <a:lstStyle/>
+          <a:p>
+            <a:r>
+              <a:rPr lang="pt-BR" dirty="0"/>
+              <a:t>Exemplo de uso da função </a:t>
+            </a:r>
+            <a:r>
+              <a:rPr lang="pt-BR" dirty="0" err="1"/>
+              <a:t>map</a:t>
+            </a:r>
+            <a:r>
+              <a:rPr lang="pt-BR" dirty="0"/>
+              <a:t> com lambda</a:t>
+            </a:r>
+          </a:p>
+        </p:txBody>
+      </p:sp>
+      <p:sp>
+        <p:nvSpPr>
+          <p:cNvPr id="3" name="Espaço Reservado para Conteúdo 2">
+            <a:extLst>
+              <a:ext uri="{FF2B5EF4-FFF2-40B4-BE49-F238E27FC236}">
+                <a16:creationId xmlns:a16="http://schemas.microsoft.com/office/drawing/2014/main" id="{9EC9FA5D-020C-11DC-B6BB-78AFC325137B}"/>
+              </a:ext>
+            </a:extLst>
+          </p:cNvPr>
+          <p:cNvSpPr>
+            <a:spLocks noGrp="1"/>
+          </p:cNvSpPr>
+          <p:nvPr>
+            <p:ph idx="1"/>
+          </p:nvPr>
+        </p:nvSpPr>
+        <p:spPr/>
+        <p:txBody>
+          <a:bodyPr/>
+          <a:lstStyle/>
+          <a:p>
+            <a:pPr marL="0" indent="0">
+              <a:buNone/>
+            </a:pPr>
+            <a:r>
+              <a:rPr lang="pt-BR" dirty="0" err="1"/>
+              <a:t>cores_minusculo</a:t>
+            </a:r>
+            <a:r>
+              <a:rPr lang="pt-BR" dirty="0"/>
+              <a:t> = ['azul', 'branco', 'vermelho’] </a:t>
+            </a:r>
+          </a:p>
+          <a:p>
+            <a:pPr marL="0" indent="0">
+              <a:buNone/>
+            </a:pPr>
+            <a:r>
+              <a:rPr lang="pt-BR" dirty="0"/>
+              <a:t>print(</a:t>
+            </a:r>
+            <a:r>
+              <a:rPr lang="pt-BR" dirty="0" err="1"/>
+              <a:t>cores_minusculo</a:t>
+            </a:r>
+            <a:r>
+              <a:rPr lang="pt-BR" dirty="0"/>
+              <a:t>) </a:t>
+            </a:r>
+          </a:p>
+          <a:p>
+            <a:pPr marL="0" indent="0">
+              <a:buNone/>
+            </a:pPr>
+            <a:r>
+              <a:rPr lang="pt-BR" dirty="0" err="1"/>
+              <a:t>cores_maiusculo</a:t>
+            </a:r>
+            <a:r>
+              <a:rPr lang="pt-BR" dirty="0"/>
+              <a:t> = </a:t>
+            </a:r>
+            <a:r>
+              <a:rPr lang="pt-BR" dirty="0" err="1"/>
+              <a:t>list</a:t>
+            </a:r>
+            <a:r>
+              <a:rPr lang="pt-BR" dirty="0"/>
+              <a:t>(</a:t>
+            </a:r>
+            <a:r>
+              <a:rPr lang="pt-BR" dirty="0" err="1"/>
+              <a:t>map</a:t>
+            </a:r>
+            <a:r>
+              <a:rPr lang="pt-BR" dirty="0"/>
+              <a:t>(lambda x: </a:t>
+            </a:r>
+            <a:r>
+              <a:rPr lang="pt-BR" dirty="0" err="1"/>
+              <a:t>x.upper</a:t>
+            </a:r>
+            <a:r>
+              <a:rPr lang="pt-BR" dirty="0"/>
+              <a:t>(), </a:t>
+            </a:r>
+            <a:r>
+              <a:rPr lang="pt-BR" dirty="0" err="1"/>
+              <a:t>cores_minusculo</a:t>
+            </a:r>
+            <a:r>
+              <a:rPr lang="pt-BR" dirty="0"/>
+              <a:t>)) print(</a:t>
+            </a:r>
+            <a:r>
+              <a:rPr lang="pt-BR" dirty="0" err="1"/>
+              <a:t>cores_maiusculo</a:t>
+            </a:r>
+            <a:r>
+              <a:rPr lang="pt-BR" dirty="0"/>
+              <a:t>)</a:t>
+            </a:r>
+          </a:p>
+        </p:txBody>
+      </p:sp>
+    </p:spTree>
+    <p:extLst>
+      <p:ext uri="{BB962C8B-B14F-4D97-AF65-F5344CB8AC3E}">
+        <p14:creationId xmlns:p14="http://schemas.microsoft.com/office/powerpoint/2010/main" val="2008916206"/>
+      </p:ext>
+    </p:extLst>
+  </p:cSld>
+  <p:clrMapOvr>
+    <a:masterClrMapping/>
+  </p:clrMapOvr>
+</p:sld>
+</file>
+
 <file path=ppt/slides/slide4.xml><?xml version="1.0" encoding="utf-8"?>
 <p:sld xmlns:a="http://schemas.openxmlformats.org/drawingml/2006/main" xmlns:r="http://schemas.openxmlformats.org/officeDocument/2006/relationships" xmlns:p="http://schemas.openxmlformats.org/presentationml/2006/main">
   <p:cSld>
@@ -5607,6 +9370,973 @@
     <p:extLst>
       <p:ext uri="{BB962C8B-B14F-4D97-AF65-F5344CB8AC3E}">
         <p14:creationId xmlns:p14="http://schemas.microsoft.com/office/powerpoint/2010/main" val="1643011881"/>
+      </p:ext>
+    </p:extLst>
+  </p:cSld>
+  <p:clrMapOvr>
+    <a:masterClrMapping/>
+  </p:clrMapOvr>
+</p:sld>
+</file>
+
+<file path=ppt/slides/slide40.xml><?xml version="1.0" encoding="utf-8"?>
+<p:sld xmlns:a="http://schemas.openxmlformats.org/drawingml/2006/main" xmlns:r="http://schemas.openxmlformats.org/officeDocument/2006/relationships" xmlns:p="http://schemas.openxmlformats.org/presentationml/2006/main">
+  <p:cSld>
+    <p:spTree>
+      <p:nvGrpSpPr>
+        <p:cNvPr id="1" name=""/>
+        <p:cNvGrpSpPr/>
+        <p:nvPr/>
+      </p:nvGrpSpPr>
+      <p:grpSpPr>
+        <a:xfrm>
+          <a:off x="0" y="0"/>
+          <a:ext cx="0" cy="0"/>
+          <a:chOff x="0" y="0"/>
+          <a:chExt cx="0" cy="0"/>
+        </a:xfrm>
+      </p:grpSpPr>
+      <p:sp>
+        <p:nvSpPr>
+          <p:cNvPr id="2" name="Título 1">
+            <a:extLst>
+              <a:ext uri="{FF2B5EF4-FFF2-40B4-BE49-F238E27FC236}">
+                <a16:creationId xmlns:a16="http://schemas.microsoft.com/office/drawing/2014/main" id="{4A77B871-C2F8-D793-6D5D-AB6B792D661B}"/>
+              </a:ext>
+            </a:extLst>
+          </p:cNvPr>
+          <p:cNvSpPr>
+            <a:spLocks noGrp="1"/>
+          </p:cNvSpPr>
+          <p:nvPr>
+            <p:ph type="title"/>
+          </p:nvPr>
+        </p:nvSpPr>
+        <p:spPr/>
+        <p:txBody>
+          <a:bodyPr/>
+          <a:lstStyle/>
+          <a:p>
+            <a:r>
+              <a:rPr lang="pt-BR" dirty="0"/>
+              <a:t>Exemplo de uso da função </a:t>
+            </a:r>
+            <a:r>
+              <a:rPr lang="pt-BR" dirty="0" err="1"/>
+              <a:t>map</a:t>
+            </a:r>
+            <a:endParaRPr lang="pt-BR" dirty="0"/>
+          </a:p>
+        </p:txBody>
+      </p:sp>
+      <p:sp>
+        <p:nvSpPr>
+          <p:cNvPr id="3" name="Espaço Reservado para Conteúdo 2">
+            <a:extLst>
+              <a:ext uri="{FF2B5EF4-FFF2-40B4-BE49-F238E27FC236}">
+                <a16:creationId xmlns:a16="http://schemas.microsoft.com/office/drawing/2014/main" id="{20D360A2-70F3-9E80-5CFB-2A0BC0542E42}"/>
+              </a:ext>
+            </a:extLst>
+          </p:cNvPr>
+          <p:cNvSpPr>
+            <a:spLocks noGrp="1"/>
+          </p:cNvSpPr>
+          <p:nvPr>
+            <p:ph idx="1"/>
+          </p:nvPr>
+        </p:nvSpPr>
+        <p:spPr/>
+        <p:txBody>
+          <a:bodyPr/>
+          <a:lstStyle/>
+          <a:p>
+            <a:pPr marL="0" indent="0">
+              <a:buNone/>
+            </a:pPr>
+            <a:r>
+              <a:rPr lang="es-ES" b="0" i="0" dirty="0">
+                <a:solidFill>
+                  <a:srgbClr val="292929"/>
+                </a:solidFill>
+                <a:effectLst/>
+                <a:latin typeface="source-code-pro"/>
+              </a:rPr>
+              <a:t>a = [1, 2, 3, 4]</a:t>
+            </a:r>
+            <a:br>
+              <a:rPr lang="es-ES" dirty="0"/>
+            </a:br>
+            <a:r>
+              <a:rPr lang="es-ES" b="0" i="0" dirty="0">
+                <a:solidFill>
+                  <a:srgbClr val="292929"/>
+                </a:solidFill>
+                <a:effectLst/>
+                <a:latin typeface="source-code-pro"/>
+              </a:rPr>
+              <a:t>b = [5, 6, 7, 8]</a:t>
+            </a:r>
+            <a:br>
+              <a:rPr lang="es-ES" dirty="0"/>
+            </a:br>
+            <a:r>
+              <a:rPr lang="es-ES" b="0" i="0" dirty="0" err="1">
+                <a:solidFill>
+                  <a:srgbClr val="292929"/>
+                </a:solidFill>
+                <a:effectLst/>
+                <a:latin typeface="source-code-pro"/>
+              </a:rPr>
+              <a:t>print</a:t>
+            </a:r>
+            <a:r>
+              <a:rPr lang="es-ES" b="0" i="0" dirty="0">
+                <a:solidFill>
+                  <a:srgbClr val="292929"/>
+                </a:solidFill>
+                <a:effectLst/>
+                <a:latin typeface="source-code-pro"/>
+              </a:rPr>
+              <a:t>(</a:t>
+            </a:r>
+            <a:r>
+              <a:rPr lang="es-ES" b="0" i="0" dirty="0" err="1">
+                <a:solidFill>
+                  <a:srgbClr val="292929"/>
+                </a:solidFill>
+                <a:effectLst/>
+                <a:latin typeface="source-code-pro"/>
+              </a:rPr>
+              <a:t>list</a:t>
+            </a:r>
+            <a:r>
+              <a:rPr lang="es-ES" b="0" i="0" dirty="0">
+                <a:solidFill>
+                  <a:srgbClr val="292929"/>
+                </a:solidFill>
+                <a:effectLst/>
+                <a:latin typeface="source-code-pro"/>
+              </a:rPr>
+              <a:t>(</a:t>
+            </a:r>
+            <a:r>
+              <a:rPr lang="es-ES" b="0" i="0" dirty="0" err="1">
+                <a:solidFill>
+                  <a:srgbClr val="292929"/>
+                </a:solidFill>
+                <a:effectLst/>
+                <a:latin typeface="source-code-pro"/>
+              </a:rPr>
+              <a:t>map</a:t>
+            </a:r>
+            <a:r>
+              <a:rPr lang="es-ES" b="0" i="0" dirty="0">
+                <a:solidFill>
+                  <a:srgbClr val="292929"/>
+                </a:solidFill>
+                <a:effectLst/>
+                <a:latin typeface="source-code-pro"/>
+              </a:rPr>
+              <a:t>(lambda x, y: </a:t>
+            </a:r>
+            <a:r>
+              <a:rPr lang="es-ES" b="0" i="0" dirty="0" err="1">
+                <a:solidFill>
+                  <a:srgbClr val="292929"/>
+                </a:solidFill>
+                <a:effectLst/>
+                <a:latin typeface="source-code-pro"/>
+              </a:rPr>
+              <a:t>x+y</a:t>
+            </a:r>
+            <a:r>
+              <a:rPr lang="es-ES" b="0" i="0" dirty="0">
+                <a:solidFill>
+                  <a:srgbClr val="292929"/>
+                </a:solidFill>
+                <a:effectLst/>
+                <a:latin typeface="source-code-pro"/>
+              </a:rPr>
+              <a:t>, a, b)))</a:t>
+            </a:r>
+            <a:endParaRPr lang="pt-BR" dirty="0"/>
+          </a:p>
+        </p:txBody>
+      </p:sp>
+    </p:spTree>
+    <p:extLst>
+      <p:ext uri="{BB962C8B-B14F-4D97-AF65-F5344CB8AC3E}">
+        <p14:creationId xmlns:p14="http://schemas.microsoft.com/office/powerpoint/2010/main" val="85517173"/>
+      </p:ext>
+    </p:extLst>
+  </p:cSld>
+  <p:clrMapOvr>
+    <a:masterClrMapping/>
+  </p:clrMapOvr>
+</p:sld>
+</file>
+
+<file path=ppt/slides/slide41.xml><?xml version="1.0" encoding="utf-8"?>
+<p:sld xmlns:a="http://schemas.openxmlformats.org/drawingml/2006/main" xmlns:r="http://schemas.openxmlformats.org/officeDocument/2006/relationships" xmlns:p="http://schemas.openxmlformats.org/presentationml/2006/main">
+  <p:cSld>
+    <p:spTree>
+      <p:nvGrpSpPr>
+        <p:cNvPr id="1" name=""/>
+        <p:cNvGrpSpPr/>
+        <p:nvPr/>
+      </p:nvGrpSpPr>
+      <p:grpSpPr>
+        <a:xfrm>
+          <a:off x="0" y="0"/>
+          <a:ext cx="0" cy="0"/>
+          <a:chOff x="0" y="0"/>
+          <a:chExt cx="0" cy="0"/>
+        </a:xfrm>
+      </p:grpSpPr>
+      <p:sp>
+        <p:nvSpPr>
+          <p:cNvPr id="2" name="Título 1">
+            <a:extLst>
+              <a:ext uri="{FF2B5EF4-FFF2-40B4-BE49-F238E27FC236}">
+                <a16:creationId xmlns:a16="http://schemas.microsoft.com/office/drawing/2014/main" id="{E4DF12D2-BF9E-F3AE-AD9F-59BD5E04EA5C}"/>
+              </a:ext>
+            </a:extLst>
+          </p:cNvPr>
+          <p:cNvSpPr>
+            <a:spLocks noGrp="1"/>
+          </p:cNvSpPr>
+          <p:nvPr>
+            <p:ph type="title"/>
+          </p:nvPr>
+        </p:nvSpPr>
+        <p:spPr/>
+        <p:txBody>
+          <a:bodyPr/>
+          <a:lstStyle/>
+          <a:p>
+            <a:r>
+              <a:rPr lang="pt-BR" dirty="0"/>
+              <a:t>Exemplo função com </a:t>
+            </a:r>
+            <a:r>
+              <a:rPr lang="pt-BR" dirty="0" err="1"/>
+              <a:t>map</a:t>
+            </a:r>
+            <a:r>
+              <a:rPr lang="pt-BR" dirty="0"/>
+              <a:t> e </a:t>
+            </a:r>
+            <a:r>
+              <a:rPr lang="pt-BR" dirty="0" err="1"/>
+              <a:t>map</a:t>
+            </a:r>
+            <a:r>
+              <a:rPr lang="pt-BR" dirty="0"/>
+              <a:t> com lambda:</a:t>
+            </a:r>
+          </a:p>
+        </p:txBody>
+      </p:sp>
+      <p:sp>
+        <p:nvSpPr>
+          <p:cNvPr id="3" name="Espaço Reservado para Conteúdo 2">
+            <a:extLst>
+              <a:ext uri="{FF2B5EF4-FFF2-40B4-BE49-F238E27FC236}">
+                <a16:creationId xmlns:a16="http://schemas.microsoft.com/office/drawing/2014/main" id="{9EAD8B67-9723-2840-3308-C812CCC8BDF0}"/>
+              </a:ext>
+            </a:extLst>
+          </p:cNvPr>
+          <p:cNvSpPr>
+            <a:spLocks noGrp="1"/>
+          </p:cNvSpPr>
+          <p:nvPr>
+            <p:ph idx="1"/>
+          </p:nvPr>
+        </p:nvSpPr>
+        <p:spPr/>
+        <p:txBody>
+          <a:bodyPr/>
+          <a:lstStyle/>
+          <a:p>
+            <a:pPr marL="0" indent="0">
+              <a:buNone/>
+            </a:pPr>
+            <a:r>
+              <a:rPr lang="pt-BR" dirty="0"/>
+              <a:t># Função com map.</a:t>
+            </a:r>
+          </a:p>
+          <a:p>
+            <a:pPr marL="0" indent="0">
+              <a:buNone/>
+            </a:pPr>
+            <a:r>
+              <a:rPr lang="pt-BR" dirty="0" err="1"/>
+              <a:t>def</a:t>
+            </a:r>
+            <a:r>
+              <a:rPr lang="pt-BR" dirty="0"/>
+              <a:t> </a:t>
+            </a:r>
+            <a:r>
+              <a:rPr lang="pt-BR" dirty="0" err="1"/>
+              <a:t>eleva_ao_quadrado</a:t>
+            </a:r>
+            <a:r>
+              <a:rPr lang="pt-BR" dirty="0"/>
+              <a:t>(n):</a:t>
+            </a:r>
+          </a:p>
+          <a:p>
+            <a:pPr marL="0" indent="0">
+              <a:buNone/>
+            </a:pPr>
+            <a:r>
+              <a:rPr lang="pt-BR" dirty="0"/>
+              <a:t>    </a:t>
+            </a:r>
+            <a:r>
+              <a:rPr lang="pt-BR" dirty="0" err="1"/>
+              <a:t>return</a:t>
+            </a:r>
+            <a:r>
+              <a:rPr lang="pt-BR" dirty="0"/>
+              <a:t> n ** 2</a:t>
+            </a:r>
+          </a:p>
+          <a:p>
+            <a:pPr marL="0" indent="0">
+              <a:buNone/>
+            </a:pPr>
+            <a:r>
+              <a:rPr lang="pt-BR" dirty="0"/>
+              <a:t>print(</a:t>
+            </a:r>
+            <a:r>
+              <a:rPr lang="pt-BR" dirty="0" err="1"/>
+              <a:t>list</a:t>
+            </a:r>
+            <a:r>
+              <a:rPr lang="pt-BR" dirty="0"/>
+              <a:t>(</a:t>
+            </a:r>
+            <a:r>
+              <a:rPr lang="pt-BR" dirty="0" err="1"/>
+              <a:t>map</a:t>
+            </a:r>
+            <a:r>
+              <a:rPr lang="pt-BR" dirty="0"/>
+              <a:t>(</a:t>
+            </a:r>
+            <a:r>
+              <a:rPr lang="pt-BR" dirty="0" err="1"/>
+              <a:t>eleva_ao_quadrado</a:t>
+            </a:r>
+            <a:r>
+              <a:rPr lang="pt-BR" dirty="0"/>
+              <a:t>, range(5))))</a:t>
+            </a:r>
+          </a:p>
+          <a:p>
+            <a:pPr marL="0" indent="0">
+              <a:buNone/>
+            </a:pPr>
+            <a:endParaRPr lang="pt-BR" dirty="0"/>
+          </a:p>
+          <a:p>
+            <a:pPr marL="0" indent="0">
+              <a:buNone/>
+            </a:pPr>
+            <a:r>
+              <a:rPr lang="pt-BR" dirty="0"/>
+              <a:t># Função </a:t>
+            </a:r>
+            <a:r>
+              <a:rPr lang="pt-BR" dirty="0" err="1"/>
+              <a:t>map</a:t>
+            </a:r>
+            <a:r>
+              <a:rPr lang="pt-BR" dirty="0"/>
+              <a:t> com função lambda. </a:t>
+            </a:r>
+          </a:p>
+          <a:p>
+            <a:pPr marL="0" indent="0">
+              <a:buNone/>
+            </a:pPr>
+            <a:r>
+              <a:rPr lang="pt-BR" dirty="0"/>
+              <a:t>print(</a:t>
+            </a:r>
+            <a:r>
+              <a:rPr lang="pt-BR" dirty="0" err="1"/>
+              <a:t>list</a:t>
+            </a:r>
+            <a:r>
+              <a:rPr lang="pt-BR" dirty="0"/>
+              <a:t>(</a:t>
+            </a:r>
+            <a:r>
+              <a:rPr lang="pt-BR" dirty="0" err="1"/>
+              <a:t>map</a:t>
+            </a:r>
+            <a:r>
+              <a:rPr lang="pt-BR" dirty="0"/>
+              <a:t>(lambda x: x ** 2, range(5))))</a:t>
+            </a:r>
+          </a:p>
+        </p:txBody>
+      </p:sp>
+    </p:spTree>
+    <p:extLst>
+      <p:ext uri="{BB962C8B-B14F-4D97-AF65-F5344CB8AC3E}">
+        <p14:creationId xmlns:p14="http://schemas.microsoft.com/office/powerpoint/2010/main" val="2556433152"/>
+      </p:ext>
+    </p:extLst>
+  </p:cSld>
+  <p:clrMapOvr>
+    <a:masterClrMapping/>
+  </p:clrMapOvr>
+</p:sld>
+</file>
+
+<file path=ppt/slides/slide42.xml><?xml version="1.0" encoding="utf-8"?>
+<p:sld xmlns:a="http://schemas.openxmlformats.org/drawingml/2006/main" xmlns:r="http://schemas.openxmlformats.org/officeDocument/2006/relationships" xmlns:p="http://schemas.openxmlformats.org/presentationml/2006/main">
+  <p:cSld>
+    <p:spTree>
+      <p:nvGrpSpPr>
+        <p:cNvPr id="1" name=""/>
+        <p:cNvGrpSpPr/>
+        <p:nvPr/>
+      </p:nvGrpSpPr>
+      <p:grpSpPr>
+        <a:xfrm>
+          <a:off x="0" y="0"/>
+          <a:ext cx="0" cy="0"/>
+          <a:chOff x="0" y="0"/>
+          <a:chExt cx="0" cy="0"/>
+        </a:xfrm>
+      </p:grpSpPr>
+      <p:sp>
+        <p:nvSpPr>
+          <p:cNvPr id="2" name="Título 1">
+            <a:extLst>
+              <a:ext uri="{FF2B5EF4-FFF2-40B4-BE49-F238E27FC236}">
+                <a16:creationId xmlns:a16="http://schemas.microsoft.com/office/drawing/2014/main" id="{A6936911-51B5-616F-4B54-97079A681818}"/>
+              </a:ext>
+            </a:extLst>
+          </p:cNvPr>
+          <p:cNvSpPr>
+            <a:spLocks noGrp="1"/>
+          </p:cNvSpPr>
+          <p:nvPr>
+            <p:ph type="title"/>
+          </p:nvPr>
+        </p:nvSpPr>
+        <p:spPr/>
+        <p:txBody>
+          <a:bodyPr/>
+          <a:lstStyle/>
+          <a:p>
+            <a:r>
+              <a:rPr lang="pt-BR" dirty="0"/>
+              <a:t>Função Filter:</a:t>
+            </a:r>
+          </a:p>
+        </p:txBody>
+      </p:sp>
+      <p:sp>
+        <p:nvSpPr>
+          <p:cNvPr id="3" name="Espaço Reservado para Conteúdo 2">
+            <a:extLst>
+              <a:ext uri="{FF2B5EF4-FFF2-40B4-BE49-F238E27FC236}">
+                <a16:creationId xmlns:a16="http://schemas.microsoft.com/office/drawing/2014/main" id="{2E3DE50E-A363-4177-D2AD-CBE5356DFB4A}"/>
+              </a:ext>
+            </a:extLst>
+          </p:cNvPr>
+          <p:cNvSpPr>
+            <a:spLocks noGrp="1"/>
+          </p:cNvSpPr>
+          <p:nvPr>
+            <p:ph idx="1"/>
+          </p:nvPr>
+        </p:nvSpPr>
+        <p:spPr/>
+        <p:txBody>
+          <a:bodyPr/>
+          <a:lstStyle/>
+          <a:p>
+            <a:r>
+              <a:rPr lang="pt-BR" dirty="0"/>
+              <a:t>Usada para filtrar uma lista selecionando apenas os valores que se deseja.</a:t>
+            </a:r>
+          </a:p>
+          <a:p>
+            <a:pPr marL="0" indent="0">
+              <a:buNone/>
+            </a:pPr>
+            <a:r>
+              <a:rPr lang="pt-BR" dirty="0" err="1"/>
+              <a:t>numeros</a:t>
+            </a:r>
+            <a:r>
+              <a:rPr lang="pt-BR" dirty="0"/>
+              <a:t> = [1, 9, 20, 3, 41, 50, 0, -5] </a:t>
+            </a:r>
+          </a:p>
+          <a:p>
+            <a:pPr marL="0" indent="0">
+              <a:buNone/>
+            </a:pPr>
+            <a:r>
+              <a:rPr lang="pt-BR" dirty="0" err="1"/>
+              <a:t>numeros</a:t>
+            </a:r>
+            <a:r>
+              <a:rPr lang="pt-BR" dirty="0"/>
+              <a:t> = </a:t>
+            </a:r>
+            <a:r>
+              <a:rPr lang="pt-BR" dirty="0" err="1"/>
+              <a:t>list</a:t>
+            </a:r>
+            <a:r>
+              <a:rPr lang="pt-BR" dirty="0"/>
+              <a:t>(</a:t>
+            </a:r>
+            <a:r>
+              <a:rPr lang="pt-BR" dirty="0" err="1"/>
+              <a:t>filter</a:t>
+            </a:r>
+            <a:r>
+              <a:rPr lang="pt-BR" dirty="0"/>
+              <a:t>(lambda x: x &gt; 5, </a:t>
+            </a:r>
+            <a:r>
+              <a:rPr lang="pt-BR" dirty="0" err="1"/>
+              <a:t>numeros</a:t>
+            </a:r>
+            <a:r>
+              <a:rPr lang="pt-BR" dirty="0"/>
+              <a:t>)) </a:t>
+            </a:r>
+          </a:p>
+          <a:p>
+            <a:pPr marL="0" indent="0">
+              <a:buNone/>
+            </a:pPr>
+            <a:r>
+              <a:rPr lang="pt-BR" dirty="0"/>
+              <a:t>print(</a:t>
+            </a:r>
+            <a:r>
+              <a:rPr lang="pt-BR" dirty="0" err="1"/>
+              <a:t>numeros</a:t>
+            </a:r>
+            <a:r>
+              <a:rPr lang="pt-BR" dirty="0"/>
+              <a:t>)</a:t>
+            </a:r>
+          </a:p>
+        </p:txBody>
+      </p:sp>
+    </p:spTree>
+    <p:extLst>
+      <p:ext uri="{BB962C8B-B14F-4D97-AF65-F5344CB8AC3E}">
+        <p14:creationId xmlns:p14="http://schemas.microsoft.com/office/powerpoint/2010/main" val="3230462860"/>
+      </p:ext>
+    </p:extLst>
+  </p:cSld>
+  <p:clrMapOvr>
+    <a:masterClrMapping/>
+  </p:clrMapOvr>
+</p:sld>
+</file>
+
+<file path=ppt/slides/slide43.xml><?xml version="1.0" encoding="utf-8"?>
+<p:sld xmlns:a="http://schemas.openxmlformats.org/drawingml/2006/main" xmlns:r="http://schemas.openxmlformats.org/officeDocument/2006/relationships" xmlns:p="http://schemas.openxmlformats.org/presentationml/2006/main">
+  <p:cSld>
+    <p:spTree>
+      <p:nvGrpSpPr>
+        <p:cNvPr id="1" name=""/>
+        <p:cNvGrpSpPr/>
+        <p:nvPr/>
+      </p:nvGrpSpPr>
+      <p:grpSpPr>
+        <a:xfrm>
+          <a:off x="0" y="0"/>
+          <a:ext cx="0" cy="0"/>
+          <a:chOff x="0" y="0"/>
+          <a:chExt cx="0" cy="0"/>
+        </a:xfrm>
+      </p:grpSpPr>
+      <p:sp>
+        <p:nvSpPr>
+          <p:cNvPr id="2" name="Título 1">
+            <a:extLst>
+              <a:ext uri="{FF2B5EF4-FFF2-40B4-BE49-F238E27FC236}">
+                <a16:creationId xmlns:a16="http://schemas.microsoft.com/office/drawing/2014/main" id="{6BC55668-7FB6-7FA8-2E6C-81F55B8C076A}"/>
+              </a:ext>
+            </a:extLst>
+          </p:cNvPr>
+          <p:cNvSpPr>
+            <a:spLocks noGrp="1"/>
+          </p:cNvSpPr>
+          <p:nvPr>
+            <p:ph type="title"/>
+          </p:nvPr>
+        </p:nvSpPr>
+        <p:spPr/>
+        <p:txBody>
+          <a:bodyPr/>
+          <a:lstStyle/>
+          <a:p>
+            <a:r>
+              <a:rPr lang="pt-BR" dirty="0"/>
+              <a:t>Uso da função </a:t>
+            </a:r>
+            <a:r>
+              <a:rPr lang="pt-BR" dirty="0" err="1"/>
+              <a:t>filter</a:t>
+            </a:r>
+            <a:r>
+              <a:rPr lang="pt-BR" dirty="0"/>
+              <a:t>:</a:t>
+            </a:r>
+          </a:p>
+        </p:txBody>
+      </p:sp>
+      <p:sp>
+        <p:nvSpPr>
+          <p:cNvPr id="3" name="Espaço Reservado para Conteúdo 2">
+            <a:extLst>
+              <a:ext uri="{FF2B5EF4-FFF2-40B4-BE49-F238E27FC236}">
+                <a16:creationId xmlns:a16="http://schemas.microsoft.com/office/drawing/2014/main" id="{B9CA8CDB-3A96-435F-A45D-861C088A2488}"/>
+              </a:ext>
+            </a:extLst>
+          </p:cNvPr>
+          <p:cNvSpPr>
+            <a:spLocks noGrp="1"/>
+          </p:cNvSpPr>
+          <p:nvPr>
+            <p:ph idx="1"/>
+          </p:nvPr>
+        </p:nvSpPr>
+        <p:spPr/>
+        <p:txBody>
+          <a:bodyPr/>
+          <a:lstStyle/>
+          <a:p>
+            <a:pPr marL="0" indent="0">
+              <a:buNone/>
+            </a:pPr>
+            <a:r>
+              <a:rPr lang="pt-BR" dirty="0"/>
+              <a:t>lista = [0, -1, 2, 3, -4, 5, 6, 7, 8, 9, -10, 11, 12, -13, 14, 15, -16, -17, 18]</a:t>
+            </a:r>
+          </a:p>
+          <a:p>
+            <a:pPr marL="0" indent="0">
+              <a:buNone/>
+            </a:pPr>
+            <a:r>
+              <a:rPr lang="pt-BR" dirty="0"/>
+              <a:t>print(</a:t>
+            </a:r>
+            <a:r>
+              <a:rPr lang="pt-BR" dirty="0" err="1"/>
+              <a:t>list</a:t>
+            </a:r>
+            <a:r>
+              <a:rPr lang="pt-BR" dirty="0"/>
+              <a:t>(</a:t>
+            </a:r>
+            <a:r>
+              <a:rPr lang="pt-BR" dirty="0" err="1"/>
+              <a:t>filter</a:t>
+            </a:r>
+            <a:r>
+              <a:rPr lang="pt-BR" dirty="0"/>
+              <a:t>(lambda x: x &gt; 0, </a:t>
+            </a:r>
+            <a:r>
+              <a:rPr lang="pt-BR"/>
+              <a:t>lista)))</a:t>
+            </a:r>
+            <a:endParaRPr lang="pt-BR" dirty="0"/>
+          </a:p>
+        </p:txBody>
+      </p:sp>
+    </p:spTree>
+    <p:extLst>
+      <p:ext uri="{BB962C8B-B14F-4D97-AF65-F5344CB8AC3E}">
+        <p14:creationId xmlns:p14="http://schemas.microsoft.com/office/powerpoint/2010/main" val="2725909986"/>
+      </p:ext>
+    </p:extLst>
+  </p:cSld>
+  <p:clrMapOvr>
+    <a:masterClrMapping/>
+  </p:clrMapOvr>
+</p:sld>
+</file>
+
+<file path=ppt/slides/slide44.xml><?xml version="1.0" encoding="utf-8"?>
+<p:sld xmlns:a="http://schemas.openxmlformats.org/drawingml/2006/main" xmlns:r="http://schemas.openxmlformats.org/officeDocument/2006/relationships" xmlns:p="http://schemas.openxmlformats.org/presentationml/2006/main">
+  <p:cSld>
+    <p:spTree>
+      <p:nvGrpSpPr>
+        <p:cNvPr id="1" name=""/>
+        <p:cNvGrpSpPr/>
+        <p:nvPr/>
+      </p:nvGrpSpPr>
+      <p:grpSpPr>
+        <a:xfrm>
+          <a:off x="0" y="0"/>
+          <a:ext cx="0" cy="0"/>
+          <a:chOff x="0" y="0"/>
+          <a:chExt cx="0" cy="0"/>
+        </a:xfrm>
+      </p:grpSpPr>
+      <p:sp>
+        <p:nvSpPr>
+          <p:cNvPr id="2" name="Título 1">
+            <a:extLst>
+              <a:ext uri="{FF2B5EF4-FFF2-40B4-BE49-F238E27FC236}">
+                <a16:creationId xmlns:a16="http://schemas.microsoft.com/office/drawing/2014/main" id="{BC92610B-7518-4935-2718-8CC71FEC02FC}"/>
+              </a:ext>
+            </a:extLst>
+          </p:cNvPr>
+          <p:cNvSpPr>
+            <a:spLocks noGrp="1"/>
+          </p:cNvSpPr>
+          <p:nvPr>
+            <p:ph type="title"/>
+          </p:nvPr>
+        </p:nvSpPr>
+        <p:spPr/>
+        <p:txBody>
+          <a:bodyPr/>
+          <a:lstStyle/>
+          <a:p>
+            <a:r>
+              <a:rPr lang="pt-BR" dirty="0"/>
+              <a:t>Função </a:t>
+            </a:r>
+            <a:r>
+              <a:rPr lang="pt-BR" dirty="0" err="1"/>
+              <a:t>filter</a:t>
+            </a:r>
+            <a:endParaRPr lang="pt-BR" dirty="0"/>
+          </a:p>
+        </p:txBody>
+      </p:sp>
+      <p:sp>
+        <p:nvSpPr>
+          <p:cNvPr id="4" name="Rectangle 1">
+            <a:extLst>
+              <a:ext uri="{FF2B5EF4-FFF2-40B4-BE49-F238E27FC236}">
+                <a16:creationId xmlns:a16="http://schemas.microsoft.com/office/drawing/2014/main" id="{0D978082-AF40-5558-C1FE-EDBACEF95F0A}"/>
+              </a:ext>
+            </a:extLst>
+          </p:cNvPr>
+          <p:cNvSpPr>
+            <a:spLocks noGrp="1" noChangeArrowheads="1"/>
+          </p:cNvSpPr>
+          <p:nvPr>
+            <p:ph idx="1"/>
+          </p:nvPr>
+        </p:nvSpPr>
+        <p:spPr bwMode="auto">
+          <a:xfrm>
+            <a:off x="615091" y="1964496"/>
+            <a:ext cx="10738709" cy="2929007"/>
+          </a:xfrm>
+          <a:prstGeom prst="rect">
+            <a:avLst/>
+          </a:prstGeom>
+          <a:solidFill>
+            <a:srgbClr val="FFFFFF"/>
+          </a:solidFill>
+          <a:ln>
+            <a:noFill/>
+          </a:ln>
+          <a:effectLst/>
+          <a:extLst>
+            <a:ext uri="{91240B29-F687-4F45-9708-019B960494DF}">
+              <a14:hiddenLine xmlns:a14="http://schemas.microsoft.com/office/drawing/2010/main" w="9525">
+                <a:solidFill>
+                  <a:schemeClr val="tx1"/>
+                </a:solidFill>
+                <a:miter lim="800000"/>
+                <a:headEnd/>
+                <a:tailEnd/>
+              </a14:hiddenLine>
+            </a:ext>
+            <a:ext uri="{AF507438-7753-43E0-B8FC-AC1667EBCBE1}">
+              <a14:hiddenEffects xmlns:a14="http://schemas.microsoft.com/office/drawing/2010/main">
+                <a:effectLst>
+                  <a:outerShdw dist="35921" dir="2700000" algn="ctr" rotWithShape="0">
+                    <a:schemeClr val="bg2"/>
+                  </a:outerShdw>
+                </a:effectLst>
+              </a14:hiddenEffects>
+            </a:ext>
+          </a:extLst>
+        </p:spPr>
+        <p:txBody>
+          <a:bodyPr vert="horz" wrap="none" lIns="91440" tIns="0" rIns="91440" bIns="45720" numCol="1" anchor="ctr" anchorCtr="0" compatLnSpc="1">
+            <a:prstTxWarp prst="textNoShape">
+              <a:avLst/>
+            </a:prstTxWarp>
+            <a:spAutoFit/>
+          </a:bodyPr>
+          <a:lstStyle/>
+          <a:p>
+            <a:pPr marL="0" indent="0">
+              <a:buNone/>
+            </a:pPr>
+            <a:r>
+              <a:rPr lang="pt-BR" dirty="0" err="1"/>
+              <a:t>numeros</a:t>
+            </a:r>
+            <a:r>
+              <a:rPr lang="pt-BR" dirty="0"/>
+              <a:t> = [1, 2, 3, 4, 5,6,7,8,9,10]</a:t>
+            </a:r>
+          </a:p>
+          <a:p>
+            <a:pPr marL="0" indent="0">
+              <a:buNone/>
+            </a:pPr>
+            <a:r>
+              <a:rPr lang="pt-BR" dirty="0" err="1"/>
+              <a:t>filtrando_numeros_impares</a:t>
+            </a:r>
+            <a:r>
+              <a:rPr lang="pt-BR" dirty="0"/>
+              <a:t> = </a:t>
+            </a:r>
+            <a:r>
+              <a:rPr lang="pt-BR" dirty="0" err="1"/>
+              <a:t>list</a:t>
+            </a:r>
+            <a:r>
+              <a:rPr lang="pt-BR" dirty="0"/>
+              <a:t>(</a:t>
+            </a:r>
+            <a:r>
+              <a:rPr lang="pt-BR" dirty="0" err="1"/>
+              <a:t>filter</a:t>
+            </a:r>
+            <a:r>
+              <a:rPr lang="pt-BR" dirty="0"/>
+              <a:t>(lambda x: x % 2==0, </a:t>
+            </a:r>
+            <a:r>
+              <a:rPr lang="pt-BR" dirty="0" err="1"/>
+              <a:t>numeros</a:t>
+            </a:r>
+            <a:r>
+              <a:rPr lang="pt-BR" dirty="0"/>
+              <a:t>)) </a:t>
+            </a:r>
+          </a:p>
+          <a:p>
+            <a:pPr marL="0" indent="0">
+              <a:buNone/>
+            </a:pPr>
+            <a:r>
+              <a:rPr lang="pt-BR" dirty="0"/>
+              <a:t>print(</a:t>
+            </a:r>
+            <a:r>
+              <a:rPr lang="pt-BR" dirty="0" err="1"/>
+              <a:t>filtrando_numeros_impares</a:t>
+            </a:r>
+            <a:r>
+              <a:rPr lang="pt-BR" dirty="0"/>
+              <a:t>) </a:t>
+            </a:r>
+          </a:p>
+          <a:p>
+            <a:pPr marL="0" indent="0">
+              <a:buNone/>
+            </a:pPr>
+            <a:r>
+              <a:rPr lang="pt-BR" dirty="0" err="1"/>
+              <a:t>filtrando_numeros_pares</a:t>
+            </a:r>
+            <a:r>
+              <a:rPr lang="pt-BR" dirty="0"/>
+              <a:t> = </a:t>
+            </a:r>
+            <a:r>
+              <a:rPr lang="pt-BR" dirty="0" err="1"/>
+              <a:t>list</a:t>
+            </a:r>
+            <a:r>
+              <a:rPr lang="pt-BR" dirty="0"/>
+              <a:t>(</a:t>
+            </a:r>
+            <a:r>
+              <a:rPr lang="pt-BR" dirty="0" err="1"/>
+              <a:t>filter</a:t>
+            </a:r>
+            <a:r>
+              <a:rPr lang="pt-BR" dirty="0"/>
+              <a:t>(lambda x: x % 2==1, </a:t>
+            </a:r>
+            <a:r>
+              <a:rPr lang="pt-BR" dirty="0" err="1"/>
+              <a:t>numeros</a:t>
+            </a:r>
+            <a:r>
+              <a:rPr lang="pt-BR" dirty="0"/>
+              <a:t>)) </a:t>
+            </a:r>
+          </a:p>
+          <a:p>
+            <a:pPr marL="0" indent="0">
+              <a:buNone/>
+            </a:pPr>
+            <a:r>
+              <a:rPr lang="pt-BR" dirty="0"/>
+              <a:t>print(</a:t>
+            </a:r>
+            <a:r>
+              <a:rPr lang="pt-BR" dirty="0" err="1"/>
+              <a:t>filtrando_numeros_pares</a:t>
+            </a:r>
+            <a:r>
+              <a:rPr lang="pt-BR" dirty="0"/>
+              <a:t>) </a:t>
+            </a:r>
+          </a:p>
+          <a:p>
+            <a:pPr marL="0" marR="0" lvl="0" indent="0" algn="l" defTabSz="914400" rtl="0" eaLnBrk="0" fontAlgn="base" latinLnBrk="0" hangingPunct="0">
+              <a:lnSpc>
+                <a:spcPct val="100000"/>
+              </a:lnSpc>
+              <a:spcBef>
+                <a:spcPct val="0"/>
+              </a:spcBef>
+              <a:spcAft>
+                <a:spcPct val="0"/>
+              </a:spcAft>
+              <a:buClrTx/>
+              <a:buSzTx/>
+              <a:buFontTx/>
+              <a:buNone/>
+              <a:tabLst/>
+            </a:pPr>
+            <a:endParaRPr lang="pt-BR" altLang="pt-BR" dirty="0"/>
+          </a:p>
+        </p:txBody>
+      </p:sp>
+    </p:spTree>
+    <p:extLst>
+      <p:ext uri="{BB962C8B-B14F-4D97-AF65-F5344CB8AC3E}">
+        <p14:creationId xmlns:p14="http://schemas.microsoft.com/office/powerpoint/2010/main" val="1875102024"/>
       </p:ext>
     </p:extLst>
   </p:cSld>
@@ -5725,7 +10455,15 @@
             </a:pPr>
             <a:r>
               <a:rPr lang="pt-BR" altLang="pt-BR" dirty="0"/>
-              <a:t>            print(</a:t>
+              <a:t>            </a:t>
+            </a:r>
+            <a:r>
+              <a:rPr lang="pt-BR" altLang="pt-BR" dirty="0" err="1"/>
+              <a:t>return</a:t>
+            </a:r>
+            <a:r>
+              <a:rPr lang="pt-BR" altLang="pt-BR" dirty="0"/>
+              <a:t> print(</a:t>
             </a:r>
             <a:r>
               <a:rPr lang="pt-BR" altLang="pt-BR" dirty="0" err="1"/>

--- a/CURSO DEV FULL STACK AULA 06.pptx
+++ b/CURSO DEV FULL STACK AULA 06.pptx
@@ -13,35 +13,35 @@
     <p:sldId id="268" r:id="rId7"/>
     <p:sldId id="259" r:id="rId8"/>
     <p:sldId id="260" r:id="rId9"/>
-    <p:sldId id="261" r:id="rId10"/>
-    <p:sldId id="267" r:id="rId11"/>
-    <p:sldId id="262" r:id="rId12"/>
-    <p:sldId id="263" r:id="rId13"/>
-    <p:sldId id="269" r:id="rId14"/>
-    <p:sldId id="264" r:id="rId15"/>
-    <p:sldId id="273" r:id="rId16"/>
-    <p:sldId id="270" r:id="rId17"/>
-    <p:sldId id="265" r:id="rId18"/>
-    <p:sldId id="274" r:id="rId19"/>
-    <p:sldId id="266" r:id="rId20"/>
+    <p:sldId id="306" r:id="rId10"/>
+    <p:sldId id="261" r:id="rId11"/>
+    <p:sldId id="267" r:id="rId12"/>
+    <p:sldId id="262" r:id="rId13"/>
+    <p:sldId id="263" r:id="rId14"/>
+    <p:sldId id="269" r:id="rId15"/>
+    <p:sldId id="264" r:id="rId16"/>
+    <p:sldId id="273" r:id="rId17"/>
+    <p:sldId id="270" r:id="rId18"/>
+    <p:sldId id="265" r:id="rId19"/>
+    <p:sldId id="274" r:id="rId20"/>
     <p:sldId id="280" r:id="rId21"/>
-    <p:sldId id="281" r:id="rId22"/>
-    <p:sldId id="282" r:id="rId23"/>
-    <p:sldId id="296" r:id="rId24"/>
-    <p:sldId id="297" r:id="rId25"/>
-    <p:sldId id="298" r:id="rId26"/>
-    <p:sldId id="299" r:id="rId27"/>
-    <p:sldId id="300" r:id="rId28"/>
-    <p:sldId id="302" r:id="rId29"/>
+    <p:sldId id="307" r:id="rId22"/>
+    <p:sldId id="281" r:id="rId23"/>
+    <p:sldId id="282" r:id="rId24"/>
+    <p:sldId id="296" r:id="rId25"/>
+    <p:sldId id="297" r:id="rId26"/>
+    <p:sldId id="298" r:id="rId27"/>
+    <p:sldId id="299" r:id="rId28"/>
+    <p:sldId id="300" r:id="rId29"/>
     <p:sldId id="301" r:id="rId30"/>
     <p:sldId id="275" r:id="rId31"/>
     <p:sldId id="276" r:id="rId32"/>
     <p:sldId id="277" r:id="rId33"/>
     <p:sldId id="290" r:id="rId34"/>
     <p:sldId id="292" r:id="rId35"/>
-    <p:sldId id="287" r:id="rId36"/>
-    <p:sldId id="288" r:id="rId37"/>
-    <p:sldId id="284" r:id="rId38"/>
+    <p:sldId id="308" r:id="rId36"/>
+    <p:sldId id="287" r:id="rId37"/>
+    <p:sldId id="288" r:id="rId38"/>
     <p:sldId id="285" r:id="rId39"/>
     <p:sldId id="294" r:id="rId40"/>
     <p:sldId id="303" r:id="rId41"/>
@@ -49,6 +49,19 @@
     <p:sldId id="286" r:id="rId43"/>
     <p:sldId id="304" r:id="rId44"/>
     <p:sldId id="293" r:id="rId45"/>
+    <p:sldId id="309" r:id="rId46"/>
+    <p:sldId id="310" r:id="rId47"/>
+    <p:sldId id="311" r:id="rId48"/>
+    <p:sldId id="318" r:id="rId49"/>
+    <p:sldId id="312" r:id="rId50"/>
+    <p:sldId id="319" r:id="rId51"/>
+    <p:sldId id="313" r:id="rId52"/>
+    <p:sldId id="314" r:id="rId53"/>
+    <p:sldId id="320" r:id="rId54"/>
+    <p:sldId id="315" r:id="rId55"/>
+    <p:sldId id="321" r:id="rId56"/>
+    <p:sldId id="316" r:id="rId57"/>
+    <p:sldId id="317" r:id="rId58"/>
   </p:sldIdLst>
   <p:sldSz cx="12192000" cy="6858000"/>
   <p:notesSz cx="6858000" cy="9144000"/>
@@ -302,7 +315,7 @@
           <a:p>
             <a:fld id="{C82E32A8-92A8-4ED4-AFA3-E65C447017C7}" type="datetimeFigureOut">
               <a:rPr lang="pt-BR" smtClean="0"/>
-              <a:t>19/12/2022</a:t>
+              <a:t>21/12/2022</a:t>
             </a:fld>
             <a:endParaRPr lang="pt-BR"/>
           </a:p>
@@ -500,7 +513,7 @@
           <a:p>
             <a:fld id="{C82E32A8-92A8-4ED4-AFA3-E65C447017C7}" type="datetimeFigureOut">
               <a:rPr lang="pt-BR" smtClean="0"/>
-              <a:t>19/12/2022</a:t>
+              <a:t>21/12/2022</a:t>
             </a:fld>
             <a:endParaRPr lang="pt-BR"/>
           </a:p>
@@ -708,7 +721,7 @@
           <a:p>
             <a:fld id="{C82E32A8-92A8-4ED4-AFA3-E65C447017C7}" type="datetimeFigureOut">
               <a:rPr lang="pt-BR" smtClean="0"/>
-              <a:t>19/12/2022</a:t>
+              <a:t>21/12/2022</a:t>
             </a:fld>
             <a:endParaRPr lang="pt-BR"/>
           </a:p>
@@ -906,7 +919,7 @@
           <a:p>
             <a:fld id="{C82E32A8-92A8-4ED4-AFA3-E65C447017C7}" type="datetimeFigureOut">
               <a:rPr lang="pt-BR" smtClean="0"/>
-              <a:t>19/12/2022</a:t>
+              <a:t>21/12/2022</a:t>
             </a:fld>
             <a:endParaRPr lang="pt-BR"/>
           </a:p>
@@ -1181,7 +1194,7 @@
           <a:p>
             <a:fld id="{C82E32A8-92A8-4ED4-AFA3-E65C447017C7}" type="datetimeFigureOut">
               <a:rPr lang="pt-BR" smtClean="0"/>
-              <a:t>19/12/2022</a:t>
+              <a:t>21/12/2022</a:t>
             </a:fld>
             <a:endParaRPr lang="pt-BR"/>
           </a:p>
@@ -1446,7 +1459,7 @@
           <a:p>
             <a:fld id="{C82E32A8-92A8-4ED4-AFA3-E65C447017C7}" type="datetimeFigureOut">
               <a:rPr lang="pt-BR" smtClean="0"/>
-              <a:t>19/12/2022</a:t>
+              <a:t>21/12/2022</a:t>
             </a:fld>
             <a:endParaRPr lang="pt-BR"/>
           </a:p>
@@ -1858,7 +1871,7 @@
           <a:p>
             <a:fld id="{C82E32A8-92A8-4ED4-AFA3-E65C447017C7}" type="datetimeFigureOut">
               <a:rPr lang="pt-BR" smtClean="0"/>
-              <a:t>19/12/2022</a:t>
+              <a:t>21/12/2022</a:t>
             </a:fld>
             <a:endParaRPr lang="pt-BR"/>
           </a:p>
@@ -1999,7 +2012,7 @@
           <a:p>
             <a:fld id="{C82E32A8-92A8-4ED4-AFA3-E65C447017C7}" type="datetimeFigureOut">
               <a:rPr lang="pt-BR" smtClean="0"/>
-              <a:t>19/12/2022</a:t>
+              <a:t>21/12/2022</a:t>
             </a:fld>
             <a:endParaRPr lang="pt-BR"/>
           </a:p>
@@ -2112,7 +2125,7 @@
           <a:p>
             <a:fld id="{C82E32A8-92A8-4ED4-AFA3-E65C447017C7}" type="datetimeFigureOut">
               <a:rPr lang="pt-BR" smtClean="0"/>
-              <a:t>19/12/2022</a:t>
+              <a:t>21/12/2022</a:t>
             </a:fld>
             <a:endParaRPr lang="pt-BR"/>
           </a:p>
@@ -2423,7 +2436,7 @@
           <a:p>
             <a:fld id="{C82E32A8-92A8-4ED4-AFA3-E65C447017C7}" type="datetimeFigureOut">
               <a:rPr lang="pt-BR" smtClean="0"/>
-              <a:t>19/12/2022</a:t>
+              <a:t>21/12/2022</a:t>
             </a:fld>
             <a:endParaRPr lang="pt-BR"/>
           </a:p>
@@ -2711,7 +2724,7 @@
           <a:p>
             <a:fld id="{C82E32A8-92A8-4ED4-AFA3-E65C447017C7}" type="datetimeFigureOut">
               <a:rPr lang="pt-BR" smtClean="0"/>
-              <a:t>19/12/2022</a:t>
+              <a:t>21/12/2022</a:t>
             </a:fld>
             <a:endParaRPr lang="pt-BR"/>
           </a:p>
@@ -2952,7 +2965,7 @@
           <a:p>
             <a:fld id="{C82E32A8-92A8-4ED4-AFA3-E65C447017C7}" type="datetimeFigureOut">
               <a:rPr lang="pt-BR" smtClean="0"/>
-              <a:t>19/12/2022</a:t>
+              <a:t>21/12/2022</a:t>
             </a:fld>
             <a:endParaRPr lang="pt-BR"/>
           </a:p>
@@ -3460,7 +3473,7 @@
           <p:cNvPr id="2" name="Título 1">
             <a:extLst>
               <a:ext uri="{FF2B5EF4-FFF2-40B4-BE49-F238E27FC236}">
-                <a16:creationId xmlns:a16="http://schemas.microsoft.com/office/drawing/2014/main" id="{53954D3E-E65F-E3F6-3950-3B3DA08696E3}"/>
+                <a16:creationId xmlns:a16="http://schemas.microsoft.com/office/drawing/2014/main" id="{FCE00DA9-1AE5-1770-0E01-B5A53DAE94EB}"/>
               </a:ext>
             </a:extLst>
           </p:cNvPr>
@@ -3478,31 +3491,39 @@
           <a:p>
             <a:r>
               <a:rPr lang="pt-BR" dirty="0"/>
+              <a:t>Valores Padrão (ou Valores Default)</a:t>
+            </a:r>
+          </a:p>
+        </p:txBody>
+      </p:sp>
+      <p:sp>
+        <p:nvSpPr>
+          <p:cNvPr id="3" name="Espaço Reservado para Conteúdo 2">
+            <a:extLst>
+              <a:ext uri="{FF2B5EF4-FFF2-40B4-BE49-F238E27FC236}">
+                <a16:creationId xmlns:a16="http://schemas.microsoft.com/office/drawing/2014/main" id="{9267BE04-5451-A549-2B51-6C650FB2DBE8}"/>
+              </a:ext>
+            </a:extLst>
+          </p:cNvPr>
+          <p:cNvSpPr>
+            <a:spLocks noGrp="1"/>
+          </p:cNvSpPr>
+          <p:nvPr>
+            <p:ph idx="1"/>
+          </p:nvPr>
+        </p:nvSpPr>
+        <p:spPr/>
+        <p:txBody>
+          <a:bodyPr>
+            <a:normAutofit/>
+          </a:bodyPr>
+          <a:lstStyle/>
+          <a:p>
+            <a:r>
+              <a:rPr lang="pt-BR" dirty="0"/>
               <a:t>Exemplo:</a:t>
             </a:r>
           </a:p>
-        </p:txBody>
-      </p:sp>
-      <p:sp>
-        <p:nvSpPr>
-          <p:cNvPr id="3" name="Espaço Reservado para Conteúdo 2">
-            <a:extLst>
-              <a:ext uri="{FF2B5EF4-FFF2-40B4-BE49-F238E27FC236}">
-                <a16:creationId xmlns:a16="http://schemas.microsoft.com/office/drawing/2014/main" id="{725E8C25-87E2-EA8C-93DF-ADB62D7F4D2D}"/>
-              </a:ext>
-            </a:extLst>
-          </p:cNvPr>
-          <p:cNvSpPr>
-            <a:spLocks noGrp="1"/>
-          </p:cNvSpPr>
-          <p:nvPr>
-            <p:ph idx="1"/>
-          </p:nvPr>
-        </p:nvSpPr>
-        <p:spPr/>
-        <p:txBody>
-          <a:bodyPr/>
-          <a:lstStyle/>
           <a:p>
             <a:pPr marL="0" indent="0">
               <a:buNone/>
@@ -3513,62 +3534,39 @@
             </a:r>
             <a:r>
               <a:rPr lang="pt-BR" dirty="0"/>
-              <a:t> </a:t>
-            </a:r>
-            <a:r>
-              <a:rPr lang="pt-BR" dirty="0" err="1"/>
-              <a:t>calcula_juros</a:t>
-            </a:r>
-            <a:r>
-              <a:rPr lang="pt-BR" dirty="0"/>
-              <a:t>(</a:t>
-            </a:r>
-            <a:r>
-              <a:rPr lang="pt-BR" dirty="0" err="1"/>
-              <a:t>valor_produto</a:t>
-            </a:r>
-            <a:r>
-              <a:rPr lang="pt-BR" dirty="0"/>
-              <a:t>, taxa=10): </a:t>
-            </a:r>
-          </a:p>
-          <a:p>
-            <a:pPr marL="0" indent="0">
-              <a:buNone/>
-            </a:pPr>
-            <a:r>
-              <a:rPr lang="pt-BR" dirty="0"/>
-              <a:t>    juros = </a:t>
-            </a:r>
-            <a:r>
-              <a:rPr lang="pt-BR" dirty="0" err="1"/>
-              <a:t>valor_produto</a:t>
-            </a:r>
-            <a:r>
-              <a:rPr lang="pt-BR" dirty="0"/>
-              <a:t>*taxa/100 </a:t>
-            </a:r>
-          </a:p>
-          <a:p>
-            <a:pPr marL="0" indent="0">
-              <a:buNone/>
-            </a:pPr>
-            <a:r>
-              <a:rPr lang="pt-BR" dirty="0"/>
-              <a:t>    </a:t>
-            </a:r>
-            <a:r>
-              <a:rPr lang="pt-BR" dirty="0" err="1"/>
-              <a:t>valor_total</a:t>
-            </a:r>
-            <a:r>
-              <a:rPr lang="pt-BR" dirty="0"/>
-              <a:t>=</a:t>
-            </a:r>
-            <a:r>
-              <a:rPr lang="pt-BR" dirty="0" err="1"/>
-              <a:t>valor_produto+juros</a:t>
-            </a:r>
+              <a:t> flor(flor='Rosa', cor='Vermelha'):</a:t>
+            </a:r>
+          </a:p>
+          <a:p>
+            <a:pPr marL="0" indent="0">
+              <a:buNone/>
+            </a:pPr>
+            <a:r>
+              <a:rPr lang="pt-BR" dirty="0"/>
+              <a:t>    print(</a:t>
+            </a:r>
+            <a:r>
+              <a:rPr lang="pt-BR" dirty="0" err="1"/>
+              <a:t>f"A</a:t>
+            </a:r>
+            <a:r>
+              <a:rPr lang="pt-BR" dirty="0"/>
+              <a:t> cor da {flor} é {cor}")</a:t>
+            </a:r>
+          </a:p>
+          <a:p>
+            <a:pPr marL="0" indent="0">
+              <a:buNone/>
+            </a:pPr>
+            <a:r>
+              <a:rPr lang="pt-BR" dirty="0"/>
+              <a:t>flor()</a:t>
+            </a:r>
+          </a:p>
+          <a:p>
+            <a:pPr marL="0" indent="0">
+              <a:buNone/>
+            </a:pPr>
             <a:endParaRPr lang="pt-BR" dirty="0"/>
           </a:p>
           <a:p>
@@ -3576,58 +3574,52 @@
               <a:buNone/>
             </a:pPr>
             <a:r>
-              <a:rPr lang="pt-BR" dirty="0"/>
-              <a:t>    </a:t>
-            </a:r>
-            <a:r>
-              <a:rPr lang="pt-BR" dirty="0" err="1"/>
-              <a:t>return</a:t>
-            </a:r>
-            <a:r>
-              <a:rPr lang="pt-BR" dirty="0"/>
-              <a:t> print(</a:t>
-            </a:r>
-            <a:r>
-              <a:rPr lang="pt-BR" dirty="0" err="1"/>
-              <a:t>valor_total</a:t>
-            </a:r>
-            <a:r>
-              <a:rPr lang="pt-BR" dirty="0"/>
-              <a:t>) </a:t>
-            </a:r>
-          </a:p>
-          <a:p>
-            <a:pPr marL="0" indent="0">
-              <a:buNone/>
-            </a:pPr>
-            <a:r>
-              <a:rPr lang="pt-BR" dirty="0" err="1"/>
-              <a:t>calcula_juros</a:t>
-            </a:r>
-            <a:r>
-              <a:rPr lang="pt-BR" dirty="0"/>
-              <a:t>(500) </a:t>
-            </a:r>
-          </a:p>
-          <a:p>
-            <a:pPr marL="0" indent="0">
-              <a:buNone/>
-            </a:pPr>
-            <a:r>
-              <a:rPr lang="pt-BR" dirty="0" err="1"/>
-              <a:t>calcula_juros</a:t>
-            </a:r>
-            <a:r>
-              <a:rPr lang="pt-BR" dirty="0"/>
-              <a:t>(500,20) </a:t>
-            </a:r>
+              <a:rPr lang="pt-BR" dirty="0" err="1"/>
+              <a:t>def</a:t>
+            </a:r>
+            <a:r>
+              <a:rPr lang="pt-BR" dirty="0"/>
+              <a:t> flor(flor='Rosa', cor='Vermelha'):</a:t>
+            </a:r>
+          </a:p>
+          <a:p>
+            <a:pPr marL="0" indent="0">
+              <a:buNone/>
+            </a:pPr>
+            <a:r>
+              <a:rPr lang="pt-BR" dirty="0"/>
+              <a:t>    print(</a:t>
+            </a:r>
+            <a:r>
+              <a:rPr lang="pt-BR" dirty="0" err="1"/>
+              <a:t>f"A</a:t>
+            </a:r>
+            <a:r>
+              <a:rPr lang="pt-BR" dirty="0"/>
+              <a:t> cor da {flor} é {cor}")</a:t>
+            </a:r>
+          </a:p>
+          <a:p>
+            <a:pPr marL="0" indent="0">
+              <a:buNone/>
+            </a:pPr>
+            <a:r>
+              <a:rPr lang="pt-BR" dirty="0"/>
+              <a:t>flor("Orquídea", "Azul")</a:t>
+            </a:r>
+          </a:p>
+          <a:p>
+            <a:pPr marL="0" indent="0">
+              <a:buNone/>
+            </a:pPr>
+            <a:endParaRPr lang="pt-BR" dirty="0"/>
           </a:p>
         </p:txBody>
       </p:sp>
     </p:spTree>
     <p:extLst>
       <p:ext uri="{BB962C8B-B14F-4D97-AF65-F5344CB8AC3E}">
-        <p14:creationId xmlns:p14="http://schemas.microsoft.com/office/powerpoint/2010/main" val="81476036"/>
+        <p14:creationId xmlns:p14="http://schemas.microsoft.com/office/powerpoint/2010/main" val="592765512"/>
       </p:ext>
     </p:extLst>
   </p:cSld>
@@ -3659,7 +3651,7 @@
           <p:cNvPr id="2" name="Título 1">
             <a:extLst>
               <a:ext uri="{FF2B5EF4-FFF2-40B4-BE49-F238E27FC236}">
-                <a16:creationId xmlns:a16="http://schemas.microsoft.com/office/drawing/2014/main" id="{7DC0386A-37D8-C4DA-EC24-8E17D7C25945}"/>
+                <a16:creationId xmlns:a16="http://schemas.microsoft.com/office/drawing/2014/main" id="{53954D3E-E65F-E3F6-3950-3B3DA08696E3}"/>
               </a:ext>
             </a:extLst>
           </p:cNvPr>
@@ -3677,7 +3669,7 @@
           <a:p>
             <a:r>
               <a:rPr lang="pt-BR" dirty="0"/>
-              <a:t>EXERCÍCIO:</a:t>
+              <a:t>Exemplo:</a:t>
             </a:r>
           </a:p>
         </p:txBody>
@@ -3687,7 +3679,7 @@
           <p:cNvPr id="3" name="Espaço Reservado para Conteúdo 2">
             <a:extLst>
               <a:ext uri="{FF2B5EF4-FFF2-40B4-BE49-F238E27FC236}">
-                <a16:creationId xmlns:a16="http://schemas.microsoft.com/office/drawing/2014/main" id="{4691AFEE-2898-BD65-7674-D2D49BD0764D}"/>
+                <a16:creationId xmlns:a16="http://schemas.microsoft.com/office/drawing/2014/main" id="{725E8C25-87E2-EA8C-93DF-ADB62D7F4D2D}"/>
               </a:ext>
             </a:extLst>
           </p:cNvPr>
@@ -3707,77 +3699,126 @@
               <a:buNone/>
             </a:pPr>
             <a:r>
-              <a:rPr lang="pt-BR" dirty="0">
-                <a:effectLst/>
-              </a:rPr>
-              <a:t>Um PC tem a seguinte configuração: </a:t>
-            </a:r>
-          </a:p>
-          <a:p>
-            <a:pPr>
-              <a:buFontTx/>
-              <a:buChar char="-"/>
-            </a:pPr>
-            <a:r>
-              <a:rPr lang="pt-BR" dirty="0">
-                <a:effectLst/>
-              </a:rPr>
-              <a:t>CPU: Intel Core i9 </a:t>
-            </a:r>
-          </a:p>
-          <a:p>
-            <a:pPr>
-              <a:buFontTx/>
-              <a:buChar char="-"/>
-            </a:pPr>
-            <a:r>
-              <a:rPr lang="pt-BR" dirty="0">
-                <a:effectLst/>
-              </a:rPr>
-              <a:t>Armazenamento: 4Tb </a:t>
-            </a:r>
-          </a:p>
-          <a:p>
-            <a:pPr>
-              <a:buFontTx/>
-              <a:buChar char="-"/>
-            </a:pPr>
-            <a:r>
-              <a:rPr lang="pt-BR" dirty="0">
-                <a:effectLst/>
-              </a:rPr>
-              <a:t>Memória: 64Gb</a:t>
-            </a:r>
-          </a:p>
-          <a:p>
-            <a:pPr marL="0" indent="0">
-              <a:buNone/>
-            </a:pPr>
-            <a:r>
-              <a:rPr lang="pt-BR" dirty="0"/>
-              <a:t>Usando funções criar um script que imprima essa configuração:</a:t>
-            </a:r>
-          </a:p>
-          <a:p>
-            <a:pPr marL="0" indent="0">
-              <a:buNone/>
-            </a:pPr>
-            <a:endParaRPr lang="pt-BR" dirty="0">
-              <a:effectLst/>
-            </a:endParaRPr>
-          </a:p>
-          <a:p>
-            <a:pPr marL="0" indent="0">
-              <a:buNone/>
-            </a:pPr>
+              <a:rPr lang="pt-BR" dirty="0" err="1"/>
+              <a:t>def</a:t>
+            </a:r>
+            <a:r>
+              <a:rPr lang="pt-BR" dirty="0"/>
+              <a:t> </a:t>
+            </a:r>
+            <a:r>
+              <a:rPr lang="pt-BR" dirty="0" err="1"/>
+              <a:t>calcula_juros</a:t>
+            </a:r>
+            <a:r>
+              <a:rPr lang="pt-BR" dirty="0"/>
+              <a:t>(</a:t>
+            </a:r>
+            <a:r>
+              <a:rPr lang="pt-BR" dirty="0" err="1"/>
+              <a:t>valor_produto</a:t>
+            </a:r>
+            <a:r>
+              <a:rPr lang="pt-BR" dirty="0"/>
+              <a:t>, taxa=10): </a:t>
+            </a:r>
+          </a:p>
+          <a:p>
+            <a:pPr marL="0" indent="0">
+              <a:buNone/>
+            </a:pPr>
+            <a:r>
+              <a:rPr lang="pt-BR" dirty="0"/>
+              <a:t>    juros = </a:t>
+            </a:r>
+            <a:r>
+              <a:rPr lang="pt-BR" dirty="0" err="1"/>
+              <a:t>valor_produto</a:t>
+            </a:r>
+            <a:r>
+              <a:rPr lang="pt-BR" dirty="0"/>
+              <a:t>*taxa/100 </a:t>
+            </a:r>
+          </a:p>
+          <a:p>
+            <a:pPr marL="0" indent="0">
+              <a:buNone/>
+            </a:pPr>
+            <a:r>
+              <a:rPr lang="pt-BR" dirty="0"/>
+              <a:t>    </a:t>
+            </a:r>
+            <a:r>
+              <a:rPr lang="pt-BR" dirty="0" err="1"/>
+              <a:t>valor_total</a:t>
+            </a:r>
+            <a:r>
+              <a:rPr lang="pt-BR" dirty="0"/>
+              <a:t>=</a:t>
+            </a:r>
+            <a:r>
+              <a:rPr lang="pt-BR" dirty="0" err="1"/>
+              <a:t>valor_produto+juros</a:t>
+            </a:r>
             <a:endParaRPr lang="pt-BR" dirty="0"/>
+          </a:p>
+          <a:p>
+            <a:pPr marL="0" indent="0">
+              <a:buNone/>
+            </a:pPr>
+            <a:r>
+              <a:rPr lang="pt-BR" dirty="0"/>
+              <a:t>    </a:t>
+            </a:r>
+            <a:r>
+              <a:rPr lang="pt-BR" dirty="0" err="1"/>
+              <a:t>return</a:t>
+            </a:r>
+            <a:r>
+              <a:rPr lang="pt-BR" dirty="0"/>
+              <a:t> print(</a:t>
+            </a:r>
+            <a:r>
+              <a:rPr lang="pt-BR" dirty="0" err="1"/>
+              <a:t>valor_total</a:t>
+            </a:r>
+            <a:r>
+              <a:rPr lang="pt-BR" dirty="0"/>
+              <a:t>) </a:t>
+            </a:r>
+          </a:p>
+          <a:p>
+            <a:pPr marL="0" indent="0">
+              <a:buNone/>
+            </a:pPr>
+            <a:r>
+              <a:rPr lang="pt-BR" dirty="0" err="1"/>
+              <a:t>calcula_juros</a:t>
+            </a:r>
+            <a:r>
+              <a:rPr lang="pt-BR" dirty="0"/>
+              <a:t>(500) </a:t>
+            </a:r>
+          </a:p>
+          <a:p>
+            <a:pPr marL="0" indent="0">
+              <a:buNone/>
+            </a:pPr>
+            <a:r>
+              <a:rPr lang="pt-BR" dirty="0" err="1"/>
+              <a:t>calcula_juros</a:t>
+            </a:r>
+            <a:r>
+              <a:rPr lang="pt-BR" dirty="0"/>
+              <a:t>(500,20) </a:t>
+            </a:r>
           </a:p>
         </p:txBody>
       </p:sp>
     </p:spTree>
     <p:extLst>
       <p:ext uri="{BB962C8B-B14F-4D97-AF65-F5344CB8AC3E}">
-        <p14:creationId xmlns:p14="http://schemas.microsoft.com/office/powerpoint/2010/main" val="113050037"/>
+        <p14:creationId xmlns:p14="http://schemas.microsoft.com/office/powerpoint/2010/main" val="81476036"/>
       </p:ext>
     </p:extLst>
   </p:cSld>
@@ -3809,7 +3850,7 @@
           <p:cNvPr id="2" name="Título 1">
             <a:extLst>
               <a:ext uri="{FF2B5EF4-FFF2-40B4-BE49-F238E27FC236}">
-                <a16:creationId xmlns:a16="http://schemas.microsoft.com/office/drawing/2014/main" id="{6EF006D2-4613-43FD-B95A-3E0456E27620}"/>
+                <a16:creationId xmlns:a16="http://schemas.microsoft.com/office/drawing/2014/main" id="{7DC0386A-37D8-C4DA-EC24-8E17D7C25945}"/>
               </a:ext>
             </a:extLst>
           </p:cNvPr>
@@ -3827,7 +3868,7 @@
           <a:p>
             <a:r>
               <a:rPr lang="pt-BR" dirty="0"/>
-              <a:t>Script:</a:t>
+              <a:t>EXERCÍCIO:</a:t>
             </a:r>
           </a:p>
         </p:txBody>
@@ -3837,7 +3878,7 @@
           <p:cNvPr id="3" name="Espaço Reservado para Conteúdo 2">
             <a:extLst>
               <a:ext uri="{FF2B5EF4-FFF2-40B4-BE49-F238E27FC236}">
-                <a16:creationId xmlns:a16="http://schemas.microsoft.com/office/drawing/2014/main" id="{2DBCA24B-85C6-0A2F-7C27-F0A55288F9E5}"/>
+                <a16:creationId xmlns:a16="http://schemas.microsoft.com/office/drawing/2014/main" id="{4691AFEE-2898-BD65-7674-D2D49BD0764D}"/>
               </a:ext>
             </a:extLst>
           </p:cNvPr>
@@ -3857,69 +3898,78 @@
               <a:buNone/>
             </a:pPr>
             <a:r>
-              <a:rPr lang="pt-BR" dirty="0" err="1"/>
-              <a:t>def</a:t>
-            </a:r>
-            <a:r>
-              <a:rPr lang="pt-BR" dirty="0"/>
-              <a:t> </a:t>
-            </a:r>
-            <a:r>
-              <a:rPr lang="pt-BR" dirty="0" err="1"/>
-              <a:t>configuracao</a:t>
-            </a:r>
-            <a:r>
-              <a:rPr lang="pt-BR" dirty="0"/>
-              <a:t>(</a:t>
-            </a:r>
-            <a:r>
-              <a:rPr lang="pt-BR" dirty="0" err="1"/>
-              <a:t>cpu</a:t>
-            </a:r>
-            <a:r>
-              <a:rPr lang="pt-BR" dirty="0"/>
-              <a:t>, armazenamento, memoria):</a:t>
-            </a:r>
-          </a:p>
-          <a:p>
-            <a:pPr marL="0" indent="0">
-              <a:buNone/>
-            </a:pPr>
-            <a:r>
-              <a:rPr lang="pt-BR" dirty="0"/>
-              <a:t>    print(</a:t>
-            </a:r>
-            <a:r>
-              <a:rPr lang="pt-BR" dirty="0" err="1"/>
-              <a:t>f'A</a:t>
-            </a:r>
-            <a:r>
-              <a:rPr lang="pt-BR" dirty="0"/>
-              <a:t> configuração é: \n -CPU: {</a:t>
-            </a:r>
-            <a:r>
-              <a:rPr lang="pt-BR" dirty="0" err="1"/>
-              <a:t>cpu</a:t>
-            </a:r>
-            <a:r>
-              <a:rPr lang="pt-BR" dirty="0"/>
-              <a:t>}\n -Armazenamento: {armazenamento}Tb \n -Memória: {memoria}Gb')</a:t>
-            </a:r>
-          </a:p>
-          <a:p>
-            <a:pPr marL="0" indent="0">
-              <a:buNone/>
-            </a:pPr>
-            <a:r>
-              <a:rPr lang="pt-BR" dirty="0" err="1"/>
-              <a:t>configuracao</a:t>
-            </a:r>
-            <a:r>
-              <a:rPr lang="pt-BR" dirty="0"/>
-              <a:t>('Intel Core i9', 4, 64)</a:t>
-            </a:r>
-          </a:p>
-          <a:p>
+              <a:rPr lang="pt-BR" dirty="0">
+                <a:effectLst/>
+              </a:rPr>
+              <a:t>Um PC padrão tem a seguinte configuração: </a:t>
+            </a:r>
+          </a:p>
+          <a:p>
+            <a:pPr>
+              <a:buFontTx/>
+              <a:buChar char="-"/>
+            </a:pPr>
+            <a:r>
+              <a:rPr lang="pt-BR" dirty="0">
+                <a:effectLst/>
+              </a:rPr>
+              <a:t>CPU: Intel Core i9 no valor de R$2500</a:t>
+            </a:r>
+          </a:p>
+          <a:p>
+            <a:pPr>
+              <a:buFontTx/>
+              <a:buChar char="-"/>
+            </a:pPr>
+            <a:r>
+              <a:rPr lang="pt-BR" dirty="0">
+                <a:effectLst/>
+              </a:rPr>
+              <a:t>Armazenamento: 4Tb  no valor de R$500</a:t>
+            </a:r>
+          </a:p>
+          <a:p>
+            <a:pPr>
+              <a:buFontTx/>
+              <a:buChar char="-"/>
+            </a:pPr>
+            <a:r>
+              <a:rPr lang="pt-BR" dirty="0">
+                <a:effectLst/>
+              </a:rPr>
+              <a:t>Memória: 64Gb no valor de R$1000</a:t>
+            </a:r>
+          </a:p>
+          <a:p>
+            <a:pPr marL="0" indent="0">
+              <a:buNone/>
+            </a:pPr>
+            <a:r>
+              <a:rPr lang="pt-BR" dirty="0"/>
+              <a:t>a) Usando funções criar um script que imprima essa configuração e o valor total do PC padrão.</a:t>
+            </a:r>
+          </a:p>
+          <a:p>
+            <a:pPr marL="0" indent="0">
+              <a:buNone/>
+            </a:pPr>
+            <a:r>
+              <a:rPr lang="pt-BR" dirty="0"/>
+              <a:t>b) Alterar os valores para Intel Core i7 no valor de R$1500, armazenamento de 2T no valor de R$250 e memória de 32GB no valor de RS750 e imprimir o valor deste PC.</a:t>
+            </a:r>
+          </a:p>
+          <a:p>
+            <a:pPr marL="0" indent="0">
+              <a:buNone/>
+            </a:pPr>
+            <a:endParaRPr lang="pt-BR" dirty="0">
+              <a:effectLst/>
+            </a:endParaRPr>
+          </a:p>
+          <a:p>
+            <a:pPr marL="0" indent="0">
+              <a:buNone/>
+            </a:pPr>
             <a:endParaRPr lang="pt-BR" dirty="0"/>
           </a:p>
         </p:txBody>
@@ -3927,7 +3977,7 @@
     </p:spTree>
     <p:extLst>
       <p:ext uri="{BB962C8B-B14F-4D97-AF65-F5344CB8AC3E}">
-        <p14:creationId xmlns:p14="http://schemas.microsoft.com/office/powerpoint/2010/main" val="483935899"/>
+        <p14:creationId xmlns:p14="http://schemas.microsoft.com/office/powerpoint/2010/main" val="113050037"/>
       </p:ext>
     </p:extLst>
   </p:cSld>
@@ -3959,7 +4009,7 @@
           <p:cNvPr id="2" name="Título 1">
             <a:extLst>
               <a:ext uri="{FF2B5EF4-FFF2-40B4-BE49-F238E27FC236}">
-                <a16:creationId xmlns:a16="http://schemas.microsoft.com/office/drawing/2014/main" id="{E3C456DB-83E5-1961-0D26-3459BD2F6AB7}"/>
+                <a16:creationId xmlns:a16="http://schemas.microsoft.com/office/drawing/2014/main" id="{6EF006D2-4613-43FD-B95A-3E0456E27620}"/>
               </a:ext>
             </a:extLst>
           </p:cNvPr>
@@ -3977,7 +4027,7 @@
           <a:p>
             <a:r>
               <a:rPr lang="pt-BR" dirty="0"/>
-              <a:t>FUNÇÃO COM PARÂMETRO ARGS:</a:t>
+              <a:t>Script:</a:t>
             </a:r>
           </a:p>
         </p:txBody>
@@ -3987,7 +4037,7 @@
           <p:cNvPr id="3" name="Espaço Reservado para Conteúdo 2">
             <a:extLst>
               <a:ext uri="{FF2B5EF4-FFF2-40B4-BE49-F238E27FC236}">
-                <a16:creationId xmlns:a16="http://schemas.microsoft.com/office/drawing/2014/main" id="{F27790B9-71A8-13D9-CCAC-A44282AF4264}"/>
+                <a16:creationId xmlns:a16="http://schemas.microsoft.com/office/drawing/2014/main" id="{2DBCA24B-85C6-0A2F-7C27-F0A55288F9E5}"/>
               </a:ext>
             </a:extLst>
           </p:cNvPr>
@@ -4007,78 +4057,69 @@
               <a:buNone/>
             </a:pPr>
             <a:r>
-              <a:rPr lang="pt-BR" altLang="pt-BR" dirty="0"/>
-              <a:t>Caso você queira desenvolver uma função que recebe um número variável de parâmetros, você pode utilizar o parâmetro *</a:t>
-            </a:r>
-            <a:r>
-              <a:rPr lang="pt-BR" altLang="pt-BR" dirty="0" err="1"/>
-              <a:t>args</a:t>
-            </a:r>
-            <a:r>
-              <a:rPr lang="pt-BR" altLang="pt-BR" dirty="0"/>
-              <a:t>! </a:t>
-            </a:r>
-          </a:p>
-          <a:p>
-            <a:pPr marL="0" indent="0">
-              <a:buNone/>
-            </a:pPr>
-            <a:endParaRPr lang="en-US" dirty="0"/>
-          </a:p>
-          <a:p>
-            <a:pPr marL="0" indent="0">
-              <a:buNone/>
-            </a:pPr>
-            <a:r>
-              <a:rPr lang="en-US" dirty="0"/>
-              <a:t>def </a:t>
-            </a:r>
-            <a:r>
-              <a:rPr lang="en-US" dirty="0" err="1"/>
-              <a:t>func</a:t>
-            </a:r>
-            <a:r>
-              <a:rPr lang="en-US" dirty="0"/>
-              <a:t>(*</a:t>
-            </a:r>
-            <a:r>
-              <a:rPr lang="en-US" dirty="0" err="1"/>
-              <a:t>args</a:t>
-            </a:r>
-            <a:r>
-              <a:rPr lang="en-US" dirty="0"/>
-              <a:t>): </a:t>
-            </a:r>
-          </a:p>
-          <a:p>
-            <a:pPr marL="0" indent="0">
-              <a:buNone/>
-            </a:pPr>
-            <a:r>
-              <a:rPr lang="en-US" dirty="0"/>
-              <a:t>print(</a:t>
-            </a:r>
-            <a:r>
-              <a:rPr lang="en-US" dirty="0" err="1"/>
-              <a:t>i</a:t>
-            </a:r>
-            <a:r>
-              <a:rPr lang="en-US" dirty="0"/>
-              <a:t>) </a:t>
-            </a:r>
-          </a:p>
-          <a:p>
-            <a:pPr marL="0" indent="0">
-              <a:buNone/>
-            </a:pPr>
-            <a:r>
-              <a:rPr lang="en-US" dirty="0" err="1"/>
-              <a:t>func</a:t>
-            </a:r>
-            <a:r>
-              <a:rPr lang="en-US" dirty="0"/>
-              <a:t>(1, 2, 3)</a:t>
-            </a:r>
+              <a:rPr lang="pt-BR" dirty="0" err="1"/>
+              <a:t>def</a:t>
+            </a:r>
+            <a:r>
+              <a:rPr lang="pt-BR" dirty="0"/>
+              <a:t> </a:t>
+            </a:r>
+            <a:r>
+              <a:rPr lang="pt-BR" dirty="0" err="1"/>
+              <a:t>configuracao</a:t>
+            </a:r>
+            <a:r>
+              <a:rPr lang="pt-BR" dirty="0"/>
+              <a:t>(</a:t>
+            </a:r>
+            <a:r>
+              <a:rPr lang="pt-BR" dirty="0" err="1"/>
+              <a:t>cpu</a:t>
+            </a:r>
+            <a:r>
+              <a:rPr lang="pt-BR" dirty="0"/>
+              <a:t>, armazenamento, memoria):</a:t>
+            </a:r>
+          </a:p>
+          <a:p>
+            <a:pPr marL="0" indent="0">
+              <a:buNone/>
+            </a:pPr>
+            <a:r>
+              <a:rPr lang="pt-BR" dirty="0"/>
+              <a:t>    print(</a:t>
+            </a:r>
+            <a:r>
+              <a:rPr lang="pt-BR" dirty="0" err="1"/>
+              <a:t>f'A</a:t>
+            </a:r>
+            <a:r>
+              <a:rPr lang="pt-BR" dirty="0"/>
+              <a:t> configuração é: \n -CPU: {</a:t>
+            </a:r>
+            <a:r>
+              <a:rPr lang="pt-BR" dirty="0" err="1"/>
+              <a:t>cpu</a:t>
+            </a:r>
+            <a:r>
+              <a:rPr lang="pt-BR" dirty="0"/>
+              <a:t>}\n -Armazenamento: {armazenamento}Tb \n -Memória: {memoria}Gb')</a:t>
+            </a:r>
+          </a:p>
+          <a:p>
+            <a:pPr marL="0" indent="0">
+              <a:buNone/>
+            </a:pPr>
+            <a:r>
+              <a:rPr lang="pt-BR" dirty="0" err="1"/>
+              <a:t>configuracao</a:t>
+            </a:r>
+            <a:r>
+              <a:rPr lang="pt-BR" dirty="0"/>
+              <a:t>('Intel Core i9', 4, 64)</a:t>
+            </a:r>
+          </a:p>
+          <a:p>
             <a:endParaRPr lang="pt-BR" dirty="0"/>
           </a:p>
         </p:txBody>
@@ -4086,7 +4127,7 @@
     </p:spTree>
     <p:extLst>
       <p:ext uri="{BB962C8B-B14F-4D97-AF65-F5344CB8AC3E}">
-        <p14:creationId xmlns:p14="http://schemas.microsoft.com/office/powerpoint/2010/main" val="1942951552"/>
+        <p14:creationId xmlns:p14="http://schemas.microsoft.com/office/powerpoint/2010/main" val="483935899"/>
       </p:ext>
     </p:extLst>
   </p:cSld>
@@ -4118,7 +4159,7 @@
           <p:cNvPr id="2" name="Título 1">
             <a:extLst>
               <a:ext uri="{FF2B5EF4-FFF2-40B4-BE49-F238E27FC236}">
-                <a16:creationId xmlns:a16="http://schemas.microsoft.com/office/drawing/2014/main" id="{83700247-64C0-BC37-2EEB-EAB645403EF1}"/>
+                <a16:creationId xmlns:a16="http://schemas.microsoft.com/office/drawing/2014/main" id="{E3C456DB-83E5-1961-0D26-3459BD2F6AB7}"/>
               </a:ext>
             </a:extLst>
           </p:cNvPr>
@@ -4146,7 +4187,7 @@
           <p:cNvPr id="3" name="Espaço Reservado para Conteúdo 2">
             <a:extLst>
               <a:ext uri="{FF2B5EF4-FFF2-40B4-BE49-F238E27FC236}">
-                <a16:creationId xmlns:a16="http://schemas.microsoft.com/office/drawing/2014/main" id="{4FBDFFBE-D67B-3354-562E-14C9D31CC4AC}"/>
+                <a16:creationId xmlns:a16="http://schemas.microsoft.com/office/drawing/2014/main" id="{F27790B9-71A8-13D9-CCAC-A44282AF4264}"/>
               </a:ext>
             </a:extLst>
           </p:cNvPr>
@@ -4159,9 +4200,7 @@
         </p:nvSpPr>
         <p:spPr/>
         <p:txBody>
-          <a:bodyPr>
-            <a:normAutofit fontScale="92500" lnSpcReduction="10000"/>
-          </a:bodyPr>
+          <a:bodyPr/>
           <a:lstStyle/>
           <a:p>
             <a:pPr marL="0" indent="0">
@@ -4169,7 +4208,7 @@
             </a:pPr>
             <a:r>
               <a:rPr lang="pt-BR" altLang="pt-BR" dirty="0"/>
-              <a:t>Novamente. Para você queira desenvolver uma função que recebe um número variável de parâmetros, você pode utilizar o parâmetro *</a:t>
+              <a:t>Caso você queira desenvolver uma função que recebe um número variável de parâmetros, você pode utilizar o parâmetro *</a:t>
             </a:r>
             <a:r>
               <a:rPr lang="pt-BR" altLang="pt-BR" dirty="0" err="1"/>
@@ -4181,177 +4220,65 @@
             </a:r>
           </a:p>
           <a:p>
-            <a:endParaRPr lang="pt-BR" altLang="pt-BR" dirty="0"/>
-          </a:p>
-          <a:p>
-            <a:pPr marL="0" marR="0" lvl="0" indent="0" algn="l" defTabSz="914400" rtl="0" eaLnBrk="0" fontAlgn="base" latinLnBrk="0" hangingPunct="0">
-              <a:lnSpc>
-                <a:spcPct val="100000"/>
-              </a:lnSpc>
-              <a:spcBef>
-                <a:spcPct val="30000"/>
-              </a:spcBef>
-              <a:spcAft>
-                <a:spcPct val="0"/>
-              </a:spcAft>
-              <a:buClrTx/>
-              <a:buSzTx/>
-              <a:buFontTx/>
-              <a:buNone/>
-              <a:tabLst/>
-            </a:pPr>
-            <a:r>
-              <a:rPr lang="pt-BR" altLang="pt-BR" dirty="0" err="1"/>
-              <a:t>def</a:t>
-            </a:r>
-            <a:r>
-              <a:rPr lang="pt-BR" altLang="pt-BR" dirty="0"/>
-              <a:t> maior_30(*</a:t>
-            </a:r>
-            <a:r>
-              <a:rPr lang="pt-BR" altLang="pt-BR" dirty="0" err="1"/>
+            <a:pPr marL="0" indent="0">
+              <a:buNone/>
+            </a:pPr>
+            <a:endParaRPr lang="en-US" dirty="0"/>
+          </a:p>
+          <a:p>
+            <a:pPr marL="0" indent="0">
+              <a:buNone/>
+            </a:pPr>
+            <a:r>
+              <a:rPr lang="en-US" dirty="0"/>
+              <a:t>def </a:t>
+            </a:r>
+            <a:r>
+              <a:rPr lang="en-US" dirty="0" err="1"/>
+              <a:t>func</a:t>
+            </a:r>
+            <a:r>
+              <a:rPr lang="en-US" dirty="0"/>
+              <a:t>(*</a:t>
+            </a:r>
+            <a:r>
+              <a:rPr lang="en-US" dirty="0" err="1"/>
               <a:t>args</a:t>
             </a:r>
             <a:r>
-              <a:rPr lang="pt-BR" altLang="pt-BR" dirty="0"/>
+              <a:rPr lang="en-US" dirty="0"/>
               <a:t>): </a:t>
             </a:r>
           </a:p>
           <a:p>
-            <a:pPr marL="0" marR="0" lvl="0" indent="0" algn="l" defTabSz="914400" rtl="0" eaLnBrk="0" fontAlgn="base" latinLnBrk="0" hangingPunct="0">
-              <a:lnSpc>
-                <a:spcPct val="100000"/>
-              </a:lnSpc>
-              <a:spcBef>
-                <a:spcPct val="30000"/>
-              </a:spcBef>
-              <a:spcAft>
-                <a:spcPct val="0"/>
-              </a:spcAft>
-              <a:buClrTx/>
-              <a:buSzTx/>
-              <a:buFontTx/>
-              <a:buNone/>
-              <a:tabLst/>
-            </a:pPr>
-            <a:r>
-              <a:rPr lang="pt-BR" altLang="pt-BR" dirty="0"/>
-              <a:t>    print(</a:t>
-            </a:r>
-            <a:r>
-              <a:rPr lang="pt-BR" altLang="pt-BR" dirty="0" err="1"/>
-              <a:t>args</a:t>
-            </a:r>
-            <a:r>
-              <a:rPr lang="pt-BR" altLang="pt-BR" dirty="0"/>
+            <a:pPr marL="0" indent="0">
+              <a:buNone/>
+            </a:pPr>
+            <a:r>
+              <a:rPr lang="en-US" dirty="0"/>
+              <a:t>print(</a:t>
+            </a:r>
+            <a:r>
+              <a:rPr lang="en-US" dirty="0" err="1"/>
+              <a:t>i</a:t>
+            </a:r>
+            <a:r>
+              <a:rPr lang="en-US" dirty="0"/>
               <a:t>) </a:t>
             </a:r>
           </a:p>
           <a:p>
-            <a:pPr marL="0" marR="0" lvl="0" indent="0" algn="l" defTabSz="914400" rtl="0" eaLnBrk="0" fontAlgn="base" latinLnBrk="0" hangingPunct="0">
-              <a:lnSpc>
-                <a:spcPct val="100000"/>
-              </a:lnSpc>
-              <a:spcBef>
-                <a:spcPct val="30000"/>
-              </a:spcBef>
-              <a:spcAft>
-                <a:spcPct val="0"/>
-              </a:spcAft>
-              <a:buClrTx/>
-              <a:buSzTx/>
-              <a:buFontTx/>
-              <a:buNone/>
-              <a:tabLst/>
-            </a:pPr>
-            <a:r>
-              <a:rPr lang="pt-BR" altLang="pt-BR" dirty="0"/>
-              <a:t>    for num in </a:t>
-            </a:r>
-            <a:r>
-              <a:rPr lang="pt-BR" altLang="pt-BR" dirty="0" err="1"/>
-              <a:t>args</a:t>
-            </a:r>
-            <a:r>
-              <a:rPr lang="pt-BR" altLang="pt-BR" dirty="0"/>
-              <a:t>: </a:t>
-            </a:r>
-          </a:p>
-          <a:p>
-            <a:pPr marL="0" marR="0" lvl="0" indent="0" algn="l" defTabSz="914400" rtl="0" eaLnBrk="0" fontAlgn="base" latinLnBrk="0" hangingPunct="0">
-              <a:lnSpc>
-                <a:spcPct val="100000"/>
-              </a:lnSpc>
-              <a:spcBef>
-                <a:spcPct val="30000"/>
-              </a:spcBef>
-              <a:spcAft>
-                <a:spcPct val="0"/>
-              </a:spcAft>
-              <a:buClrTx/>
-              <a:buSzTx/>
-              <a:buFontTx/>
-              <a:buNone/>
-              <a:tabLst/>
-            </a:pPr>
-            <a:r>
-              <a:rPr lang="pt-BR" altLang="pt-BR" dirty="0"/>
-              <a:t>          </a:t>
-            </a:r>
-            <a:r>
-              <a:rPr lang="pt-BR" altLang="pt-BR" dirty="0" err="1"/>
-              <a:t>if</a:t>
-            </a:r>
-            <a:r>
-              <a:rPr lang="pt-BR" altLang="pt-BR" dirty="0"/>
-              <a:t> num &gt; 30: </a:t>
-            </a:r>
-          </a:p>
-          <a:p>
-            <a:pPr marL="0" marR="0" lvl="0" indent="0" algn="l" defTabSz="914400" rtl="0" eaLnBrk="0" fontAlgn="base" latinLnBrk="0" hangingPunct="0">
-              <a:lnSpc>
-                <a:spcPct val="100000"/>
-              </a:lnSpc>
-              <a:spcBef>
-                <a:spcPct val="30000"/>
-              </a:spcBef>
-              <a:spcAft>
-                <a:spcPct val="0"/>
-              </a:spcAft>
-              <a:buClrTx/>
-              <a:buSzTx/>
-              <a:buFontTx/>
-              <a:buNone/>
-              <a:tabLst/>
-            </a:pPr>
-            <a:r>
-              <a:rPr lang="pt-BR" altLang="pt-BR" dirty="0"/>
-              <a:t>              print(num) </a:t>
-            </a:r>
-          </a:p>
-          <a:p>
-            <a:pPr marL="0" marR="0" lvl="0" indent="0" algn="l" defTabSz="914400" rtl="0" eaLnBrk="0" fontAlgn="base" latinLnBrk="0" hangingPunct="0">
-              <a:lnSpc>
-                <a:spcPct val="100000"/>
-              </a:lnSpc>
-              <a:spcBef>
-                <a:spcPct val="30000"/>
-              </a:spcBef>
-              <a:spcAft>
-                <a:spcPct val="0"/>
-              </a:spcAft>
-              <a:buClrTx/>
-              <a:buSzTx/>
-              <a:buFontTx/>
-              <a:buNone/>
-              <a:tabLst/>
-            </a:pPr>
-            <a:r>
-              <a:rPr lang="pt-BR" altLang="pt-BR" dirty="0"/>
-              <a:t>maior_30(10, 20, 30, 40, 50, 60) </a:t>
-            </a:r>
-          </a:p>
-          <a:p>
+            <a:pPr marL="0" indent="0">
+              <a:buNone/>
+            </a:pPr>
+            <a:r>
+              <a:rPr lang="en-US" dirty="0" err="1"/>
+              <a:t>func</a:t>
+            </a:r>
+            <a:r>
+              <a:rPr lang="en-US" dirty="0"/>
+              <a:t>(1, 2, 3)</a:t>
+            </a:r>
             <a:endParaRPr lang="pt-BR" dirty="0"/>
           </a:p>
         </p:txBody>
@@ -4359,7 +4286,7 @@
     </p:spTree>
     <p:extLst>
       <p:ext uri="{BB962C8B-B14F-4D97-AF65-F5344CB8AC3E}">
-        <p14:creationId xmlns:p14="http://schemas.microsoft.com/office/powerpoint/2010/main" val="4247930218"/>
+        <p14:creationId xmlns:p14="http://schemas.microsoft.com/office/powerpoint/2010/main" val="1942951552"/>
       </p:ext>
     </p:extLst>
   </p:cSld>
@@ -4391,7 +4318,7 @@
           <p:cNvPr id="2" name="Título 1">
             <a:extLst>
               <a:ext uri="{FF2B5EF4-FFF2-40B4-BE49-F238E27FC236}">
-                <a16:creationId xmlns:a16="http://schemas.microsoft.com/office/drawing/2014/main" id="{1887517D-B974-526D-B1F3-0685CB60848E}"/>
+                <a16:creationId xmlns:a16="http://schemas.microsoft.com/office/drawing/2014/main" id="{83700247-64C0-BC37-2EEB-EAB645403EF1}"/>
               </a:ext>
             </a:extLst>
           </p:cNvPr>
@@ -4409,7 +4336,7 @@
           <a:p>
             <a:r>
               <a:rPr lang="pt-BR" dirty="0"/>
-              <a:t>Outro exemplo:</a:t>
+              <a:t>FUNÇÃO COM PARÂMETRO ARGS:</a:t>
             </a:r>
           </a:p>
         </p:txBody>
@@ -4419,7 +4346,7 @@
           <p:cNvPr id="3" name="Espaço Reservado para Conteúdo 2">
             <a:extLst>
               <a:ext uri="{FF2B5EF4-FFF2-40B4-BE49-F238E27FC236}">
-                <a16:creationId xmlns:a16="http://schemas.microsoft.com/office/drawing/2014/main" id="{6CC81317-CEEF-7F8D-3B59-D1B91D9CC7EB}"/>
+                <a16:creationId xmlns:a16="http://schemas.microsoft.com/office/drawing/2014/main" id="{4FBDFFBE-D67B-3354-562E-14C9D31CC4AC}"/>
               </a:ext>
             </a:extLst>
           </p:cNvPr>
@@ -4432,126 +4359,207 @@
         </p:nvSpPr>
         <p:spPr/>
         <p:txBody>
-          <a:bodyPr/>
-          <a:lstStyle/>
-          <a:p>
-            <a:pPr marL="0" indent="0">
-              <a:buNone/>
-            </a:pPr>
-            <a:r>
-              <a:rPr lang="pt-BR" dirty="0" err="1"/>
+          <a:bodyPr>
+            <a:normAutofit fontScale="92500" lnSpcReduction="10000"/>
+          </a:bodyPr>
+          <a:lstStyle/>
+          <a:p>
+            <a:pPr marL="0" indent="0">
+              <a:buNone/>
+            </a:pPr>
+            <a:r>
+              <a:rPr lang="pt-BR" altLang="pt-BR" dirty="0"/>
+              <a:t>Em resumo. Para você queira desenvolver uma função que recebe um número variável de parâmetros, você pode utilizar o parâmetro *</a:t>
+            </a:r>
+            <a:r>
+              <a:rPr lang="pt-BR" altLang="pt-BR" dirty="0" err="1"/>
+              <a:t>args</a:t>
+            </a:r>
+            <a:r>
+              <a:rPr lang="pt-BR" altLang="pt-BR" dirty="0"/>
+              <a:t>! </a:t>
+            </a:r>
+          </a:p>
+          <a:p>
+            <a:endParaRPr lang="pt-BR" altLang="pt-BR" dirty="0"/>
+          </a:p>
+          <a:p>
+            <a:pPr marL="0" marR="0" lvl="0" indent="0" algn="l" defTabSz="914400" rtl="0" eaLnBrk="0" fontAlgn="base" latinLnBrk="0" hangingPunct="0">
+              <a:lnSpc>
+                <a:spcPct val="100000"/>
+              </a:lnSpc>
+              <a:spcBef>
+                <a:spcPct val="30000"/>
+              </a:spcBef>
+              <a:spcAft>
+                <a:spcPct val="0"/>
+              </a:spcAft>
+              <a:buClrTx/>
+              <a:buSzTx/>
+              <a:buFontTx/>
+              <a:buNone/>
+              <a:tabLst/>
+            </a:pPr>
+            <a:r>
+              <a:rPr lang="pt-BR" altLang="pt-BR" dirty="0" err="1"/>
               <a:t>def</a:t>
             </a:r>
             <a:r>
-              <a:rPr lang="pt-BR" dirty="0"/>
-              <a:t> </a:t>
-            </a:r>
-            <a:r>
-              <a:rPr lang="pt-BR" dirty="0" err="1"/>
-              <a:t>calcularMedia</a:t>
-            </a:r>
-            <a:r>
-              <a:rPr lang="pt-BR" dirty="0"/>
-              <a:t>(*</a:t>
-            </a:r>
-            <a:r>
-              <a:rPr lang="pt-BR" dirty="0" err="1"/>
+              <a:rPr lang="pt-BR" altLang="pt-BR" dirty="0"/>
+              <a:t> maior_30(*</a:t>
+            </a:r>
+            <a:r>
+              <a:rPr lang="pt-BR" altLang="pt-BR" dirty="0" err="1"/>
               <a:t>args</a:t>
             </a:r>
             <a:r>
-              <a:rPr lang="pt-BR" dirty="0"/>
-              <a:t>):</a:t>
-            </a:r>
-          </a:p>
-          <a:p>
-            <a:pPr marL="0" indent="0">
-              <a:buNone/>
-            </a:pPr>
-            <a:r>
-              <a:rPr lang="pt-BR" dirty="0"/>
-              <a:t>    print(</a:t>
-            </a:r>
-            <a:r>
-              <a:rPr lang="pt-BR" dirty="0" err="1"/>
+              <a:rPr lang="pt-BR" altLang="pt-BR" dirty="0"/>
+              <a:t>): </a:t>
+            </a:r>
+          </a:p>
+          <a:p>
+            <a:pPr marL="0" marR="0" lvl="0" indent="0" algn="l" defTabSz="914400" rtl="0" eaLnBrk="0" fontAlgn="base" latinLnBrk="0" hangingPunct="0">
+              <a:lnSpc>
+                <a:spcPct val="100000"/>
+              </a:lnSpc>
+              <a:spcBef>
+                <a:spcPct val="30000"/>
+              </a:spcBef>
+              <a:spcAft>
+                <a:spcPct val="0"/>
+              </a:spcAft>
+              <a:buClrTx/>
+              <a:buSzTx/>
+              <a:buFontTx/>
+              <a:buNone/>
+              <a:tabLst/>
+            </a:pPr>
+            <a:r>
+              <a:rPr lang="pt-BR" altLang="pt-BR" dirty="0"/>
+              <a:t>    print(</a:t>
+            </a:r>
+            <a:r>
+              <a:rPr lang="pt-BR" altLang="pt-BR" dirty="0" err="1"/>
               <a:t>args</a:t>
             </a:r>
             <a:r>
-              <a:rPr lang="pt-BR" dirty="0"/>
-              <a:t>)</a:t>
-            </a:r>
-          </a:p>
-          <a:p>
-            <a:pPr marL="0" indent="0">
-              <a:buNone/>
-            </a:pPr>
-            <a:r>
-              <a:rPr lang="pt-BR" dirty="0"/>
-              <a:t>    media=sum(</a:t>
-            </a:r>
-            <a:r>
-              <a:rPr lang="pt-BR" dirty="0" err="1"/>
+              <a:rPr lang="pt-BR" altLang="pt-BR" dirty="0"/>
+              <a:t>) </a:t>
+            </a:r>
+          </a:p>
+          <a:p>
+            <a:pPr marL="0" marR="0" lvl="0" indent="0" algn="l" defTabSz="914400" rtl="0" eaLnBrk="0" fontAlgn="base" latinLnBrk="0" hangingPunct="0">
+              <a:lnSpc>
+                <a:spcPct val="100000"/>
+              </a:lnSpc>
+              <a:spcBef>
+                <a:spcPct val="30000"/>
+              </a:spcBef>
+              <a:spcAft>
+                <a:spcPct val="0"/>
+              </a:spcAft>
+              <a:buClrTx/>
+              <a:buSzTx/>
+              <a:buFontTx/>
+              <a:buNone/>
+              <a:tabLst/>
+            </a:pPr>
+            <a:r>
+              <a:rPr lang="pt-BR" altLang="pt-BR" dirty="0"/>
+              <a:t>    for num in </a:t>
+            </a:r>
+            <a:r>
+              <a:rPr lang="pt-BR" altLang="pt-BR" dirty="0" err="1"/>
               <a:t>args</a:t>
             </a:r>
             <a:r>
-              <a:rPr lang="pt-BR" dirty="0"/>
-              <a:t>) / </a:t>
-            </a:r>
-            <a:r>
-              <a:rPr lang="pt-BR" dirty="0" err="1"/>
-              <a:t>len</a:t>
-            </a:r>
-            <a:r>
-              <a:rPr lang="pt-BR" dirty="0"/>
-              <a:t>(</a:t>
-            </a:r>
-            <a:r>
-              <a:rPr lang="pt-BR" dirty="0" err="1"/>
-              <a:t>args</a:t>
-            </a:r>
-            <a:r>
-              <a:rPr lang="pt-BR" dirty="0"/>
-              <a:t>)</a:t>
-            </a:r>
-          </a:p>
-          <a:p>
-            <a:pPr marL="0" indent="0">
-              <a:buNone/>
-            </a:pPr>
-            <a:br>
-              <a:rPr lang="pt-BR" dirty="0"/>
-            </a:br>
-            <a:r>
-              <a:rPr lang="pt-BR" dirty="0"/>
-              <a:t>    </a:t>
-            </a:r>
-            <a:r>
-              <a:rPr lang="pt-BR" dirty="0" err="1"/>
-              <a:t>return</a:t>
-            </a:r>
-            <a:r>
-              <a:rPr lang="pt-BR" dirty="0"/>
-              <a:t> print(media)</a:t>
-            </a:r>
-          </a:p>
-          <a:p>
-            <a:pPr marL="0" indent="0">
-              <a:buNone/>
-            </a:pPr>
-            <a:r>
-              <a:rPr lang="pt-BR" dirty="0" err="1"/>
-              <a:t>calcularMedia</a:t>
-            </a:r>
-            <a:r>
-              <a:rPr lang="pt-BR" dirty="0"/>
-              <a:t>(7.0, 7.5, 9.5, 5)</a:t>
-            </a:r>
+              <a:rPr lang="pt-BR" altLang="pt-BR" dirty="0"/>
+              <a:t>: </a:t>
+            </a:r>
+          </a:p>
+          <a:p>
+            <a:pPr marL="0" marR="0" lvl="0" indent="0" algn="l" defTabSz="914400" rtl="0" eaLnBrk="0" fontAlgn="base" latinLnBrk="0" hangingPunct="0">
+              <a:lnSpc>
+                <a:spcPct val="100000"/>
+              </a:lnSpc>
+              <a:spcBef>
+                <a:spcPct val="30000"/>
+              </a:spcBef>
+              <a:spcAft>
+                <a:spcPct val="0"/>
+              </a:spcAft>
+              <a:buClrTx/>
+              <a:buSzTx/>
+              <a:buFontTx/>
+              <a:buNone/>
+              <a:tabLst/>
+            </a:pPr>
+            <a:r>
+              <a:rPr lang="pt-BR" altLang="pt-BR" dirty="0"/>
+              <a:t>          </a:t>
+            </a:r>
+            <a:r>
+              <a:rPr lang="pt-BR" altLang="pt-BR" dirty="0" err="1"/>
+              <a:t>if</a:t>
+            </a:r>
+            <a:r>
+              <a:rPr lang="pt-BR" altLang="pt-BR" dirty="0"/>
+              <a:t> num &gt; 30: </a:t>
+            </a:r>
+          </a:p>
+          <a:p>
+            <a:pPr marL="0" marR="0" lvl="0" indent="0" algn="l" defTabSz="914400" rtl="0" eaLnBrk="0" fontAlgn="base" latinLnBrk="0" hangingPunct="0">
+              <a:lnSpc>
+                <a:spcPct val="100000"/>
+              </a:lnSpc>
+              <a:spcBef>
+                <a:spcPct val="30000"/>
+              </a:spcBef>
+              <a:spcAft>
+                <a:spcPct val="0"/>
+              </a:spcAft>
+              <a:buClrTx/>
+              <a:buSzTx/>
+              <a:buFontTx/>
+              <a:buNone/>
+              <a:tabLst/>
+            </a:pPr>
+            <a:r>
+              <a:rPr lang="pt-BR" altLang="pt-BR" dirty="0"/>
+              <a:t>              print(num) </a:t>
+            </a:r>
+          </a:p>
+          <a:p>
+            <a:pPr marL="0" marR="0" lvl="0" indent="0" algn="l" defTabSz="914400" rtl="0" eaLnBrk="0" fontAlgn="base" latinLnBrk="0" hangingPunct="0">
+              <a:lnSpc>
+                <a:spcPct val="100000"/>
+              </a:lnSpc>
+              <a:spcBef>
+                <a:spcPct val="30000"/>
+              </a:spcBef>
+              <a:spcAft>
+                <a:spcPct val="0"/>
+              </a:spcAft>
+              <a:buClrTx/>
+              <a:buSzTx/>
+              <a:buFontTx/>
+              <a:buNone/>
+              <a:tabLst/>
+            </a:pPr>
+            <a:r>
+              <a:rPr lang="pt-BR" altLang="pt-BR" dirty="0"/>
+              <a:t>maior_30(10, 20, 30, 40, 50, 60) </a:t>
+            </a:r>
+          </a:p>
+          <a:p>
+            <a:endParaRPr lang="pt-BR" dirty="0"/>
           </a:p>
         </p:txBody>
       </p:sp>
     </p:spTree>
     <p:extLst>
       <p:ext uri="{BB962C8B-B14F-4D97-AF65-F5344CB8AC3E}">
-        <p14:creationId xmlns:p14="http://schemas.microsoft.com/office/powerpoint/2010/main" val="1474105915"/>
+        <p14:creationId xmlns:p14="http://schemas.microsoft.com/office/powerpoint/2010/main" val="4247930218"/>
       </p:ext>
     </p:extLst>
   </p:cSld>
@@ -4583,7 +4591,7 @@
           <p:cNvPr id="2" name="Título 1">
             <a:extLst>
               <a:ext uri="{FF2B5EF4-FFF2-40B4-BE49-F238E27FC236}">
-                <a16:creationId xmlns:a16="http://schemas.microsoft.com/office/drawing/2014/main" id="{26D94324-8158-C31C-F6A0-DA21CD7A4D37}"/>
+                <a16:creationId xmlns:a16="http://schemas.microsoft.com/office/drawing/2014/main" id="{1887517D-B974-526D-B1F3-0685CB60848E}"/>
               </a:ext>
             </a:extLst>
           </p:cNvPr>
@@ -4601,13 +4609,8 @@
           <a:p>
             <a:r>
               <a:rPr lang="pt-BR" dirty="0"/>
-              <a:t>FUNÇÃO COM PARÂMETROS *</a:t>
-            </a:r>
-            <a:r>
-              <a:rPr lang="pt-BR" dirty="0" err="1"/>
-              <a:t>kwargs</a:t>
-            </a:r>
-            <a:endParaRPr lang="pt-BR" dirty="0"/>
+              <a:t>Outro exemplo:</a:t>
+            </a:r>
           </a:p>
         </p:txBody>
       </p:sp>
@@ -4616,7 +4619,7 @@
           <p:cNvPr id="3" name="Espaço Reservado para Conteúdo 2">
             <a:extLst>
               <a:ext uri="{FF2B5EF4-FFF2-40B4-BE49-F238E27FC236}">
-                <a16:creationId xmlns:a16="http://schemas.microsoft.com/office/drawing/2014/main" id="{A2F2268A-0BFF-0A26-138D-87C2A61695E7}"/>
+                <a16:creationId xmlns:a16="http://schemas.microsoft.com/office/drawing/2014/main" id="{6CC81317-CEEF-7F8D-3B59-D1B91D9CC7EB}"/>
               </a:ext>
             </a:extLst>
           </p:cNvPr>
@@ -4632,42 +4635,31 @@
           <a:bodyPr/>
           <a:lstStyle/>
           <a:p>
-            <a:r>
-              <a:rPr lang="pt-BR" altLang="pt-BR" dirty="0"/>
-              <a:t>Caso você queira desenvolver uma função com número variado de parâmetros nomeados, utilize **</a:t>
-            </a:r>
-            <a:r>
-              <a:rPr lang="pt-BR" altLang="pt-BR" dirty="0" err="1"/>
-              <a:t>kwargs</a:t>
-            </a:r>
-            <a:r>
-              <a:rPr lang="pt-BR" altLang="pt-BR" dirty="0"/>
-              <a:t>. </a:t>
-            </a:r>
-            <a:endParaRPr lang="pt-BR" dirty="0"/>
-          </a:p>
-          <a:p>
-            <a:pPr marL="0" indent="0">
-              <a:buNone/>
-            </a:pPr>
-            <a:r>
-              <a:rPr lang="en-US" dirty="0"/>
-              <a:t>def </a:t>
-            </a:r>
-            <a:r>
-              <a:rPr lang="en-US" dirty="0" err="1"/>
-              <a:t>func</a:t>
-            </a:r>
-            <a:r>
-              <a:rPr lang="en-US" dirty="0"/>
-              <a:t>(**</a:t>
-            </a:r>
-            <a:r>
-              <a:rPr lang="en-US" dirty="0" err="1"/>
-              <a:t>kwargs</a:t>
-            </a:r>
-            <a:r>
-              <a:rPr lang="en-US" dirty="0"/>
+            <a:pPr marL="0" indent="0">
+              <a:buNone/>
+            </a:pPr>
+            <a:r>
+              <a:rPr lang="pt-BR" dirty="0" err="1"/>
+              <a:t>def</a:t>
+            </a:r>
+            <a:r>
+              <a:rPr lang="pt-BR" dirty="0"/>
+              <a:t> </a:t>
+            </a:r>
+            <a:r>
+              <a:rPr lang="pt-BR" dirty="0" err="1"/>
+              <a:t>calcularMedia</a:t>
+            </a:r>
+            <a:r>
+              <a:rPr lang="pt-BR" dirty="0"/>
+              <a:t>(*</a:t>
+            </a:r>
+            <a:r>
+              <a:rPr lang="pt-BR" dirty="0" err="1"/>
+              <a:t>args</a:t>
+            </a:r>
+            <a:r>
+              <a:rPr lang="pt-BR" dirty="0"/>
               <a:t>):</a:t>
             </a:r>
           </a:p>
@@ -4676,38 +4668,82 @@
               <a:buNone/>
             </a:pPr>
             <a:r>
-              <a:rPr lang="en-US" dirty="0"/>
-              <a:t>  for name, value in </a:t>
-            </a:r>
-            <a:r>
-              <a:rPr lang="en-US" dirty="0" err="1"/>
-              <a:t>kwargs.items</a:t>
-            </a:r>
-            <a:r>
-              <a:rPr lang="en-US" dirty="0"/>
-              <a:t>():</a:t>
-            </a:r>
-          </a:p>
-          <a:p>
-            <a:pPr marL="0" indent="0">
-              <a:buNone/>
-            </a:pPr>
-            <a:r>
-              <a:rPr lang="en-US" dirty="0"/>
-              <a:t>  print(name, value)</a:t>
-            </a:r>
-          </a:p>
-          <a:p>
-            <a:pPr marL="0" indent="0">
-              <a:buNone/>
-            </a:pPr>
-            <a:r>
-              <a:rPr lang="en-US" dirty="0" err="1"/>
-              <a:t>func</a:t>
-            </a:r>
-            <a:r>
-              <a:rPr lang="en-US" dirty="0"/>
-              <a:t>(RG=123321, CPF=123456, ID=567567) </a:t>
+              <a:rPr lang="pt-BR" dirty="0"/>
+              <a:t>    print(</a:t>
+            </a:r>
+            <a:r>
+              <a:rPr lang="pt-BR" dirty="0" err="1"/>
+              <a:t>args</a:t>
+            </a:r>
+            <a:r>
+              <a:rPr lang="pt-BR" dirty="0"/>
+              <a:t>)</a:t>
+            </a:r>
+          </a:p>
+          <a:p>
+            <a:pPr marL="0" indent="0">
+              <a:buNone/>
+            </a:pPr>
+            <a:r>
+              <a:rPr lang="pt-BR" dirty="0"/>
+              <a:t>    media=sum(</a:t>
+            </a:r>
+            <a:r>
+              <a:rPr lang="pt-BR" dirty="0" err="1"/>
+              <a:t>args</a:t>
+            </a:r>
+            <a:r>
+              <a:rPr lang="pt-BR" dirty="0"/>
+              <a:t>) / </a:t>
+            </a:r>
+            <a:r>
+              <a:rPr lang="pt-BR" dirty="0" err="1"/>
+              <a:t>len</a:t>
+            </a:r>
+            <a:r>
+              <a:rPr lang="pt-BR" dirty="0"/>
+              <a:t>(</a:t>
+            </a:r>
+            <a:r>
+              <a:rPr lang="pt-BR" dirty="0" err="1"/>
+              <a:t>args</a:t>
+            </a:r>
+            <a:r>
+              <a:rPr lang="pt-BR" dirty="0"/>
+              <a:t>)</a:t>
+            </a:r>
+          </a:p>
+          <a:p>
+            <a:pPr marL="0" indent="0">
+              <a:buNone/>
+            </a:pPr>
+            <a:br>
+              <a:rPr lang="pt-BR" dirty="0"/>
+            </a:br>
+            <a:r>
+              <a:rPr lang="pt-BR" dirty="0"/>
+              <a:t>    </a:t>
+            </a:r>
+            <a:r>
+              <a:rPr lang="pt-BR" dirty="0" err="1"/>
+              <a:t>return</a:t>
+            </a:r>
+            <a:r>
+              <a:rPr lang="pt-BR" dirty="0"/>
+              <a:t> print(media)</a:t>
+            </a:r>
+          </a:p>
+          <a:p>
+            <a:pPr marL="0" indent="0">
+              <a:buNone/>
+            </a:pPr>
+            <a:r>
+              <a:rPr lang="pt-BR" dirty="0" err="1"/>
+              <a:t>calcularMedia</a:t>
+            </a:r>
+            <a:r>
+              <a:rPr lang="pt-BR" dirty="0"/>
+              <a:t>(7.0, 7.5, 9.5, 5)</a:t>
             </a:r>
           </a:p>
         </p:txBody>
@@ -4715,7 +4751,7 @@
     </p:spTree>
     <p:extLst>
       <p:ext uri="{BB962C8B-B14F-4D97-AF65-F5344CB8AC3E}">
-        <p14:creationId xmlns:p14="http://schemas.microsoft.com/office/powerpoint/2010/main" val="4074861813"/>
+        <p14:creationId xmlns:p14="http://schemas.microsoft.com/office/powerpoint/2010/main" val="1474105915"/>
       </p:ext>
     </p:extLst>
   </p:cSld>
@@ -4747,7 +4783,7 @@
           <p:cNvPr id="2" name="Título 1">
             <a:extLst>
               <a:ext uri="{FF2B5EF4-FFF2-40B4-BE49-F238E27FC236}">
-                <a16:creationId xmlns:a16="http://schemas.microsoft.com/office/drawing/2014/main" id="{2BF694AC-56ED-FD3E-706E-BCF704B6C344}"/>
+                <a16:creationId xmlns:a16="http://schemas.microsoft.com/office/drawing/2014/main" id="{26D94324-8158-C31C-F6A0-DA21CD7A4D37}"/>
               </a:ext>
             </a:extLst>
           </p:cNvPr>
@@ -4765,8 +4801,13 @@
           <a:p>
             <a:r>
               <a:rPr lang="pt-BR" dirty="0"/>
-              <a:t>FUNÇÃO COM PARÂMETRO KARGS:</a:t>
-            </a:r>
+              <a:t>FUNÇÃO COM PARÂMETROS *</a:t>
+            </a:r>
+            <a:r>
+              <a:rPr lang="pt-BR" dirty="0" err="1"/>
+              <a:t>kwargs</a:t>
+            </a:r>
+            <a:endParaRPr lang="pt-BR" dirty="0"/>
           </a:p>
         </p:txBody>
       </p:sp>
@@ -4775,7 +4816,7 @@
           <p:cNvPr id="3" name="Espaço Reservado para Conteúdo 2">
             <a:extLst>
               <a:ext uri="{FF2B5EF4-FFF2-40B4-BE49-F238E27FC236}">
-                <a16:creationId xmlns:a16="http://schemas.microsoft.com/office/drawing/2014/main" id="{26E4ADA3-B6BB-BF38-3A5A-7BB522E63786}"/>
+                <a16:creationId xmlns:a16="http://schemas.microsoft.com/office/drawing/2014/main" id="{A2F2268A-0BFF-0A26-138D-87C2A61695E7}"/>
               </a:ext>
             </a:extLst>
           </p:cNvPr>
@@ -4788,14 +4829,12 @@
         </p:nvSpPr>
         <p:spPr/>
         <p:txBody>
-          <a:bodyPr>
-            <a:normAutofit lnSpcReduction="10000"/>
-          </a:bodyPr>
+          <a:bodyPr/>
           <a:lstStyle/>
           <a:p>
             <a:r>
               <a:rPr lang="pt-BR" altLang="pt-BR" dirty="0"/>
-              <a:t>Novamente. Para desenvolver uma função com número variado de parâmetros nomeados, utilize **</a:t>
+              <a:t>Caso você queira desenvolver uma função com número variado de parâmetros nomeados, utilize **</a:t>
             </a:r>
             <a:r>
               <a:rPr lang="pt-BR" altLang="pt-BR" dirty="0" err="1"/>
@@ -4805,180 +4844,78 @@
               <a:rPr lang="pt-BR" altLang="pt-BR" dirty="0"/>
               <a:t>. </a:t>
             </a:r>
-          </a:p>
-          <a:p>
-            <a:pPr marL="0" indent="0">
-              <a:buNone/>
-            </a:pPr>
-            <a:endParaRPr lang="pt-BR" altLang="pt-BR" dirty="0"/>
-          </a:p>
-          <a:p>
-            <a:pPr marL="0" marR="0" lvl="0" indent="0" algn="l" defTabSz="914400" rtl="0" eaLnBrk="0" fontAlgn="base" latinLnBrk="0" hangingPunct="0">
-              <a:lnSpc>
-                <a:spcPct val="100000"/>
-              </a:lnSpc>
-              <a:spcBef>
-                <a:spcPct val="30000"/>
-              </a:spcBef>
-              <a:spcAft>
-                <a:spcPct val="0"/>
-              </a:spcAft>
-              <a:buClrTx/>
-              <a:buSzTx/>
-              <a:buFontTx/>
-              <a:buNone/>
-              <a:tabLst/>
-            </a:pPr>
-            <a:r>
-              <a:rPr lang="pt-BR" altLang="pt-BR" dirty="0" err="1"/>
-              <a:t>def</a:t>
-            </a:r>
-            <a:r>
-              <a:rPr lang="pt-BR" altLang="pt-BR" dirty="0"/>
-              <a:t> </a:t>
-            </a:r>
-            <a:r>
-              <a:rPr lang="pt-BR" altLang="pt-BR" dirty="0" err="1"/>
-              <a:t>dados_pessoa</a:t>
-            </a:r>
-            <a:r>
-              <a:rPr lang="pt-BR" altLang="pt-BR" dirty="0"/>
+            <a:endParaRPr lang="pt-BR" dirty="0"/>
+          </a:p>
+          <a:p>
+            <a:pPr marL="0" indent="0">
+              <a:buNone/>
+            </a:pPr>
+            <a:r>
+              <a:rPr lang="en-US" dirty="0"/>
+              <a:t>def </a:t>
+            </a:r>
+            <a:r>
+              <a:rPr lang="en-US" dirty="0" err="1"/>
+              <a:t>func</a:t>
+            </a:r>
+            <a:r>
+              <a:rPr lang="en-US" dirty="0"/>
               <a:t>(**</a:t>
             </a:r>
             <a:r>
-              <a:rPr lang="pt-BR" altLang="pt-BR" dirty="0" err="1"/>
+              <a:rPr lang="en-US" dirty="0" err="1"/>
               <a:t>kwargs</a:t>
             </a:r>
             <a:r>
-              <a:rPr lang="pt-BR" altLang="pt-BR" dirty="0"/>
-              <a:t>): </a:t>
-            </a:r>
-          </a:p>
-          <a:p>
-            <a:pPr marL="0" marR="0" lvl="0" indent="0" algn="l" defTabSz="914400" rtl="0" eaLnBrk="0" fontAlgn="base" latinLnBrk="0" hangingPunct="0">
-              <a:lnSpc>
-                <a:spcPct val="100000"/>
-              </a:lnSpc>
-              <a:spcBef>
-                <a:spcPct val="30000"/>
-              </a:spcBef>
-              <a:spcAft>
-                <a:spcPct val="0"/>
-              </a:spcAft>
-              <a:buClrTx/>
-              <a:buSzTx/>
-              <a:buFontTx/>
-              <a:buNone/>
-              <a:tabLst/>
-            </a:pPr>
-            <a:r>
-              <a:rPr lang="pt-BR" altLang="pt-BR" dirty="0"/>
-              <a:t>    print(</a:t>
-            </a:r>
-            <a:r>
-              <a:rPr lang="pt-BR" altLang="pt-BR" dirty="0" err="1"/>
-              <a:t>kwargs</a:t>
-            </a:r>
-            <a:r>
-              <a:rPr lang="pt-BR" altLang="pt-BR" dirty="0"/>
-              <a:t>) </a:t>
-            </a:r>
-          </a:p>
-          <a:p>
-            <a:pPr marL="0" marR="0" lvl="0" indent="0" algn="l" defTabSz="914400" rtl="0" eaLnBrk="0" fontAlgn="base" latinLnBrk="0" hangingPunct="0">
-              <a:lnSpc>
-                <a:spcPct val="100000"/>
-              </a:lnSpc>
-              <a:spcBef>
-                <a:spcPct val="30000"/>
-              </a:spcBef>
-              <a:spcAft>
-                <a:spcPct val="0"/>
-              </a:spcAft>
-              <a:buClrTx/>
-              <a:buSzTx/>
-              <a:buFontTx/>
-              <a:buNone/>
-              <a:tabLst/>
-            </a:pPr>
-            <a:r>
-              <a:rPr lang="pt-BR" altLang="pt-BR" dirty="0"/>
-              <a:t>    for chave, valor in </a:t>
-            </a:r>
-            <a:r>
-              <a:rPr lang="pt-BR" altLang="pt-BR" dirty="0" err="1"/>
+              <a:rPr lang="en-US" dirty="0"/>
+              <a:t>):</a:t>
+            </a:r>
+          </a:p>
+          <a:p>
+            <a:pPr marL="0" indent="0">
+              <a:buNone/>
+            </a:pPr>
+            <a:r>
+              <a:rPr lang="en-US" dirty="0"/>
+              <a:t>  for name, value in </a:t>
+            </a:r>
+            <a:r>
+              <a:rPr lang="en-US" dirty="0" err="1"/>
               <a:t>kwargs.items</a:t>
             </a:r>
             <a:r>
-              <a:rPr lang="pt-BR" altLang="pt-BR" dirty="0"/>
-              <a:t>(): </a:t>
-            </a:r>
-          </a:p>
-          <a:p>
-            <a:pPr marL="0" marR="0" lvl="0" indent="0" algn="l" defTabSz="914400" rtl="0" eaLnBrk="0" fontAlgn="base" latinLnBrk="0" hangingPunct="0">
-              <a:lnSpc>
-                <a:spcPct val="100000"/>
-              </a:lnSpc>
-              <a:spcBef>
-                <a:spcPct val="30000"/>
-              </a:spcBef>
-              <a:spcAft>
-                <a:spcPct val="0"/>
-              </a:spcAft>
-              <a:buClrTx/>
-              <a:buSzTx/>
-              <a:buFontTx/>
-              <a:buNone/>
-              <a:tabLst/>
-            </a:pPr>
-            <a:r>
-              <a:rPr lang="pt-BR" altLang="pt-BR" dirty="0"/>
-              <a:t>         print(f"{chave}: {valor}") </a:t>
-            </a:r>
-          </a:p>
-          <a:p>
-            <a:pPr marL="0" marR="0" lvl="0" indent="0" algn="l" defTabSz="914400" rtl="0" eaLnBrk="0" fontAlgn="base" latinLnBrk="0" hangingPunct="0">
-              <a:lnSpc>
-                <a:spcPct val="100000"/>
-              </a:lnSpc>
-              <a:spcBef>
-                <a:spcPct val="30000"/>
-              </a:spcBef>
-              <a:spcAft>
-                <a:spcPct val="0"/>
-              </a:spcAft>
-              <a:buClrTx/>
-              <a:buSzTx/>
-              <a:buFontTx/>
-              <a:buNone/>
-              <a:tabLst/>
-            </a:pPr>
-            <a:r>
-              <a:rPr lang="pt-BR" altLang="pt-BR" dirty="0" err="1"/>
-              <a:t>dados_pessoa</a:t>
-            </a:r>
-            <a:r>
-              <a:rPr lang="pt-BR" altLang="pt-BR" dirty="0"/>
-              <a:t>(nome='João', idade=35, carreira='Desenvolvedor </a:t>
-            </a:r>
-            <a:r>
-              <a:rPr lang="pt-BR" altLang="pt-BR" dirty="0" err="1"/>
-              <a:t>Fullstack</a:t>
-            </a:r>
-            <a:r>
-              <a:rPr lang="pt-BR" altLang="pt-BR" dirty="0"/>
-              <a:t>’)</a:t>
-            </a:r>
-          </a:p>
-          <a:p>
-            <a:endParaRPr lang="pt-BR" dirty="0"/>
+              <a:rPr lang="en-US" dirty="0"/>
+              <a:t>():</a:t>
+            </a:r>
+          </a:p>
+          <a:p>
+            <a:pPr marL="0" indent="0">
+              <a:buNone/>
+            </a:pPr>
+            <a:r>
+              <a:rPr lang="en-US" dirty="0"/>
+              <a:t>  print(name, value)</a:t>
+            </a:r>
+          </a:p>
+          <a:p>
+            <a:pPr marL="0" indent="0">
+              <a:buNone/>
+            </a:pPr>
+            <a:r>
+              <a:rPr lang="en-US" dirty="0" err="1"/>
+              <a:t>func</a:t>
+            </a:r>
+            <a:r>
+              <a:rPr lang="en-US" dirty="0"/>
+              <a:t>(RG=123321, CPF=123456, ID=567567) </a:t>
+            </a:r>
           </a:p>
         </p:txBody>
       </p:sp>
     </p:spTree>
     <p:extLst>
       <p:ext uri="{BB962C8B-B14F-4D97-AF65-F5344CB8AC3E}">
-        <p14:creationId xmlns:p14="http://schemas.microsoft.com/office/powerpoint/2010/main" val="3864082784"/>
+        <p14:creationId xmlns:p14="http://schemas.microsoft.com/office/powerpoint/2010/main" val="4074861813"/>
       </p:ext>
     </p:extLst>
   </p:cSld>
@@ -5010,7 +4947,7 @@
           <p:cNvPr id="2" name="Título 1">
             <a:extLst>
               <a:ext uri="{FF2B5EF4-FFF2-40B4-BE49-F238E27FC236}">
-                <a16:creationId xmlns:a16="http://schemas.microsoft.com/office/drawing/2014/main" id="{64FB80D5-4C66-9DCA-7B69-6D9E87C5053B}"/>
+                <a16:creationId xmlns:a16="http://schemas.microsoft.com/office/drawing/2014/main" id="{2BF694AC-56ED-FD3E-706E-BCF704B6C344}"/>
               </a:ext>
             </a:extLst>
           </p:cNvPr>
@@ -5028,7 +4965,7 @@
           <a:p>
             <a:r>
               <a:rPr lang="pt-BR" dirty="0"/>
-              <a:t>Outro exemplo:</a:t>
+              <a:t>FUNÇÃO COM PARÂMETRO KARGS:</a:t>
             </a:r>
           </a:p>
         </p:txBody>
@@ -5038,7 +4975,7 @@
           <p:cNvPr id="3" name="Espaço Reservado para Conteúdo 2">
             <a:extLst>
               <a:ext uri="{FF2B5EF4-FFF2-40B4-BE49-F238E27FC236}">
-                <a16:creationId xmlns:a16="http://schemas.microsoft.com/office/drawing/2014/main" id="{358C3EC0-5090-5493-6820-436768B0F75A}"/>
+                <a16:creationId xmlns:a16="http://schemas.microsoft.com/office/drawing/2014/main" id="{26E4ADA3-B6BB-BF38-3A5A-7BB522E63786}"/>
               </a:ext>
             </a:extLst>
           </p:cNvPr>
@@ -5051,129 +4988,197 @@
         </p:nvSpPr>
         <p:spPr/>
         <p:txBody>
-          <a:bodyPr/>
-          <a:lstStyle/>
-          <a:p>
-            <a:pPr marL="0" indent="0">
-              <a:buNone/>
-            </a:pPr>
-            <a:r>
-              <a:rPr lang="pt-BR" dirty="0" err="1"/>
+          <a:bodyPr>
+            <a:normAutofit lnSpcReduction="10000"/>
+          </a:bodyPr>
+          <a:lstStyle/>
+          <a:p>
+            <a:r>
+              <a:rPr lang="pt-BR" altLang="pt-BR" dirty="0"/>
+              <a:t>Em resumo. Para desenvolver uma função com número variado de parâmetros nomeados, utilize **</a:t>
+            </a:r>
+            <a:r>
+              <a:rPr lang="pt-BR" altLang="pt-BR" dirty="0" err="1"/>
+              <a:t>kwargs</a:t>
+            </a:r>
+            <a:r>
+              <a:rPr lang="pt-BR" altLang="pt-BR" dirty="0"/>
+              <a:t>. </a:t>
+            </a:r>
+          </a:p>
+          <a:p>
+            <a:pPr marL="0" indent="0">
+              <a:buNone/>
+            </a:pPr>
+            <a:endParaRPr lang="pt-BR" altLang="pt-BR" dirty="0"/>
+          </a:p>
+          <a:p>
+            <a:pPr marL="0" marR="0" lvl="0" indent="0" algn="l" defTabSz="914400" rtl="0" eaLnBrk="0" fontAlgn="base" latinLnBrk="0" hangingPunct="0">
+              <a:lnSpc>
+                <a:spcPct val="100000"/>
+              </a:lnSpc>
+              <a:spcBef>
+                <a:spcPct val="30000"/>
+              </a:spcBef>
+              <a:spcAft>
+                <a:spcPct val="0"/>
+              </a:spcAft>
+              <a:buClrTx/>
+              <a:buSzTx/>
+              <a:buFontTx/>
+              <a:buNone/>
+              <a:tabLst/>
+            </a:pPr>
+            <a:r>
+              <a:rPr lang="pt-BR" altLang="pt-BR" dirty="0" err="1"/>
               <a:t>def</a:t>
             </a:r>
             <a:r>
-              <a:rPr lang="pt-BR" dirty="0"/>
+              <a:rPr lang="pt-BR" altLang="pt-BR" dirty="0"/>
               <a:t> </a:t>
             </a:r>
             <a:r>
-              <a:rPr lang="pt-BR" dirty="0" err="1"/>
-              <a:t>calcularMedia</a:t>
-            </a:r>
-            <a:r>
-              <a:rPr lang="pt-BR" dirty="0"/>
+              <a:rPr lang="pt-BR" altLang="pt-BR" dirty="0" err="1"/>
+              <a:t>dados_pessoa</a:t>
+            </a:r>
+            <a:r>
+              <a:rPr lang="pt-BR" altLang="pt-BR" dirty="0"/>
               <a:t>(**</a:t>
             </a:r>
             <a:r>
-              <a:rPr lang="pt-BR" dirty="0" err="1"/>
+              <a:rPr lang="pt-BR" altLang="pt-BR" dirty="0" err="1"/>
               <a:t>kwargs</a:t>
             </a:r>
             <a:r>
-              <a:rPr lang="pt-BR" dirty="0"/>
-              <a:t>):</a:t>
-            </a:r>
-          </a:p>
-          <a:p>
-            <a:pPr marL="0" indent="0">
-              <a:buNone/>
-            </a:pPr>
-            <a:r>
-              <a:rPr lang="pt-BR" dirty="0"/>
-              <a:t>    print(</a:t>
-            </a:r>
-            <a:r>
-              <a:rPr lang="pt-BR" dirty="0" err="1"/>
+              <a:rPr lang="pt-BR" altLang="pt-BR" dirty="0"/>
+              <a:t>): </a:t>
+            </a:r>
+          </a:p>
+          <a:p>
+            <a:pPr marL="0" marR="0" lvl="0" indent="0" algn="l" defTabSz="914400" rtl="0" eaLnBrk="0" fontAlgn="base" latinLnBrk="0" hangingPunct="0">
+              <a:lnSpc>
+                <a:spcPct val="100000"/>
+              </a:lnSpc>
+              <a:spcBef>
+                <a:spcPct val="30000"/>
+              </a:spcBef>
+              <a:spcAft>
+                <a:spcPct val="0"/>
+              </a:spcAft>
+              <a:buClrTx/>
+              <a:buSzTx/>
+              <a:buFontTx/>
+              <a:buNone/>
+              <a:tabLst/>
+            </a:pPr>
+            <a:r>
+              <a:rPr lang="pt-BR" altLang="pt-BR" dirty="0"/>
+              <a:t>    print(</a:t>
+            </a:r>
+            <a:r>
+              <a:rPr lang="pt-BR" altLang="pt-BR" dirty="0" err="1"/>
               <a:t>kwargs</a:t>
             </a:r>
             <a:r>
-              <a:rPr lang="pt-BR" dirty="0"/>
-              <a:t>)</a:t>
-            </a:r>
-          </a:p>
-          <a:p>
-            <a:pPr marL="0" indent="0">
-              <a:buNone/>
-            </a:pPr>
-            <a:r>
-              <a:rPr lang="pt-BR" dirty="0"/>
-              <a:t>    media=sum(</a:t>
-            </a:r>
-            <a:r>
-              <a:rPr lang="pt-BR" dirty="0" err="1"/>
-              <a:t>kwargs.values</a:t>
-            </a:r>
-            <a:r>
-              <a:rPr lang="pt-BR" dirty="0"/>
-              <a:t>()) / </a:t>
-            </a:r>
-            <a:r>
-              <a:rPr lang="pt-BR" dirty="0" err="1"/>
-              <a:t>len</a:t>
-            </a:r>
-            <a:r>
-              <a:rPr lang="pt-BR" dirty="0"/>
-              <a:t>(</a:t>
-            </a:r>
-            <a:r>
-              <a:rPr lang="pt-BR" dirty="0" err="1"/>
-              <a:t>kwargs</a:t>
-            </a:r>
-            <a:r>
-              <a:rPr lang="pt-BR" dirty="0"/>
-              <a:t>)</a:t>
-            </a:r>
-          </a:p>
-          <a:p>
-            <a:pPr marL="0" indent="0">
-              <a:buNone/>
-            </a:pPr>
-            <a:br>
-              <a:rPr lang="pt-BR" dirty="0"/>
-            </a:br>
-            <a:r>
-              <a:rPr lang="pt-BR" dirty="0"/>
-              <a:t>    </a:t>
-            </a:r>
-            <a:r>
-              <a:rPr lang="pt-BR" dirty="0" err="1"/>
-              <a:t>return</a:t>
-            </a:r>
-            <a:r>
-              <a:rPr lang="pt-BR" dirty="0"/>
-              <a:t> print(media)</a:t>
-            </a:r>
-          </a:p>
-          <a:p>
-            <a:pPr marL="0" indent="0">
-              <a:buNone/>
-            </a:pPr>
-            <a:br>
-              <a:rPr lang="pt-BR" dirty="0"/>
-            </a:br>
-            <a:r>
-              <a:rPr lang="pt-BR" dirty="0" err="1"/>
-              <a:t>calcularMedia</a:t>
-            </a:r>
-            <a:r>
-              <a:rPr lang="pt-BR" dirty="0"/>
-              <a:t>(nota1 = 7.0, nota2 = 7.5, nota3 = 9.5,nota4=5)</a:t>
-            </a:r>
+              <a:rPr lang="pt-BR" altLang="pt-BR" dirty="0"/>
+              <a:t>) </a:t>
+            </a:r>
+          </a:p>
+          <a:p>
+            <a:pPr marL="0" marR="0" lvl="0" indent="0" algn="l" defTabSz="914400" rtl="0" eaLnBrk="0" fontAlgn="base" latinLnBrk="0" hangingPunct="0">
+              <a:lnSpc>
+                <a:spcPct val="100000"/>
+              </a:lnSpc>
+              <a:spcBef>
+                <a:spcPct val="30000"/>
+              </a:spcBef>
+              <a:spcAft>
+                <a:spcPct val="0"/>
+              </a:spcAft>
+              <a:buClrTx/>
+              <a:buSzTx/>
+              <a:buFontTx/>
+              <a:buNone/>
+              <a:tabLst/>
+            </a:pPr>
+            <a:r>
+              <a:rPr lang="pt-BR" altLang="pt-BR" dirty="0"/>
+              <a:t>    for chave, valor in </a:t>
+            </a:r>
+            <a:r>
+              <a:rPr lang="pt-BR" altLang="pt-BR" dirty="0" err="1"/>
+              <a:t>kwargs.items</a:t>
+            </a:r>
+            <a:r>
+              <a:rPr lang="pt-BR" altLang="pt-BR" dirty="0"/>
+              <a:t>(): </a:t>
+            </a:r>
+          </a:p>
+          <a:p>
+            <a:pPr marL="0" marR="0" lvl="0" indent="0" algn="l" defTabSz="914400" rtl="0" eaLnBrk="0" fontAlgn="base" latinLnBrk="0" hangingPunct="0">
+              <a:lnSpc>
+                <a:spcPct val="100000"/>
+              </a:lnSpc>
+              <a:spcBef>
+                <a:spcPct val="30000"/>
+              </a:spcBef>
+              <a:spcAft>
+                <a:spcPct val="0"/>
+              </a:spcAft>
+              <a:buClrTx/>
+              <a:buSzTx/>
+              <a:buFontTx/>
+              <a:buNone/>
+              <a:tabLst/>
+            </a:pPr>
+            <a:r>
+              <a:rPr lang="pt-BR" altLang="pt-BR" dirty="0"/>
+              <a:t>         print(f"{chave}: {valor}") </a:t>
+            </a:r>
+          </a:p>
+          <a:p>
+            <a:pPr marL="0" marR="0" lvl="0" indent="0" algn="l" defTabSz="914400" rtl="0" eaLnBrk="0" fontAlgn="base" latinLnBrk="0" hangingPunct="0">
+              <a:lnSpc>
+                <a:spcPct val="100000"/>
+              </a:lnSpc>
+              <a:spcBef>
+                <a:spcPct val="30000"/>
+              </a:spcBef>
+              <a:spcAft>
+                <a:spcPct val="0"/>
+              </a:spcAft>
+              <a:buClrTx/>
+              <a:buSzTx/>
+              <a:buFontTx/>
+              <a:buNone/>
+              <a:tabLst/>
+            </a:pPr>
+            <a:r>
+              <a:rPr lang="pt-BR" altLang="pt-BR" dirty="0" err="1"/>
+              <a:t>dados_pessoa</a:t>
+            </a:r>
+            <a:r>
+              <a:rPr lang="pt-BR" altLang="pt-BR" dirty="0"/>
+              <a:t>(nome='João', idade=35, carreira='Desenvolvedor </a:t>
+            </a:r>
+            <a:r>
+              <a:rPr lang="pt-BR" altLang="pt-BR" dirty="0" err="1"/>
+              <a:t>Fullstack</a:t>
+            </a:r>
+            <a:r>
+              <a:rPr lang="pt-BR" altLang="pt-BR" dirty="0"/>
+              <a:t>’)</a:t>
+            </a:r>
+          </a:p>
+          <a:p>
+            <a:endParaRPr lang="pt-BR" dirty="0"/>
           </a:p>
         </p:txBody>
       </p:sp>
     </p:spTree>
     <p:extLst>
       <p:ext uri="{BB962C8B-B14F-4D97-AF65-F5344CB8AC3E}">
-        <p14:creationId xmlns:p14="http://schemas.microsoft.com/office/powerpoint/2010/main" val="4228851321"/>
+        <p14:creationId xmlns:p14="http://schemas.microsoft.com/office/powerpoint/2010/main" val="3864082784"/>
       </p:ext>
     </p:extLst>
   </p:cSld>
@@ -5205,7 +5210,7 @@
           <p:cNvPr id="2" name="Título 1">
             <a:extLst>
               <a:ext uri="{FF2B5EF4-FFF2-40B4-BE49-F238E27FC236}">
-                <a16:creationId xmlns:a16="http://schemas.microsoft.com/office/drawing/2014/main" id="{4F8C1F0B-BE68-E0DF-8466-DA9D57B3502A}"/>
+                <a16:creationId xmlns:a16="http://schemas.microsoft.com/office/drawing/2014/main" id="{64FB80D5-4C66-9DCA-7B69-6D9E87C5053B}"/>
               </a:ext>
             </a:extLst>
           </p:cNvPr>
@@ -5223,7 +5228,7 @@
           <a:p>
             <a:r>
               <a:rPr lang="pt-BR" dirty="0"/>
-              <a:t>EXERCÍCIO 01:</a:t>
+              <a:t>Outro exemplo:</a:t>
             </a:r>
           </a:p>
         </p:txBody>
@@ -5233,7 +5238,7 @@
           <p:cNvPr id="3" name="Espaço Reservado para Conteúdo 2">
             <a:extLst>
               <a:ext uri="{FF2B5EF4-FFF2-40B4-BE49-F238E27FC236}">
-                <a16:creationId xmlns:a16="http://schemas.microsoft.com/office/drawing/2014/main" id="{10047F84-A7EF-044B-B24E-36CCF40A0666}"/>
+                <a16:creationId xmlns:a16="http://schemas.microsoft.com/office/drawing/2014/main" id="{358C3EC0-5090-5493-6820-436768B0F75A}"/>
               </a:ext>
             </a:extLst>
           </p:cNvPr>
@@ -5249,64 +5254,118 @@
           <a:bodyPr/>
           <a:lstStyle/>
           <a:p>
-            <a:r>
-              <a:rPr lang="pt-BR" dirty="0"/>
-              <a:t>Fazer um script que calcule o salário final de um programador da seguinte maneira:</a:t>
-            </a:r>
-          </a:p>
-          <a:p>
-            <a:r>
-              <a:rPr lang="pt-BR" dirty="0"/>
-              <a:t>Defina o valor da hora-programação=50, salário-base=1000 e quantidade-horas-trabalhadas=?</a:t>
-            </a:r>
-          </a:p>
-          <a:p>
-            <a:r>
-              <a:rPr lang="pt-BR" dirty="0"/>
-              <a:t>Se a quantidade-</a:t>
-            </a:r>
-            <a:r>
-              <a:rPr lang="pt-BR" dirty="0" err="1"/>
-              <a:t>horas_trabalhadas</a:t>
-            </a:r>
-            <a:r>
-              <a:rPr lang="pt-BR" dirty="0"/>
-              <a:t> for igual a 40hs, então o </a:t>
-            </a:r>
-            <a:r>
-              <a:rPr lang="pt-BR" dirty="0" err="1"/>
-              <a:t>salário_total</a:t>
-            </a:r>
-            <a:r>
-              <a:rPr lang="pt-BR" dirty="0"/>
-              <a:t>=</a:t>
-            </a:r>
-            <a:r>
-              <a:rPr lang="pt-BR" dirty="0" err="1"/>
-              <a:t>salario_base+hora-programação</a:t>
-            </a:r>
-            <a:r>
-              <a:rPr lang="pt-BR" dirty="0"/>
-              <a:t> x quantidade-</a:t>
-            </a:r>
-            <a:r>
-              <a:rPr lang="pt-BR" dirty="0" err="1"/>
-              <a:t>horas_trabalhadas</a:t>
-            </a:r>
-            <a:endParaRPr lang="pt-BR" dirty="0"/>
-          </a:p>
-          <a:p>
-            <a:r>
-              <a:rPr lang="pt-BR" dirty="0"/>
-              <a:t>Se a quantidade-</a:t>
-            </a:r>
-            <a:r>
-              <a:rPr lang="pt-BR" dirty="0" err="1"/>
-              <a:t>horas_trabalhadas</a:t>
-            </a:r>
-            <a:r>
-              <a:rPr lang="pt-BR" dirty="0"/>
-              <a:t> for entre 40hs e 50hs então entra um adicional de horas-extra=25.</a:t>
+            <a:pPr marL="0" indent="0">
+              <a:buNone/>
+            </a:pPr>
+            <a:r>
+              <a:rPr lang="pt-BR" dirty="0" err="1"/>
+              <a:t>def</a:t>
+            </a:r>
+            <a:r>
+              <a:rPr lang="pt-BR" dirty="0"/>
+              <a:t> </a:t>
+            </a:r>
+            <a:r>
+              <a:rPr lang="pt-BR" dirty="0" err="1"/>
+              <a:t>calcularMedia</a:t>
+            </a:r>
+            <a:r>
+              <a:rPr lang="pt-BR" dirty="0"/>
+              <a:t>(**</a:t>
+            </a:r>
+            <a:r>
+              <a:rPr lang="pt-BR" dirty="0" err="1"/>
+              <a:t>kwargs</a:t>
+            </a:r>
+            <a:r>
+              <a:rPr lang="pt-BR" dirty="0"/>
+              <a:t>):</a:t>
+            </a:r>
+          </a:p>
+          <a:p>
+            <a:pPr marL="0" indent="0">
+              <a:buNone/>
+            </a:pPr>
+            <a:r>
+              <a:rPr lang="pt-BR" dirty="0"/>
+              <a:t>    print(</a:t>
+            </a:r>
+            <a:r>
+              <a:rPr lang="pt-BR" dirty="0" err="1"/>
+              <a:t>kwargs</a:t>
+            </a:r>
+            <a:r>
+              <a:rPr lang="pt-BR" dirty="0"/>
+              <a:t>)</a:t>
+            </a:r>
+          </a:p>
+          <a:p>
+            <a:pPr marL="0" indent="0">
+              <a:buNone/>
+            </a:pPr>
+            <a:r>
+              <a:rPr lang="pt-BR" dirty="0"/>
+              <a:t>    media=sum(</a:t>
+            </a:r>
+            <a:r>
+              <a:rPr lang="pt-BR" dirty="0" err="1"/>
+              <a:t>kwargs.values</a:t>
+            </a:r>
+            <a:r>
+              <a:rPr lang="pt-BR" dirty="0"/>
+              <a:t>()) / </a:t>
+            </a:r>
+            <a:r>
+              <a:rPr lang="pt-BR" dirty="0" err="1"/>
+              <a:t>len</a:t>
+            </a:r>
+            <a:r>
+              <a:rPr lang="pt-BR" dirty="0"/>
+              <a:t>(</a:t>
+            </a:r>
+            <a:r>
+              <a:rPr lang="pt-BR" dirty="0" err="1"/>
+              <a:t>kwargs</a:t>
+            </a:r>
+            <a:r>
+              <a:rPr lang="pt-BR" dirty="0"/>
+              <a:t>)</a:t>
+            </a:r>
+          </a:p>
+          <a:p>
+            <a:pPr marL="0" indent="0">
+              <a:buNone/>
+            </a:pPr>
+            <a:br>
+              <a:rPr lang="pt-BR" dirty="0"/>
+            </a:br>
+            <a:r>
+              <a:rPr lang="pt-BR" dirty="0"/>
+              <a:t>    </a:t>
+            </a:r>
+            <a:r>
+              <a:rPr lang="pt-BR" dirty="0" err="1"/>
+              <a:t>return</a:t>
+            </a:r>
+            <a:r>
+              <a:rPr lang="pt-BR" dirty="0"/>
+              <a:t> print(media)</a:t>
+            </a:r>
+          </a:p>
+          <a:p>
+            <a:pPr marL="0" indent="0">
+              <a:buNone/>
+            </a:pPr>
+            <a:br>
+              <a:rPr lang="pt-BR" dirty="0"/>
+            </a:br>
+            <a:r>
+              <a:rPr lang="pt-BR" dirty="0" err="1"/>
+              <a:t>calcularMedia</a:t>
+            </a:r>
+            <a:r>
+              <a:rPr lang="pt-BR" dirty="0"/>
+              <a:t>(nota1 = 7.0, nota2 = 7.5, nota3 = 9.5,nota4=5)</a:t>
             </a:r>
           </a:p>
         </p:txBody>
@@ -5314,7 +5373,7 @@
     </p:spTree>
     <p:extLst>
       <p:ext uri="{BB962C8B-B14F-4D97-AF65-F5344CB8AC3E}">
-        <p14:creationId xmlns:p14="http://schemas.microsoft.com/office/powerpoint/2010/main" val="123974360"/>
+        <p14:creationId xmlns:p14="http://schemas.microsoft.com/office/powerpoint/2010/main" val="4228851321"/>
       </p:ext>
     </p:extLst>
   </p:cSld>
@@ -5475,7 +5534,7 @@
           <a:p>
             <a:r>
               <a:rPr lang="pt-BR" dirty="0"/>
-              <a:t>Exercícios 02:</a:t>
+              <a:t>Exercícios de Revisão de Funções:</a:t>
             </a:r>
           </a:p>
         </p:txBody>
@@ -5503,7 +5562,7 @@
           <a:p>
             <a:r>
               <a:rPr lang="pt-BR" dirty="0"/>
-              <a:t>Dado o conjunto (1,2,3,4,5,6,7,8,9,10) fazer um script usando função com retorno de todos os números menores que 5 e um outro retorno com todos os números maiores ou igual a 5. </a:t>
+              <a:t>Favor usar o conceito de funções para resolver os exercícios a seguir. </a:t>
             </a:r>
           </a:p>
         </p:txBody>
@@ -5543,7 +5602,7 @@
           <p:cNvPr id="2" name="Título 1">
             <a:extLst>
               <a:ext uri="{FF2B5EF4-FFF2-40B4-BE49-F238E27FC236}">
-                <a16:creationId xmlns:a16="http://schemas.microsoft.com/office/drawing/2014/main" id="{1AD1F5C1-4B44-A454-19E4-D181DE2E16C9}"/>
+                <a16:creationId xmlns:a16="http://schemas.microsoft.com/office/drawing/2014/main" id="{935E96A0-3CF9-E3A0-2435-8C5BC1651F68}"/>
               </a:ext>
             </a:extLst>
           </p:cNvPr>
@@ -5561,7 +5620,7 @@
           <a:p>
             <a:r>
               <a:rPr lang="pt-BR" dirty="0"/>
-              <a:t>Exercícios 3:</a:t>
+              <a:t>Exercício 01:</a:t>
             </a:r>
           </a:p>
         </p:txBody>
@@ -5571,7 +5630,7 @@
           <p:cNvPr id="3" name="Espaço Reservado para Conteúdo 2">
             <a:extLst>
               <a:ext uri="{FF2B5EF4-FFF2-40B4-BE49-F238E27FC236}">
-                <a16:creationId xmlns:a16="http://schemas.microsoft.com/office/drawing/2014/main" id="{09AEB0E3-3ECE-4918-8F2B-9F6EFEB6DAF9}"/>
+                <a16:creationId xmlns:a16="http://schemas.microsoft.com/office/drawing/2014/main" id="{24ECA0E9-6E88-4990-5382-4A302AA15523}"/>
               </a:ext>
             </a:extLst>
           </p:cNvPr>
@@ -5589,13 +5648,10 @@
           <a:p>
             <a:r>
               <a:rPr lang="pt-BR" dirty="0"/>
-              <a:t>Dado dois números x e y (por exemplo x=9, y=4) elabore um script que determine o quociente e o resto da divisão de x por y.</a:t>
-            </a:r>
-          </a:p>
-          <a:p>
-            <a:pPr marL="0" indent="0">
-              <a:buNone/>
-            </a:pPr>
+              <a:t>Dado o conjunto (1,2,3,4,5,6,7,8,9,10) fazer um script usando função com retorno de todos os números menores que 5 e um outro retorno com todos os números maiores ou igual a 5. </a:t>
+            </a:r>
+          </a:p>
+          <a:p>
             <a:endParaRPr lang="pt-BR" dirty="0"/>
           </a:p>
         </p:txBody>
@@ -5603,7 +5659,7 @@
     </p:spTree>
     <p:extLst>
       <p:ext uri="{BB962C8B-B14F-4D97-AF65-F5344CB8AC3E}">
-        <p14:creationId xmlns:p14="http://schemas.microsoft.com/office/powerpoint/2010/main" val="539290330"/>
+        <p14:creationId xmlns:p14="http://schemas.microsoft.com/office/powerpoint/2010/main" val="3228088841"/>
       </p:ext>
     </p:extLst>
   </p:cSld>
@@ -5635,7 +5691,7 @@
           <p:cNvPr id="2" name="Título 1">
             <a:extLst>
               <a:ext uri="{FF2B5EF4-FFF2-40B4-BE49-F238E27FC236}">
-                <a16:creationId xmlns:a16="http://schemas.microsoft.com/office/drawing/2014/main" id="{B5A04046-15F1-29A6-C30E-140283B81912}"/>
+                <a16:creationId xmlns:a16="http://schemas.microsoft.com/office/drawing/2014/main" id="{1AD1F5C1-4B44-A454-19E4-D181DE2E16C9}"/>
               </a:ext>
             </a:extLst>
           </p:cNvPr>
@@ -5653,7 +5709,7 @@
           <a:p>
             <a:r>
               <a:rPr lang="pt-BR" dirty="0"/>
-              <a:t>Script:</a:t>
+              <a:t>Exercício 02:</a:t>
             </a:r>
           </a:p>
         </p:txBody>
@@ -5663,7 +5719,7 @@
           <p:cNvPr id="3" name="Espaço Reservado para Conteúdo 2">
             <a:extLst>
               <a:ext uri="{FF2B5EF4-FFF2-40B4-BE49-F238E27FC236}">
-                <a16:creationId xmlns:a16="http://schemas.microsoft.com/office/drawing/2014/main" id="{CA591ECA-E0CD-0A82-6003-9DC218E15CFB}"/>
+                <a16:creationId xmlns:a16="http://schemas.microsoft.com/office/drawing/2014/main" id="{09AEB0E3-3ECE-4918-8F2B-9F6EFEB6DAF9}"/>
               </a:ext>
             </a:extLst>
           </p:cNvPr>
@@ -5679,107 +5735,15 @@
           <a:bodyPr/>
           <a:lstStyle/>
           <a:p>
-            <a:pPr marL="0" indent="0">
-              <a:buNone/>
-            </a:pPr>
-            <a:r>
-              <a:rPr lang="es-ES" dirty="0" err="1"/>
-              <a:t>def</a:t>
-            </a:r>
-            <a:r>
-              <a:rPr lang="es-ES" dirty="0"/>
-              <a:t> </a:t>
-            </a:r>
-            <a:r>
-              <a:rPr lang="es-ES" dirty="0" err="1"/>
-              <a:t>quociente_resto</a:t>
-            </a:r>
-            <a:r>
-              <a:rPr lang="es-ES" dirty="0"/>
-              <a:t>(x, y):</a:t>
-            </a:r>
-          </a:p>
-          <a:p>
-            <a:pPr marL="0" indent="0">
-              <a:buNone/>
-            </a:pPr>
-            <a:r>
-              <a:rPr lang="es-ES" dirty="0"/>
-              <a:t>    </a:t>
-            </a:r>
-            <a:r>
-              <a:rPr lang="es-ES" dirty="0" err="1"/>
-              <a:t>quociente</a:t>
-            </a:r>
-            <a:r>
-              <a:rPr lang="es-ES" dirty="0"/>
-              <a:t> = x // y</a:t>
-            </a:r>
-          </a:p>
-          <a:p>
-            <a:pPr marL="0" indent="0">
-              <a:buNone/>
-            </a:pPr>
-            <a:r>
-              <a:rPr lang="es-ES" dirty="0"/>
-              <a:t>    resto = x % y</a:t>
-            </a:r>
-          </a:p>
-          <a:p>
-            <a:pPr marL="0" indent="0">
-              <a:buNone/>
-            </a:pPr>
-            <a:r>
-              <a:rPr lang="es-ES" dirty="0"/>
-              <a:t>    </a:t>
-            </a:r>
-            <a:r>
-              <a:rPr lang="es-ES" dirty="0" err="1"/>
-              <a:t>return</a:t>
-            </a:r>
-            <a:r>
-              <a:rPr lang="es-ES" dirty="0"/>
-              <a:t> (</a:t>
-            </a:r>
-            <a:r>
-              <a:rPr lang="es-ES" dirty="0" err="1"/>
-              <a:t>quociente</a:t>
-            </a:r>
-            <a:r>
-              <a:rPr lang="es-ES" dirty="0"/>
-              <a:t>, resto)</a:t>
-            </a:r>
-          </a:p>
-          <a:p>
-            <a:pPr marL="0" indent="0">
-              <a:buNone/>
-            </a:pPr>
-            <a:r>
-              <a:rPr lang="es-ES" dirty="0" err="1"/>
-              <a:t>print</a:t>
-            </a:r>
-            <a:r>
-              <a:rPr lang="es-ES" dirty="0"/>
-              <a:t>("</a:t>
-            </a:r>
-            <a:r>
-              <a:rPr lang="es-ES" dirty="0" err="1"/>
-              <a:t>Quociente</a:t>
-            </a:r>
-            <a:r>
-              <a:rPr lang="es-ES" dirty="0"/>
-              <a:t> e resto: ", </a:t>
-            </a:r>
-            <a:r>
-              <a:rPr lang="es-ES" dirty="0" err="1"/>
-              <a:t>quociente_resto</a:t>
-            </a:r>
-            <a:r>
-              <a:rPr lang="es-ES" dirty="0"/>
-              <a:t>(9, 4))</a:t>
-            </a:r>
-          </a:p>
-          <a:p>
+            <a:r>
+              <a:rPr lang="pt-BR" dirty="0"/>
+              <a:t>Dado dois números x e y (por exemplo x=9, y=4) elabore um script que determine o quociente e o resto da divisão de x por y.</a:t>
+            </a:r>
+          </a:p>
+          <a:p>
+            <a:pPr marL="0" indent="0">
+              <a:buNone/>
+            </a:pPr>
             <a:endParaRPr lang="pt-BR" dirty="0"/>
           </a:p>
         </p:txBody>
@@ -5787,7 +5751,7 @@
     </p:spTree>
     <p:extLst>
       <p:ext uri="{BB962C8B-B14F-4D97-AF65-F5344CB8AC3E}">
-        <p14:creationId xmlns:p14="http://schemas.microsoft.com/office/powerpoint/2010/main" val="38748012"/>
+        <p14:creationId xmlns:p14="http://schemas.microsoft.com/office/powerpoint/2010/main" val="539290330"/>
       </p:ext>
     </p:extLst>
   </p:cSld>
@@ -5819,7 +5783,7 @@
           <p:cNvPr id="2" name="Título 1">
             <a:extLst>
               <a:ext uri="{FF2B5EF4-FFF2-40B4-BE49-F238E27FC236}">
-                <a16:creationId xmlns:a16="http://schemas.microsoft.com/office/drawing/2014/main" id="{D1D6620D-E991-41F2-1A6A-2011765F748E}"/>
+                <a16:creationId xmlns:a16="http://schemas.microsoft.com/office/drawing/2014/main" id="{B5A04046-15F1-29A6-C30E-140283B81912}"/>
               </a:ext>
             </a:extLst>
           </p:cNvPr>
@@ -5837,7 +5801,7 @@
           <a:p>
             <a:r>
               <a:rPr lang="pt-BR" dirty="0"/>
-              <a:t>Exercício 04:</a:t>
+              <a:t>Script:</a:t>
             </a:r>
           </a:p>
         </p:txBody>
@@ -5847,7 +5811,7 @@
           <p:cNvPr id="3" name="Espaço Reservado para Conteúdo 2">
             <a:extLst>
               <a:ext uri="{FF2B5EF4-FFF2-40B4-BE49-F238E27FC236}">
-                <a16:creationId xmlns:a16="http://schemas.microsoft.com/office/drawing/2014/main" id="{3C47E6EF-BAEC-FC75-5970-32F23CB4118D}"/>
+                <a16:creationId xmlns:a16="http://schemas.microsoft.com/office/drawing/2014/main" id="{CA591ECA-E0CD-0A82-6003-9DC218E15CFB}"/>
               </a:ext>
             </a:extLst>
           </p:cNvPr>
@@ -5867,14 +5831,100 @@
               <a:buNone/>
             </a:pPr>
             <a:r>
-              <a:rPr lang="pt-BR" b="0" i="0" dirty="0">
-                <a:solidFill>
-                  <a:srgbClr val="212529"/>
-                </a:solidFill>
-                <a:effectLst/>
-                <a:latin typeface="inherit"/>
-              </a:rPr>
-              <a:t>Escreva uma função que recebe dois parâmetros e imprime o menor dos dois. Se eles forem iguais, imprima que eles são iguais.</a:t>
+              <a:rPr lang="es-ES" dirty="0" err="1"/>
+              <a:t>def</a:t>
+            </a:r>
+            <a:r>
+              <a:rPr lang="es-ES" dirty="0"/>
+              <a:t> </a:t>
+            </a:r>
+            <a:r>
+              <a:rPr lang="es-ES" dirty="0" err="1"/>
+              <a:t>quociente_resto</a:t>
+            </a:r>
+            <a:r>
+              <a:rPr lang="es-ES" dirty="0"/>
+              <a:t>(x, y):</a:t>
+            </a:r>
+          </a:p>
+          <a:p>
+            <a:pPr marL="0" indent="0">
+              <a:buNone/>
+            </a:pPr>
+            <a:r>
+              <a:rPr lang="es-ES" dirty="0"/>
+              <a:t>    </a:t>
+            </a:r>
+            <a:r>
+              <a:rPr lang="es-ES" dirty="0" err="1"/>
+              <a:t>quociente</a:t>
+            </a:r>
+            <a:r>
+              <a:rPr lang="es-ES" dirty="0"/>
+              <a:t> = x // y</a:t>
+            </a:r>
+          </a:p>
+          <a:p>
+            <a:pPr marL="0" indent="0">
+              <a:buNone/>
+            </a:pPr>
+            <a:r>
+              <a:rPr lang="es-ES" dirty="0"/>
+              <a:t>    resto = x % y</a:t>
+            </a:r>
+          </a:p>
+          <a:p>
+            <a:pPr marL="0" indent="0">
+              <a:buNone/>
+            </a:pPr>
+            <a:r>
+              <a:rPr lang="es-ES" dirty="0"/>
+              <a:t>    </a:t>
+            </a:r>
+            <a:r>
+              <a:rPr lang="es-ES" dirty="0" err="1"/>
+              <a:t>return</a:t>
+            </a:r>
+            <a:r>
+              <a:rPr lang="es-ES" dirty="0"/>
+              <a:t> (</a:t>
+            </a:r>
+            <a:r>
+              <a:rPr lang="es-ES" dirty="0" err="1"/>
+              <a:t>quociente</a:t>
+            </a:r>
+            <a:r>
+              <a:rPr lang="es-ES" dirty="0"/>
+              <a:t>, resto)</a:t>
+            </a:r>
+          </a:p>
+          <a:p>
+            <a:pPr marL="0" indent="0">
+              <a:buNone/>
+            </a:pPr>
+            <a:r>
+              <a:rPr lang="es-ES" dirty="0" err="1"/>
+              <a:t>print</a:t>
+            </a:r>
+            <a:r>
+              <a:rPr lang="es-ES" dirty="0"/>
+              <a:t>("</a:t>
+            </a:r>
+            <a:r>
+              <a:rPr lang="es-ES" dirty="0" err="1"/>
+              <a:t>Quociente</a:t>
+            </a:r>
+            <a:r>
+              <a:rPr lang="es-ES" dirty="0"/>
+              <a:t> e resto: ", </a:t>
+            </a:r>
+            <a:r>
+              <a:rPr lang="es-ES" dirty="0" err="1"/>
+              <a:t>quociente_resto</a:t>
+            </a:r>
+            <a:r>
+              <a:rPr lang="es-ES" dirty="0"/>
+              <a:t>(9, 4))</a:t>
             </a:r>
           </a:p>
           <a:p>
@@ -5885,7 +5935,7 @@
     </p:spTree>
     <p:extLst>
       <p:ext uri="{BB962C8B-B14F-4D97-AF65-F5344CB8AC3E}">
-        <p14:creationId xmlns:p14="http://schemas.microsoft.com/office/powerpoint/2010/main" val="543830865"/>
+        <p14:creationId xmlns:p14="http://schemas.microsoft.com/office/powerpoint/2010/main" val="38748012"/>
       </p:ext>
     </p:extLst>
   </p:cSld>
@@ -5917,7 +5967,7 @@
           <p:cNvPr id="2" name="Título 1">
             <a:extLst>
               <a:ext uri="{FF2B5EF4-FFF2-40B4-BE49-F238E27FC236}">
-                <a16:creationId xmlns:a16="http://schemas.microsoft.com/office/drawing/2014/main" id="{18BE7F6D-207A-3924-5FD1-2031A3049553}"/>
+                <a16:creationId xmlns:a16="http://schemas.microsoft.com/office/drawing/2014/main" id="{D1D6620D-E991-41F2-1A6A-2011765F748E}"/>
               </a:ext>
             </a:extLst>
           </p:cNvPr>
@@ -5935,7 +5985,7 @@
           <a:p>
             <a:r>
               <a:rPr lang="pt-BR" dirty="0"/>
-              <a:t>Script:</a:t>
+              <a:t>Exercício 03:</a:t>
             </a:r>
           </a:p>
         </p:txBody>
@@ -5945,7 +5995,7 @@
           <p:cNvPr id="3" name="Espaço Reservado para Conteúdo 2">
             <a:extLst>
               <a:ext uri="{FF2B5EF4-FFF2-40B4-BE49-F238E27FC236}">
-                <a16:creationId xmlns:a16="http://schemas.microsoft.com/office/drawing/2014/main" id="{386D4A0C-F821-2C2D-F9AB-0F503BDA5844}"/>
+                <a16:creationId xmlns:a16="http://schemas.microsoft.com/office/drawing/2014/main" id="{3C47E6EF-BAEC-FC75-5970-32F23CB4118D}"/>
               </a:ext>
             </a:extLst>
           </p:cNvPr>
@@ -5961,122 +6011,20 @@
           <a:bodyPr/>
           <a:lstStyle/>
           <a:p>
-            <a:pPr marL="0" indent="0">
-              <a:buNone/>
-            </a:pPr>
-            <a:r>
-              <a:rPr lang="pt-BR" dirty="0" err="1"/>
-              <a:t>def</a:t>
-            </a:r>
-            <a:r>
-              <a:rPr lang="pt-BR" dirty="0"/>
-              <a:t> </a:t>
-            </a:r>
-            <a:r>
-              <a:rPr lang="pt-BR" dirty="0" err="1"/>
-              <a:t>imprime_menor</a:t>
-            </a:r>
-            <a:r>
-              <a:rPr lang="pt-BR" dirty="0"/>
-              <a:t>(a, b): </a:t>
-            </a:r>
-          </a:p>
-          <a:p>
-            <a:pPr marL="0" indent="0">
-              <a:buNone/>
-            </a:pPr>
-            <a:r>
-              <a:rPr lang="pt-BR" dirty="0"/>
-              <a:t>  </a:t>
-            </a:r>
-            <a:r>
-              <a:rPr lang="pt-BR" dirty="0" err="1"/>
-              <a:t>if</a:t>
-            </a:r>
-            <a:r>
-              <a:rPr lang="pt-BR" dirty="0"/>
-              <a:t> a &lt; b: print(a) </a:t>
-            </a:r>
-          </a:p>
-          <a:p>
-            <a:pPr marL="0" indent="0">
-              <a:buNone/>
-            </a:pPr>
-            <a:r>
-              <a:rPr lang="pt-BR" dirty="0"/>
-              <a:t>  </a:t>
-            </a:r>
-            <a:r>
-              <a:rPr lang="pt-BR" dirty="0" err="1"/>
-              <a:t>elif</a:t>
-            </a:r>
-            <a:r>
-              <a:rPr lang="pt-BR" dirty="0"/>
-              <a:t> a &gt; b: print(b) </a:t>
-            </a:r>
-          </a:p>
-          <a:p>
-            <a:pPr marL="0" indent="0">
-              <a:buNone/>
-            </a:pPr>
-            <a:r>
-              <a:rPr lang="pt-BR" dirty="0"/>
-              <a:t>  </a:t>
-            </a:r>
-            <a:r>
-              <a:rPr lang="pt-BR" dirty="0" err="1"/>
-              <a:t>else</a:t>
-            </a:r>
-            <a:r>
-              <a:rPr lang="pt-BR" dirty="0"/>
-              <a:t>: print("Os números são iguais.") </a:t>
-            </a:r>
-          </a:p>
-          <a:p>
-            <a:pPr marL="0" indent="0">
-              <a:buNone/>
-            </a:pPr>
-            <a:r>
-              <a:rPr lang="pt-BR" dirty="0" err="1"/>
-              <a:t>imprime_menor</a:t>
-            </a:r>
-            <a:r>
-              <a:rPr lang="pt-BR" dirty="0"/>
-              <a:t>(0, 5) </a:t>
-            </a:r>
-          </a:p>
-          <a:p>
-            <a:pPr marL="0" indent="0">
-              <a:buNone/>
-            </a:pPr>
-            <a:r>
-              <a:rPr lang="pt-BR" dirty="0" err="1"/>
-              <a:t>imprime_menor</a:t>
-            </a:r>
-            <a:r>
-              <a:rPr lang="pt-BR" dirty="0"/>
-              <a:t>(10, 3) </a:t>
-            </a:r>
-          </a:p>
-          <a:p>
-            <a:pPr marL="0" indent="0">
-              <a:buNone/>
-            </a:pPr>
-            <a:r>
-              <a:rPr lang="pt-BR" dirty="0" err="1"/>
-              <a:t>imprime_menor</a:t>
-            </a:r>
-            <a:r>
-              <a:rPr lang="pt-BR" dirty="0"/>
-              <a:t>(42, 42)</a:t>
-            </a:r>
+            <a:r>
+              <a:rPr lang="pt-BR" dirty="0"/>
+              <a:t>Escreva uma função que recebe dois parâmetros e imprime o menor dos dois. Se eles forem iguais, imprima que eles são iguais.</a:t>
+            </a:r>
+          </a:p>
+          <a:p>
+            <a:endParaRPr lang="pt-BR" dirty="0"/>
           </a:p>
         </p:txBody>
       </p:sp>
     </p:spTree>
     <p:extLst>
       <p:ext uri="{BB962C8B-B14F-4D97-AF65-F5344CB8AC3E}">
-        <p14:creationId xmlns:p14="http://schemas.microsoft.com/office/powerpoint/2010/main" val="1816953359"/>
+        <p14:creationId xmlns:p14="http://schemas.microsoft.com/office/powerpoint/2010/main" val="543830865"/>
       </p:ext>
     </p:extLst>
   </p:cSld>
@@ -6108,6 +6056,197 @@
           <p:cNvPr id="2" name="Título 1">
             <a:extLst>
               <a:ext uri="{FF2B5EF4-FFF2-40B4-BE49-F238E27FC236}">
+                <a16:creationId xmlns:a16="http://schemas.microsoft.com/office/drawing/2014/main" id="{18BE7F6D-207A-3924-5FD1-2031A3049553}"/>
+              </a:ext>
+            </a:extLst>
+          </p:cNvPr>
+          <p:cNvSpPr>
+            <a:spLocks noGrp="1"/>
+          </p:cNvSpPr>
+          <p:nvPr>
+            <p:ph type="title"/>
+          </p:nvPr>
+        </p:nvSpPr>
+        <p:spPr/>
+        <p:txBody>
+          <a:bodyPr/>
+          <a:lstStyle/>
+          <a:p>
+            <a:r>
+              <a:rPr lang="pt-BR" dirty="0"/>
+              <a:t>Script:</a:t>
+            </a:r>
+          </a:p>
+        </p:txBody>
+      </p:sp>
+      <p:sp>
+        <p:nvSpPr>
+          <p:cNvPr id="3" name="Espaço Reservado para Conteúdo 2">
+            <a:extLst>
+              <a:ext uri="{FF2B5EF4-FFF2-40B4-BE49-F238E27FC236}">
+                <a16:creationId xmlns:a16="http://schemas.microsoft.com/office/drawing/2014/main" id="{386D4A0C-F821-2C2D-F9AB-0F503BDA5844}"/>
+              </a:ext>
+            </a:extLst>
+          </p:cNvPr>
+          <p:cNvSpPr>
+            <a:spLocks noGrp="1"/>
+          </p:cNvSpPr>
+          <p:nvPr>
+            <p:ph idx="1"/>
+          </p:nvPr>
+        </p:nvSpPr>
+        <p:spPr/>
+        <p:txBody>
+          <a:bodyPr/>
+          <a:lstStyle/>
+          <a:p>
+            <a:pPr marL="0" indent="0">
+              <a:buNone/>
+            </a:pPr>
+            <a:r>
+              <a:rPr lang="pt-BR" dirty="0" err="1"/>
+              <a:t>def</a:t>
+            </a:r>
+            <a:r>
+              <a:rPr lang="pt-BR" dirty="0"/>
+              <a:t> </a:t>
+            </a:r>
+            <a:r>
+              <a:rPr lang="pt-BR" dirty="0" err="1"/>
+              <a:t>imprime_menor</a:t>
+            </a:r>
+            <a:r>
+              <a:rPr lang="pt-BR" dirty="0"/>
+              <a:t>(a, b): </a:t>
+            </a:r>
+          </a:p>
+          <a:p>
+            <a:pPr marL="0" indent="0">
+              <a:buNone/>
+            </a:pPr>
+            <a:r>
+              <a:rPr lang="pt-BR" dirty="0"/>
+              <a:t>  </a:t>
+            </a:r>
+            <a:r>
+              <a:rPr lang="pt-BR" dirty="0" err="1"/>
+              <a:t>if</a:t>
+            </a:r>
+            <a:r>
+              <a:rPr lang="pt-BR" dirty="0"/>
+              <a:t> a &lt; b: print(a) </a:t>
+            </a:r>
+          </a:p>
+          <a:p>
+            <a:pPr marL="0" indent="0">
+              <a:buNone/>
+            </a:pPr>
+            <a:r>
+              <a:rPr lang="pt-BR" dirty="0"/>
+              <a:t>  </a:t>
+            </a:r>
+            <a:r>
+              <a:rPr lang="pt-BR" dirty="0" err="1"/>
+              <a:t>elif</a:t>
+            </a:r>
+            <a:r>
+              <a:rPr lang="pt-BR" dirty="0"/>
+              <a:t> a &gt; b: print(b) </a:t>
+            </a:r>
+          </a:p>
+          <a:p>
+            <a:pPr marL="0" indent="0">
+              <a:buNone/>
+            </a:pPr>
+            <a:r>
+              <a:rPr lang="pt-BR" dirty="0"/>
+              <a:t>  </a:t>
+            </a:r>
+            <a:r>
+              <a:rPr lang="pt-BR" dirty="0" err="1"/>
+              <a:t>else</a:t>
+            </a:r>
+            <a:r>
+              <a:rPr lang="pt-BR" dirty="0"/>
+              <a:t>: print("Os números são iguais.") </a:t>
+            </a:r>
+          </a:p>
+          <a:p>
+            <a:pPr marL="0" indent="0">
+              <a:buNone/>
+            </a:pPr>
+            <a:r>
+              <a:rPr lang="pt-BR" dirty="0" err="1"/>
+              <a:t>imprime_menor</a:t>
+            </a:r>
+            <a:r>
+              <a:rPr lang="pt-BR" dirty="0"/>
+              <a:t>(0, 5) </a:t>
+            </a:r>
+          </a:p>
+          <a:p>
+            <a:pPr marL="0" indent="0">
+              <a:buNone/>
+            </a:pPr>
+            <a:r>
+              <a:rPr lang="pt-BR" dirty="0" err="1"/>
+              <a:t>imprime_menor</a:t>
+            </a:r>
+            <a:r>
+              <a:rPr lang="pt-BR" dirty="0"/>
+              <a:t>(10, 3) </a:t>
+            </a:r>
+          </a:p>
+          <a:p>
+            <a:pPr marL="0" indent="0">
+              <a:buNone/>
+            </a:pPr>
+            <a:r>
+              <a:rPr lang="pt-BR" dirty="0" err="1"/>
+              <a:t>imprime_menor</a:t>
+            </a:r>
+            <a:r>
+              <a:rPr lang="pt-BR" dirty="0"/>
+              <a:t>(42, 42)</a:t>
+            </a:r>
+          </a:p>
+        </p:txBody>
+      </p:sp>
+    </p:spTree>
+    <p:extLst>
+      <p:ext uri="{BB962C8B-B14F-4D97-AF65-F5344CB8AC3E}">
+        <p14:creationId xmlns:p14="http://schemas.microsoft.com/office/powerpoint/2010/main" val="1816953359"/>
+      </p:ext>
+    </p:extLst>
+  </p:cSld>
+  <p:clrMapOvr>
+    <a:masterClrMapping/>
+  </p:clrMapOvr>
+</p:sld>
+</file>
+
+<file path=ppt/slides/slide26.xml><?xml version="1.0" encoding="utf-8"?>
+<p:sld xmlns:a="http://schemas.openxmlformats.org/drawingml/2006/main" xmlns:r="http://schemas.openxmlformats.org/officeDocument/2006/relationships" xmlns:p="http://schemas.openxmlformats.org/presentationml/2006/main">
+  <p:cSld>
+    <p:spTree>
+      <p:nvGrpSpPr>
+        <p:cNvPr id="1" name=""/>
+        <p:cNvGrpSpPr/>
+        <p:nvPr/>
+      </p:nvGrpSpPr>
+      <p:grpSpPr>
+        <a:xfrm>
+          <a:off x="0" y="0"/>
+          <a:ext cx="0" cy="0"/>
+          <a:chOff x="0" y="0"/>
+          <a:chExt cx="0" cy="0"/>
+        </a:xfrm>
+      </p:grpSpPr>
+      <p:sp>
+        <p:nvSpPr>
+          <p:cNvPr id="2" name="Título 1">
+            <a:extLst>
+              <a:ext uri="{FF2B5EF4-FFF2-40B4-BE49-F238E27FC236}">
                 <a16:creationId xmlns:a16="http://schemas.microsoft.com/office/drawing/2014/main" id="{7BF1DC3F-636E-50A4-E1C8-602C1763FE66}"/>
               </a:ext>
             </a:extLst>
@@ -6126,7 +6265,7 @@
           <a:p>
             <a:r>
               <a:rPr lang="pt-BR" dirty="0"/>
-              <a:t>Exercício 5:</a:t>
+              <a:t>Exercício 04:</a:t>
             </a:r>
           </a:p>
         </p:txBody>
@@ -6149,8 +6288,8 @@
         </p:nvSpPr>
         <p:spPr bwMode="auto">
           <a:xfrm>
-            <a:off x="838200" y="2044005"/>
-            <a:ext cx="9004388" cy="1384995"/>
+            <a:off x="838200" y="1690688"/>
+            <a:ext cx="9515746" cy="3108543"/>
           </a:xfrm>
           <a:prstGeom prst="rect">
             <a:avLst/>
@@ -6390,7 +6529,86 @@
             </a:pPr>
             <a:r>
               <a:rPr lang="pt-BR" altLang="pt-BR" dirty="0"/>
-              <a:t>seja maior que um terceiro parâmetro, chamado limite. </a:t>
+              <a:t>seja maior que um terceiro parâmetro, chamado limite=10.</a:t>
+            </a:r>
+          </a:p>
+          <a:p>
+            <a:pPr marL="0" marR="0" lvl="0" indent="0" algn="l" defTabSz="914400" rtl="0" eaLnBrk="0" fontAlgn="base" latinLnBrk="0" hangingPunct="0">
+              <a:lnSpc>
+                <a:spcPct val="100000"/>
+              </a:lnSpc>
+              <a:spcBef>
+                <a:spcPct val="0"/>
+              </a:spcBef>
+              <a:spcAft>
+                <a:spcPct val="0"/>
+              </a:spcAft>
+              <a:buClrTx/>
+              <a:buSzTx/>
+              <a:buFontTx/>
+              <a:buNone/>
+              <a:tabLst/>
+            </a:pPr>
+            <a:endParaRPr lang="pt-BR" altLang="pt-BR" dirty="0"/>
+          </a:p>
+          <a:p>
+            <a:pPr marL="0" marR="0" lvl="0" indent="0" algn="l" defTabSz="914400" rtl="0" eaLnBrk="0" fontAlgn="base" latinLnBrk="0" hangingPunct="0">
+              <a:lnSpc>
+                <a:spcPct val="100000"/>
+              </a:lnSpc>
+              <a:spcBef>
+                <a:spcPct val="0"/>
+              </a:spcBef>
+              <a:spcAft>
+                <a:spcPct val="0"/>
+              </a:spcAft>
+              <a:buClrTx/>
+              <a:buSzTx/>
+              <a:buFontTx/>
+              <a:buNone/>
+              <a:tabLst/>
+            </a:pPr>
+            <a:endParaRPr lang="pt-BR" altLang="pt-BR" dirty="0"/>
+          </a:p>
+          <a:p>
+            <a:pPr marL="0" marR="0" lvl="0" indent="0" algn="l" defTabSz="914400" rtl="0" eaLnBrk="0" fontAlgn="base" latinLnBrk="0" hangingPunct="0">
+              <a:lnSpc>
+                <a:spcPct val="100000"/>
+              </a:lnSpc>
+              <a:spcBef>
+                <a:spcPct val="0"/>
+              </a:spcBef>
+              <a:spcAft>
+                <a:spcPct val="0"/>
+              </a:spcAft>
+              <a:buClrTx/>
+              <a:buSzTx/>
+              <a:buFontTx/>
+              <a:buNone/>
+              <a:tabLst/>
+            </a:pPr>
+            <a:endParaRPr lang="pt-BR" altLang="pt-BR" dirty="0"/>
+          </a:p>
+          <a:p>
+            <a:pPr marL="0" marR="0" lvl="0" indent="0" algn="l" defTabSz="914400" rtl="0" eaLnBrk="0" fontAlgn="base" latinLnBrk="0" hangingPunct="0">
+              <a:lnSpc>
+                <a:spcPct val="100000"/>
+              </a:lnSpc>
+              <a:spcBef>
+                <a:spcPct val="0"/>
+              </a:spcBef>
+              <a:spcAft>
+                <a:spcPct val="0"/>
+              </a:spcAft>
+              <a:buClrTx/>
+              <a:buSzTx/>
+              <a:buFontTx/>
+              <a:buNone/>
+              <a:tabLst/>
+            </a:pPr>
+            <a:r>
+              <a:rPr lang="pt-BR" altLang="pt-BR" dirty="0"/>
+              <a:t> </a:t>
             </a:r>
           </a:p>
         </p:txBody>
@@ -6399,200 +6617,6 @@
     <p:extLst>
       <p:ext uri="{BB962C8B-B14F-4D97-AF65-F5344CB8AC3E}">
         <p14:creationId xmlns:p14="http://schemas.microsoft.com/office/powerpoint/2010/main" val="4127989128"/>
-      </p:ext>
-    </p:extLst>
-  </p:cSld>
-  <p:clrMapOvr>
-    <a:masterClrMapping/>
-  </p:clrMapOvr>
-</p:sld>
-</file>
-
-<file path=ppt/slides/slide26.xml><?xml version="1.0" encoding="utf-8"?>
-<p:sld xmlns:a="http://schemas.openxmlformats.org/drawingml/2006/main" xmlns:r="http://schemas.openxmlformats.org/officeDocument/2006/relationships" xmlns:p="http://schemas.openxmlformats.org/presentationml/2006/main">
-  <p:cSld>
-    <p:spTree>
-      <p:nvGrpSpPr>
-        <p:cNvPr id="1" name=""/>
-        <p:cNvGrpSpPr/>
-        <p:nvPr/>
-      </p:nvGrpSpPr>
-      <p:grpSpPr>
-        <a:xfrm>
-          <a:off x="0" y="0"/>
-          <a:ext cx="0" cy="0"/>
-          <a:chOff x="0" y="0"/>
-          <a:chExt cx="0" cy="0"/>
-        </a:xfrm>
-      </p:grpSpPr>
-      <p:sp>
-        <p:nvSpPr>
-          <p:cNvPr id="2" name="Título 1">
-            <a:extLst>
-              <a:ext uri="{FF2B5EF4-FFF2-40B4-BE49-F238E27FC236}">
-                <a16:creationId xmlns:a16="http://schemas.microsoft.com/office/drawing/2014/main" id="{D0FD82C8-BDA6-BD52-BA49-524B1D65261E}"/>
-              </a:ext>
-            </a:extLst>
-          </p:cNvPr>
-          <p:cNvSpPr>
-            <a:spLocks noGrp="1"/>
-          </p:cNvSpPr>
-          <p:nvPr>
-            <p:ph type="title"/>
-          </p:nvPr>
-        </p:nvSpPr>
-        <p:spPr/>
-        <p:txBody>
-          <a:bodyPr/>
-          <a:lstStyle/>
-          <a:p>
-            <a:r>
-              <a:rPr lang="pt-BR" dirty="0"/>
-              <a:t>Script:</a:t>
-            </a:r>
-          </a:p>
-        </p:txBody>
-      </p:sp>
-      <p:sp>
-        <p:nvSpPr>
-          <p:cNvPr id="3" name="Espaço Reservado para Conteúdo 2">
-            <a:extLst>
-              <a:ext uri="{FF2B5EF4-FFF2-40B4-BE49-F238E27FC236}">
-                <a16:creationId xmlns:a16="http://schemas.microsoft.com/office/drawing/2014/main" id="{6BE5EE8F-2C3D-990E-66F9-C8A75A68D75C}"/>
-              </a:ext>
-            </a:extLst>
-          </p:cNvPr>
-          <p:cNvSpPr>
-            <a:spLocks noGrp="1"/>
-          </p:cNvSpPr>
-          <p:nvPr>
-            <p:ph idx="1"/>
-          </p:nvPr>
-        </p:nvSpPr>
-        <p:spPr/>
-        <p:txBody>
-          <a:bodyPr/>
-          <a:lstStyle/>
-          <a:p>
-            <a:pPr marL="0" indent="0">
-              <a:buNone/>
-            </a:pPr>
-            <a:r>
-              <a:rPr lang="pt-BR" dirty="0" err="1"/>
-              <a:t>def</a:t>
-            </a:r>
-            <a:r>
-              <a:rPr lang="pt-BR" dirty="0"/>
-              <a:t> </a:t>
-            </a:r>
-            <a:r>
-              <a:rPr lang="pt-BR" dirty="0" err="1"/>
-              <a:t>soma_maior_que_limite</a:t>
-            </a:r>
-            <a:r>
-              <a:rPr lang="pt-BR" dirty="0"/>
-              <a:t>(a, b, limite): </a:t>
-            </a:r>
-          </a:p>
-          <a:p>
-            <a:pPr marL="0" indent="0">
-              <a:buNone/>
-            </a:pPr>
-            <a:r>
-              <a:rPr lang="pt-BR" dirty="0"/>
-              <a:t>  </a:t>
-            </a:r>
-            <a:r>
-              <a:rPr lang="pt-BR" dirty="0" err="1"/>
-              <a:t>if</a:t>
-            </a:r>
-            <a:r>
-              <a:rPr lang="pt-BR" dirty="0"/>
-              <a:t> a + b &gt; limite: </a:t>
-            </a:r>
-          </a:p>
-          <a:p>
-            <a:pPr marL="0" indent="0">
-              <a:buNone/>
-            </a:pPr>
-            <a:r>
-              <a:rPr lang="pt-BR" dirty="0"/>
-              <a:t>    </a:t>
-            </a:r>
-            <a:r>
-              <a:rPr lang="pt-BR" dirty="0" err="1"/>
-              <a:t>return</a:t>
-            </a:r>
-            <a:r>
-              <a:rPr lang="pt-BR" dirty="0"/>
-              <a:t> </a:t>
-            </a:r>
-            <a:r>
-              <a:rPr lang="pt-BR" dirty="0" err="1"/>
-              <a:t>True</a:t>
-            </a:r>
-            <a:r>
-              <a:rPr lang="pt-BR" dirty="0"/>
-              <a:t> </a:t>
-            </a:r>
-          </a:p>
-          <a:p>
-            <a:pPr marL="0" indent="0">
-              <a:buNone/>
-            </a:pPr>
-            <a:r>
-              <a:rPr lang="pt-BR" dirty="0"/>
-              <a:t>  </a:t>
-            </a:r>
-            <a:r>
-              <a:rPr lang="pt-BR" dirty="0" err="1"/>
-              <a:t>else</a:t>
-            </a:r>
-            <a:r>
-              <a:rPr lang="pt-BR" dirty="0"/>
-              <a:t>: </a:t>
-            </a:r>
-          </a:p>
-          <a:p>
-            <a:pPr marL="0" indent="0">
-              <a:buNone/>
-            </a:pPr>
-            <a:r>
-              <a:rPr lang="pt-BR" dirty="0"/>
-              <a:t>    </a:t>
-            </a:r>
-            <a:r>
-              <a:rPr lang="pt-BR" dirty="0" err="1"/>
-              <a:t>return</a:t>
-            </a:r>
-            <a:r>
-              <a:rPr lang="pt-BR" dirty="0"/>
-              <a:t> False </a:t>
-            </a:r>
-          </a:p>
-          <a:p>
-            <a:pPr marL="0" indent="0">
-              <a:buNone/>
-            </a:pPr>
-            <a:r>
-              <a:rPr lang="pt-BR" dirty="0"/>
-              <a:t>print(</a:t>
-            </a:r>
-            <a:r>
-              <a:rPr lang="pt-BR" dirty="0" err="1"/>
-              <a:t>soma_maior_que_limite</a:t>
-            </a:r>
-            <a:r>
-              <a:rPr lang="pt-BR" dirty="0"/>
-              <a:t>(10, 5, 15))</a:t>
-            </a:r>
-          </a:p>
-        </p:txBody>
-      </p:sp>
-    </p:spTree>
-    <p:extLst>
-      <p:ext uri="{BB962C8B-B14F-4D97-AF65-F5344CB8AC3E}">
-        <p14:creationId xmlns:p14="http://schemas.microsoft.com/office/powerpoint/2010/main" val="3122065451"/>
       </p:ext>
     </p:extLst>
   </p:cSld>
@@ -6624,6 +6648,200 @@
           <p:cNvPr id="2" name="Título 1">
             <a:extLst>
               <a:ext uri="{FF2B5EF4-FFF2-40B4-BE49-F238E27FC236}">
+                <a16:creationId xmlns:a16="http://schemas.microsoft.com/office/drawing/2014/main" id="{D0FD82C8-BDA6-BD52-BA49-524B1D65261E}"/>
+              </a:ext>
+            </a:extLst>
+          </p:cNvPr>
+          <p:cNvSpPr>
+            <a:spLocks noGrp="1"/>
+          </p:cNvSpPr>
+          <p:nvPr>
+            <p:ph type="title"/>
+          </p:nvPr>
+        </p:nvSpPr>
+        <p:spPr/>
+        <p:txBody>
+          <a:bodyPr/>
+          <a:lstStyle/>
+          <a:p>
+            <a:r>
+              <a:rPr lang="pt-BR" dirty="0"/>
+              <a:t>Script:</a:t>
+            </a:r>
+          </a:p>
+        </p:txBody>
+      </p:sp>
+      <p:sp>
+        <p:nvSpPr>
+          <p:cNvPr id="3" name="Espaço Reservado para Conteúdo 2">
+            <a:extLst>
+              <a:ext uri="{FF2B5EF4-FFF2-40B4-BE49-F238E27FC236}">
+                <a16:creationId xmlns:a16="http://schemas.microsoft.com/office/drawing/2014/main" id="{6BE5EE8F-2C3D-990E-66F9-C8A75A68D75C}"/>
+              </a:ext>
+            </a:extLst>
+          </p:cNvPr>
+          <p:cNvSpPr>
+            <a:spLocks noGrp="1"/>
+          </p:cNvSpPr>
+          <p:nvPr>
+            <p:ph idx="1"/>
+          </p:nvPr>
+        </p:nvSpPr>
+        <p:spPr/>
+        <p:txBody>
+          <a:bodyPr/>
+          <a:lstStyle/>
+          <a:p>
+            <a:pPr marL="0" indent="0">
+              <a:buNone/>
+            </a:pPr>
+            <a:r>
+              <a:rPr lang="pt-BR" dirty="0" err="1"/>
+              <a:t>def</a:t>
+            </a:r>
+            <a:r>
+              <a:rPr lang="pt-BR" dirty="0"/>
+              <a:t> </a:t>
+            </a:r>
+            <a:r>
+              <a:rPr lang="pt-BR" dirty="0" err="1"/>
+              <a:t>soma_maior_que_limite</a:t>
+            </a:r>
+            <a:r>
+              <a:rPr lang="pt-BR" dirty="0"/>
+              <a:t>(a, b, limite): </a:t>
+            </a:r>
+          </a:p>
+          <a:p>
+            <a:pPr marL="0" indent="0">
+              <a:buNone/>
+            </a:pPr>
+            <a:r>
+              <a:rPr lang="pt-BR" dirty="0"/>
+              <a:t>  </a:t>
+            </a:r>
+            <a:r>
+              <a:rPr lang="pt-BR" dirty="0" err="1"/>
+              <a:t>if</a:t>
+            </a:r>
+            <a:r>
+              <a:rPr lang="pt-BR" dirty="0"/>
+              <a:t> a + b &gt; limite: </a:t>
+            </a:r>
+          </a:p>
+          <a:p>
+            <a:pPr marL="0" indent="0">
+              <a:buNone/>
+            </a:pPr>
+            <a:r>
+              <a:rPr lang="pt-BR" dirty="0"/>
+              <a:t>    </a:t>
+            </a:r>
+            <a:r>
+              <a:rPr lang="pt-BR" dirty="0" err="1"/>
+              <a:t>return</a:t>
+            </a:r>
+            <a:r>
+              <a:rPr lang="pt-BR" dirty="0"/>
+              <a:t> </a:t>
+            </a:r>
+            <a:r>
+              <a:rPr lang="pt-BR" dirty="0" err="1"/>
+              <a:t>True</a:t>
+            </a:r>
+            <a:r>
+              <a:rPr lang="pt-BR" dirty="0"/>
+              <a:t> </a:t>
+            </a:r>
+          </a:p>
+          <a:p>
+            <a:pPr marL="0" indent="0">
+              <a:buNone/>
+            </a:pPr>
+            <a:r>
+              <a:rPr lang="pt-BR" dirty="0"/>
+              <a:t>  </a:t>
+            </a:r>
+            <a:r>
+              <a:rPr lang="pt-BR" dirty="0" err="1"/>
+              <a:t>else</a:t>
+            </a:r>
+            <a:r>
+              <a:rPr lang="pt-BR" dirty="0"/>
+              <a:t>: </a:t>
+            </a:r>
+          </a:p>
+          <a:p>
+            <a:pPr marL="0" indent="0">
+              <a:buNone/>
+            </a:pPr>
+            <a:r>
+              <a:rPr lang="pt-BR" dirty="0"/>
+              <a:t>    </a:t>
+            </a:r>
+            <a:r>
+              <a:rPr lang="pt-BR" dirty="0" err="1"/>
+              <a:t>return</a:t>
+            </a:r>
+            <a:r>
+              <a:rPr lang="pt-BR" dirty="0"/>
+              <a:t> False </a:t>
+            </a:r>
+          </a:p>
+          <a:p>
+            <a:pPr marL="0" indent="0">
+              <a:buNone/>
+            </a:pPr>
+            <a:r>
+              <a:rPr lang="pt-BR" dirty="0"/>
+              <a:t>print(</a:t>
+            </a:r>
+            <a:r>
+              <a:rPr lang="pt-BR" dirty="0" err="1"/>
+              <a:t>soma_maior_que_limite</a:t>
+            </a:r>
+            <a:r>
+              <a:rPr lang="pt-BR" dirty="0"/>
+              <a:t>(10, 5, 15))</a:t>
+            </a:r>
+          </a:p>
+        </p:txBody>
+      </p:sp>
+    </p:spTree>
+    <p:extLst>
+      <p:ext uri="{BB962C8B-B14F-4D97-AF65-F5344CB8AC3E}">
+        <p14:creationId xmlns:p14="http://schemas.microsoft.com/office/powerpoint/2010/main" val="3122065451"/>
+      </p:ext>
+    </p:extLst>
+  </p:cSld>
+  <p:clrMapOvr>
+    <a:masterClrMapping/>
+  </p:clrMapOvr>
+</p:sld>
+</file>
+
+<file path=ppt/slides/slide28.xml><?xml version="1.0" encoding="utf-8"?>
+<p:sld xmlns:a="http://schemas.openxmlformats.org/drawingml/2006/main" xmlns:r="http://schemas.openxmlformats.org/officeDocument/2006/relationships" xmlns:p="http://schemas.openxmlformats.org/presentationml/2006/main">
+  <p:cSld>
+    <p:spTree>
+      <p:nvGrpSpPr>
+        <p:cNvPr id="1" name=""/>
+        <p:cNvGrpSpPr/>
+        <p:nvPr/>
+      </p:nvGrpSpPr>
+      <p:grpSpPr>
+        <a:xfrm>
+          <a:off x="0" y="0"/>
+          <a:ext cx="0" cy="0"/>
+          <a:chOff x="0" y="0"/>
+          <a:chExt cx="0" cy="0"/>
+        </a:xfrm>
+      </p:grpSpPr>
+      <p:sp>
+        <p:nvSpPr>
+          <p:cNvPr id="2" name="Título 1">
+            <a:extLst>
+              <a:ext uri="{FF2B5EF4-FFF2-40B4-BE49-F238E27FC236}">
                 <a16:creationId xmlns:a16="http://schemas.microsoft.com/office/drawing/2014/main" id="{9296955D-8469-F597-A95B-C4481E167AC7}"/>
               </a:ext>
             </a:extLst>
@@ -6642,7 +6860,7 @@
           <a:p>
             <a:r>
               <a:rPr lang="pt-BR" dirty="0"/>
-              <a:t>Exercício 6:</a:t>
+              <a:t>Exercício 05:</a:t>
             </a:r>
           </a:p>
         </p:txBody>
@@ -6665,8 +6883,8 @@
         </p:nvSpPr>
         <p:spPr bwMode="auto">
           <a:xfrm>
-            <a:off x="506896" y="-174517"/>
-            <a:ext cx="9735037" cy="6204776"/>
+            <a:off x="997227" y="1452474"/>
+            <a:ext cx="8847487" cy="4912114"/>
           </a:xfrm>
           <a:prstGeom prst="rect">
             <a:avLst/>
@@ -6745,7 +6963,7 @@
             </a:pPr>
             <a:r>
               <a:rPr lang="pt-BR" altLang="pt-BR" dirty="0"/>
-              <a:t>Escreva uma função que, dado um número nota representando a </a:t>
+              <a:t>Escreva uma função que, dado um valor representando a </a:t>
             </a:r>
           </a:p>
           <a:p>
@@ -6851,60 +7069,6 @@
               <a:rPr lang="pt-BR" dirty="0"/>
               <a:t>nota &lt;=60 “F”</a:t>
             </a:r>
-          </a:p>
-          <a:p>
-            <a:pPr marL="0" marR="0" lvl="0" indent="0" algn="l" defTabSz="914400" rtl="0" eaLnBrk="0" fontAlgn="base" latinLnBrk="0" hangingPunct="0">
-              <a:lnSpc>
-                <a:spcPct val="100000"/>
-              </a:lnSpc>
-              <a:spcBef>
-                <a:spcPct val="0"/>
-              </a:spcBef>
-              <a:spcAft>
-                <a:spcPct val="0"/>
-              </a:spcAft>
-              <a:buClrTx/>
-              <a:buSzTx/>
-              <a:buNone/>
-              <a:tabLst/>
-            </a:pPr>
-            <a:endParaRPr lang="pt-BR" altLang="pt-BR" dirty="0"/>
-          </a:p>
-          <a:p>
-            <a:pPr marL="0" marR="0" lvl="0" indent="0" algn="l" defTabSz="914400" rtl="0" eaLnBrk="0" fontAlgn="base" latinLnBrk="0" hangingPunct="0">
-              <a:lnSpc>
-                <a:spcPct val="100000"/>
-              </a:lnSpc>
-              <a:spcBef>
-                <a:spcPct val="0"/>
-              </a:spcBef>
-              <a:spcAft>
-                <a:spcPct val="0"/>
-              </a:spcAft>
-              <a:buClrTx/>
-              <a:buSzTx/>
-              <a:buNone/>
-              <a:tabLst/>
-            </a:pPr>
-            <a:endParaRPr lang="pt-BR" altLang="pt-BR" dirty="0"/>
-          </a:p>
-          <a:p>
-            <a:pPr marL="0" marR="0" lvl="0" indent="0" algn="l" defTabSz="914400" rtl="0" eaLnBrk="0" fontAlgn="base" latinLnBrk="0" hangingPunct="0">
-              <a:lnSpc>
-                <a:spcPct val="100000"/>
-              </a:lnSpc>
-              <a:spcBef>
-                <a:spcPct val="0"/>
-              </a:spcBef>
-              <a:spcAft>
-                <a:spcPct val="0"/>
-              </a:spcAft>
-              <a:buClrTx/>
-              <a:buSzTx/>
-              <a:buFontTx/>
-              <a:buNone/>
-              <a:tabLst/>
-            </a:pPr>
             <a:endParaRPr lang="pt-BR" altLang="pt-BR" dirty="0"/>
           </a:p>
         </p:txBody>
@@ -6913,294 +7077,6 @@
     <p:extLst>
       <p:ext uri="{BB962C8B-B14F-4D97-AF65-F5344CB8AC3E}">
         <p14:creationId xmlns:p14="http://schemas.microsoft.com/office/powerpoint/2010/main" val="643382271"/>
-      </p:ext>
-    </p:extLst>
-  </p:cSld>
-  <p:clrMapOvr>
-    <a:masterClrMapping/>
-  </p:clrMapOvr>
-</p:sld>
-</file>
-
-<file path=ppt/slides/slide28.xml><?xml version="1.0" encoding="utf-8"?>
-<p:sld xmlns:a="http://schemas.openxmlformats.org/drawingml/2006/main" xmlns:r="http://schemas.openxmlformats.org/officeDocument/2006/relationships" xmlns:p="http://schemas.openxmlformats.org/presentationml/2006/main">
-  <p:cSld>
-    <p:spTree>
-      <p:nvGrpSpPr>
-        <p:cNvPr id="1" name=""/>
-        <p:cNvGrpSpPr/>
-        <p:nvPr/>
-      </p:nvGrpSpPr>
-      <p:grpSpPr>
-        <a:xfrm>
-          <a:off x="0" y="0"/>
-          <a:ext cx="0" cy="0"/>
-          <a:chOff x="0" y="0"/>
-          <a:chExt cx="0" cy="0"/>
-        </a:xfrm>
-      </p:grpSpPr>
-      <p:sp>
-        <p:nvSpPr>
-          <p:cNvPr id="2" name="Título 1">
-            <a:extLst>
-              <a:ext uri="{FF2B5EF4-FFF2-40B4-BE49-F238E27FC236}">
-                <a16:creationId xmlns:a16="http://schemas.microsoft.com/office/drawing/2014/main" id="{B35B7775-F36B-26DC-1CF8-788D33C4C280}"/>
-              </a:ext>
-            </a:extLst>
-          </p:cNvPr>
-          <p:cNvSpPr>
-            <a:spLocks noGrp="1"/>
-          </p:cNvSpPr>
-          <p:nvPr>
-            <p:ph type="title"/>
-          </p:nvPr>
-        </p:nvSpPr>
-        <p:spPr/>
-        <p:txBody>
-          <a:bodyPr/>
-          <a:lstStyle/>
-          <a:p>
-            <a:r>
-              <a:rPr lang="pt-BR" dirty="0"/>
-              <a:t>Script:</a:t>
-            </a:r>
-          </a:p>
-        </p:txBody>
-      </p:sp>
-      <p:sp>
-        <p:nvSpPr>
-          <p:cNvPr id="3" name="Espaço Reservado para Conteúdo 2">
-            <a:extLst>
-              <a:ext uri="{FF2B5EF4-FFF2-40B4-BE49-F238E27FC236}">
-                <a16:creationId xmlns:a16="http://schemas.microsoft.com/office/drawing/2014/main" id="{7729CDD3-4894-5E76-421B-96D3F3DC174D}"/>
-              </a:ext>
-            </a:extLst>
-          </p:cNvPr>
-          <p:cNvSpPr>
-            <a:spLocks noGrp="1"/>
-          </p:cNvSpPr>
-          <p:nvPr>
-            <p:ph idx="1"/>
-          </p:nvPr>
-        </p:nvSpPr>
-        <p:spPr/>
-        <p:txBody>
-          <a:bodyPr>
-            <a:normAutofit fontScale="55000" lnSpcReduction="20000"/>
-          </a:bodyPr>
-          <a:lstStyle/>
-          <a:p>
-            <a:r>
-              <a:rPr lang="pt-BR" dirty="0" err="1"/>
-              <a:t>def</a:t>
-            </a:r>
-            <a:r>
-              <a:rPr lang="pt-BR" dirty="0"/>
-              <a:t> </a:t>
-            </a:r>
-            <a:r>
-              <a:rPr lang="pt-BR" dirty="0" err="1"/>
-              <a:t>converte_nota_em_conceito</a:t>
-            </a:r>
-            <a:r>
-              <a:rPr lang="pt-BR" dirty="0"/>
-              <a:t>(nota):</a:t>
-            </a:r>
-          </a:p>
-          <a:p>
-            <a:r>
-              <a:rPr lang="pt-BR" dirty="0"/>
-              <a:t>    </a:t>
-            </a:r>
-            <a:r>
-              <a:rPr lang="pt-BR" dirty="0" err="1"/>
-              <a:t>if</a:t>
-            </a:r>
-            <a:r>
-              <a:rPr lang="pt-BR" dirty="0"/>
-              <a:t> nota &gt;= 90:</a:t>
-            </a:r>
-          </a:p>
-          <a:p>
-            <a:r>
-              <a:rPr lang="pt-BR" dirty="0"/>
-              <a:t>      </a:t>
-            </a:r>
-            <a:r>
-              <a:rPr lang="pt-BR" dirty="0" err="1"/>
-              <a:t>return</a:t>
-            </a:r>
-            <a:r>
-              <a:rPr lang="pt-BR" dirty="0"/>
-              <a:t> "A"</a:t>
-            </a:r>
-          </a:p>
-          <a:p>
-            <a:r>
-              <a:rPr lang="pt-BR" dirty="0"/>
-              <a:t>    </a:t>
-            </a:r>
-            <a:r>
-              <a:rPr lang="pt-BR" dirty="0" err="1"/>
-              <a:t>elif</a:t>
-            </a:r>
-            <a:r>
-              <a:rPr lang="pt-BR" dirty="0"/>
-              <a:t> nota &gt;= 80:</a:t>
-            </a:r>
-          </a:p>
-          <a:p>
-            <a:r>
-              <a:rPr lang="pt-BR" dirty="0"/>
-              <a:t>      </a:t>
-            </a:r>
-            <a:r>
-              <a:rPr lang="pt-BR" dirty="0" err="1"/>
-              <a:t>return</a:t>
-            </a:r>
-            <a:r>
-              <a:rPr lang="pt-BR" dirty="0"/>
-              <a:t> "B"</a:t>
-            </a:r>
-          </a:p>
-          <a:p>
-            <a:r>
-              <a:rPr lang="pt-BR" dirty="0"/>
-              <a:t>    </a:t>
-            </a:r>
-            <a:r>
-              <a:rPr lang="pt-BR" dirty="0" err="1"/>
-              <a:t>elif</a:t>
-            </a:r>
-            <a:r>
-              <a:rPr lang="pt-BR" dirty="0"/>
-              <a:t> nota &gt;= 70:</a:t>
-            </a:r>
-          </a:p>
-          <a:p>
-            <a:r>
-              <a:rPr lang="pt-BR" dirty="0"/>
-              <a:t>      </a:t>
-            </a:r>
-            <a:r>
-              <a:rPr lang="pt-BR" dirty="0" err="1"/>
-              <a:t>return</a:t>
-            </a:r>
-            <a:r>
-              <a:rPr lang="pt-BR" dirty="0"/>
-              <a:t> "C"</a:t>
-            </a:r>
-          </a:p>
-          <a:p>
-            <a:r>
-              <a:rPr lang="pt-BR" dirty="0"/>
-              <a:t>    </a:t>
-            </a:r>
-            <a:r>
-              <a:rPr lang="pt-BR" dirty="0" err="1"/>
-              <a:t>elif</a:t>
-            </a:r>
-            <a:r>
-              <a:rPr lang="pt-BR" dirty="0"/>
-              <a:t> nota &gt;= 60:</a:t>
-            </a:r>
-          </a:p>
-          <a:p>
-            <a:r>
-              <a:rPr lang="pt-BR" dirty="0"/>
-              <a:t>      </a:t>
-            </a:r>
-            <a:r>
-              <a:rPr lang="pt-BR" dirty="0" err="1"/>
-              <a:t>return</a:t>
-            </a:r>
-            <a:r>
-              <a:rPr lang="pt-BR" dirty="0"/>
-              <a:t> "D"</a:t>
-            </a:r>
-          </a:p>
-          <a:p>
-            <a:r>
-              <a:rPr lang="pt-BR" dirty="0"/>
-              <a:t>    </a:t>
-            </a:r>
-            <a:r>
-              <a:rPr lang="pt-BR" dirty="0" err="1"/>
-              <a:t>elif</a:t>
-            </a:r>
-            <a:r>
-              <a:rPr lang="pt-BR" dirty="0"/>
-              <a:t> nota &gt;= 40:</a:t>
-            </a:r>
-          </a:p>
-          <a:p>
-            <a:r>
-              <a:rPr lang="pt-BR" dirty="0"/>
-              <a:t>      </a:t>
-            </a:r>
-            <a:r>
-              <a:rPr lang="pt-BR" dirty="0" err="1"/>
-              <a:t>return</a:t>
-            </a:r>
-            <a:r>
-              <a:rPr lang="pt-BR" dirty="0"/>
-              <a:t> "E"</a:t>
-            </a:r>
-          </a:p>
-          <a:p>
-            <a:r>
-              <a:rPr lang="pt-BR" dirty="0"/>
-              <a:t>    </a:t>
-            </a:r>
-            <a:r>
-              <a:rPr lang="pt-BR" dirty="0" err="1"/>
-              <a:t>else</a:t>
-            </a:r>
-            <a:r>
-              <a:rPr lang="pt-BR" dirty="0"/>
-              <a:t>:</a:t>
-            </a:r>
-          </a:p>
-          <a:p>
-            <a:r>
-              <a:rPr lang="pt-BR" dirty="0"/>
-              <a:t>      </a:t>
-            </a:r>
-            <a:r>
-              <a:rPr lang="pt-BR" dirty="0" err="1"/>
-              <a:t>return</a:t>
-            </a:r>
-            <a:r>
-              <a:rPr lang="pt-BR" dirty="0"/>
-              <a:t> "F"</a:t>
-            </a:r>
-          </a:p>
-          <a:p>
-            <a:br>
-              <a:rPr lang="pt-BR" dirty="0"/>
-            </a:br>
-            <a:r>
-              <a:rPr lang="pt-BR" dirty="0"/>
-              <a:t>print(</a:t>
-            </a:r>
-            <a:r>
-              <a:rPr lang="pt-BR" dirty="0" err="1"/>
-              <a:t>converte_nota_em_conceito</a:t>
-            </a:r>
-            <a:r>
-              <a:rPr lang="pt-BR" dirty="0"/>
-              <a:t>(65))</a:t>
-            </a:r>
-          </a:p>
-          <a:p>
-            <a:endParaRPr lang="pt-BR" dirty="0"/>
-          </a:p>
-        </p:txBody>
-      </p:sp>
-    </p:spTree>
-    <p:extLst>
-      <p:ext uri="{BB962C8B-B14F-4D97-AF65-F5344CB8AC3E}">
-        <p14:creationId xmlns:p14="http://schemas.microsoft.com/office/powerpoint/2010/main" val="1500002535"/>
       </p:ext>
     </p:extLst>
   </p:cSld>
@@ -7612,7 +7488,7 @@
           <a:p>
             <a:r>
               <a:rPr lang="pt-BR" dirty="0"/>
-              <a:t>Variável local e variável global:</a:t>
+              <a:t>Variável local:</a:t>
             </a:r>
           </a:p>
         </p:txBody>
@@ -7754,6 +7630,88 @@
           </a:p>
         </p:txBody>
       </p:sp>
+      <p:sp>
+        <p:nvSpPr>
+          <p:cNvPr id="4" name="CaixaDeTexto 3">
+            <a:extLst>
+              <a:ext uri="{FF2B5EF4-FFF2-40B4-BE49-F238E27FC236}">
+                <a16:creationId xmlns:a16="http://schemas.microsoft.com/office/drawing/2014/main" id="{55647744-18A1-A80B-1E91-E8571B388971}"/>
+              </a:ext>
+            </a:extLst>
+          </p:cNvPr>
+          <p:cNvSpPr txBox="1"/>
+          <p:nvPr/>
+        </p:nvSpPr>
+        <p:spPr>
+          <a:xfrm>
+            <a:off x="7275443" y="5645426"/>
+            <a:ext cx="3246783" cy="369332"/>
+          </a:xfrm>
+          <a:prstGeom prst="rect">
+            <a:avLst/>
+          </a:prstGeom>
+          <a:noFill/>
+          <a:ln>
+            <a:solidFill>
+              <a:schemeClr val="accent1"/>
+            </a:solidFill>
+          </a:ln>
+        </p:spPr>
+        <p:txBody>
+          <a:bodyPr wrap="square" rtlCol="0">
+            <a:spAutoFit/>
+          </a:bodyPr>
+          <a:lstStyle/>
+          <a:p>
+            <a:r>
+              <a:rPr lang="pt-BR" dirty="0"/>
+              <a:t>Não vai imprimir nada aqui.</a:t>
+            </a:r>
+          </a:p>
+        </p:txBody>
+      </p:sp>
+      <p:cxnSp>
+        <p:nvCxnSpPr>
+          <p:cNvPr id="6" name="Conector de Seta Reta 5">
+            <a:extLst>
+              <a:ext uri="{FF2B5EF4-FFF2-40B4-BE49-F238E27FC236}">
+                <a16:creationId xmlns:a16="http://schemas.microsoft.com/office/drawing/2014/main" id="{0A6FA2B1-050E-9FF2-ABAD-AAAD51143812}"/>
+              </a:ext>
+            </a:extLst>
+          </p:cNvPr>
+          <p:cNvCxnSpPr>
+            <a:cxnSpLocks/>
+            <a:stCxn id="4" idx="1"/>
+          </p:cNvCxnSpPr>
+          <p:nvPr/>
+        </p:nvCxnSpPr>
+        <p:spPr>
+          <a:xfrm flipH="1" flipV="1">
+            <a:off x="5420139" y="5510489"/>
+            <a:ext cx="1855304" cy="319603"/>
+          </a:xfrm>
+          <a:prstGeom prst="straightConnector1">
+            <a:avLst/>
+          </a:prstGeom>
+          <a:ln>
+            <a:tailEnd type="triangle"/>
+          </a:ln>
+        </p:spPr>
+        <p:style>
+          <a:lnRef idx="1">
+            <a:schemeClr val="accent1"/>
+          </a:lnRef>
+          <a:fillRef idx="0">
+            <a:schemeClr val="accent1"/>
+          </a:fillRef>
+          <a:effectRef idx="0">
+            <a:schemeClr val="accent1"/>
+          </a:effectRef>
+          <a:fontRef idx="minor">
+            <a:schemeClr val="tx1"/>
+          </a:fontRef>
+        </p:style>
+      </p:cxnSp>
     </p:spTree>
     <p:extLst>
       <p:ext uri="{BB962C8B-B14F-4D97-AF65-F5344CB8AC3E}">
@@ -7928,6 +7886,210 @@
           </a:p>
         </p:txBody>
       </p:sp>
+      <p:sp>
+        <p:nvSpPr>
+          <p:cNvPr id="4" name="CaixaDeTexto 3">
+            <a:extLst>
+              <a:ext uri="{FF2B5EF4-FFF2-40B4-BE49-F238E27FC236}">
+                <a16:creationId xmlns:a16="http://schemas.microsoft.com/office/drawing/2014/main" id="{14EE1748-18FD-C041-546E-D4B9B5ECCC3D}"/>
+              </a:ext>
+            </a:extLst>
+          </p:cNvPr>
+          <p:cNvSpPr txBox="1"/>
+          <p:nvPr/>
+        </p:nvSpPr>
+        <p:spPr>
+          <a:xfrm>
+            <a:off x="6493565" y="5459896"/>
+            <a:ext cx="3246783" cy="369332"/>
+          </a:xfrm>
+          <a:prstGeom prst="rect">
+            <a:avLst/>
+          </a:prstGeom>
+          <a:noFill/>
+          <a:ln>
+            <a:solidFill>
+              <a:schemeClr val="accent1"/>
+            </a:solidFill>
+          </a:ln>
+        </p:spPr>
+        <p:txBody>
+          <a:bodyPr wrap="square" rtlCol="0">
+            <a:spAutoFit/>
+          </a:bodyPr>
+          <a:lstStyle/>
+          <a:p>
+            <a:r>
+              <a:rPr lang="pt-BR" dirty="0"/>
+              <a:t>Será que ia imprimir aqui?</a:t>
+            </a:r>
+          </a:p>
+        </p:txBody>
+      </p:sp>
+      <p:cxnSp>
+        <p:nvCxnSpPr>
+          <p:cNvPr id="5" name="Conector de Seta Reta 4">
+            <a:extLst>
+              <a:ext uri="{FF2B5EF4-FFF2-40B4-BE49-F238E27FC236}">
+                <a16:creationId xmlns:a16="http://schemas.microsoft.com/office/drawing/2014/main" id="{175F3AE2-3DB7-A3FB-B77A-8496731725C8}"/>
+              </a:ext>
+            </a:extLst>
+          </p:cNvPr>
+          <p:cNvCxnSpPr>
+            <a:cxnSpLocks/>
+            <a:stCxn id="4" idx="1"/>
+          </p:cNvCxnSpPr>
+          <p:nvPr/>
+        </p:nvCxnSpPr>
+        <p:spPr>
+          <a:xfrm flipH="1" flipV="1">
+            <a:off x="4638261" y="5324959"/>
+            <a:ext cx="1855304" cy="319603"/>
+          </a:xfrm>
+          <a:prstGeom prst="straightConnector1">
+            <a:avLst/>
+          </a:prstGeom>
+          <a:ln>
+            <a:tailEnd type="triangle"/>
+          </a:ln>
+        </p:spPr>
+        <p:style>
+          <a:lnRef idx="1">
+            <a:schemeClr val="accent1"/>
+          </a:lnRef>
+          <a:fillRef idx="0">
+            <a:schemeClr val="accent1"/>
+          </a:fillRef>
+          <a:effectRef idx="0">
+            <a:schemeClr val="accent1"/>
+          </a:effectRef>
+          <a:fontRef idx="minor">
+            <a:schemeClr val="tx1"/>
+          </a:fontRef>
+        </p:style>
+      </p:cxnSp>
+      <p:sp>
+        <p:nvSpPr>
+          <p:cNvPr id="6" name="CaixaDeTexto 5">
+            <a:extLst>
+              <a:ext uri="{FF2B5EF4-FFF2-40B4-BE49-F238E27FC236}">
+                <a16:creationId xmlns:a16="http://schemas.microsoft.com/office/drawing/2014/main" id="{2D3D9D71-C345-0C03-2835-032DA01BF66A}"/>
+              </a:ext>
+            </a:extLst>
+          </p:cNvPr>
+          <p:cNvSpPr txBox="1"/>
+          <p:nvPr/>
+        </p:nvSpPr>
+        <p:spPr>
+          <a:xfrm>
+            <a:off x="5738191" y="1666599"/>
+            <a:ext cx="3246783" cy="646331"/>
+          </a:xfrm>
+          <a:prstGeom prst="rect">
+            <a:avLst/>
+          </a:prstGeom>
+          <a:noFill/>
+          <a:ln>
+            <a:solidFill>
+              <a:schemeClr val="accent1"/>
+            </a:solidFill>
+          </a:ln>
+        </p:spPr>
+        <p:txBody>
+          <a:bodyPr wrap="square" rtlCol="0">
+            <a:spAutoFit/>
+          </a:bodyPr>
+          <a:lstStyle/>
+          <a:p>
+            <a:r>
+              <a:rPr lang="pt-BR" dirty="0"/>
+              <a:t>E se eu chamasse a variável var aqui?</a:t>
+            </a:r>
+          </a:p>
+        </p:txBody>
+      </p:sp>
+      <p:cxnSp>
+        <p:nvCxnSpPr>
+          <p:cNvPr id="7" name="Conector de Seta Reta 6">
+            <a:extLst>
+              <a:ext uri="{FF2B5EF4-FFF2-40B4-BE49-F238E27FC236}">
+                <a16:creationId xmlns:a16="http://schemas.microsoft.com/office/drawing/2014/main" id="{DECCB810-2794-D6E4-5E4E-C16EE34AC442}"/>
+              </a:ext>
+            </a:extLst>
+          </p:cNvPr>
+          <p:cNvCxnSpPr>
+            <a:cxnSpLocks/>
+            <a:stCxn id="6" idx="1"/>
+          </p:cNvCxnSpPr>
+          <p:nvPr/>
+        </p:nvCxnSpPr>
+        <p:spPr>
+          <a:xfrm flipH="1" flipV="1">
+            <a:off x="2146854" y="1569485"/>
+            <a:ext cx="3591337" cy="420280"/>
+          </a:xfrm>
+          <a:prstGeom prst="straightConnector1">
+            <a:avLst/>
+          </a:prstGeom>
+          <a:ln>
+            <a:tailEnd type="triangle"/>
+          </a:ln>
+        </p:spPr>
+        <p:style>
+          <a:lnRef idx="1">
+            <a:schemeClr val="accent1"/>
+          </a:lnRef>
+          <a:fillRef idx="0">
+            <a:schemeClr val="accent1"/>
+          </a:fillRef>
+          <a:effectRef idx="0">
+            <a:schemeClr val="accent1"/>
+          </a:effectRef>
+          <a:fontRef idx="minor">
+            <a:schemeClr val="tx1"/>
+          </a:fontRef>
+        </p:style>
+      </p:cxnSp>
+      <p:sp>
+        <p:nvSpPr>
+          <p:cNvPr id="9" name="CaixaDeTexto 8">
+            <a:extLst>
+              <a:ext uri="{FF2B5EF4-FFF2-40B4-BE49-F238E27FC236}">
+                <a16:creationId xmlns:a16="http://schemas.microsoft.com/office/drawing/2014/main" id="{51C9E669-B10F-16F3-DD66-A941637F1EEE}"/>
+              </a:ext>
+            </a:extLst>
+          </p:cNvPr>
+          <p:cNvSpPr txBox="1"/>
+          <p:nvPr/>
+        </p:nvSpPr>
+        <p:spPr>
+          <a:xfrm>
+            <a:off x="957470" y="1321356"/>
+            <a:ext cx="1070114" cy="369332"/>
+          </a:xfrm>
+          <a:prstGeom prst="rect">
+            <a:avLst/>
+          </a:prstGeom>
+          <a:noFill/>
+          <a:ln>
+            <a:solidFill>
+              <a:schemeClr val="accent1"/>
+            </a:solidFill>
+          </a:ln>
+        </p:spPr>
+        <p:txBody>
+          <a:bodyPr wrap="square" rtlCol="0">
+            <a:spAutoFit/>
+          </a:bodyPr>
+          <a:lstStyle/>
+          <a:p>
+            <a:r>
+              <a:rPr lang="pt-BR" dirty="0"/>
+              <a:t>Var=33</a:t>
+            </a:r>
+          </a:p>
+        </p:txBody>
+      </p:sp>
     </p:spTree>
     <p:extLst>
       <p:ext uri="{BB962C8B-B14F-4D97-AF65-F5344CB8AC3E}">
@@ -8366,21 +8528,16 @@
               <a:buNone/>
             </a:pPr>
             <a:r>
+              <a:rPr lang="pt-BR" dirty="0"/>
+              <a:t>imposto=lambda </a:t>
+            </a:r>
+            <a:r>
               <a:rPr lang="pt-BR" dirty="0" err="1"/>
               <a:t>preco</a:t>
             </a:r>
             <a:r>
               <a:rPr lang="pt-BR" dirty="0"/>
-              <a:t>=100</a:t>
-            </a:r>
-          </a:p>
-          <a:p>
-            <a:pPr marL="0" indent="0">
-              <a:buNone/>
-            </a:pPr>
-            <a:r>
-              <a:rPr lang="pt-BR" dirty="0"/>
-              <a:t>imposto=lambda </a:t>
+              <a:t>: </a:t>
             </a:r>
             <a:r>
               <a:rPr lang="pt-BR" dirty="0" err="1"/>
@@ -8388,7 +8545,16 @@
             </a:r>
             <a:r>
               <a:rPr lang="pt-BR" dirty="0"/>
-              <a:t>: </a:t>
+              <a:t>*0.05</a:t>
+            </a:r>
+          </a:p>
+          <a:p>
+            <a:pPr marL="0" indent="0">
+              <a:buNone/>
+            </a:pPr>
+            <a:r>
+              <a:rPr lang="pt-BR" dirty="0"/>
+              <a:t>print(imposto(</a:t>
             </a:r>
             <a:r>
               <a:rPr lang="pt-BR" dirty="0" err="1"/>
@@ -8396,16 +8562,7 @@
             </a:r>
             <a:r>
               <a:rPr lang="pt-BR" dirty="0"/>
-              <a:t>*0.05</a:t>
-            </a:r>
-          </a:p>
-          <a:p>
-            <a:pPr marL="0" indent="0">
-              <a:buNone/>
-            </a:pPr>
-            <a:r>
-              <a:rPr lang="pt-BR" dirty="0"/>
-              <a:t>print(imposto)</a:t>
+              <a:t>=100))</a:t>
             </a:r>
           </a:p>
         </p:txBody>
@@ -8445,7 +8602,7 @@
           <p:cNvPr id="2" name="Título 1">
             <a:extLst>
               <a:ext uri="{FF2B5EF4-FFF2-40B4-BE49-F238E27FC236}">
-                <a16:creationId xmlns:a16="http://schemas.microsoft.com/office/drawing/2014/main" id="{17590DA6-FE90-E7D8-2CC8-77AD8C04DDDC}"/>
+                <a16:creationId xmlns:a16="http://schemas.microsoft.com/office/drawing/2014/main" id="{4EDABF29-9123-4331-B529-64A982B5EB7A}"/>
               </a:ext>
             </a:extLst>
           </p:cNvPr>
@@ -8463,7 +8620,7 @@
           <a:p>
             <a:r>
               <a:rPr lang="pt-BR" dirty="0"/>
-              <a:t>Função lambda:</a:t>
+              <a:t>Função Lambda</a:t>
             </a:r>
           </a:p>
         </p:txBody>
@@ -8473,7 +8630,7 @@
           <p:cNvPr id="3" name="Espaço Reservado para Conteúdo 2">
             <a:extLst>
               <a:ext uri="{FF2B5EF4-FFF2-40B4-BE49-F238E27FC236}">
-                <a16:creationId xmlns:a16="http://schemas.microsoft.com/office/drawing/2014/main" id="{8441D9BD-0F79-FB95-607E-3CFF2272D814}"/>
+                <a16:creationId xmlns:a16="http://schemas.microsoft.com/office/drawing/2014/main" id="{D3D21890-D803-0FE4-D10F-9BEBFAAD66A2}"/>
               </a:ext>
             </a:extLst>
           </p:cNvPr>
@@ -8493,81 +8650,28 @@
               <a:buNone/>
             </a:pPr>
             <a:r>
-              <a:rPr lang="es-ES" dirty="0" err="1"/>
-              <a:t>somaxy</a:t>
-            </a:r>
-            <a:r>
-              <a:rPr lang="es-ES" dirty="0"/>
-              <a:t>=(lambda x, y: x + y) (x=1,y=2)</a:t>
-            </a:r>
-          </a:p>
-          <a:p>
-            <a:pPr marL="0" indent="0">
-              <a:buNone/>
-            </a:pPr>
-            <a:r>
-              <a:rPr lang="es-ES" dirty="0" err="1"/>
-              <a:t>print</a:t>
-            </a:r>
-            <a:r>
-              <a:rPr lang="es-ES" dirty="0"/>
-              <a:t>(</a:t>
-            </a:r>
-            <a:r>
-              <a:rPr lang="es-ES" dirty="0" err="1"/>
-              <a:t>somaxy</a:t>
-            </a:r>
-            <a:r>
-              <a:rPr lang="es-ES" dirty="0"/>
-              <a:t>)</a:t>
-            </a:r>
-          </a:p>
-          <a:p>
-            <a:pPr marL="0" indent="0">
-              <a:buNone/>
-            </a:pPr>
-            <a:endParaRPr lang="es-ES" dirty="0"/>
-          </a:p>
-          <a:p>
-            <a:pPr marL="0" indent="0">
-              <a:buNone/>
-            </a:pPr>
-            <a:r>
-              <a:rPr lang="es-ES" dirty="0" err="1"/>
-              <a:t>funcao_somaxy</a:t>
-            </a:r>
-            <a:r>
-              <a:rPr lang="es-ES" dirty="0"/>
-              <a:t> = lambda x, y: x + y </a:t>
-            </a:r>
-          </a:p>
-          <a:p>
-            <a:pPr marL="0" indent="0">
-              <a:buNone/>
-            </a:pPr>
-            <a:r>
-              <a:rPr lang="es-ES" dirty="0" err="1"/>
-              <a:t>print</a:t>
-            </a:r>
-            <a:r>
-              <a:rPr lang="es-ES" dirty="0"/>
-              <a:t>(</a:t>
-            </a:r>
-            <a:r>
-              <a:rPr lang="es-ES" dirty="0" err="1"/>
-              <a:t>funcao_somaxy</a:t>
-            </a:r>
-            <a:r>
-              <a:rPr lang="es-ES" dirty="0"/>
-              <a:t>(1, 2))</a:t>
-            </a:r>
+              <a:rPr lang="pt-BR" dirty="0"/>
+              <a:t>produto = lambda a, b : a * b</a:t>
+            </a:r>
+          </a:p>
+          <a:p>
+            <a:pPr marL="0" indent="0">
+              <a:buNone/>
+            </a:pPr>
+            <a:r>
+              <a:rPr lang="pt-BR" dirty="0"/>
+              <a:t>print(produto(9, 1))</a:t>
+            </a:r>
+          </a:p>
+          <a:p>
+            <a:endParaRPr lang="pt-BR" dirty="0"/>
           </a:p>
         </p:txBody>
       </p:sp>
     </p:spTree>
     <p:extLst>
       <p:ext uri="{BB962C8B-B14F-4D97-AF65-F5344CB8AC3E}">
-        <p14:creationId xmlns:p14="http://schemas.microsoft.com/office/powerpoint/2010/main" val="3896754359"/>
+        <p14:creationId xmlns:p14="http://schemas.microsoft.com/office/powerpoint/2010/main" val="3646622724"/>
       </p:ext>
     </p:extLst>
   </p:cSld>
@@ -8599,7 +8703,7 @@
           <p:cNvPr id="2" name="Título 1">
             <a:extLst>
               <a:ext uri="{FF2B5EF4-FFF2-40B4-BE49-F238E27FC236}">
-                <a16:creationId xmlns:a16="http://schemas.microsoft.com/office/drawing/2014/main" id="{3E45F850-E7E3-8B48-19CE-8740C24638E6}"/>
+                <a16:creationId xmlns:a16="http://schemas.microsoft.com/office/drawing/2014/main" id="{17590DA6-FE90-E7D8-2CC8-77AD8C04DDDC}"/>
               </a:ext>
             </a:extLst>
           </p:cNvPr>
@@ -8627,7 +8731,7 @@
           <p:cNvPr id="3" name="Espaço Reservado para Conteúdo 2">
             <a:extLst>
               <a:ext uri="{FF2B5EF4-FFF2-40B4-BE49-F238E27FC236}">
-                <a16:creationId xmlns:a16="http://schemas.microsoft.com/office/drawing/2014/main" id="{C37E6448-DAEB-0EF3-AA43-CFA0636D080F}"/>
+                <a16:creationId xmlns:a16="http://schemas.microsoft.com/office/drawing/2014/main" id="{8441D9BD-0F79-FB95-607E-3CFF2272D814}"/>
               </a:ext>
             </a:extLst>
           </p:cNvPr>
@@ -8647,92 +8751,61 @@
               <a:buNone/>
             </a:pPr>
             <a:r>
-              <a:rPr lang="pt-BR" dirty="0" err="1"/>
+              <a:rPr lang="es-ES" dirty="0"/>
+              <a:t>soma=(lambda x, y: x + y) (x=1,y=2)</a:t>
+            </a:r>
+          </a:p>
+          <a:p>
+            <a:pPr marL="0" indent="0">
+              <a:buNone/>
+            </a:pPr>
+            <a:r>
+              <a:rPr lang="es-ES" dirty="0" err="1"/>
+              <a:t>print</a:t>
+            </a:r>
+            <a:r>
+              <a:rPr lang="es-ES" dirty="0"/>
+              <a:t>(soma)</a:t>
+            </a:r>
+          </a:p>
+          <a:p>
+            <a:pPr marL="0" indent="0">
+              <a:buNone/>
+            </a:pPr>
+            <a:endParaRPr lang="es-ES" dirty="0"/>
+          </a:p>
+          <a:p>
+            <a:pPr marL="0" indent="0">
+              <a:buNone/>
+            </a:pPr>
+            <a:r>
+              <a:rPr lang="es-ES" dirty="0" err="1"/>
               <a:t>funcao_soma</a:t>
             </a:r>
             <a:r>
-              <a:rPr lang="pt-BR" dirty="0"/>
-              <a:t> = (lambda *</a:t>
-            </a:r>
-            <a:r>
-              <a:rPr lang="pt-BR" dirty="0" err="1"/>
-              <a:t>args</a:t>
-            </a:r>
-            <a:r>
-              <a:rPr lang="pt-BR" dirty="0"/>
-              <a:t>: sum(</a:t>
-            </a:r>
-            <a:r>
-              <a:rPr lang="pt-BR" dirty="0" err="1"/>
-              <a:t>args</a:t>
-            </a:r>
-            <a:r>
-              <a:rPr lang="pt-BR" dirty="0"/>
-              <a:t>)) </a:t>
-            </a:r>
-          </a:p>
-          <a:p>
-            <a:pPr marL="0" indent="0">
-              <a:buNone/>
-            </a:pPr>
-            <a:r>
-              <a:rPr lang="pt-BR" dirty="0"/>
-              <a:t>print(</a:t>
-            </a:r>
-            <a:r>
-              <a:rPr lang="pt-BR" dirty="0" err="1"/>
+              <a:rPr lang="es-ES" dirty="0"/>
+              <a:t> = lambda x, y: x + y </a:t>
+            </a:r>
+          </a:p>
+          <a:p>
+            <a:pPr marL="0" indent="0">
+              <a:buNone/>
+            </a:pPr>
+            <a:r>
+              <a:rPr lang="es-ES" dirty="0" err="1"/>
+              <a:t>print</a:t>
+            </a:r>
+            <a:r>
+              <a:rPr lang="es-ES" dirty="0"/>
+              <a:t>(</a:t>
+            </a:r>
+            <a:r>
+              <a:rPr lang="es-ES" dirty="0" err="1"/>
               <a:t>funcao_soma</a:t>
             </a:r>
             <a:r>
-              <a:rPr lang="pt-BR" dirty="0"/>
-              <a:t>(1, 2, 3, 4, 5))</a:t>
-            </a:r>
-          </a:p>
-          <a:p>
-            <a:pPr marL="0" indent="0">
-              <a:buNone/>
-            </a:pPr>
-            <a:br>
-              <a:rPr lang="pt-BR" dirty="0"/>
-            </a:br>
-            <a:r>
-              <a:rPr lang="pt-BR" dirty="0" err="1"/>
-              <a:t>funcao_soma</a:t>
-            </a:r>
-            <a:r>
-              <a:rPr lang="pt-BR" dirty="0"/>
-              <a:t> = (lambda **</a:t>
-            </a:r>
-            <a:r>
-              <a:rPr lang="pt-BR" dirty="0" err="1"/>
-              <a:t>kwargs</a:t>
-            </a:r>
-            <a:r>
-              <a:rPr lang="pt-BR" dirty="0"/>
-              <a:t>: sum(</a:t>
-            </a:r>
-            <a:r>
-              <a:rPr lang="pt-BR" dirty="0" err="1"/>
-              <a:t>kwargs.values</a:t>
-            </a:r>
-            <a:r>
-              <a:rPr lang="pt-BR" dirty="0"/>
-              <a:t>()))</a:t>
-            </a:r>
-            <a:br>
-              <a:rPr lang="pt-BR" dirty="0"/>
-            </a:br>
-            <a:r>
-              <a:rPr lang="pt-BR" dirty="0"/>
-              <a:t>print(</a:t>
-            </a:r>
-            <a:r>
-              <a:rPr lang="pt-BR" dirty="0" err="1"/>
-              <a:t>funcao_soma</a:t>
-            </a:r>
-            <a:r>
-              <a:rPr lang="pt-BR" dirty="0"/>
-              <a:t>(a=1, b=2, c=3, d=4, e=5))</a:t>
+              <a:rPr lang="es-ES" dirty="0"/>
+              <a:t>(1, 2))</a:t>
             </a:r>
           </a:p>
         </p:txBody>
@@ -8740,7 +8813,7 @@
     </p:spTree>
     <p:extLst>
       <p:ext uri="{BB962C8B-B14F-4D97-AF65-F5344CB8AC3E}">
-        <p14:creationId xmlns:p14="http://schemas.microsoft.com/office/powerpoint/2010/main" val="2374378592"/>
+        <p14:creationId xmlns:p14="http://schemas.microsoft.com/office/powerpoint/2010/main" val="3896754359"/>
       </p:ext>
     </p:extLst>
   </p:cSld>
@@ -8772,7 +8845,7 @@
           <p:cNvPr id="2" name="Título 1">
             <a:extLst>
               <a:ext uri="{FF2B5EF4-FFF2-40B4-BE49-F238E27FC236}">
-                <a16:creationId xmlns:a16="http://schemas.microsoft.com/office/drawing/2014/main" id="{AA9E9102-940A-19C5-67AE-A1D3CD72C97E}"/>
+                <a16:creationId xmlns:a16="http://schemas.microsoft.com/office/drawing/2014/main" id="{3E45F850-E7E3-8B48-19CE-8740C24638E6}"/>
               </a:ext>
             </a:extLst>
           </p:cNvPr>
@@ -8790,7 +8863,7 @@
           <a:p>
             <a:r>
               <a:rPr lang="pt-BR" dirty="0"/>
-              <a:t>Usando o função lambda:</a:t>
+              <a:t>Função lambda:</a:t>
             </a:r>
           </a:p>
         </p:txBody>
@@ -8800,7 +8873,7 @@
           <p:cNvPr id="3" name="Espaço Reservado para Conteúdo 2">
             <a:extLst>
               <a:ext uri="{FF2B5EF4-FFF2-40B4-BE49-F238E27FC236}">
-                <a16:creationId xmlns:a16="http://schemas.microsoft.com/office/drawing/2014/main" id="{29C2510C-152F-D849-F657-C90F33EB8423}"/>
+                <a16:creationId xmlns:a16="http://schemas.microsoft.com/office/drawing/2014/main" id="{C37E6448-DAEB-0EF3-AA43-CFA0636D080F}"/>
               </a:ext>
             </a:extLst>
           </p:cNvPr>
@@ -8821,45 +8894,91 @@
             </a:pPr>
             <a:r>
               <a:rPr lang="pt-BR" dirty="0" err="1"/>
-              <a:t>preco</a:t>
-            </a:r>
-            <a:r>
-              <a:rPr lang="pt-BR" dirty="0"/>
-              <a:t>=100</a:t>
-            </a:r>
-          </a:p>
-          <a:p>
-            <a:pPr marL="0" indent="0">
-              <a:buNone/>
-            </a:pPr>
-            <a:r>
-              <a:rPr lang="pt-BR" dirty="0"/>
-              <a:t>imposto=lambda </a:t>
-            </a:r>
-            <a:r>
-              <a:rPr lang="pt-BR" dirty="0" err="1"/>
-              <a:t>preco</a:t>
-            </a:r>
-            <a:r>
-              <a:rPr lang="pt-BR" dirty="0"/>
-              <a:t>: </a:t>
-            </a:r>
-            <a:r>
-              <a:rPr lang="pt-BR" dirty="0" err="1"/>
-              <a:t>preco</a:t>
-            </a:r>
-            <a:r>
-              <a:rPr lang="pt-BR" dirty="0"/>
-              <a:t>*0.05</a:t>
-            </a:r>
-          </a:p>
-          <a:p>
-            <a:pPr marL="0" indent="0">
-              <a:buNone/>
-            </a:pPr>
-            <a:r>
-              <a:rPr lang="pt-BR" dirty="0"/>
-              <a:t>print(imposto)</a:t>
+              <a:t>funcao_soma</a:t>
+            </a:r>
+            <a:r>
+              <a:rPr lang="pt-BR" dirty="0"/>
+              <a:t> = (lambda *</a:t>
+            </a:r>
+            <a:r>
+              <a:rPr lang="pt-BR" dirty="0" err="1"/>
+              <a:t>args</a:t>
+            </a:r>
+            <a:r>
+              <a:rPr lang="pt-BR" dirty="0"/>
+              <a:t>: sum(</a:t>
+            </a:r>
+            <a:r>
+              <a:rPr lang="pt-BR" dirty="0" err="1"/>
+              <a:t>args</a:t>
+            </a:r>
+            <a:r>
+              <a:rPr lang="pt-BR" dirty="0"/>
+              <a:t>)) </a:t>
+            </a:r>
+          </a:p>
+          <a:p>
+            <a:pPr marL="0" indent="0">
+              <a:buNone/>
+            </a:pPr>
+            <a:r>
+              <a:rPr lang="pt-BR" dirty="0"/>
+              <a:t>print(</a:t>
+            </a:r>
+            <a:r>
+              <a:rPr lang="pt-BR" dirty="0" err="1"/>
+              <a:t>funcao_soma</a:t>
+            </a:r>
+            <a:r>
+              <a:rPr lang="pt-BR" dirty="0"/>
+              <a:t>(1, 2, 3, 4, 5))</a:t>
+            </a:r>
+          </a:p>
+          <a:p>
+            <a:pPr marL="0" indent="0">
+              <a:buNone/>
+            </a:pPr>
+            <a:br>
+              <a:rPr lang="pt-BR" dirty="0"/>
+            </a:br>
+            <a:r>
+              <a:rPr lang="pt-BR" dirty="0" err="1"/>
+              <a:t>funcao_soma</a:t>
+            </a:r>
+            <a:r>
+              <a:rPr lang="pt-BR" dirty="0"/>
+              <a:t> = (lambda **</a:t>
+            </a:r>
+            <a:r>
+              <a:rPr lang="pt-BR" dirty="0" err="1"/>
+              <a:t>kwargs</a:t>
+            </a:r>
+            <a:r>
+              <a:rPr lang="pt-BR" dirty="0"/>
+              <a:t>: sum(</a:t>
+            </a:r>
+            <a:r>
+              <a:rPr lang="pt-BR" dirty="0" err="1"/>
+              <a:t>kwargs.values</a:t>
+            </a:r>
+            <a:r>
+              <a:rPr lang="pt-BR" dirty="0"/>
+              <a:t>()))</a:t>
+            </a:r>
+            <a:br>
+              <a:rPr lang="pt-BR" dirty="0"/>
+            </a:br>
+            <a:r>
+              <a:rPr lang="pt-BR" dirty="0"/>
+              <a:t>print(</a:t>
+            </a:r>
+            <a:r>
+              <a:rPr lang="pt-BR" dirty="0" err="1"/>
+              <a:t>funcao_soma</a:t>
+            </a:r>
+            <a:r>
+              <a:rPr lang="pt-BR" dirty="0"/>
+              <a:t>(a=1, b=2, c=3, d=4, e=5))</a:t>
             </a:r>
           </a:p>
         </p:txBody>
@@ -8867,7 +8986,7 @@
     </p:spTree>
     <p:extLst>
       <p:ext uri="{BB962C8B-B14F-4D97-AF65-F5344CB8AC3E}">
-        <p14:creationId xmlns:p14="http://schemas.microsoft.com/office/powerpoint/2010/main" val="3453095838"/>
+        <p14:creationId xmlns:p14="http://schemas.microsoft.com/office/powerpoint/2010/main" val="2374378592"/>
       </p:ext>
     </p:extLst>
   </p:cSld>
@@ -9207,6 +9326,65 @@
               <a:rPr lang="pt-BR" dirty="0"/>
               <a:t>)</a:t>
             </a:r>
+          </a:p>
+          <a:p>
+            <a:pPr marL="0" indent="0">
+              <a:buNone/>
+            </a:pPr>
+            <a:r>
+              <a:rPr lang="pt-BR" dirty="0" err="1"/>
+              <a:t>cores_title</a:t>
+            </a:r>
+            <a:r>
+              <a:rPr lang="pt-BR" dirty="0"/>
+              <a:t> = </a:t>
+            </a:r>
+            <a:r>
+              <a:rPr lang="pt-BR" dirty="0" err="1"/>
+              <a:t>list</a:t>
+            </a:r>
+            <a:r>
+              <a:rPr lang="pt-BR" dirty="0"/>
+              <a:t>(</a:t>
+            </a:r>
+            <a:r>
+              <a:rPr lang="pt-BR" dirty="0" err="1"/>
+              <a:t>map</a:t>
+            </a:r>
+            <a:r>
+              <a:rPr lang="pt-BR" dirty="0"/>
+              <a:t>(lambda x: </a:t>
+            </a:r>
+            <a:r>
+              <a:rPr lang="pt-BR" dirty="0" err="1"/>
+              <a:t>x.title</a:t>
+            </a:r>
+            <a:r>
+              <a:rPr lang="pt-BR" dirty="0"/>
+              <a:t>(), </a:t>
+            </a:r>
+            <a:r>
+              <a:rPr lang="pt-BR" dirty="0" err="1"/>
+              <a:t>cores_minusculo</a:t>
+            </a:r>
+            <a:r>
+              <a:rPr lang="pt-BR" dirty="0"/>
+              <a:t>)) print(</a:t>
+            </a:r>
+            <a:r>
+              <a:rPr lang="pt-BR" dirty="0" err="1"/>
+              <a:t>cores_maiusculo</a:t>
+            </a:r>
+            <a:r>
+              <a:rPr lang="pt-BR" dirty="0"/>
+              <a:t>)</a:t>
+            </a:r>
+          </a:p>
+          <a:p>
+            <a:pPr marL="0" indent="0">
+              <a:buNone/>
+            </a:pPr>
+            <a:endParaRPr lang="pt-BR" dirty="0"/>
           </a:p>
         </p:txBody>
       </p:sp>
@@ -10346,6 +10524,546 @@
 </p:sld>
 </file>
 
+<file path=ppt/slides/slide45.xml><?xml version="1.0" encoding="utf-8"?>
+<p:sld xmlns:a="http://schemas.openxmlformats.org/drawingml/2006/main" xmlns:r="http://schemas.openxmlformats.org/officeDocument/2006/relationships" xmlns:p="http://schemas.openxmlformats.org/presentationml/2006/main">
+  <p:cSld>
+    <p:spTree>
+      <p:nvGrpSpPr>
+        <p:cNvPr id="1" name=""/>
+        <p:cNvGrpSpPr/>
+        <p:nvPr/>
+      </p:nvGrpSpPr>
+      <p:grpSpPr>
+        <a:xfrm>
+          <a:off x="0" y="0"/>
+          <a:ext cx="0" cy="0"/>
+          <a:chOff x="0" y="0"/>
+          <a:chExt cx="0" cy="0"/>
+        </a:xfrm>
+      </p:grpSpPr>
+      <p:sp>
+        <p:nvSpPr>
+          <p:cNvPr id="2" name="Título 1">
+            <a:extLst>
+              <a:ext uri="{FF2B5EF4-FFF2-40B4-BE49-F238E27FC236}">
+                <a16:creationId xmlns:a16="http://schemas.microsoft.com/office/drawing/2014/main" id="{909C5F52-6174-8815-73FF-B77332A8C28E}"/>
+              </a:ext>
+            </a:extLst>
+          </p:cNvPr>
+          <p:cNvSpPr>
+            <a:spLocks noGrp="1"/>
+          </p:cNvSpPr>
+          <p:nvPr>
+            <p:ph type="title"/>
+          </p:nvPr>
+        </p:nvSpPr>
+        <p:spPr/>
+        <p:txBody>
+          <a:bodyPr/>
+          <a:lstStyle/>
+          <a:p>
+            <a:r>
+              <a:rPr lang="pt-BR" dirty="0"/>
+              <a:t>EXERCÍCIOS COM FUNÇÃO LAMBDA, MAP E FILTER:</a:t>
+            </a:r>
+          </a:p>
+        </p:txBody>
+      </p:sp>
+      <p:sp>
+        <p:nvSpPr>
+          <p:cNvPr id="3" name="Espaço Reservado para Conteúdo 2">
+            <a:extLst>
+              <a:ext uri="{FF2B5EF4-FFF2-40B4-BE49-F238E27FC236}">
+                <a16:creationId xmlns:a16="http://schemas.microsoft.com/office/drawing/2014/main" id="{16B3562D-6AC2-4599-1A18-060DE58565CC}"/>
+              </a:ext>
+            </a:extLst>
+          </p:cNvPr>
+          <p:cNvSpPr>
+            <a:spLocks noGrp="1"/>
+          </p:cNvSpPr>
+          <p:nvPr>
+            <p:ph idx="1"/>
+          </p:nvPr>
+        </p:nvSpPr>
+        <p:spPr/>
+        <p:txBody>
+          <a:bodyPr/>
+          <a:lstStyle/>
+          <a:p>
+            <a:endParaRPr lang="pt-BR"/>
+          </a:p>
+        </p:txBody>
+      </p:sp>
+    </p:spTree>
+    <p:extLst>
+      <p:ext uri="{BB962C8B-B14F-4D97-AF65-F5344CB8AC3E}">
+        <p14:creationId xmlns:p14="http://schemas.microsoft.com/office/powerpoint/2010/main" val="316936003"/>
+      </p:ext>
+    </p:extLst>
+  </p:cSld>
+  <p:clrMapOvr>
+    <a:masterClrMapping/>
+  </p:clrMapOvr>
+</p:sld>
+</file>
+
+<file path=ppt/slides/slide46.xml><?xml version="1.0" encoding="utf-8"?>
+<p:sld xmlns:a="http://schemas.openxmlformats.org/drawingml/2006/main" xmlns:r="http://schemas.openxmlformats.org/officeDocument/2006/relationships" xmlns:p="http://schemas.openxmlformats.org/presentationml/2006/main">
+  <p:cSld>
+    <p:spTree>
+      <p:nvGrpSpPr>
+        <p:cNvPr id="1" name=""/>
+        <p:cNvGrpSpPr/>
+        <p:nvPr/>
+      </p:nvGrpSpPr>
+      <p:grpSpPr>
+        <a:xfrm>
+          <a:off x="0" y="0"/>
+          <a:ext cx="0" cy="0"/>
+          <a:chOff x="0" y="0"/>
+          <a:chExt cx="0" cy="0"/>
+        </a:xfrm>
+      </p:grpSpPr>
+      <p:sp>
+        <p:nvSpPr>
+          <p:cNvPr id="2" name="Título 1">
+            <a:extLst>
+              <a:ext uri="{FF2B5EF4-FFF2-40B4-BE49-F238E27FC236}">
+                <a16:creationId xmlns:a16="http://schemas.microsoft.com/office/drawing/2014/main" id="{2EC95468-BF1B-0453-B673-B53B3FBC1F94}"/>
+              </a:ext>
+            </a:extLst>
+          </p:cNvPr>
+          <p:cNvSpPr>
+            <a:spLocks noGrp="1"/>
+          </p:cNvSpPr>
+          <p:nvPr>
+            <p:ph type="title"/>
+          </p:nvPr>
+        </p:nvSpPr>
+        <p:spPr/>
+        <p:txBody>
+          <a:bodyPr/>
+          <a:lstStyle/>
+          <a:p>
+            <a:r>
+              <a:rPr lang="pt-BR" dirty="0"/>
+              <a:t>EXERCÍCIO 01</a:t>
+            </a:r>
+          </a:p>
+        </p:txBody>
+      </p:sp>
+      <p:sp>
+        <p:nvSpPr>
+          <p:cNvPr id="3" name="Espaço Reservado para Conteúdo 2">
+            <a:extLst>
+              <a:ext uri="{FF2B5EF4-FFF2-40B4-BE49-F238E27FC236}">
+                <a16:creationId xmlns:a16="http://schemas.microsoft.com/office/drawing/2014/main" id="{AECF0407-8FBB-391F-50F3-2B2DDDC06346}"/>
+              </a:ext>
+            </a:extLst>
+          </p:cNvPr>
+          <p:cNvSpPr>
+            <a:spLocks noGrp="1"/>
+          </p:cNvSpPr>
+          <p:nvPr>
+            <p:ph idx="1"/>
+          </p:nvPr>
+        </p:nvSpPr>
+        <p:spPr/>
+        <p:txBody>
+          <a:bodyPr/>
+          <a:lstStyle/>
+          <a:p>
+            <a:r>
+              <a:rPr lang="pt-BR" dirty="0"/>
+              <a:t>Dada a lista: linguagem= [‘Python', ‘</a:t>
+            </a:r>
+            <a:r>
+              <a:rPr lang="pt-BR" dirty="0" err="1"/>
+              <a:t>JavaScript</a:t>
+            </a:r>
+            <a:r>
+              <a:rPr lang="pt-BR" dirty="0"/>
+              <a:t>', ‘HTML’, ‘</a:t>
+            </a:r>
+            <a:r>
+              <a:rPr lang="pt-BR" dirty="0" err="1"/>
+              <a:t>java</a:t>
+            </a:r>
+            <a:r>
+              <a:rPr lang="pt-BR" dirty="0"/>
+              <a:t>’] </a:t>
+            </a:r>
+          </a:p>
+          <a:p>
+            <a:pPr marL="0" indent="0">
+              <a:buNone/>
+            </a:pPr>
+            <a:r>
+              <a:rPr lang="pt-BR" dirty="0"/>
+              <a:t>Usar as funções e imprimir as </a:t>
+            </a:r>
+            <a:r>
+              <a:rPr lang="pt-BR" dirty="0" err="1"/>
+              <a:t>strings</a:t>
+            </a:r>
+            <a:r>
+              <a:rPr lang="pt-BR" dirty="0"/>
+              <a:t> com a 1ª letra em maiúscula e todas as outras em minúscula.</a:t>
+            </a:r>
+          </a:p>
+          <a:p>
+            <a:endParaRPr lang="pt-BR" dirty="0"/>
+          </a:p>
+        </p:txBody>
+      </p:sp>
+    </p:spTree>
+    <p:extLst>
+      <p:ext uri="{BB962C8B-B14F-4D97-AF65-F5344CB8AC3E}">
+        <p14:creationId xmlns:p14="http://schemas.microsoft.com/office/powerpoint/2010/main" val="1341792767"/>
+      </p:ext>
+    </p:extLst>
+  </p:cSld>
+  <p:clrMapOvr>
+    <a:masterClrMapping/>
+  </p:clrMapOvr>
+</p:sld>
+</file>
+
+<file path=ppt/slides/slide47.xml><?xml version="1.0" encoding="utf-8"?>
+<p:sld xmlns:a="http://schemas.openxmlformats.org/drawingml/2006/main" xmlns:r="http://schemas.openxmlformats.org/officeDocument/2006/relationships" xmlns:p="http://schemas.openxmlformats.org/presentationml/2006/main">
+  <p:cSld>
+    <p:spTree>
+      <p:nvGrpSpPr>
+        <p:cNvPr id="1" name=""/>
+        <p:cNvGrpSpPr/>
+        <p:nvPr/>
+      </p:nvGrpSpPr>
+      <p:grpSpPr>
+        <a:xfrm>
+          <a:off x="0" y="0"/>
+          <a:ext cx="0" cy="0"/>
+          <a:chOff x="0" y="0"/>
+          <a:chExt cx="0" cy="0"/>
+        </a:xfrm>
+      </p:grpSpPr>
+      <p:sp>
+        <p:nvSpPr>
+          <p:cNvPr id="2" name="Título 1">
+            <a:extLst>
+              <a:ext uri="{FF2B5EF4-FFF2-40B4-BE49-F238E27FC236}">
+                <a16:creationId xmlns:a16="http://schemas.microsoft.com/office/drawing/2014/main" id="{2285FEC4-6D63-3B0B-36DE-0F942488F743}"/>
+              </a:ext>
+            </a:extLst>
+          </p:cNvPr>
+          <p:cNvSpPr>
+            <a:spLocks noGrp="1"/>
+          </p:cNvSpPr>
+          <p:nvPr>
+            <p:ph type="title"/>
+          </p:nvPr>
+        </p:nvSpPr>
+        <p:spPr/>
+        <p:txBody>
+          <a:bodyPr/>
+          <a:lstStyle/>
+          <a:p>
+            <a:r>
+              <a:rPr lang="pt-BR" dirty="0"/>
+              <a:t>EXERCÍCIO 02:</a:t>
+            </a:r>
+          </a:p>
+        </p:txBody>
+      </p:sp>
+      <p:sp>
+        <p:nvSpPr>
+          <p:cNvPr id="3" name="Espaço Reservado para Conteúdo 2">
+            <a:extLst>
+              <a:ext uri="{FF2B5EF4-FFF2-40B4-BE49-F238E27FC236}">
+                <a16:creationId xmlns:a16="http://schemas.microsoft.com/office/drawing/2014/main" id="{A0FFD7CE-FFF8-F25A-DDC0-591783D9B578}"/>
+              </a:ext>
+            </a:extLst>
+          </p:cNvPr>
+          <p:cNvSpPr>
+            <a:spLocks noGrp="1"/>
+          </p:cNvSpPr>
+          <p:nvPr>
+            <p:ph idx="1"/>
+          </p:nvPr>
+        </p:nvSpPr>
+        <p:spPr/>
+        <p:txBody>
+          <a:bodyPr/>
+          <a:lstStyle/>
+          <a:p>
+            <a:r>
+              <a:rPr lang="pt-BR" dirty="0"/>
+              <a:t>Dada a lista </a:t>
+            </a:r>
+            <a:r>
+              <a:rPr lang="pt-BR" dirty="0" err="1"/>
+              <a:t>lista</a:t>
+            </a:r>
+            <a:r>
+              <a:rPr lang="pt-BR" dirty="0"/>
+              <a:t> = [1,2,3,4,5]</a:t>
+            </a:r>
+          </a:p>
+          <a:p>
+            <a:r>
+              <a:rPr lang="pt-BR" dirty="0"/>
+              <a:t>Use funções que retorne os valores da lista ao cubo.</a:t>
+            </a:r>
+          </a:p>
+        </p:txBody>
+      </p:sp>
+    </p:spTree>
+    <p:extLst>
+      <p:ext uri="{BB962C8B-B14F-4D97-AF65-F5344CB8AC3E}">
+        <p14:creationId xmlns:p14="http://schemas.microsoft.com/office/powerpoint/2010/main" val="3637491485"/>
+      </p:ext>
+    </p:extLst>
+  </p:cSld>
+  <p:clrMapOvr>
+    <a:masterClrMapping/>
+  </p:clrMapOvr>
+</p:sld>
+</file>
+
+<file path=ppt/slides/slide48.xml><?xml version="1.0" encoding="utf-8"?>
+<p:sld xmlns:a="http://schemas.openxmlformats.org/drawingml/2006/main" xmlns:r="http://schemas.openxmlformats.org/officeDocument/2006/relationships" xmlns:p="http://schemas.openxmlformats.org/presentationml/2006/main">
+  <p:cSld>
+    <p:spTree>
+      <p:nvGrpSpPr>
+        <p:cNvPr id="1" name=""/>
+        <p:cNvGrpSpPr/>
+        <p:nvPr/>
+      </p:nvGrpSpPr>
+      <p:grpSpPr>
+        <a:xfrm>
+          <a:off x="0" y="0"/>
+          <a:ext cx="0" cy="0"/>
+          <a:chOff x="0" y="0"/>
+          <a:chExt cx="0" cy="0"/>
+        </a:xfrm>
+      </p:grpSpPr>
+      <p:sp>
+        <p:nvSpPr>
+          <p:cNvPr id="2" name="Título 1">
+            <a:extLst>
+              <a:ext uri="{FF2B5EF4-FFF2-40B4-BE49-F238E27FC236}">
+                <a16:creationId xmlns:a16="http://schemas.microsoft.com/office/drawing/2014/main" id="{6E005E6E-1E8A-5EB7-0D25-12214F1211D4}"/>
+              </a:ext>
+            </a:extLst>
+          </p:cNvPr>
+          <p:cNvSpPr>
+            <a:spLocks noGrp="1"/>
+          </p:cNvSpPr>
+          <p:nvPr>
+            <p:ph type="title"/>
+          </p:nvPr>
+        </p:nvSpPr>
+        <p:spPr/>
+        <p:txBody>
+          <a:bodyPr/>
+          <a:lstStyle/>
+          <a:p>
+            <a:r>
+              <a:rPr lang="pt-BR" dirty="0"/>
+              <a:t>Script:</a:t>
+            </a:r>
+          </a:p>
+        </p:txBody>
+      </p:sp>
+      <p:sp>
+        <p:nvSpPr>
+          <p:cNvPr id="3" name="Espaço Reservado para Conteúdo 2">
+            <a:extLst>
+              <a:ext uri="{FF2B5EF4-FFF2-40B4-BE49-F238E27FC236}">
+                <a16:creationId xmlns:a16="http://schemas.microsoft.com/office/drawing/2014/main" id="{9ABBDCDD-AFD1-F6B6-B67C-89E55615E314}"/>
+              </a:ext>
+            </a:extLst>
+          </p:cNvPr>
+          <p:cNvSpPr>
+            <a:spLocks noGrp="1"/>
+          </p:cNvSpPr>
+          <p:nvPr>
+            <p:ph idx="1"/>
+          </p:nvPr>
+        </p:nvSpPr>
+        <p:spPr/>
+        <p:txBody>
+          <a:bodyPr/>
+          <a:lstStyle/>
+          <a:p>
+            <a:r>
+              <a:rPr lang="pt-BR" dirty="0"/>
+              <a:t>lista = [1,2,3,4,5]</a:t>
+            </a:r>
+          </a:p>
+          <a:p>
+            <a:r>
+              <a:rPr lang="pt-BR" dirty="0" err="1"/>
+              <a:t>cubed</a:t>
+            </a:r>
+            <a:r>
+              <a:rPr lang="pt-BR" dirty="0"/>
+              <a:t> = </a:t>
+            </a:r>
+            <a:r>
+              <a:rPr lang="pt-BR" dirty="0" err="1"/>
+              <a:t>list</a:t>
+            </a:r>
+            <a:r>
+              <a:rPr lang="pt-BR" dirty="0"/>
+              <a:t>(</a:t>
+            </a:r>
+            <a:r>
+              <a:rPr lang="pt-BR" dirty="0" err="1"/>
+              <a:t>map</a:t>
+            </a:r>
+            <a:r>
+              <a:rPr lang="pt-BR" dirty="0"/>
+              <a:t>(lambda x: x**3, lista))</a:t>
+            </a:r>
+          </a:p>
+          <a:p>
+            <a:r>
+              <a:rPr lang="pt-BR" dirty="0"/>
+              <a:t>print(</a:t>
+            </a:r>
+            <a:r>
+              <a:rPr lang="pt-BR" dirty="0" err="1"/>
+              <a:t>cubed</a:t>
+            </a:r>
+            <a:r>
+              <a:rPr lang="pt-BR" dirty="0"/>
+              <a:t>)</a:t>
+            </a:r>
+          </a:p>
+          <a:p>
+            <a:endParaRPr lang="pt-BR" dirty="0"/>
+          </a:p>
+          <a:p>
+            <a:r>
+              <a:rPr lang="pt-BR" dirty="0"/>
+              <a:t>Ou pode-se usar a função </a:t>
+            </a:r>
+            <a:r>
+              <a:rPr lang="pt-BR" dirty="0" err="1"/>
+              <a:t>pow</a:t>
+            </a:r>
+            <a:r>
+              <a:rPr lang="pt-BR" dirty="0"/>
+              <a:t>(x,3)</a:t>
+            </a:r>
+          </a:p>
+          <a:p>
+            <a:endParaRPr lang="pt-BR" dirty="0"/>
+          </a:p>
+        </p:txBody>
+      </p:sp>
+    </p:spTree>
+    <p:extLst>
+      <p:ext uri="{BB962C8B-B14F-4D97-AF65-F5344CB8AC3E}">
+        <p14:creationId xmlns:p14="http://schemas.microsoft.com/office/powerpoint/2010/main" val="482681313"/>
+      </p:ext>
+    </p:extLst>
+  </p:cSld>
+  <p:clrMapOvr>
+    <a:masterClrMapping/>
+  </p:clrMapOvr>
+</p:sld>
+</file>
+
+<file path=ppt/slides/slide49.xml><?xml version="1.0" encoding="utf-8"?>
+<p:sld xmlns:a="http://schemas.openxmlformats.org/drawingml/2006/main" xmlns:r="http://schemas.openxmlformats.org/officeDocument/2006/relationships" xmlns:p="http://schemas.openxmlformats.org/presentationml/2006/main">
+  <p:cSld>
+    <p:spTree>
+      <p:nvGrpSpPr>
+        <p:cNvPr id="1" name=""/>
+        <p:cNvGrpSpPr/>
+        <p:nvPr/>
+      </p:nvGrpSpPr>
+      <p:grpSpPr>
+        <a:xfrm>
+          <a:off x="0" y="0"/>
+          <a:ext cx="0" cy="0"/>
+          <a:chOff x="0" y="0"/>
+          <a:chExt cx="0" cy="0"/>
+        </a:xfrm>
+      </p:grpSpPr>
+      <p:sp>
+        <p:nvSpPr>
+          <p:cNvPr id="2" name="Título 1">
+            <a:extLst>
+              <a:ext uri="{FF2B5EF4-FFF2-40B4-BE49-F238E27FC236}">
+                <a16:creationId xmlns:a16="http://schemas.microsoft.com/office/drawing/2014/main" id="{B1EDB308-9479-400B-D697-2EFF25B936E8}"/>
+              </a:ext>
+            </a:extLst>
+          </p:cNvPr>
+          <p:cNvSpPr>
+            <a:spLocks noGrp="1"/>
+          </p:cNvSpPr>
+          <p:nvPr>
+            <p:ph type="title"/>
+          </p:nvPr>
+        </p:nvSpPr>
+        <p:spPr/>
+        <p:txBody>
+          <a:bodyPr/>
+          <a:lstStyle/>
+          <a:p>
+            <a:r>
+              <a:rPr lang="pt-BR" dirty="0"/>
+              <a:t>EXERCÍCIO 03:</a:t>
+            </a:r>
+          </a:p>
+        </p:txBody>
+      </p:sp>
+      <p:sp>
+        <p:nvSpPr>
+          <p:cNvPr id="3" name="Espaço Reservado para Conteúdo 2">
+            <a:extLst>
+              <a:ext uri="{FF2B5EF4-FFF2-40B4-BE49-F238E27FC236}">
+                <a16:creationId xmlns:a16="http://schemas.microsoft.com/office/drawing/2014/main" id="{9D5743FE-74C1-D11B-4D2F-85ECE5101DA7}"/>
+              </a:ext>
+            </a:extLst>
+          </p:cNvPr>
+          <p:cNvSpPr>
+            <a:spLocks noGrp="1"/>
+          </p:cNvSpPr>
+          <p:nvPr>
+            <p:ph idx="1"/>
+          </p:nvPr>
+        </p:nvSpPr>
+        <p:spPr/>
+        <p:txBody>
+          <a:bodyPr/>
+          <a:lstStyle/>
+          <a:p>
+            <a:r>
+              <a:rPr lang="pt-BR" dirty="0"/>
+              <a:t>Dada as listas: peso=[65,75,85] e altura=[1.65,1.75,1.90]. Faça um script que determine o IMC=peso/altura**2</a:t>
+            </a:r>
+          </a:p>
+          <a:p>
+            <a:endParaRPr lang="pt-BR" dirty="0"/>
+          </a:p>
+        </p:txBody>
+      </p:sp>
+    </p:spTree>
+    <p:extLst>
+      <p:ext uri="{BB962C8B-B14F-4D97-AF65-F5344CB8AC3E}">
+        <p14:creationId xmlns:p14="http://schemas.microsoft.com/office/powerpoint/2010/main" val="2615545280"/>
+      </p:ext>
+    </p:extLst>
+  </p:cSld>
+  <p:clrMapOvr>
+    <a:masterClrMapping/>
+  </p:clrMapOvr>
+</p:sld>
+</file>
+
 <file path=ppt/slides/slide5.xml><?xml version="1.0" encoding="utf-8"?>
 <p:sld xmlns:a="http://schemas.openxmlformats.org/drawingml/2006/main" xmlns:r="http://schemas.openxmlformats.org/officeDocument/2006/relationships" xmlns:p="http://schemas.openxmlformats.org/presentationml/2006/main">
   <p:cSld>
@@ -10499,6 +11217,1124 @@
     <p:extLst>
       <p:ext uri="{BB962C8B-B14F-4D97-AF65-F5344CB8AC3E}">
         <p14:creationId xmlns:p14="http://schemas.microsoft.com/office/powerpoint/2010/main" val="3049448660"/>
+      </p:ext>
+    </p:extLst>
+  </p:cSld>
+  <p:clrMapOvr>
+    <a:masterClrMapping/>
+  </p:clrMapOvr>
+</p:sld>
+</file>
+
+<file path=ppt/slides/slide50.xml><?xml version="1.0" encoding="utf-8"?>
+<p:sld xmlns:a="http://schemas.openxmlformats.org/drawingml/2006/main" xmlns:r="http://schemas.openxmlformats.org/officeDocument/2006/relationships" xmlns:p="http://schemas.openxmlformats.org/presentationml/2006/main">
+  <p:cSld>
+    <p:spTree>
+      <p:nvGrpSpPr>
+        <p:cNvPr id="1" name=""/>
+        <p:cNvGrpSpPr/>
+        <p:nvPr/>
+      </p:nvGrpSpPr>
+      <p:grpSpPr>
+        <a:xfrm>
+          <a:off x="0" y="0"/>
+          <a:ext cx="0" cy="0"/>
+          <a:chOff x="0" y="0"/>
+          <a:chExt cx="0" cy="0"/>
+        </a:xfrm>
+      </p:grpSpPr>
+      <p:sp>
+        <p:nvSpPr>
+          <p:cNvPr id="2" name="Título 1">
+            <a:extLst>
+              <a:ext uri="{FF2B5EF4-FFF2-40B4-BE49-F238E27FC236}">
+                <a16:creationId xmlns:a16="http://schemas.microsoft.com/office/drawing/2014/main" id="{42BA0BA7-61B6-5D09-82A0-82B40540948C}"/>
+              </a:ext>
+            </a:extLst>
+          </p:cNvPr>
+          <p:cNvSpPr>
+            <a:spLocks noGrp="1"/>
+          </p:cNvSpPr>
+          <p:nvPr>
+            <p:ph type="title"/>
+          </p:nvPr>
+        </p:nvSpPr>
+        <p:spPr/>
+        <p:txBody>
+          <a:bodyPr/>
+          <a:lstStyle/>
+          <a:p>
+            <a:r>
+              <a:rPr lang="pt-BR" dirty="0"/>
+              <a:t>Script</a:t>
+            </a:r>
+          </a:p>
+        </p:txBody>
+      </p:sp>
+      <p:sp>
+        <p:nvSpPr>
+          <p:cNvPr id="3" name="Espaço Reservado para Conteúdo 2">
+            <a:extLst>
+              <a:ext uri="{FF2B5EF4-FFF2-40B4-BE49-F238E27FC236}">
+                <a16:creationId xmlns:a16="http://schemas.microsoft.com/office/drawing/2014/main" id="{48A3DE67-B9BB-7AA7-7EBE-6DB0DE0037C3}"/>
+              </a:ext>
+            </a:extLst>
+          </p:cNvPr>
+          <p:cNvSpPr>
+            <a:spLocks noGrp="1"/>
+          </p:cNvSpPr>
+          <p:nvPr>
+            <p:ph idx="1"/>
+          </p:nvPr>
+        </p:nvSpPr>
+        <p:spPr/>
+        <p:txBody>
+          <a:bodyPr/>
+          <a:lstStyle/>
+          <a:p>
+            <a:pPr marL="0" indent="0">
+              <a:buNone/>
+            </a:pPr>
+            <a:r>
+              <a:rPr lang="pt-BR" dirty="0"/>
+              <a:t>peso=[65,75,85]</a:t>
+            </a:r>
+          </a:p>
+          <a:p>
+            <a:pPr marL="0" indent="0">
+              <a:buNone/>
+            </a:pPr>
+            <a:r>
+              <a:rPr lang="pt-BR" dirty="0"/>
+              <a:t>altura=[1.65,1.75,1.90]</a:t>
+            </a:r>
+          </a:p>
+          <a:p>
+            <a:pPr marL="0" indent="0">
+              <a:buNone/>
+            </a:pPr>
+            <a:r>
+              <a:rPr lang="pt-BR" dirty="0" err="1"/>
+              <a:t>imc</a:t>
+            </a:r>
+            <a:r>
+              <a:rPr lang="pt-BR" dirty="0"/>
+              <a:t>=</a:t>
+            </a:r>
+            <a:r>
+              <a:rPr lang="pt-BR" dirty="0" err="1"/>
+              <a:t>list</a:t>
+            </a:r>
+            <a:r>
+              <a:rPr lang="pt-BR" dirty="0"/>
+              <a:t>(</a:t>
+            </a:r>
+            <a:r>
+              <a:rPr lang="pt-BR" dirty="0" err="1"/>
+              <a:t>map</a:t>
+            </a:r>
+            <a:r>
+              <a:rPr lang="pt-BR" dirty="0"/>
+              <a:t>(lambda </a:t>
+            </a:r>
+            <a:r>
+              <a:rPr lang="pt-BR" dirty="0" err="1"/>
+              <a:t>peso,altura:peso</a:t>
+            </a:r>
+            <a:r>
+              <a:rPr lang="pt-BR" dirty="0"/>
+              <a:t>/(altura**2),</a:t>
+            </a:r>
+            <a:r>
+              <a:rPr lang="pt-BR" dirty="0" err="1"/>
+              <a:t>peso,altura</a:t>
+            </a:r>
+            <a:r>
+              <a:rPr lang="pt-BR" dirty="0"/>
+              <a:t>))</a:t>
+            </a:r>
+          </a:p>
+          <a:p>
+            <a:pPr marL="0" indent="0">
+              <a:buNone/>
+            </a:pPr>
+            <a:r>
+              <a:rPr lang="pt-BR" dirty="0"/>
+              <a:t>print(</a:t>
+            </a:r>
+            <a:r>
+              <a:rPr lang="pt-BR" dirty="0" err="1"/>
+              <a:t>imc</a:t>
+            </a:r>
+            <a:r>
+              <a:rPr lang="pt-BR" dirty="0"/>
+              <a:t>)</a:t>
+            </a:r>
+          </a:p>
+          <a:p>
+            <a:endParaRPr lang="pt-BR" dirty="0"/>
+          </a:p>
+        </p:txBody>
+      </p:sp>
+    </p:spTree>
+    <p:extLst>
+      <p:ext uri="{BB962C8B-B14F-4D97-AF65-F5344CB8AC3E}">
+        <p14:creationId xmlns:p14="http://schemas.microsoft.com/office/powerpoint/2010/main" val="585948075"/>
+      </p:ext>
+    </p:extLst>
+  </p:cSld>
+  <p:clrMapOvr>
+    <a:masterClrMapping/>
+  </p:clrMapOvr>
+</p:sld>
+</file>
+
+<file path=ppt/slides/slide51.xml><?xml version="1.0" encoding="utf-8"?>
+<p:sld xmlns:a="http://schemas.openxmlformats.org/drawingml/2006/main" xmlns:r="http://schemas.openxmlformats.org/officeDocument/2006/relationships" xmlns:p="http://schemas.openxmlformats.org/presentationml/2006/main">
+  <p:cSld>
+    <p:spTree>
+      <p:nvGrpSpPr>
+        <p:cNvPr id="1" name=""/>
+        <p:cNvGrpSpPr/>
+        <p:nvPr/>
+      </p:nvGrpSpPr>
+      <p:grpSpPr>
+        <a:xfrm>
+          <a:off x="0" y="0"/>
+          <a:ext cx="0" cy="0"/>
+          <a:chOff x="0" y="0"/>
+          <a:chExt cx="0" cy="0"/>
+        </a:xfrm>
+      </p:grpSpPr>
+      <p:sp>
+        <p:nvSpPr>
+          <p:cNvPr id="2" name="Título 1">
+            <a:extLst>
+              <a:ext uri="{FF2B5EF4-FFF2-40B4-BE49-F238E27FC236}">
+                <a16:creationId xmlns:a16="http://schemas.microsoft.com/office/drawing/2014/main" id="{232552D2-CDC9-301C-1954-61E0996ED57E}"/>
+              </a:ext>
+            </a:extLst>
+          </p:cNvPr>
+          <p:cNvSpPr>
+            <a:spLocks noGrp="1"/>
+          </p:cNvSpPr>
+          <p:nvPr>
+            <p:ph type="title"/>
+          </p:nvPr>
+        </p:nvSpPr>
+        <p:spPr/>
+        <p:txBody>
+          <a:bodyPr/>
+          <a:lstStyle/>
+          <a:p>
+            <a:r>
+              <a:rPr lang="pt-BR" dirty="0"/>
+              <a:t>EXERCÍCIO 04:</a:t>
+            </a:r>
+          </a:p>
+        </p:txBody>
+      </p:sp>
+      <p:sp>
+        <p:nvSpPr>
+          <p:cNvPr id="3" name="Espaço Reservado para Conteúdo 2">
+            <a:extLst>
+              <a:ext uri="{FF2B5EF4-FFF2-40B4-BE49-F238E27FC236}">
+                <a16:creationId xmlns:a16="http://schemas.microsoft.com/office/drawing/2014/main" id="{C1A05EF2-A5D6-4293-8704-C3BE1F22E6CF}"/>
+              </a:ext>
+            </a:extLst>
+          </p:cNvPr>
+          <p:cNvSpPr>
+            <a:spLocks noGrp="1"/>
+          </p:cNvSpPr>
+          <p:nvPr>
+            <p:ph idx="1"/>
+          </p:nvPr>
+        </p:nvSpPr>
+        <p:spPr/>
+        <p:txBody>
+          <a:bodyPr/>
+          <a:lstStyle/>
+          <a:p>
+            <a:endParaRPr lang="pt-BR"/>
+          </a:p>
+        </p:txBody>
+      </p:sp>
+    </p:spTree>
+    <p:extLst>
+      <p:ext uri="{BB962C8B-B14F-4D97-AF65-F5344CB8AC3E}">
+        <p14:creationId xmlns:p14="http://schemas.microsoft.com/office/powerpoint/2010/main" val="535533156"/>
+      </p:ext>
+    </p:extLst>
+  </p:cSld>
+  <p:clrMapOvr>
+    <a:masterClrMapping/>
+  </p:clrMapOvr>
+</p:sld>
+</file>
+
+<file path=ppt/slides/slide52.xml><?xml version="1.0" encoding="utf-8"?>
+<p:sld xmlns:a="http://schemas.openxmlformats.org/drawingml/2006/main" xmlns:r="http://schemas.openxmlformats.org/officeDocument/2006/relationships" xmlns:p="http://schemas.openxmlformats.org/presentationml/2006/main">
+  <p:cSld>
+    <p:spTree>
+      <p:nvGrpSpPr>
+        <p:cNvPr id="1" name=""/>
+        <p:cNvGrpSpPr/>
+        <p:nvPr/>
+      </p:nvGrpSpPr>
+      <p:grpSpPr>
+        <a:xfrm>
+          <a:off x="0" y="0"/>
+          <a:ext cx="0" cy="0"/>
+          <a:chOff x="0" y="0"/>
+          <a:chExt cx="0" cy="0"/>
+        </a:xfrm>
+      </p:grpSpPr>
+      <p:sp>
+        <p:nvSpPr>
+          <p:cNvPr id="2" name="Título 1">
+            <a:extLst>
+              <a:ext uri="{FF2B5EF4-FFF2-40B4-BE49-F238E27FC236}">
+                <a16:creationId xmlns:a16="http://schemas.microsoft.com/office/drawing/2014/main" id="{5176C504-3094-4F2C-5241-796FE623973B}"/>
+              </a:ext>
+            </a:extLst>
+          </p:cNvPr>
+          <p:cNvSpPr>
+            <a:spLocks noGrp="1"/>
+          </p:cNvSpPr>
+          <p:nvPr>
+            <p:ph type="title"/>
+          </p:nvPr>
+        </p:nvSpPr>
+        <p:spPr/>
+        <p:txBody>
+          <a:bodyPr/>
+          <a:lstStyle/>
+          <a:p>
+            <a:r>
+              <a:rPr lang="pt-BR" dirty="0"/>
+              <a:t>EXERCÍCIO 05:</a:t>
+            </a:r>
+          </a:p>
+        </p:txBody>
+      </p:sp>
+      <p:sp>
+        <p:nvSpPr>
+          <p:cNvPr id="3" name="Espaço Reservado para Conteúdo 2">
+            <a:extLst>
+              <a:ext uri="{FF2B5EF4-FFF2-40B4-BE49-F238E27FC236}">
+                <a16:creationId xmlns:a16="http://schemas.microsoft.com/office/drawing/2014/main" id="{BBD74392-6384-7988-FA59-C14702B16606}"/>
+              </a:ext>
+            </a:extLst>
+          </p:cNvPr>
+          <p:cNvSpPr>
+            <a:spLocks noGrp="1"/>
+          </p:cNvSpPr>
+          <p:nvPr>
+            <p:ph idx="1"/>
+          </p:nvPr>
+        </p:nvSpPr>
+        <p:spPr/>
+        <p:txBody>
+          <a:bodyPr/>
+          <a:lstStyle/>
+          <a:p>
+            <a:pPr marL="0" indent="0">
+              <a:buNone/>
+            </a:pPr>
+            <a:r>
+              <a:rPr lang="pt-BR" dirty="0"/>
+              <a:t>Dada a lista de números -3,-2,-1,0,1,2,3.</a:t>
+            </a:r>
+          </a:p>
+          <a:p>
+            <a:pPr marL="0" indent="0">
+              <a:buNone/>
+            </a:pPr>
+            <a:r>
+              <a:rPr lang="pt-BR" dirty="0"/>
+              <a:t> Faça um script que separe os números positivos e negativos em novas listas.</a:t>
+            </a:r>
+          </a:p>
+          <a:p>
+            <a:pPr marL="0" indent="0">
+              <a:buNone/>
+            </a:pPr>
+            <a:br>
+              <a:rPr lang="pt-BR" dirty="0"/>
+            </a:br>
+            <a:endParaRPr lang="pt-BR" dirty="0"/>
+          </a:p>
+        </p:txBody>
+      </p:sp>
+    </p:spTree>
+    <p:extLst>
+      <p:ext uri="{BB962C8B-B14F-4D97-AF65-F5344CB8AC3E}">
+        <p14:creationId xmlns:p14="http://schemas.microsoft.com/office/powerpoint/2010/main" val="3423116489"/>
+      </p:ext>
+    </p:extLst>
+  </p:cSld>
+  <p:clrMapOvr>
+    <a:masterClrMapping/>
+  </p:clrMapOvr>
+</p:sld>
+</file>
+
+<file path=ppt/slides/slide53.xml><?xml version="1.0" encoding="utf-8"?>
+<p:sld xmlns:a="http://schemas.openxmlformats.org/drawingml/2006/main" xmlns:r="http://schemas.openxmlformats.org/officeDocument/2006/relationships" xmlns:p="http://schemas.openxmlformats.org/presentationml/2006/main">
+  <p:cSld>
+    <p:spTree>
+      <p:nvGrpSpPr>
+        <p:cNvPr id="1" name=""/>
+        <p:cNvGrpSpPr/>
+        <p:nvPr/>
+      </p:nvGrpSpPr>
+      <p:grpSpPr>
+        <a:xfrm>
+          <a:off x="0" y="0"/>
+          <a:ext cx="0" cy="0"/>
+          <a:chOff x="0" y="0"/>
+          <a:chExt cx="0" cy="0"/>
+        </a:xfrm>
+      </p:grpSpPr>
+      <p:sp>
+        <p:nvSpPr>
+          <p:cNvPr id="2" name="Título 1">
+            <a:extLst>
+              <a:ext uri="{FF2B5EF4-FFF2-40B4-BE49-F238E27FC236}">
+                <a16:creationId xmlns:a16="http://schemas.microsoft.com/office/drawing/2014/main" id="{E903390D-E95D-51CB-CDFF-ECB55F10ED89}"/>
+              </a:ext>
+            </a:extLst>
+          </p:cNvPr>
+          <p:cNvSpPr>
+            <a:spLocks noGrp="1"/>
+          </p:cNvSpPr>
+          <p:nvPr>
+            <p:ph type="title"/>
+          </p:nvPr>
+        </p:nvSpPr>
+        <p:spPr/>
+        <p:txBody>
+          <a:bodyPr/>
+          <a:lstStyle/>
+          <a:p>
+            <a:r>
+              <a:rPr lang="pt-BR" dirty="0"/>
+              <a:t>Script</a:t>
+            </a:r>
+          </a:p>
+        </p:txBody>
+      </p:sp>
+      <p:sp>
+        <p:nvSpPr>
+          <p:cNvPr id="3" name="Espaço Reservado para Conteúdo 2">
+            <a:extLst>
+              <a:ext uri="{FF2B5EF4-FFF2-40B4-BE49-F238E27FC236}">
+                <a16:creationId xmlns:a16="http://schemas.microsoft.com/office/drawing/2014/main" id="{A3F2C17F-A4CE-8976-7859-5F1D06F81DF1}"/>
+              </a:ext>
+            </a:extLst>
+          </p:cNvPr>
+          <p:cNvSpPr>
+            <a:spLocks noGrp="1"/>
+          </p:cNvSpPr>
+          <p:nvPr>
+            <p:ph idx="1"/>
+          </p:nvPr>
+        </p:nvSpPr>
+        <p:spPr/>
+        <p:txBody>
+          <a:bodyPr/>
+          <a:lstStyle/>
+          <a:p>
+            <a:pPr marL="0" indent="0">
+              <a:buNone/>
+            </a:pPr>
+            <a:r>
+              <a:rPr lang="pt-BR" dirty="0"/>
+              <a:t>lista=[-3,-2,-1,0,1,2,3]</a:t>
+            </a:r>
+          </a:p>
+          <a:p>
+            <a:pPr marL="0" indent="0">
+              <a:buNone/>
+            </a:pPr>
+            <a:r>
+              <a:rPr lang="pt-BR" dirty="0" err="1"/>
+              <a:t>neg</a:t>
+            </a:r>
+            <a:r>
+              <a:rPr lang="pt-BR" dirty="0"/>
+              <a:t>=</a:t>
+            </a:r>
+            <a:r>
+              <a:rPr lang="pt-BR" dirty="0" err="1"/>
+              <a:t>list</a:t>
+            </a:r>
+            <a:r>
+              <a:rPr lang="pt-BR" dirty="0"/>
+              <a:t>(</a:t>
+            </a:r>
+            <a:r>
+              <a:rPr lang="pt-BR" dirty="0" err="1"/>
+              <a:t>filter</a:t>
+            </a:r>
+            <a:r>
+              <a:rPr lang="pt-BR" dirty="0"/>
+              <a:t>(lambda x:x&lt;0,lista))</a:t>
+            </a:r>
+          </a:p>
+          <a:p>
+            <a:pPr marL="0" indent="0">
+              <a:buNone/>
+            </a:pPr>
+            <a:r>
+              <a:rPr lang="pt-BR" dirty="0" err="1"/>
+              <a:t>pos</a:t>
+            </a:r>
+            <a:r>
+              <a:rPr lang="pt-BR" dirty="0"/>
+              <a:t>=</a:t>
+            </a:r>
+            <a:r>
+              <a:rPr lang="pt-BR" dirty="0" err="1"/>
+              <a:t>list</a:t>
+            </a:r>
+            <a:r>
+              <a:rPr lang="pt-BR" dirty="0"/>
+              <a:t>(</a:t>
+            </a:r>
+            <a:r>
+              <a:rPr lang="pt-BR" dirty="0" err="1"/>
+              <a:t>filter</a:t>
+            </a:r>
+            <a:r>
+              <a:rPr lang="pt-BR" dirty="0"/>
+              <a:t>(lambda x:x&gt;0,lista))</a:t>
+            </a:r>
+          </a:p>
+          <a:p>
+            <a:pPr marL="0" indent="0">
+              <a:buNone/>
+            </a:pPr>
+            <a:r>
+              <a:rPr lang="pt-BR" dirty="0"/>
+              <a:t>print(</a:t>
+            </a:r>
+            <a:r>
+              <a:rPr lang="pt-BR" dirty="0" err="1"/>
+              <a:t>neg</a:t>
+            </a:r>
+            <a:r>
+              <a:rPr lang="pt-BR" dirty="0"/>
+              <a:t>)</a:t>
+            </a:r>
+          </a:p>
+          <a:p>
+            <a:pPr marL="0" indent="0">
+              <a:buNone/>
+            </a:pPr>
+            <a:r>
+              <a:rPr lang="pt-BR" dirty="0"/>
+              <a:t>print(</a:t>
+            </a:r>
+            <a:r>
+              <a:rPr lang="pt-BR" dirty="0" err="1"/>
+              <a:t>pos</a:t>
+            </a:r>
+            <a:r>
+              <a:rPr lang="pt-BR" dirty="0"/>
+              <a:t>)</a:t>
+            </a:r>
+          </a:p>
+          <a:p>
+            <a:endParaRPr lang="pt-BR" dirty="0"/>
+          </a:p>
+        </p:txBody>
+      </p:sp>
+    </p:spTree>
+    <p:extLst>
+      <p:ext uri="{BB962C8B-B14F-4D97-AF65-F5344CB8AC3E}">
+        <p14:creationId xmlns:p14="http://schemas.microsoft.com/office/powerpoint/2010/main" val="2348283555"/>
+      </p:ext>
+    </p:extLst>
+  </p:cSld>
+  <p:clrMapOvr>
+    <a:masterClrMapping/>
+  </p:clrMapOvr>
+</p:sld>
+</file>
+
+<file path=ppt/slides/slide54.xml><?xml version="1.0" encoding="utf-8"?>
+<p:sld xmlns:a="http://schemas.openxmlformats.org/drawingml/2006/main" xmlns:r="http://schemas.openxmlformats.org/officeDocument/2006/relationships" xmlns:p="http://schemas.openxmlformats.org/presentationml/2006/main">
+  <p:cSld>
+    <p:spTree>
+      <p:nvGrpSpPr>
+        <p:cNvPr id="1" name=""/>
+        <p:cNvGrpSpPr/>
+        <p:nvPr/>
+      </p:nvGrpSpPr>
+      <p:grpSpPr>
+        <a:xfrm>
+          <a:off x="0" y="0"/>
+          <a:ext cx="0" cy="0"/>
+          <a:chOff x="0" y="0"/>
+          <a:chExt cx="0" cy="0"/>
+        </a:xfrm>
+      </p:grpSpPr>
+      <p:sp>
+        <p:nvSpPr>
+          <p:cNvPr id="2" name="Título 1">
+            <a:extLst>
+              <a:ext uri="{FF2B5EF4-FFF2-40B4-BE49-F238E27FC236}">
+                <a16:creationId xmlns:a16="http://schemas.microsoft.com/office/drawing/2014/main" id="{CF34D087-9A0B-5926-3F6A-AD51003047AF}"/>
+              </a:ext>
+            </a:extLst>
+          </p:cNvPr>
+          <p:cNvSpPr>
+            <a:spLocks noGrp="1"/>
+          </p:cNvSpPr>
+          <p:nvPr>
+            <p:ph type="title"/>
+          </p:nvPr>
+        </p:nvSpPr>
+        <p:spPr/>
+        <p:txBody>
+          <a:bodyPr/>
+          <a:lstStyle/>
+          <a:p>
+            <a:r>
+              <a:rPr lang="pt-BR" dirty="0"/>
+              <a:t>EXERCÍCIO 06:</a:t>
+            </a:r>
+          </a:p>
+        </p:txBody>
+      </p:sp>
+      <p:sp>
+        <p:nvSpPr>
+          <p:cNvPr id="3" name="Espaço Reservado para Conteúdo 2">
+            <a:extLst>
+              <a:ext uri="{FF2B5EF4-FFF2-40B4-BE49-F238E27FC236}">
+                <a16:creationId xmlns:a16="http://schemas.microsoft.com/office/drawing/2014/main" id="{002BA4A8-B00F-43A9-43A6-B2BD1C96BACA}"/>
+              </a:ext>
+            </a:extLst>
+          </p:cNvPr>
+          <p:cNvSpPr>
+            <a:spLocks noGrp="1"/>
+          </p:cNvSpPr>
+          <p:nvPr>
+            <p:ph idx="1"/>
+          </p:nvPr>
+        </p:nvSpPr>
+        <p:spPr/>
+        <p:txBody>
+          <a:bodyPr/>
+          <a:lstStyle/>
+          <a:p>
+            <a:r>
+              <a:rPr lang="pt-BR" dirty="0"/>
+              <a:t>Dado o </a:t>
+            </a:r>
+            <a:r>
+              <a:rPr lang="pt-BR" dirty="0" err="1"/>
+              <a:t>array</a:t>
+            </a:r>
+            <a:r>
+              <a:rPr lang="pt-BR" dirty="0"/>
+              <a:t>: </a:t>
+            </a:r>
+            <a:r>
+              <a:rPr lang="en-US" dirty="0"/>
+              <a:t>array = [“java", "python", "world", “html", “script", “filter", “reduce"]. </a:t>
+            </a:r>
+            <a:r>
+              <a:rPr lang="en-US" dirty="0" err="1"/>
+              <a:t>Filtrar</a:t>
+            </a:r>
+            <a:r>
+              <a:rPr lang="en-US" dirty="0"/>
+              <a:t> as strings que </a:t>
+            </a:r>
+            <a:r>
+              <a:rPr lang="en-US" dirty="0" err="1"/>
+              <a:t>tem</a:t>
+            </a:r>
+            <a:r>
+              <a:rPr lang="en-US" dirty="0"/>
+              <a:t> </a:t>
+            </a:r>
+            <a:r>
+              <a:rPr lang="en-US" dirty="0" err="1"/>
+              <a:t>tamanho</a:t>
+            </a:r>
+            <a:r>
+              <a:rPr lang="en-US" dirty="0"/>
+              <a:t> </a:t>
+            </a:r>
+            <a:r>
+              <a:rPr lang="en-US" dirty="0" err="1"/>
+              <a:t>igual</a:t>
+            </a:r>
+            <a:r>
+              <a:rPr lang="en-US" dirty="0"/>
+              <a:t> a 6.</a:t>
+            </a:r>
+          </a:p>
+          <a:p>
+            <a:endParaRPr lang="pt-BR" dirty="0"/>
+          </a:p>
+        </p:txBody>
+      </p:sp>
+    </p:spTree>
+    <p:extLst>
+      <p:ext uri="{BB962C8B-B14F-4D97-AF65-F5344CB8AC3E}">
+        <p14:creationId xmlns:p14="http://schemas.microsoft.com/office/powerpoint/2010/main" val="281266867"/>
+      </p:ext>
+    </p:extLst>
+  </p:cSld>
+  <p:clrMapOvr>
+    <a:masterClrMapping/>
+  </p:clrMapOvr>
+</p:sld>
+</file>
+
+<file path=ppt/slides/slide55.xml><?xml version="1.0" encoding="utf-8"?>
+<p:sld xmlns:a="http://schemas.openxmlformats.org/drawingml/2006/main" xmlns:r="http://schemas.openxmlformats.org/officeDocument/2006/relationships" xmlns:p="http://schemas.openxmlformats.org/presentationml/2006/main">
+  <p:cSld>
+    <p:spTree>
+      <p:nvGrpSpPr>
+        <p:cNvPr id="1" name=""/>
+        <p:cNvGrpSpPr/>
+        <p:nvPr/>
+      </p:nvGrpSpPr>
+      <p:grpSpPr>
+        <a:xfrm>
+          <a:off x="0" y="0"/>
+          <a:ext cx="0" cy="0"/>
+          <a:chOff x="0" y="0"/>
+          <a:chExt cx="0" cy="0"/>
+        </a:xfrm>
+      </p:grpSpPr>
+      <p:sp>
+        <p:nvSpPr>
+          <p:cNvPr id="2" name="Título 1">
+            <a:extLst>
+              <a:ext uri="{FF2B5EF4-FFF2-40B4-BE49-F238E27FC236}">
+                <a16:creationId xmlns:a16="http://schemas.microsoft.com/office/drawing/2014/main" id="{1908AA2C-62AD-6FD1-C79C-8B01683F9CBB}"/>
+              </a:ext>
+            </a:extLst>
+          </p:cNvPr>
+          <p:cNvSpPr>
+            <a:spLocks noGrp="1"/>
+          </p:cNvSpPr>
+          <p:nvPr>
+            <p:ph type="title"/>
+          </p:nvPr>
+        </p:nvSpPr>
+        <p:spPr/>
+        <p:txBody>
+          <a:bodyPr/>
+          <a:lstStyle/>
+          <a:p>
+            <a:r>
+              <a:rPr lang="pt-BR" dirty="0"/>
+              <a:t>Script</a:t>
+            </a:r>
+          </a:p>
+        </p:txBody>
+      </p:sp>
+      <p:sp>
+        <p:nvSpPr>
+          <p:cNvPr id="3" name="Espaço Reservado para Conteúdo 2">
+            <a:extLst>
+              <a:ext uri="{FF2B5EF4-FFF2-40B4-BE49-F238E27FC236}">
+                <a16:creationId xmlns:a16="http://schemas.microsoft.com/office/drawing/2014/main" id="{F806E178-1308-5626-1D3D-5476EC65E0F6}"/>
+              </a:ext>
+            </a:extLst>
+          </p:cNvPr>
+          <p:cNvSpPr>
+            <a:spLocks noGrp="1"/>
+          </p:cNvSpPr>
+          <p:nvPr>
+            <p:ph idx="1"/>
+          </p:nvPr>
+        </p:nvSpPr>
+        <p:spPr/>
+        <p:txBody>
+          <a:bodyPr/>
+          <a:lstStyle/>
+          <a:p>
+            <a:pPr marL="0" indent="0">
+              <a:buNone/>
+            </a:pPr>
+            <a:r>
+              <a:rPr lang="en-US" dirty="0"/>
+              <a:t>array = [“java", "python", "world", “html", “script", “filter", “reduce"]. </a:t>
+            </a:r>
+            <a:r>
+              <a:rPr lang="en-US" dirty="0" err="1"/>
+              <a:t>new_array</a:t>
+            </a:r>
+            <a:r>
+              <a:rPr lang="en-US" dirty="0"/>
+              <a:t> = list(filter(lambda x : </a:t>
+            </a:r>
+            <a:r>
+              <a:rPr lang="en-US" dirty="0" err="1"/>
+              <a:t>len</a:t>
+            </a:r>
+            <a:r>
+              <a:rPr lang="en-US" dirty="0"/>
+              <a:t>(x) == 6, array))</a:t>
+            </a:r>
+          </a:p>
+          <a:p>
+            <a:pPr marL="0" indent="0">
+              <a:buNone/>
+            </a:pPr>
+            <a:r>
+              <a:rPr lang="en-US" dirty="0"/>
+              <a:t>print("Array:", </a:t>
+            </a:r>
+            <a:r>
+              <a:rPr lang="en-US" dirty="0" err="1"/>
+              <a:t>new_array</a:t>
+            </a:r>
+            <a:r>
+              <a:rPr lang="en-US" dirty="0"/>
+              <a:t>)</a:t>
+            </a:r>
+          </a:p>
+          <a:p>
+            <a:endParaRPr lang="pt-BR" dirty="0"/>
+          </a:p>
+        </p:txBody>
+      </p:sp>
+    </p:spTree>
+    <p:extLst>
+      <p:ext uri="{BB962C8B-B14F-4D97-AF65-F5344CB8AC3E}">
+        <p14:creationId xmlns:p14="http://schemas.microsoft.com/office/powerpoint/2010/main" val="3960838138"/>
+      </p:ext>
+    </p:extLst>
+  </p:cSld>
+  <p:clrMapOvr>
+    <a:masterClrMapping/>
+  </p:clrMapOvr>
+</p:sld>
+</file>
+
+<file path=ppt/slides/slide56.xml><?xml version="1.0" encoding="utf-8"?>
+<p:sld xmlns:a="http://schemas.openxmlformats.org/drawingml/2006/main" xmlns:r="http://schemas.openxmlformats.org/officeDocument/2006/relationships" xmlns:p="http://schemas.openxmlformats.org/presentationml/2006/main">
+  <p:cSld>
+    <p:spTree>
+      <p:nvGrpSpPr>
+        <p:cNvPr id="1" name=""/>
+        <p:cNvGrpSpPr/>
+        <p:nvPr/>
+      </p:nvGrpSpPr>
+      <p:grpSpPr>
+        <a:xfrm>
+          <a:off x="0" y="0"/>
+          <a:ext cx="0" cy="0"/>
+          <a:chOff x="0" y="0"/>
+          <a:chExt cx="0" cy="0"/>
+        </a:xfrm>
+      </p:grpSpPr>
+      <p:sp>
+        <p:nvSpPr>
+          <p:cNvPr id="2" name="Título 1">
+            <a:extLst>
+              <a:ext uri="{FF2B5EF4-FFF2-40B4-BE49-F238E27FC236}">
+                <a16:creationId xmlns:a16="http://schemas.microsoft.com/office/drawing/2014/main" id="{DD31F0F7-AB98-5561-5A4D-BA4E97914AC6}"/>
+              </a:ext>
+            </a:extLst>
+          </p:cNvPr>
+          <p:cNvSpPr>
+            <a:spLocks noGrp="1"/>
+          </p:cNvSpPr>
+          <p:nvPr>
+            <p:ph type="title"/>
+          </p:nvPr>
+        </p:nvSpPr>
+        <p:spPr/>
+        <p:txBody>
+          <a:bodyPr/>
+          <a:lstStyle/>
+          <a:p>
+            <a:r>
+              <a:rPr lang="pt-BR" dirty="0"/>
+              <a:t>EXERCÍCIO 07:</a:t>
+            </a:r>
+          </a:p>
+        </p:txBody>
+      </p:sp>
+      <p:sp>
+        <p:nvSpPr>
+          <p:cNvPr id="3" name="Espaço Reservado para Conteúdo 2">
+            <a:extLst>
+              <a:ext uri="{FF2B5EF4-FFF2-40B4-BE49-F238E27FC236}">
+                <a16:creationId xmlns:a16="http://schemas.microsoft.com/office/drawing/2014/main" id="{E25EE224-BC6A-6438-5D1F-121FB12B6743}"/>
+              </a:ext>
+            </a:extLst>
+          </p:cNvPr>
+          <p:cNvSpPr>
+            <a:spLocks noGrp="1"/>
+          </p:cNvSpPr>
+          <p:nvPr>
+            <p:ph idx="1"/>
+          </p:nvPr>
+        </p:nvSpPr>
+        <p:spPr/>
+        <p:txBody>
+          <a:bodyPr/>
+          <a:lstStyle/>
+          <a:p>
+            <a:r>
+              <a:rPr lang="pt-BR" dirty="0"/>
+              <a:t>Dada a lista  de nomes: L = [“</a:t>
+            </a:r>
+            <a:r>
+              <a:rPr lang="pt-BR" dirty="0" err="1"/>
+              <a:t>python</a:t>
+            </a:r>
+            <a:r>
+              <a:rPr lang="pt-BR" dirty="0"/>
+              <a:t>", “print", “</a:t>
+            </a:r>
+            <a:r>
+              <a:rPr lang="pt-BR" dirty="0" err="1"/>
+              <a:t>power</a:t>
+            </a:r>
+            <a:r>
+              <a:rPr lang="pt-BR" dirty="0"/>
+              <a:t>", “</a:t>
+            </a:r>
+            <a:r>
+              <a:rPr lang="pt-BR" dirty="0" err="1"/>
+              <a:t>java</a:t>
+            </a:r>
+            <a:r>
+              <a:rPr lang="pt-BR" dirty="0"/>
+              <a:t>", “</a:t>
+            </a:r>
+            <a:r>
+              <a:rPr lang="pt-BR" dirty="0" err="1"/>
+              <a:t>filter</a:t>
+            </a:r>
+            <a:r>
+              <a:rPr lang="pt-BR" dirty="0"/>
+              <a:t>“, “</a:t>
+            </a:r>
+            <a:r>
+              <a:rPr lang="pt-BR" dirty="0" err="1"/>
+              <a:t>map</a:t>
+            </a:r>
+            <a:r>
+              <a:rPr lang="pt-BR" dirty="0"/>
+              <a:t>”] escreva um script que filtre as palavras que começam com p.</a:t>
+            </a:r>
+          </a:p>
+          <a:p>
+            <a:endParaRPr lang="pt-BR" dirty="0"/>
+          </a:p>
+        </p:txBody>
+      </p:sp>
+    </p:spTree>
+    <p:extLst>
+      <p:ext uri="{BB962C8B-B14F-4D97-AF65-F5344CB8AC3E}">
+        <p14:creationId xmlns:p14="http://schemas.microsoft.com/office/powerpoint/2010/main" val="1499956513"/>
+      </p:ext>
+    </p:extLst>
+  </p:cSld>
+  <p:clrMapOvr>
+    <a:masterClrMapping/>
+  </p:clrMapOvr>
+</p:sld>
+</file>
+
+<file path=ppt/slides/slide57.xml><?xml version="1.0" encoding="utf-8"?>
+<p:sld xmlns:a="http://schemas.openxmlformats.org/drawingml/2006/main" xmlns:r="http://schemas.openxmlformats.org/officeDocument/2006/relationships" xmlns:p="http://schemas.openxmlformats.org/presentationml/2006/main">
+  <p:cSld>
+    <p:spTree>
+      <p:nvGrpSpPr>
+        <p:cNvPr id="1" name=""/>
+        <p:cNvGrpSpPr/>
+        <p:nvPr/>
+      </p:nvGrpSpPr>
+      <p:grpSpPr>
+        <a:xfrm>
+          <a:off x="0" y="0"/>
+          <a:ext cx="0" cy="0"/>
+          <a:chOff x="0" y="0"/>
+          <a:chExt cx="0" cy="0"/>
+        </a:xfrm>
+      </p:grpSpPr>
+      <p:sp>
+        <p:nvSpPr>
+          <p:cNvPr id="2" name="Título 1">
+            <a:extLst>
+              <a:ext uri="{FF2B5EF4-FFF2-40B4-BE49-F238E27FC236}">
+                <a16:creationId xmlns:a16="http://schemas.microsoft.com/office/drawing/2014/main" id="{D35E3E21-A436-5F58-F88F-25200B86B9F2}"/>
+              </a:ext>
+            </a:extLst>
+          </p:cNvPr>
+          <p:cNvSpPr>
+            <a:spLocks noGrp="1"/>
+          </p:cNvSpPr>
+          <p:nvPr>
+            <p:ph type="title"/>
+          </p:nvPr>
+        </p:nvSpPr>
+        <p:spPr/>
+        <p:txBody>
+          <a:bodyPr/>
+          <a:lstStyle/>
+          <a:p>
+            <a:r>
+              <a:rPr lang="pt-BR" dirty="0"/>
+              <a:t>Script:</a:t>
+            </a:r>
+          </a:p>
+        </p:txBody>
+      </p:sp>
+      <p:sp>
+        <p:nvSpPr>
+          <p:cNvPr id="3" name="Espaço Reservado para Conteúdo 2">
+            <a:extLst>
+              <a:ext uri="{FF2B5EF4-FFF2-40B4-BE49-F238E27FC236}">
+                <a16:creationId xmlns:a16="http://schemas.microsoft.com/office/drawing/2014/main" id="{E3035BF5-776B-6734-A2FB-9D2C7B185538}"/>
+              </a:ext>
+            </a:extLst>
+          </p:cNvPr>
+          <p:cNvSpPr>
+            <a:spLocks noGrp="1"/>
+          </p:cNvSpPr>
+          <p:nvPr>
+            <p:ph idx="1"/>
+          </p:nvPr>
+        </p:nvSpPr>
+        <p:spPr/>
+        <p:txBody>
+          <a:bodyPr/>
+          <a:lstStyle/>
+          <a:p>
+            <a:pPr marL="0" indent="0">
+              <a:buNone/>
+            </a:pPr>
+            <a:r>
+              <a:rPr lang="pt-BR" dirty="0"/>
+              <a:t>L = ["</a:t>
+            </a:r>
+            <a:r>
+              <a:rPr lang="pt-BR" dirty="0" err="1"/>
+              <a:t>python</a:t>
+            </a:r>
+            <a:r>
+              <a:rPr lang="pt-BR" dirty="0"/>
+              <a:t>", "print", "</a:t>
+            </a:r>
+            <a:r>
+              <a:rPr lang="pt-BR" dirty="0" err="1"/>
+              <a:t>power</a:t>
+            </a:r>
+            <a:r>
+              <a:rPr lang="pt-BR" dirty="0"/>
+              <a:t>", "</a:t>
+            </a:r>
+            <a:r>
+              <a:rPr lang="pt-BR" dirty="0" err="1"/>
+              <a:t>java</a:t>
+            </a:r>
+            <a:r>
+              <a:rPr lang="pt-BR" dirty="0"/>
+              <a:t>", "</a:t>
+            </a:r>
+            <a:r>
+              <a:rPr lang="pt-BR" dirty="0" err="1"/>
+              <a:t>filter</a:t>
+            </a:r>
+            <a:r>
+              <a:rPr lang="pt-BR" dirty="0"/>
+              <a:t>", "</a:t>
+            </a:r>
+            <a:r>
+              <a:rPr lang="pt-BR" dirty="0" err="1"/>
+              <a:t>map</a:t>
+            </a:r>
+            <a:r>
+              <a:rPr lang="pt-BR" dirty="0"/>
+              <a:t>"] </a:t>
+            </a:r>
+          </a:p>
+          <a:p>
+            <a:pPr marL="0" indent="0">
+              <a:buNone/>
+            </a:pPr>
+            <a:r>
+              <a:rPr lang="pt-BR" dirty="0" err="1"/>
+              <a:t>filter_L</a:t>
+            </a:r>
+            <a:r>
+              <a:rPr lang="pt-BR" dirty="0"/>
+              <a:t> = </a:t>
+            </a:r>
+            <a:r>
+              <a:rPr lang="pt-BR" dirty="0" err="1"/>
+              <a:t>list</a:t>
+            </a:r>
+            <a:r>
+              <a:rPr lang="pt-BR" dirty="0"/>
+              <a:t>(</a:t>
+            </a:r>
+            <a:r>
+              <a:rPr lang="pt-BR" dirty="0" err="1"/>
+              <a:t>filter</a:t>
+            </a:r>
+            <a:r>
+              <a:rPr lang="pt-BR" dirty="0"/>
+              <a:t>(lambda </a:t>
+            </a:r>
+            <a:r>
+              <a:rPr lang="pt-BR" dirty="0" err="1"/>
+              <a:t>str</a:t>
+            </a:r>
+            <a:r>
+              <a:rPr lang="pt-BR" dirty="0"/>
+              <a:t>: </a:t>
+            </a:r>
+            <a:r>
+              <a:rPr lang="pt-BR" dirty="0" err="1"/>
+              <a:t>str</a:t>
+            </a:r>
+            <a:r>
+              <a:rPr lang="pt-BR" dirty="0"/>
+              <a:t>[0] == "p" , L))</a:t>
+            </a:r>
+          </a:p>
+          <a:p>
+            <a:pPr marL="0" indent="0">
+              <a:buNone/>
+            </a:pPr>
+            <a:r>
+              <a:rPr lang="pt-BR" dirty="0"/>
+              <a:t>print(</a:t>
+            </a:r>
+            <a:r>
+              <a:rPr lang="pt-BR" dirty="0" err="1"/>
+              <a:t>filter_L</a:t>
+            </a:r>
+            <a:r>
+              <a:rPr lang="pt-BR" dirty="0"/>
+              <a:t>)</a:t>
+            </a:r>
+          </a:p>
+          <a:p>
+            <a:endParaRPr lang="pt-BR" dirty="0"/>
+          </a:p>
+        </p:txBody>
+      </p:sp>
+    </p:spTree>
+    <p:extLst>
+      <p:ext uri="{BB962C8B-B14F-4D97-AF65-F5344CB8AC3E}">
+        <p14:creationId xmlns:p14="http://schemas.microsoft.com/office/powerpoint/2010/main" val="1885233750"/>
       </p:ext>
     </p:extLst>
   </p:cSld>
@@ -10971,7 +12807,7 @@
           <a:p>
             <a:r>
               <a:rPr lang="pt-BR" sz="3100" b="1" dirty="0"/>
-              <a:t>Exercício: Criar uma função que faz o cálculo do salário e retorna o valor a ser pago conforme o número de horas trabalhadas.</a:t>
+              <a:t>Exercício 01: Criar uma função que faz o cálculo do salário e retorna o valor a ser pago conforme o número de horas trabalhadas.</a:t>
             </a:r>
             <a:br>
               <a:rPr lang="pt-BR" dirty="0"/>
@@ -11197,7 +13033,7 @@
           <p:cNvPr id="2" name="Título 1">
             <a:extLst>
               <a:ext uri="{FF2B5EF4-FFF2-40B4-BE49-F238E27FC236}">
-                <a16:creationId xmlns:a16="http://schemas.microsoft.com/office/drawing/2014/main" id="{FCE00DA9-1AE5-1770-0E01-B5A53DAE94EB}"/>
+                <a16:creationId xmlns:a16="http://schemas.microsoft.com/office/drawing/2014/main" id="{4F8C1F0B-BE68-E0DF-8466-DA9D57B3502A}"/>
               </a:ext>
             </a:extLst>
           </p:cNvPr>
@@ -11215,7 +13051,7 @@
           <a:p>
             <a:r>
               <a:rPr lang="pt-BR" dirty="0"/>
-              <a:t>Valores Padrão (ou Valores Default)</a:t>
+              <a:t>EXERCÍCIO 02:</a:t>
             </a:r>
           </a:p>
         </p:txBody>
@@ -11225,7 +13061,7 @@
           <p:cNvPr id="3" name="Espaço Reservado para Conteúdo 2">
             <a:extLst>
               <a:ext uri="{FF2B5EF4-FFF2-40B4-BE49-F238E27FC236}">
-                <a16:creationId xmlns:a16="http://schemas.microsoft.com/office/drawing/2014/main" id="{9267BE04-5451-A549-2B51-6C650FB2DBE8}"/>
+                <a16:creationId xmlns:a16="http://schemas.microsoft.com/office/drawing/2014/main" id="{10047F84-A7EF-044B-B24E-36CCF40A0666}"/>
               </a:ext>
             </a:extLst>
           </p:cNvPr>
@@ -11238,112 +13074,83 @@
         </p:nvSpPr>
         <p:spPr/>
         <p:txBody>
-          <a:bodyPr>
-            <a:normAutofit/>
-          </a:bodyPr>
-          <a:lstStyle/>
-          <a:p>
-            <a:r>
-              <a:rPr lang="pt-BR" dirty="0"/>
-              <a:t>Exemplo:</a:t>
-            </a:r>
-          </a:p>
-          <a:p>
-            <a:pPr marL="0" indent="0">
-              <a:buNone/>
-            </a:pPr>
-            <a:r>
-              <a:rPr lang="pt-BR" dirty="0" err="1"/>
-              <a:t>def</a:t>
-            </a:r>
-            <a:r>
-              <a:rPr lang="pt-BR" dirty="0"/>
-              <a:t> flor(flor='Rosa', cor='Vermelha'):</a:t>
-            </a:r>
-          </a:p>
-          <a:p>
-            <a:pPr marL="0" indent="0">
-              <a:buNone/>
-            </a:pPr>
-            <a:r>
-              <a:rPr lang="pt-BR" dirty="0"/>
-              <a:t>    print(</a:t>
-            </a:r>
-            <a:r>
-              <a:rPr lang="pt-BR" dirty="0" err="1"/>
-              <a:t>f"A</a:t>
-            </a:r>
-            <a:r>
-              <a:rPr lang="pt-BR" dirty="0"/>
-              <a:t> cor da {flor} é {cor}")</a:t>
-            </a:r>
-          </a:p>
-          <a:p>
-            <a:pPr marL="0" indent="0">
-              <a:buNone/>
-            </a:pPr>
-            <a:r>
-              <a:rPr lang="pt-BR" dirty="0"/>
-              <a:t>flor()</a:t>
-            </a:r>
-          </a:p>
-          <a:p>
-            <a:pPr marL="0" indent="0">
-              <a:buNone/>
-            </a:pPr>
+          <a:bodyPr/>
+          <a:lstStyle/>
+          <a:p>
+            <a:r>
+              <a:rPr lang="pt-BR" dirty="0"/>
+              <a:t>Fazer um script que calcule o salário final de um programador da seguinte maneira:</a:t>
+            </a:r>
+          </a:p>
+          <a:p>
+            <a:r>
+              <a:rPr lang="pt-BR" dirty="0"/>
+              <a:t>Defina o valor da hora-programação=50, salário-base=1000 e </a:t>
+            </a:r>
+            <a:r>
+              <a:rPr lang="pt-BR" dirty="0" err="1"/>
+              <a:t>valor_hora_extra</a:t>
+            </a:r>
+            <a:r>
+              <a:rPr lang="pt-BR" dirty="0"/>
+              <a:t>=25. Variável de input quantidade-horas-trabalhada.</a:t>
+            </a:r>
+          </a:p>
+          <a:p>
+            <a:r>
+              <a:rPr lang="pt-BR" dirty="0"/>
+              <a:t>Se a quantidade-</a:t>
+            </a:r>
+            <a:r>
+              <a:rPr lang="pt-BR" dirty="0" err="1"/>
+              <a:t>horas_trabalhadas</a:t>
+            </a:r>
+            <a:r>
+              <a:rPr lang="pt-BR" dirty="0"/>
+              <a:t> for igual a 40hs, então o </a:t>
+            </a:r>
+            <a:r>
+              <a:rPr lang="pt-BR" dirty="0" err="1"/>
+              <a:t>salário_total</a:t>
+            </a:r>
+            <a:r>
+              <a:rPr lang="pt-BR" dirty="0"/>
+              <a:t>=</a:t>
+            </a:r>
+            <a:r>
+              <a:rPr lang="pt-BR" dirty="0" err="1"/>
+              <a:t>salario_base+hora-programação</a:t>
+            </a:r>
+            <a:r>
+              <a:rPr lang="pt-BR" dirty="0"/>
+              <a:t> x quantidade-</a:t>
+            </a:r>
+            <a:r>
+              <a:rPr lang="pt-BR" dirty="0" err="1"/>
+              <a:t>horas_trabalhadas</a:t>
+            </a:r>
             <a:endParaRPr lang="pt-BR" dirty="0"/>
           </a:p>
           <a:p>
-            <a:pPr marL="0" indent="0">
-              <a:buNone/>
-            </a:pPr>
-            <a:r>
-              <a:rPr lang="pt-BR" dirty="0" err="1"/>
-              <a:t>def</a:t>
-            </a:r>
-            <a:r>
-              <a:rPr lang="pt-BR" dirty="0"/>
-              <a:t> flor(flor='Rosa', cor='Vermelha'):</a:t>
-            </a:r>
-          </a:p>
-          <a:p>
-            <a:pPr marL="0" indent="0">
-              <a:buNone/>
-            </a:pPr>
-            <a:r>
-              <a:rPr lang="pt-BR" dirty="0"/>
-              <a:t>    print(</a:t>
-            </a:r>
-            <a:r>
-              <a:rPr lang="pt-BR" dirty="0" err="1"/>
-              <a:t>f"A</a:t>
-            </a:r>
-            <a:r>
-              <a:rPr lang="pt-BR" dirty="0"/>
-              <a:t> cor da {flor} é {cor}")</a:t>
-            </a:r>
-          </a:p>
-          <a:p>
-            <a:pPr marL="0" indent="0">
-              <a:buNone/>
-            </a:pPr>
-            <a:r>
-              <a:rPr lang="pt-BR" dirty="0"/>
-              <a:t>flor("Orquídea", "Azul")</a:t>
-            </a:r>
-          </a:p>
-          <a:p>
-            <a:pPr marL="0" indent="0">
-              <a:buNone/>
-            </a:pPr>
-            <a:endParaRPr lang="pt-BR" dirty="0"/>
+            <a:r>
+              <a:rPr lang="pt-BR" dirty="0"/>
+              <a:t>Se a quantidade-</a:t>
+            </a:r>
+            <a:r>
+              <a:rPr lang="pt-BR" dirty="0" err="1"/>
+              <a:t>horas_trabalhadas</a:t>
+            </a:r>
+            <a:r>
+              <a:rPr lang="pt-BR" dirty="0"/>
+              <a:t> for maior 40hs então entra um adicional de horas-extra=25 por hora.</a:t>
+            </a:r>
           </a:p>
         </p:txBody>
       </p:sp>
     </p:spTree>
     <p:extLst>
       <p:ext uri="{BB962C8B-B14F-4D97-AF65-F5344CB8AC3E}">
-        <p14:creationId xmlns:p14="http://schemas.microsoft.com/office/powerpoint/2010/main" val="592765512"/>
+        <p14:creationId xmlns:p14="http://schemas.microsoft.com/office/powerpoint/2010/main" val="1548771488"/>
       </p:ext>
     </p:extLst>
   </p:cSld>
